--- a/lectures/bigpicture.pptx
+++ b/lectures/bigpicture.pptx
@@ -5,10 +5,11 @@
     <p:sldMasterId id="2147483648" r:id="rId1"/>
   </p:sldMasterIdLst>
   <p:notesMasterIdLst>
-    <p:notesMasterId r:id="rId3"/>
+    <p:notesMasterId r:id="rId4"/>
   </p:notesMasterIdLst>
   <p:sldIdLst>
     <p:sldId id="256" r:id="rId2"/>
+    <p:sldId id="257" r:id="rId3"/>
   </p:sldIdLst>
   <p:sldSz cx="12192000" cy="6858000"/>
   <p:notesSz cx="6858000" cy="9144000"/>
@@ -107,6 +108,11 @@
       </a:defRPr>
     </a:lvl9pPr>
   </p:defaultTextStyle>
+  <p:extLst>
+    <p:ext uri="{EFAFB233-063F-42B5-8137-9DF3F51BA10A}">
+      <p15:sldGuideLst xmlns:p15="http://schemas.microsoft.com/office/powerpoint/2012/main"/>
+    </p:ext>
+  </p:extLst>
 </p:presentation>
 </file>
 
@@ -192,7 +198,7 @@
           <a:p>
             <a:fld id="{BBC4DB05-C945-C747-B382-4E82932B24E9}" type="datetimeFigureOut">
               <a:rPr lang="en-US" smtClean="0"/>
-              <a:t>1/16/19</a:t>
+              <a:t>1/24/19</a:t>
             </a:fld>
             <a:endParaRPr lang="en-US"/>
           </a:p>
@@ -591,7 +597,7 @@
           <a:p>
             <a:fld id="{D96CA765-E67D-9D49-B66A-BAAEE6ABB8B6}" type="datetimeFigureOut">
               <a:rPr lang="en-US" smtClean="0"/>
-              <a:t>1/16/19</a:t>
+              <a:t>1/24/19</a:t>
             </a:fld>
             <a:endParaRPr lang="en-US"/>
           </a:p>
@@ -761,7 +767,7 @@
           <a:p>
             <a:fld id="{D96CA765-E67D-9D49-B66A-BAAEE6ABB8B6}" type="datetimeFigureOut">
               <a:rPr lang="en-US" smtClean="0"/>
-              <a:t>1/16/19</a:t>
+              <a:t>1/24/19</a:t>
             </a:fld>
             <a:endParaRPr lang="en-US"/>
           </a:p>
@@ -941,7 +947,7 @@
           <a:p>
             <a:fld id="{D96CA765-E67D-9D49-B66A-BAAEE6ABB8B6}" type="datetimeFigureOut">
               <a:rPr lang="en-US" smtClean="0"/>
-              <a:t>1/16/19</a:t>
+              <a:t>1/24/19</a:t>
             </a:fld>
             <a:endParaRPr lang="en-US"/>
           </a:p>
@@ -1111,7 +1117,7 @@
           <a:p>
             <a:fld id="{D96CA765-E67D-9D49-B66A-BAAEE6ABB8B6}" type="datetimeFigureOut">
               <a:rPr lang="en-US" smtClean="0"/>
-              <a:t>1/16/19</a:t>
+              <a:t>1/24/19</a:t>
             </a:fld>
             <a:endParaRPr lang="en-US"/>
           </a:p>
@@ -1357,7 +1363,7 @@
           <a:p>
             <a:fld id="{D96CA765-E67D-9D49-B66A-BAAEE6ABB8B6}" type="datetimeFigureOut">
               <a:rPr lang="en-US" smtClean="0"/>
-              <a:t>1/16/19</a:t>
+              <a:t>1/24/19</a:t>
             </a:fld>
             <a:endParaRPr lang="en-US"/>
           </a:p>
@@ -1589,7 +1595,7 @@
           <a:p>
             <a:fld id="{D96CA765-E67D-9D49-B66A-BAAEE6ABB8B6}" type="datetimeFigureOut">
               <a:rPr lang="en-US" smtClean="0"/>
-              <a:t>1/16/19</a:t>
+              <a:t>1/24/19</a:t>
             </a:fld>
             <a:endParaRPr lang="en-US"/>
           </a:p>
@@ -1956,7 +1962,7 @@
           <a:p>
             <a:fld id="{D96CA765-E67D-9D49-B66A-BAAEE6ABB8B6}" type="datetimeFigureOut">
               <a:rPr lang="en-US" smtClean="0"/>
-              <a:t>1/16/19</a:t>
+              <a:t>1/24/19</a:t>
             </a:fld>
             <a:endParaRPr lang="en-US"/>
           </a:p>
@@ -2074,7 +2080,7 @@
           <a:p>
             <a:fld id="{D96CA765-E67D-9D49-B66A-BAAEE6ABB8B6}" type="datetimeFigureOut">
               <a:rPr lang="en-US" smtClean="0"/>
-              <a:t>1/16/19</a:t>
+              <a:t>1/24/19</a:t>
             </a:fld>
             <a:endParaRPr lang="en-US"/>
           </a:p>
@@ -2169,7 +2175,7 @@
           <a:p>
             <a:fld id="{D96CA765-E67D-9D49-B66A-BAAEE6ABB8B6}" type="datetimeFigureOut">
               <a:rPr lang="en-US" smtClean="0"/>
-              <a:t>1/16/19</a:t>
+              <a:t>1/24/19</a:t>
             </a:fld>
             <a:endParaRPr lang="en-US"/>
           </a:p>
@@ -2446,7 +2452,7 @@
           <a:p>
             <a:fld id="{D96CA765-E67D-9D49-B66A-BAAEE6ABB8B6}" type="datetimeFigureOut">
               <a:rPr lang="en-US" smtClean="0"/>
-              <a:t>1/16/19</a:t>
+              <a:t>1/24/19</a:t>
             </a:fld>
             <a:endParaRPr lang="en-US"/>
           </a:p>
@@ -2699,7 +2705,7 @@
           <a:p>
             <a:fld id="{D96CA765-E67D-9D49-B66A-BAAEE6ABB8B6}" type="datetimeFigureOut">
               <a:rPr lang="en-US" smtClean="0"/>
-              <a:t>1/16/19</a:t>
+              <a:t>1/24/19</a:t>
             </a:fld>
             <a:endParaRPr lang="en-US"/>
           </a:p>
@@ -2912,7 +2918,7 @@
           <a:p>
             <a:fld id="{D96CA765-E67D-9D49-B66A-BAAEE6ABB8B6}" type="datetimeFigureOut">
               <a:rPr lang="en-US" smtClean="0"/>
-              <a:t>1/16/19</a:t>
+              <a:t>1/24/19</a:t>
             </a:fld>
             <a:endParaRPr lang="en-US"/>
           </a:p>
@@ -4810,6 +4816,1495 @@
     <p:extLst>
       <p:ext uri="{BB962C8B-B14F-4D97-AF65-F5344CB8AC3E}">
         <p14:creationId xmlns:p14="http://schemas.microsoft.com/office/powerpoint/2010/main" val="1891106093"/>
+      </p:ext>
+    </p:extLst>
+  </p:cSld>
+  <p:clrMapOvr>
+    <a:masterClrMapping/>
+  </p:clrMapOvr>
+</p:sld>
+</file>
+
+<file path=ppt/slides/slide2.xml><?xml version="1.0" encoding="utf-8"?>
+<p:sld xmlns:a="http://schemas.openxmlformats.org/drawingml/2006/main" xmlns:r="http://schemas.openxmlformats.org/officeDocument/2006/relationships" xmlns:p="http://schemas.openxmlformats.org/presentationml/2006/main">
+  <p:cSld>
+    <p:bg>
+      <p:bgPr>
+        <a:solidFill>
+          <a:schemeClr val="tx1"/>
+        </a:solidFill>
+        <a:effectLst/>
+      </p:bgPr>
+    </p:bg>
+    <p:spTree>
+      <p:nvGrpSpPr>
+        <p:cNvPr id="1" name=""/>
+        <p:cNvGrpSpPr/>
+        <p:nvPr/>
+      </p:nvGrpSpPr>
+      <p:grpSpPr>
+        <a:xfrm>
+          <a:off x="0" y="0"/>
+          <a:ext cx="0" cy="0"/>
+          <a:chOff x="0" y="0"/>
+          <a:chExt cx="0" cy="0"/>
+        </a:xfrm>
+      </p:grpSpPr>
+      <p:pic>
+        <p:nvPicPr>
+          <p:cNvPr id="42" name="Picture 41"/>
+          <p:cNvPicPr>
+            <a:picLocks noChangeAspect="1"/>
+          </p:cNvPicPr>
+          <p:nvPr/>
+        </p:nvPicPr>
+        <p:blipFill rotWithShape="1">
+          <a:blip r:embed="rId2">
+            <a:alphaModFix amt="50000"/>
+            <a:extLst>
+              <a:ext uri="{28A0092B-C50C-407E-A947-70E740481C1C}">
+                <a14:useLocalDpi xmlns:a14="http://schemas.microsoft.com/office/drawing/2010/main" val="0"/>
+              </a:ext>
+            </a:extLst>
+          </a:blip>
+          <a:srcRect b="2174"/>
+          <a:stretch/>
+        </p:blipFill>
+        <p:spPr>
+          <a:xfrm>
+            <a:off x="20" y="11704"/>
+            <a:ext cx="12191980" cy="6857999"/>
+          </a:xfrm>
+          <a:prstGeom prst="rect">
+            <a:avLst/>
+          </a:prstGeom>
+        </p:spPr>
+      </p:pic>
+      <p:sp>
+        <p:nvSpPr>
+          <p:cNvPr id="5" name="Rectangle 4"/>
+          <p:cNvSpPr/>
+          <p:nvPr/>
+        </p:nvSpPr>
+        <p:spPr>
+          <a:xfrm>
+            <a:off x="4943408" y="278098"/>
+            <a:ext cx="6898640" cy="6347791"/>
+          </a:xfrm>
+          <a:prstGeom prst="rect">
+            <a:avLst/>
+          </a:prstGeom>
+          <a:ln w="38100">
+            <a:solidFill>
+              <a:schemeClr val="tx1"/>
+            </a:solidFill>
+          </a:ln>
+        </p:spPr>
+        <p:style>
+          <a:lnRef idx="2">
+            <a:schemeClr val="accent1">
+              <a:shade val="50000"/>
+            </a:schemeClr>
+          </a:lnRef>
+          <a:fillRef idx="1">
+            <a:schemeClr val="accent1"/>
+          </a:fillRef>
+          <a:effectRef idx="0">
+            <a:schemeClr val="accent1"/>
+          </a:effectRef>
+          <a:fontRef idx="minor">
+            <a:schemeClr val="lt1"/>
+          </a:fontRef>
+        </p:style>
+        <p:txBody>
+          <a:bodyPr rtlCol="0" anchor="t"/>
+          <a:lstStyle/>
+          <a:p>
+            <a:pPr algn="r"/>
+            <a:r>
+              <a:rPr lang="en-US" dirty="0" smtClean="0"/>
+              <a:t>Linux</a:t>
+            </a:r>
+            <a:endParaRPr lang="en-US" dirty="0"/>
+          </a:p>
+        </p:txBody>
+      </p:sp>
+      <p:sp>
+        <p:nvSpPr>
+          <p:cNvPr id="4" name="Rectangle 3"/>
+          <p:cNvSpPr/>
+          <p:nvPr/>
+        </p:nvSpPr>
+        <p:spPr>
+          <a:xfrm>
+            <a:off x="873960" y="278098"/>
+            <a:ext cx="2680252" cy="6347791"/>
+          </a:xfrm>
+          <a:prstGeom prst="rect">
+            <a:avLst/>
+          </a:prstGeom>
+          <a:ln w="38100">
+            <a:solidFill>
+              <a:schemeClr val="tx1"/>
+            </a:solidFill>
+          </a:ln>
+        </p:spPr>
+        <p:style>
+          <a:lnRef idx="2">
+            <a:schemeClr val="accent1">
+              <a:shade val="50000"/>
+            </a:schemeClr>
+          </a:lnRef>
+          <a:fillRef idx="1">
+            <a:schemeClr val="accent1"/>
+          </a:fillRef>
+          <a:effectRef idx="0">
+            <a:schemeClr val="accent1"/>
+          </a:effectRef>
+          <a:fontRef idx="minor">
+            <a:schemeClr val="lt1"/>
+          </a:fontRef>
+        </p:style>
+        <p:txBody>
+          <a:bodyPr rtlCol="0" anchor="t"/>
+          <a:lstStyle/>
+          <a:p>
+            <a:pPr algn="r"/>
+            <a:r>
+              <a:rPr lang="en-US" dirty="0" smtClean="0"/>
+              <a:t>Browser</a:t>
+            </a:r>
+            <a:endParaRPr lang="en-US" dirty="0"/>
+          </a:p>
+        </p:txBody>
+      </p:sp>
+      <p:sp>
+        <p:nvSpPr>
+          <p:cNvPr id="6" name="Rectangle 5"/>
+          <p:cNvSpPr/>
+          <p:nvPr/>
+        </p:nvSpPr>
+        <p:spPr>
+          <a:xfrm>
+            <a:off x="6197282" y="870579"/>
+            <a:ext cx="5370445" cy="5548575"/>
+          </a:xfrm>
+          <a:prstGeom prst="rect">
+            <a:avLst/>
+          </a:prstGeom>
+          <a:solidFill>
+            <a:srgbClr val="002060"/>
+          </a:solidFill>
+          <a:ln w="38100">
+            <a:solidFill>
+              <a:schemeClr val="bg1"/>
+            </a:solidFill>
+          </a:ln>
+        </p:spPr>
+        <p:style>
+          <a:lnRef idx="2">
+            <a:schemeClr val="accent1">
+              <a:shade val="50000"/>
+            </a:schemeClr>
+          </a:lnRef>
+          <a:fillRef idx="1">
+            <a:schemeClr val="accent1"/>
+          </a:fillRef>
+          <a:effectRef idx="0">
+            <a:schemeClr val="accent1"/>
+          </a:effectRef>
+          <a:fontRef idx="minor">
+            <a:schemeClr val="lt1"/>
+          </a:fontRef>
+        </p:style>
+        <p:txBody>
+          <a:bodyPr rtlCol="0" anchor="t"/>
+          <a:lstStyle/>
+          <a:p>
+            <a:pPr algn="r"/>
+            <a:r>
+              <a:rPr lang="en-US" dirty="0" err="1" smtClean="0"/>
+              <a:t>DJango</a:t>
+            </a:r>
+            <a:endParaRPr lang="en-US" dirty="0"/>
+          </a:p>
+        </p:txBody>
+      </p:sp>
+      <p:sp>
+        <p:nvSpPr>
+          <p:cNvPr id="7" name="TextBox 6"/>
+          <p:cNvSpPr txBox="1"/>
+          <p:nvPr/>
+        </p:nvSpPr>
+        <p:spPr>
+          <a:xfrm>
+            <a:off x="6197282" y="404858"/>
+            <a:ext cx="1295291" cy="369332"/>
+          </a:xfrm>
+          <a:prstGeom prst="rect">
+            <a:avLst/>
+          </a:prstGeom>
+          <a:solidFill>
+            <a:schemeClr val="bg1"/>
+          </a:solidFill>
+        </p:spPr>
+        <p:txBody>
+          <a:bodyPr wrap="none" rtlCol="0">
+            <a:spAutoFit/>
+          </a:bodyPr>
+          <a:lstStyle/>
+          <a:p>
+            <a:r>
+              <a:rPr lang="en-US" dirty="0" err="1" smtClean="0"/>
+              <a:t>WGSIConfig</a:t>
+            </a:r>
+            <a:endParaRPr lang="en-US" dirty="0"/>
+          </a:p>
+        </p:txBody>
+      </p:sp>
+      <p:sp>
+        <p:nvSpPr>
+          <p:cNvPr id="9" name="Rounded Rectangle 8"/>
+          <p:cNvSpPr/>
+          <p:nvPr/>
+        </p:nvSpPr>
+        <p:spPr>
+          <a:xfrm>
+            <a:off x="6717874" y="1101696"/>
+            <a:ext cx="1086678" cy="1033669"/>
+          </a:xfrm>
+          <a:prstGeom prst="roundRect">
+            <a:avLst/>
+          </a:prstGeom>
+          <a:solidFill>
+            <a:srgbClr val="0070C0"/>
+          </a:solidFill>
+        </p:spPr>
+        <p:style>
+          <a:lnRef idx="1">
+            <a:schemeClr val="dk1"/>
+          </a:lnRef>
+          <a:fillRef idx="2">
+            <a:schemeClr val="dk1"/>
+          </a:fillRef>
+          <a:effectRef idx="1">
+            <a:schemeClr val="dk1"/>
+          </a:effectRef>
+          <a:fontRef idx="minor">
+            <a:schemeClr val="dk1"/>
+          </a:fontRef>
+        </p:style>
+        <p:txBody>
+          <a:bodyPr rtlCol="0" anchor="ctr"/>
+          <a:lstStyle/>
+          <a:p>
+            <a:pPr algn="ctr"/>
+            <a:r>
+              <a:rPr lang="en-US" smtClean="0">
+                <a:solidFill>
+                  <a:schemeClr val="bg1"/>
+                </a:solidFill>
+              </a:rPr>
+              <a:t>Routing</a:t>
+            </a:r>
+            <a:endParaRPr lang="en-US">
+              <a:solidFill>
+                <a:schemeClr val="bg1"/>
+              </a:solidFill>
+            </a:endParaRPr>
+          </a:p>
+        </p:txBody>
+      </p:sp>
+      <p:sp>
+        <p:nvSpPr>
+          <p:cNvPr id="10" name="Rounded Rectangle 9"/>
+          <p:cNvSpPr/>
+          <p:nvPr/>
+        </p:nvSpPr>
+        <p:spPr>
+          <a:xfrm>
+            <a:off x="6717874" y="2675805"/>
+            <a:ext cx="1086678" cy="1033669"/>
+          </a:xfrm>
+          <a:prstGeom prst="roundRect">
+            <a:avLst/>
+          </a:prstGeom>
+          <a:solidFill>
+            <a:srgbClr val="0070C0"/>
+          </a:solidFill>
+        </p:spPr>
+        <p:style>
+          <a:lnRef idx="1">
+            <a:schemeClr val="dk1"/>
+          </a:lnRef>
+          <a:fillRef idx="2">
+            <a:schemeClr val="dk1"/>
+          </a:fillRef>
+          <a:effectRef idx="1">
+            <a:schemeClr val="dk1"/>
+          </a:effectRef>
+          <a:fontRef idx="minor">
+            <a:schemeClr val="dk1"/>
+          </a:fontRef>
+        </p:style>
+        <p:txBody>
+          <a:bodyPr rtlCol="0" anchor="ctr"/>
+          <a:lstStyle/>
+          <a:p>
+            <a:pPr algn="ctr"/>
+            <a:r>
+              <a:rPr lang="en-US" dirty="0" smtClean="0">
+                <a:solidFill>
+                  <a:schemeClr val="bg1"/>
+                </a:solidFill>
+              </a:rPr>
+              <a:t>Views</a:t>
+            </a:r>
+            <a:endParaRPr lang="en-US" dirty="0">
+              <a:solidFill>
+                <a:schemeClr val="bg1"/>
+              </a:solidFill>
+            </a:endParaRPr>
+          </a:p>
+        </p:txBody>
+      </p:sp>
+      <p:sp>
+        <p:nvSpPr>
+          <p:cNvPr id="11" name="Can 10"/>
+          <p:cNvSpPr/>
+          <p:nvPr/>
+        </p:nvSpPr>
+        <p:spPr>
+          <a:xfrm>
+            <a:off x="8997578" y="4173528"/>
+            <a:ext cx="1577009" cy="646266"/>
+          </a:xfrm>
+          <a:prstGeom prst="can">
+            <a:avLst/>
+          </a:prstGeom>
+          <a:solidFill>
+            <a:srgbClr val="0070C0"/>
+          </a:solidFill>
+        </p:spPr>
+        <p:style>
+          <a:lnRef idx="2">
+            <a:schemeClr val="accent1">
+              <a:shade val="50000"/>
+            </a:schemeClr>
+          </a:lnRef>
+          <a:fillRef idx="1">
+            <a:schemeClr val="accent1"/>
+          </a:fillRef>
+          <a:effectRef idx="0">
+            <a:schemeClr val="accent1"/>
+          </a:effectRef>
+          <a:fontRef idx="minor">
+            <a:schemeClr val="lt1"/>
+          </a:fontRef>
+        </p:style>
+        <p:txBody>
+          <a:bodyPr rtlCol="0" anchor="ctr"/>
+          <a:lstStyle/>
+          <a:p>
+            <a:pPr algn="ctr"/>
+            <a:r>
+              <a:rPr lang="en-US" dirty="0" smtClean="0"/>
+              <a:t>Database</a:t>
+            </a:r>
+            <a:endParaRPr lang="en-US" dirty="0"/>
+          </a:p>
+        </p:txBody>
+      </p:sp>
+      <p:sp>
+        <p:nvSpPr>
+          <p:cNvPr id="13" name="Rounded Rectangle 12"/>
+          <p:cNvSpPr/>
+          <p:nvPr/>
+        </p:nvSpPr>
+        <p:spPr>
+          <a:xfrm>
+            <a:off x="10057748" y="2898335"/>
+            <a:ext cx="1367113" cy="516836"/>
+          </a:xfrm>
+          <a:prstGeom prst="roundRect">
+            <a:avLst/>
+          </a:prstGeom>
+        </p:spPr>
+        <p:style>
+          <a:lnRef idx="1">
+            <a:schemeClr val="dk1"/>
+          </a:lnRef>
+          <a:fillRef idx="2">
+            <a:schemeClr val="dk1"/>
+          </a:fillRef>
+          <a:effectRef idx="1">
+            <a:schemeClr val="dk1"/>
+          </a:effectRef>
+          <a:fontRef idx="minor">
+            <a:schemeClr val="dk1"/>
+          </a:fontRef>
+        </p:style>
+        <p:txBody>
+          <a:bodyPr rtlCol="0" anchor="ctr"/>
+          <a:lstStyle/>
+          <a:p>
+            <a:pPr algn="ctr"/>
+            <a:r>
+              <a:rPr lang="en-US" smtClean="0"/>
+              <a:t>Templates</a:t>
+            </a:r>
+            <a:endParaRPr lang="en-US" dirty="0" smtClean="0"/>
+          </a:p>
+        </p:txBody>
+      </p:sp>
+      <p:sp>
+        <p:nvSpPr>
+          <p:cNvPr id="16" name="Rounded Rectangle 15"/>
+          <p:cNvSpPr/>
+          <p:nvPr/>
+        </p:nvSpPr>
+        <p:spPr>
+          <a:xfrm>
+            <a:off x="8218183" y="404637"/>
+            <a:ext cx="1603514" cy="369554"/>
+          </a:xfrm>
+          <a:prstGeom prst="roundRect">
+            <a:avLst/>
+          </a:prstGeom>
+        </p:spPr>
+        <p:style>
+          <a:lnRef idx="1">
+            <a:schemeClr val="dk1"/>
+          </a:lnRef>
+          <a:fillRef idx="2">
+            <a:schemeClr val="dk1"/>
+          </a:fillRef>
+          <a:effectRef idx="1">
+            <a:schemeClr val="dk1"/>
+          </a:effectRef>
+          <a:fontRef idx="minor">
+            <a:schemeClr val="dk1"/>
+          </a:fontRef>
+        </p:style>
+        <p:txBody>
+          <a:bodyPr rtlCol="0" anchor="ctr"/>
+          <a:lstStyle/>
+          <a:p>
+            <a:pPr algn="ctr"/>
+            <a:r>
+              <a:rPr lang="en-US" smtClean="0"/>
+              <a:t>settings.py</a:t>
+            </a:r>
+            <a:endParaRPr lang="en-US" dirty="0"/>
+          </a:p>
+        </p:txBody>
+      </p:sp>
+      <p:cxnSp>
+        <p:nvCxnSpPr>
+          <p:cNvPr id="21" name="Straight Arrow Connector 20"/>
+          <p:cNvCxnSpPr>
+            <a:endCxn id="7" idx="3"/>
+          </p:cNvCxnSpPr>
+          <p:nvPr/>
+        </p:nvCxnSpPr>
+        <p:spPr>
+          <a:xfrm flipH="1">
+            <a:off x="7492573" y="589414"/>
+            <a:ext cx="725611" cy="110"/>
+          </a:xfrm>
+          <a:prstGeom prst="straightConnector1">
+            <a:avLst/>
+          </a:prstGeom>
+          <a:ln w="38100">
+            <a:solidFill>
+              <a:schemeClr val="bg1"/>
+            </a:solidFill>
+            <a:tailEnd type="triangle"/>
+          </a:ln>
+        </p:spPr>
+        <p:style>
+          <a:lnRef idx="1">
+            <a:schemeClr val="accent1"/>
+          </a:lnRef>
+          <a:fillRef idx="0">
+            <a:schemeClr val="accent1"/>
+          </a:fillRef>
+          <a:effectRef idx="0">
+            <a:schemeClr val="accent1"/>
+          </a:effectRef>
+          <a:fontRef idx="minor">
+            <a:schemeClr val="tx1"/>
+          </a:fontRef>
+        </p:style>
+      </p:cxnSp>
+      <p:sp>
+        <p:nvSpPr>
+          <p:cNvPr id="23" name="Rectangle 22"/>
+          <p:cNvSpPr/>
+          <p:nvPr/>
+        </p:nvSpPr>
+        <p:spPr>
+          <a:xfrm>
+            <a:off x="5209995" y="404637"/>
+            <a:ext cx="516835" cy="6105958"/>
+          </a:xfrm>
+          <a:prstGeom prst="rect">
+            <a:avLst/>
+          </a:prstGeom>
+          <a:solidFill>
+            <a:srgbClr val="002060"/>
+          </a:solidFill>
+          <a:ln w="38100">
+            <a:solidFill>
+              <a:schemeClr val="bg1"/>
+            </a:solidFill>
+          </a:ln>
+        </p:spPr>
+        <p:style>
+          <a:lnRef idx="2">
+            <a:schemeClr val="accent1">
+              <a:shade val="50000"/>
+            </a:schemeClr>
+          </a:lnRef>
+          <a:fillRef idx="1">
+            <a:schemeClr val="accent1"/>
+          </a:fillRef>
+          <a:effectRef idx="0">
+            <a:schemeClr val="accent1"/>
+          </a:effectRef>
+          <a:fontRef idx="minor">
+            <a:schemeClr val="lt1"/>
+          </a:fontRef>
+        </p:style>
+        <p:txBody>
+          <a:bodyPr rtlCol="0" anchor="ctr"/>
+          <a:lstStyle/>
+          <a:p>
+            <a:pPr algn="ctr"/>
+            <a:r>
+              <a:rPr lang="en-US" dirty="0" smtClean="0"/>
+              <a:t>N</a:t>
+            </a:r>
+          </a:p>
+          <a:p>
+            <a:pPr algn="ctr"/>
+            <a:r>
+              <a:rPr lang="en-US" dirty="0" smtClean="0"/>
+              <a:t>G</a:t>
+            </a:r>
+          </a:p>
+          <a:p>
+            <a:pPr algn="ctr"/>
+            <a:r>
+              <a:rPr lang="en-US" dirty="0" smtClean="0"/>
+              <a:t>I</a:t>
+            </a:r>
+          </a:p>
+          <a:p>
+            <a:pPr algn="ctr"/>
+            <a:r>
+              <a:rPr lang="en-US" dirty="0" smtClean="0"/>
+              <a:t>N</a:t>
+            </a:r>
+            <a:br>
+              <a:rPr lang="en-US" dirty="0" smtClean="0"/>
+            </a:br>
+            <a:r>
+              <a:rPr lang="en-US" dirty="0" smtClean="0"/>
+              <a:t>X</a:t>
+            </a:r>
+            <a:endParaRPr lang="en-US" dirty="0"/>
+          </a:p>
+        </p:txBody>
+      </p:sp>
+      <p:cxnSp>
+        <p:nvCxnSpPr>
+          <p:cNvPr id="28" name="Straight Arrow Connector 27"/>
+          <p:cNvCxnSpPr>
+            <a:stCxn id="15" idx="1"/>
+            <a:endCxn id="9" idx="3"/>
+          </p:cNvCxnSpPr>
+          <p:nvPr/>
+        </p:nvCxnSpPr>
+        <p:spPr>
+          <a:xfrm flipH="1">
+            <a:off x="7804552" y="1610800"/>
+            <a:ext cx="1318368" cy="7731"/>
+          </a:xfrm>
+          <a:prstGeom prst="straightConnector1">
+            <a:avLst/>
+          </a:prstGeom>
+          <a:ln w="38100">
+            <a:solidFill>
+              <a:schemeClr val="bg1"/>
+            </a:solidFill>
+            <a:tailEnd type="triangle"/>
+          </a:ln>
+        </p:spPr>
+        <p:style>
+          <a:lnRef idx="1">
+            <a:schemeClr val="accent1"/>
+          </a:lnRef>
+          <a:fillRef idx="0">
+            <a:schemeClr val="accent1"/>
+          </a:fillRef>
+          <a:effectRef idx="0">
+            <a:schemeClr val="accent1"/>
+          </a:effectRef>
+          <a:fontRef idx="minor">
+            <a:schemeClr val="tx1"/>
+          </a:fontRef>
+        </p:style>
+      </p:cxnSp>
+      <p:cxnSp>
+        <p:nvCxnSpPr>
+          <p:cNvPr id="31" name="Straight Arrow Connector 30"/>
+          <p:cNvCxnSpPr>
+            <a:stCxn id="24" idx="1"/>
+            <a:endCxn id="10" idx="3"/>
+          </p:cNvCxnSpPr>
+          <p:nvPr/>
+        </p:nvCxnSpPr>
+        <p:spPr>
+          <a:xfrm flipH="1">
+            <a:off x="7804552" y="2600260"/>
+            <a:ext cx="538604" cy="592380"/>
+          </a:xfrm>
+          <a:prstGeom prst="straightConnector1">
+            <a:avLst/>
+          </a:prstGeom>
+          <a:ln w="38100">
+            <a:solidFill>
+              <a:schemeClr val="bg1"/>
+            </a:solidFill>
+            <a:tailEnd type="triangle"/>
+          </a:ln>
+        </p:spPr>
+        <p:style>
+          <a:lnRef idx="1">
+            <a:schemeClr val="accent1"/>
+          </a:lnRef>
+          <a:fillRef idx="0">
+            <a:schemeClr val="accent1"/>
+          </a:fillRef>
+          <a:effectRef idx="0">
+            <a:schemeClr val="accent1"/>
+          </a:effectRef>
+          <a:fontRef idx="minor">
+            <a:schemeClr val="tx1"/>
+          </a:fontRef>
+        </p:style>
+      </p:cxnSp>
+      <p:cxnSp>
+        <p:nvCxnSpPr>
+          <p:cNvPr id="34" name="Straight Arrow Connector 33"/>
+          <p:cNvCxnSpPr>
+            <a:stCxn id="13" idx="1"/>
+            <a:endCxn id="10" idx="3"/>
+          </p:cNvCxnSpPr>
+          <p:nvPr/>
+        </p:nvCxnSpPr>
+        <p:spPr>
+          <a:xfrm flipH="1">
+            <a:off x="7804552" y="3156753"/>
+            <a:ext cx="2253196" cy="35887"/>
+          </a:xfrm>
+          <a:prstGeom prst="straightConnector1">
+            <a:avLst/>
+          </a:prstGeom>
+          <a:ln w="38100">
+            <a:solidFill>
+              <a:srgbClr val="FFFF00"/>
+            </a:solidFill>
+            <a:tailEnd type="triangle"/>
+          </a:ln>
+        </p:spPr>
+        <p:style>
+          <a:lnRef idx="1">
+            <a:schemeClr val="accent1"/>
+          </a:lnRef>
+          <a:fillRef idx="0">
+            <a:schemeClr val="accent1"/>
+          </a:fillRef>
+          <a:effectRef idx="0">
+            <a:schemeClr val="accent1"/>
+          </a:effectRef>
+          <a:fontRef idx="minor">
+            <a:schemeClr val="tx1"/>
+          </a:fontRef>
+        </p:style>
+      </p:cxnSp>
+      <p:cxnSp>
+        <p:nvCxnSpPr>
+          <p:cNvPr id="37" name="Straight Arrow Connector 36"/>
+          <p:cNvCxnSpPr>
+            <a:stCxn id="14" idx="1"/>
+            <a:endCxn id="10" idx="3"/>
+          </p:cNvCxnSpPr>
+          <p:nvPr/>
+        </p:nvCxnSpPr>
+        <p:spPr>
+          <a:xfrm flipH="1" flipV="1">
+            <a:off x="7804552" y="3192640"/>
+            <a:ext cx="547424" cy="385449"/>
+          </a:xfrm>
+          <a:prstGeom prst="straightConnector1">
+            <a:avLst/>
+          </a:prstGeom>
+          <a:ln w="38100">
+            <a:solidFill>
+              <a:schemeClr val="bg1"/>
+            </a:solidFill>
+            <a:tailEnd type="triangle"/>
+          </a:ln>
+        </p:spPr>
+        <p:style>
+          <a:lnRef idx="1">
+            <a:schemeClr val="accent1"/>
+          </a:lnRef>
+          <a:fillRef idx="0">
+            <a:schemeClr val="accent1"/>
+          </a:fillRef>
+          <a:effectRef idx="0">
+            <a:schemeClr val="accent1"/>
+          </a:effectRef>
+          <a:fontRef idx="minor">
+            <a:schemeClr val="tx1"/>
+          </a:fontRef>
+        </p:style>
+      </p:cxnSp>
+      <p:cxnSp>
+        <p:nvCxnSpPr>
+          <p:cNvPr id="40" name="Straight Arrow Connector 39"/>
+          <p:cNvCxnSpPr>
+            <a:stCxn id="11" idx="2"/>
+            <a:endCxn id="49" idx="3"/>
+          </p:cNvCxnSpPr>
+          <p:nvPr/>
+        </p:nvCxnSpPr>
+        <p:spPr>
+          <a:xfrm flipH="1">
+            <a:off x="7804552" y="4496661"/>
+            <a:ext cx="1193026" cy="420590"/>
+          </a:xfrm>
+          <a:prstGeom prst="straightConnector1">
+            <a:avLst/>
+          </a:prstGeom>
+          <a:ln w="38100">
+            <a:solidFill>
+              <a:srgbClr val="FFFF00"/>
+            </a:solidFill>
+            <a:headEnd type="triangle" w="med" len="med"/>
+            <a:tailEnd type="triangle" w="med" len="med"/>
+          </a:ln>
+        </p:spPr>
+        <p:style>
+          <a:lnRef idx="1">
+            <a:schemeClr val="accent1"/>
+          </a:lnRef>
+          <a:fillRef idx="0">
+            <a:schemeClr val="accent1"/>
+          </a:fillRef>
+          <a:effectRef idx="0">
+            <a:schemeClr val="accent1"/>
+          </a:effectRef>
+          <a:fontRef idx="minor">
+            <a:schemeClr val="tx1"/>
+          </a:fontRef>
+        </p:style>
+      </p:cxnSp>
+      <p:sp>
+        <p:nvSpPr>
+          <p:cNvPr id="15" name="Rounded Rectangle 14"/>
+          <p:cNvSpPr/>
+          <p:nvPr/>
+        </p:nvSpPr>
+        <p:spPr>
+          <a:xfrm>
+            <a:off x="9122920" y="1385733"/>
+            <a:ext cx="1439996" cy="450133"/>
+          </a:xfrm>
+          <a:prstGeom prst="roundRect">
+            <a:avLst/>
+          </a:prstGeom>
+        </p:spPr>
+        <p:style>
+          <a:lnRef idx="1">
+            <a:schemeClr val="dk1"/>
+          </a:lnRef>
+          <a:fillRef idx="2">
+            <a:schemeClr val="dk1"/>
+          </a:fillRef>
+          <a:effectRef idx="1">
+            <a:schemeClr val="dk1"/>
+          </a:effectRef>
+          <a:fontRef idx="minor">
+            <a:schemeClr val="dk1"/>
+          </a:fontRef>
+        </p:style>
+        <p:txBody>
+          <a:bodyPr rtlCol="0" anchor="ctr"/>
+          <a:lstStyle/>
+          <a:p>
+            <a:pPr algn="ctr"/>
+            <a:r>
+              <a:rPr lang="en-US" dirty="0" err="1" smtClean="0"/>
+              <a:t>urls.py</a:t>
+            </a:r>
+            <a:endParaRPr lang="en-US" dirty="0"/>
+          </a:p>
+        </p:txBody>
+      </p:sp>
+      <p:sp>
+        <p:nvSpPr>
+          <p:cNvPr id="24" name="Rounded Rectangle 23"/>
+          <p:cNvSpPr/>
+          <p:nvPr/>
+        </p:nvSpPr>
+        <p:spPr>
+          <a:xfrm>
+            <a:off x="8343156" y="2341842"/>
+            <a:ext cx="1308844" cy="516836"/>
+          </a:xfrm>
+          <a:prstGeom prst="roundRect">
+            <a:avLst/>
+          </a:prstGeom>
+        </p:spPr>
+        <p:style>
+          <a:lnRef idx="1">
+            <a:schemeClr val="dk1"/>
+          </a:lnRef>
+          <a:fillRef idx="2">
+            <a:schemeClr val="dk1"/>
+          </a:fillRef>
+          <a:effectRef idx="1">
+            <a:schemeClr val="dk1"/>
+          </a:effectRef>
+          <a:fontRef idx="minor">
+            <a:schemeClr val="dk1"/>
+          </a:fontRef>
+        </p:style>
+        <p:txBody>
+          <a:bodyPr rtlCol="0" anchor="ctr"/>
+          <a:lstStyle/>
+          <a:p>
+            <a:pPr algn="ctr"/>
+            <a:r>
+              <a:rPr lang="en-US" dirty="0" err="1" smtClean="0"/>
+              <a:t>views.py</a:t>
+            </a:r>
+            <a:endParaRPr lang="en-US" dirty="0" smtClean="0"/>
+          </a:p>
+        </p:txBody>
+      </p:sp>
+      <p:sp>
+        <p:nvSpPr>
+          <p:cNvPr id="14" name="Rounded Rectangle 13"/>
+          <p:cNvSpPr/>
+          <p:nvPr/>
+        </p:nvSpPr>
+        <p:spPr>
+          <a:xfrm>
+            <a:off x="8351976" y="3327246"/>
+            <a:ext cx="1355820" cy="501686"/>
+          </a:xfrm>
+          <a:prstGeom prst="roundRect">
+            <a:avLst/>
+          </a:prstGeom>
+        </p:spPr>
+        <p:style>
+          <a:lnRef idx="1">
+            <a:schemeClr val="dk1"/>
+          </a:lnRef>
+          <a:fillRef idx="2">
+            <a:schemeClr val="dk1"/>
+          </a:fillRef>
+          <a:effectRef idx="1">
+            <a:schemeClr val="dk1"/>
+          </a:effectRef>
+          <a:fontRef idx="minor">
+            <a:schemeClr val="dk1"/>
+          </a:fontRef>
+        </p:style>
+        <p:txBody>
+          <a:bodyPr rtlCol="0" anchor="ctr"/>
+          <a:lstStyle/>
+          <a:p>
+            <a:pPr algn="ctr"/>
+            <a:r>
+              <a:rPr lang="en-US" dirty="0" err="1" smtClean="0"/>
+              <a:t>forms.py</a:t>
+            </a:r>
+            <a:endParaRPr lang="en-US" dirty="0"/>
+          </a:p>
+        </p:txBody>
+      </p:sp>
+      <p:sp>
+        <p:nvSpPr>
+          <p:cNvPr id="49" name="Rounded Rectangle 48"/>
+          <p:cNvSpPr/>
+          <p:nvPr/>
+        </p:nvSpPr>
+        <p:spPr>
+          <a:xfrm>
+            <a:off x="6717874" y="4400416"/>
+            <a:ext cx="1086678" cy="1033669"/>
+          </a:xfrm>
+          <a:prstGeom prst="roundRect">
+            <a:avLst/>
+          </a:prstGeom>
+          <a:solidFill>
+            <a:srgbClr val="0070C0"/>
+          </a:solidFill>
+        </p:spPr>
+        <p:style>
+          <a:lnRef idx="1">
+            <a:schemeClr val="dk1"/>
+          </a:lnRef>
+          <a:fillRef idx="2">
+            <a:schemeClr val="dk1"/>
+          </a:fillRef>
+          <a:effectRef idx="1">
+            <a:schemeClr val="dk1"/>
+          </a:effectRef>
+          <a:fontRef idx="minor">
+            <a:schemeClr val="dk1"/>
+          </a:fontRef>
+        </p:style>
+        <p:txBody>
+          <a:bodyPr rtlCol="0" anchor="ctr"/>
+          <a:lstStyle/>
+          <a:p>
+            <a:pPr algn="ctr"/>
+            <a:r>
+              <a:rPr lang="en-US" dirty="0" smtClean="0">
+                <a:solidFill>
+                  <a:schemeClr val="bg1"/>
+                </a:solidFill>
+              </a:rPr>
+              <a:t>Models</a:t>
+            </a:r>
+            <a:endParaRPr lang="en-US" dirty="0">
+              <a:solidFill>
+                <a:schemeClr val="bg1"/>
+              </a:solidFill>
+            </a:endParaRPr>
+          </a:p>
+        </p:txBody>
+      </p:sp>
+      <p:cxnSp>
+        <p:nvCxnSpPr>
+          <p:cNvPr id="56" name="Straight Arrow Connector 55"/>
+          <p:cNvCxnSpPr>
+            <a:stCxn id="76" idx="1"/>
+            <a:endCxn id="49" idx="3"/>
+          </p:cNvCxnSpPr>
+          <p:nvPr/>
+        </p:nvCxnSpPr>
+        <p:spPr>
+          <a:xfrm flipH="1" flipV="1">
+            <a:off x="7804552" y="4917251"/>
+            <a:ext cx="1389196" cy="511060"/>
+          </a:xfrm>
+          <a:prstGeom prst="straightConnector1">
+            <a:avLst/>
+          </a:prstGeom>
+          <a:ln w="38100">
+            <a:solidFill>
+              <a:schemeClr val="bg1"/>
+            </a:solidFill>
+            <a:tailEnd type="triangle"/>
+          </a:ln>
+        </p:spPr>
+        <p:style>
+          <a:lnRef idx="1">
+            <a:schemeClr val="accent1"/>
+          </a:lnRef>
+          <a:fillRef idx="0">
+            <a:schemeClr val="accent1"/>
+          </a:fillRef>
+          <a:effectRef idx="0">
+            <a:schemeClr val="accent1"/>
+          </a:effectRef>
+          <a:fontRef idx="minor">
+            <a:schemeClr val="tx1"/>
+          </a:fontRef>
+        </p:style>
+      </p:cxnSp>
+      <p:cxnSp>
+        <p:nvCxnSpPr>
+          <p:cNvPr id="60" name="Straight Arrow Connector 59"/>
+          <p:cNvCxnSpPr>
+            <a:endCxn id="10" idx="0"/>
+          </p:cNvCxnSpPr>
+          <p:nvPr/>
+        </p:nvCxnSpPr>
+        <p:spPr>
+          <a:xfrm>
+            <a:off x="7261213" y="2135365"/>
+            <a:ext cx="0" cy="540440"/>
+          </a:xfrm>
+          <a:prstGeom prst="straightConnector1">
+            <a:avLst/>
+          </a:prstGeom>
+          <a:ln w="38100">
+            <a:solidFill>
+              <a:srgbClr val="FFFF00"/>
+            </a:solidFill>
+            <a:tailEnd type="triangle"/>
+          </a:ln>
+        </p:spPr>
+        <p:style>
+          <a:lnRef idx="1">
+            <a:schemeClr val="accent1"/>
+          </a:lnRef>
+          <a:fillRef idx="0">
+            <a:schemeClr val="accent1"/>
+          </a:fillRef>
+          <a:effectRef idx="0">
+            <a:schemeClr val="accent1"/>
+          </a:effectRef>
+          <a:fontRef idx="minor">
+            <a:schemeClr val="tx1"/>
+          </a:fontRef>
+        </p:style>
+      </p:cxnSp>
+      <p:cxnSp>
+        <p:nvCxnSpPr>
+          <p:cNvPr id="64" name="Straight Arrow Connector 63"/>
+          <p:cNvCxnSpPr>
+            <a:stCxn id="49" idx="0"/>
+            <a:endCxn id="10" idx="2"/>
+          </p:cNvCxnSpPr>
+          <p:nvPr/>
+        </p:nvCxnSpPr>
+        <p:spPr>
+          <a:xfrm flipV="1">
+            <a:off x="7261213" y="3709474"/>
+            <a:ext cx="0" cy="690942"/>
+          </a:xfrm>
+          <a:prstGeom prst="straightConnector1">
+            <a:avLst/>
+          </a:prstGeom>
+          <a:ln w="38100">
+            <a:solidFill>
+              <a:srgbClr val="FFFF00"/>
+            </a:solidFill>
+            <a:headEnd type="triangle" w="med" len="med"/>
+            <a:tailEnd type="triangle" w="med" len="med"/>
+          </a:ln>
+        </p:spPr>
+        <p:style>
+          <a:lnRef idx="1">
+            <a:schemeClr val="accent1"/>
+          </a:lnRef>
+          <a:fillRef idx="0">
+            <a:schemeClr val="accent1"/>
+          </a:fillRef>
+          <a:effectRef idx="0">
+            <a:schemeClr val="accent1"/>
+          </a:effectRef>
+          <a:fontRef idx="minor">
+            <a:schemeClr val="tx1"/>
+          </a:fontRef>
+        </p:style>
+      </p:cxnSp>
+      <p:sp>
+        <p:nvSpPr>
+          <p:cNvPr id="73" name="Cloud Callout 72"/>
+          <p:cNvSpPr/>
+          <p:nvPr/>
+        </p:nvSpPr>
+        <p:spPr>
+          <a:xfrm>
+            <a:off x="3772088" y="3125272"/>
+            <a:ext cx="934720" cy="653442"/>
+          </a:xfrm>
+          <a:prstGeom prst="cloudCallout">
+            <a:avLst>
+              <a:gd name="adj1" fmla="val 906"/>
+              <a:gd name="adj2" fmla="val -1249"/>
+            </a:avLst>
+          </a:prstGeom>
+          <a:solidFill>
+            <a:schemeClr val="tx1">
+              <a:lumMod val="50000"/>
+              <a:lumOff val="50000"/>
+            </a:schemeClr>
+          </a:solidFill>
+          <a:ln>
+            <a:noFill/>
+          </a:ln>
+        </p:spPr>
+        <p:style>
+          <a:lnRef idx="2">
+            <a:schemeClr val="accent1">
+              <a:shade val="50000"/>
+            </a:schemeClr>
+          </a:lnRef>
+          <a:fillRef idx="1">
+            <a:schemeClr val="accent1"/>
+          </a:fillRef>
+          <a:effectRef idx="0">
+            <a:schemeClr val="accent1"/>
+          </a:effectRef>
+          <a:fontRef idx="minor">
+            <a:schemeClr val="lt1"/>
+          </a:fontRef>
+        </p:style>
+        <p:txBody>
+          <a:bodyPr rtlCol="0" anchor="ctr"/>
+          <a:lstStyle/>
+          <a:p>
+            <a:pPr algn="ctr"/>
+            <a:endParaRPr lang="en-US"/>
+          </a:p>
+        </p:txBody>
+      </p:sp>
+      <p:sp>
+        <p:nvSpPr>
+          <p:cNvPr id="76" name="Rounded Rectangle 75"/>
+          <p:cNvSpPr/>
+          <p:nvPr/>
+        </p:nvSpPr>
+        <p:spPr>
+          <a:xfrm>
+            <a:off x="9193748" y="5177468"/>
+            <a:ext cx="1357391" cy="501686"/>
+          </a:xfrm>
+          <a:prstGeom prst="roundRect">
+            <a:avLst/>
+          </a:prstGeom>
+        </p:spPr>
+        <p:style>
+          <a:lnRef idx="1">
+            <a:schemeClr val="dk1"/>
+          </a:lnRef>
+          <a:fillRef idx="2">
+            <a:schemeClr val="dk1"/>
+          </a:fillRef>
+          <a:effectRef idx="1">
+            <a:schemeClr val="dk1"/>
+          </a:effectRef>
+          <a:fontRef idx="minor">
+            <a:schemeClr val="dk1"/>
+          </a:fontRef>
+        </p:style>
+        <p:txBody>
+          <a:bodyPr rtlCol="0" anchor="ctr"/>
+          <a:lstStyle/>
+          <a:p>
+            <a:pPr algn="ctr"/>
+            <a:r>
+              <a:rPr lang="en-US" dirty="0" err="1" smtClean="0"/>
+              <a:t>model.py</a:t>
+            </a:r>
+            <a:endParaRPr lang="en-US" dirty="0"/>
+          </a:p>
+        </p:txBody>
+      </p:sp>
+      <p:sp>
+        <p:nvSpPr>
+          <p:cNvPr id="77" name="Rectangle 76"/>
+          <p:cNvSpPr/>
+          <p:nvPr/>
+        </p:nvSpPr>
+        <p:spPr>
+          <a:xfrm>
+            <a:off x="1078762" y="404637"/>
+            <a:ext cx="516835" cy="6105958"/>
+          </a:xfrm>
+          <a:prstGeom prst="rect">
+            <a:avLst/>
+          </a:prstGeom>
+          <a:solidFill>
+            <a:srgbClr val="002060"/>
+          </a:solidFill>
+          <a:ln w="38100">
+            <a:solidFill>
+              <a:schemeClr val="bg1"/>
+            </a:solidFill>
+          </a:ln>
+        </p:spPr>
+        <p:style>
+          <a:lnRef idx="2">
+            <a:schemeClr val="accent1">
+              <a:shade val="50000"/>
+            </a:schemeClr>
+          </a:lnRef>
+          <a:fillRef idx="1">
+            <a:schemeClr val="accent1"/>
+          </a:fillRef>
+          <a:effectRef idx="0">
+            <a:schemeClr val="accent1"/>
+          </a:effectRef>
+          <a:fontRef idx="minor">
+            <a:schemeClr val="lt1"/>
+          </a:fontRef>
+        </p:style>
+        <p:txBody>
+          <a:bodyPr rtlCol="0" anchor="ctr"/>
+          <a:lstStyle/>
+          <a:p>
+            <a:pPr algn="ctr"/>
+            <a:r>
+              <a:rPr lang="en-US" dirty="0" smtClean="0"/>
+              <a:t>D</a:t>
+            </a:r>
+          </a:p>
+          <a:p>
+            <a:pPr algn="ctr"/>
+            <a:r>
+              <a:rPr lang="en-US" dirty="0" smtClean="0"/>
+              <a:t>O</a:t>
+            </a:r>
+          </a:p>
+          <a:p>
+            <a:pPr algn="ctr"/>
+            <a:r>
+              <a:rPr lang="en-US" dirty="0" smtClean="0"/>
+              <a:t>M</a:t>
+            </a:r>
+            <a:endParaRPr lang="en-US" dirty="0"/>
+          </a:p>
+        </p:txBody>
+      </p:sp>
+      <p:sp>
+        <p:nvSpPr>
+          <p:cNvPr id="78" name="Rounded Rectangle 77"/>
+          <p:cNvSpPr/>
+          <p:nvPr/>
+        </p:nvSpPr>
+        <p:spPr>
+          <a:xfrm>
+            <a:off x="2314039" y="2320624"/>
+            <a:ext cx="1230519" cy="947790"/>
+          </a:xfrm>
+          <a:prstGeom prst="roundRect">
+            <a:avLst/>
+          </a:prstGeom>
+          <a:solidFill>
+            <a:srgbClr val="002060"/>
+          </a:solidFill>
+          <a:ln>
+            <a:noFill/>
+          </a:ln>
+        </p:spPr>
+        <p:style>
+          <a:lnRef idx="1">
+            <a:schemeClr val="dk1"/>
+          </a:lnRef>
+          <a:fillRef idx="2">
+            <a:schemeClr val="dk1"/>
+          </a:fillRef>
+          <a:effectRef idx="1">
+            <a:schemeClr val="dk1"/>
+          </a:effectRef>
+          <a:fontRef idx="minor">
+            <a:schemeClr val="dk1"/>
+          </a:fontRef>
+        </p:style>
+        <p:txBody>
+          <a:bodyPr rtlCol="0" anchor="ctr"/>
+          <a:lstStyle/>
+          <a:p>
+            <a:pPr algn="ctr"/>
+            <a:r>
+              <a:rPr lang="en-US" dirty="0" smtClean="0">
+                <a:solidFill>
+                  <a:schemeClr val="bg1"/>
+                </a:solidFill>
+              </a:rPr>
+              <a:t>Parse</a:t>
+            </a:r>
+          </a:p>
+          <a:p>
+            <a:pPr algn="ctr"/>
+            <a:r>
+              <a:rPr lang="en-US" dirty="0" smtClean="0">
+                <a:solidFill>
+                  <a:schemeClr val="bg1"/>
+                </a:solidFill>
+              </a:rPr>
+              <a:t>Response</a:t>
+            </a:r>
+            <a:endParaRPr lang="en-US" dirty="0">
+              <a:solidFill>
+                <a:schemeClr val="bg1"/>
+              </a:solidFill>
+            </a:endParaRPr>
+          </a:p>
+        </p:txBody>
+      </p:sp>
+      <p:sp>
+        <p:nvSpPr>
+          <p:cNvPr id="79" name="Rectangle 78"/>
+          <p:cNvSpPr/>
+          <p:nvPr/>
+        </p:nvSpPr>
+        <p:spPr>
+          <a:xfrm>
+            <a:off x="1959645" y="3778714"/>
+            <a:ext cx="1419280" cy="2640440"/>
+          </a:xfrm>
+          <a:prstGeom prst="rect">
+            <a:avLst/>
+          </a:prstGeom>
+          <a:solidFill>
+            <a:schemeClr val="tx1">
+              <a:lumMod val="50000"/>
+              <a:lumOff val="50000"/>
+            </a:schemeClr>
+          </a:solidFill>
+          <a:ln w="28575">
+            <a:solidFill>
+              <a:schemeClr val="tx1"/>
+            </a:solidFill>
+          </a:ln>
+        </p:spPr>
+        <p:style>
+          <a:lnRef idx="2">
+            <a:schemeClr val="accent1">
+              <a:shade val="50000"/>
+            </a:schemeClr>
+          </a:lnRef>
+          <a:fillRef idx="1">
+            <a:schemeClr val="accent1"/>
+          </a:fillRef>
+          <a:effectRef idx="0">
+            <a:schemeClr val="accent1"/>
+          </a:effectRef>
+          <a:fontRef idx="minor">
+            <a:schemeClr val="lt1"/>
+          </a:fontRef>
+        </p:style>
+        <p:txBody>
+          <a:bodyPr rtlCol="0" anchor="b"/>
+          <a:lstStyle/>
+          <a:p>
+            <a:r>
+              <a:rPr lang="en-US" dirty="0" err="1" smtClean="0"/>
+              <a:t>Javascript</a:t>
+            </a:r>
+            <a:endParaRPr lang="en-US" dirty="0"/>
+          </a:p>
+        </p:txBody>
+      </p:sp>
+      <p:pic>
+        <p:nvPicPr>
+          <p:cNvPr id="81" name="Picture 80"/>
+          <p:cNvPicPr>
+            <a:picLocks noChangeAspect="1"/>
+          </p:cNvPicPr>
+          <p:nvPr/>
+        </p:nvPicPr>
+        <p:blipFill>
+          <a:blip r:embed="rId3">
+            <a:extLst>
+              <a:ext uri="{28A0092B-C50C-407E-A947-70E740481C1C}">
+                <a14:useLocalDpi xmlns:a14="http://schemas.microsoft.com/office/drawing/2010/main" val="0"/>
+              </a:ext>
+            </a:extLst>
+          </a:blip>
+          <a:stretch>
+            <a:fillRect/>
+          </a:stretch>
+        </p:blipFill>
+        <p:spPr>
+          <a:xfrm>
+            <a:off x="-406256" y="3042062"/>
+            <a:ext cx="1473755" cy="1105316"/>
+          </a:xfrm>
+          <a:prstGeom prst="rect">
+            <a:avLst/>
+          </a:prstGeom>
+        </p:spPr>
+      </p:pic>
+      <p:sp>
+        <p:nvSpPr>
+          <p:cNvPr id="41" name="Rounded Rectangle 40"/>
+          <p:cNvSpPr/>
+          <p:nvPr/>
+        </p:nvSpPr>
+        <p:spPr>
+          <a:xfrm>
+            <a:off x="6814990" y="5685075"/>
+            <a:ext cx="1319815" cy="501686"/>
+          </a:xfrm>
+          <a:prstGeom prst="roundRect">
+            <a:avLst/>
+          </a:prstGeom>
+        </p:spPr>
+        <p:style>
+          <a:lnRef idx="1">
+            <a:schemeClr val="dk1"/>
+          </a:lnRef>
+          <a:fillRef idx="2">
+            <a:schemeClr val="dk1"/>
+          </a:fillRef>
+          <a:effectRef idx="1">
+            <a:schemeClr val="dk1"/>
+          </a:effectRef>
+          <a:fontRef idx="minor">
+            <a:schemeClr val="dk1"/>
+          </a:fontRef>
+        </p:style>
+        <p:txBody>
+          <a:bodyPr rtlCol="0" anchor="ctr"/>
+          <a:lstStyle/>
+          <a:p>
+            <a:pPr algn="ctr"/>
+            <a:r>
+              <a:rPr lang="en-US" dirty="0" err="1" smtClean="0"/>
+              <a:t>admin.py</a:t>
+            </a:r>
+            <a:endParaRPr lang="en-US" dirty="0"/>
+          </a:p>
+        </p:txBody>
+      </p:sp>
+      <p:cxnSp>
+        <p:nvCxnSpPr>
+          <p:cNvPr id="55" name="Straight Arrow Connector 54"/>
+          <p:cNvCxnSpPr>
+            <a:stCxn id="76" idx="1"/>
+            <a:endCxn id="41" idx="3"/>
+          </p:cNvCxnSpPr>
+          <p:nvPr/>
+        </p:nvCxnSpPr>
+        <p:spPr>
+          <a:xfrm flipH="1">
+            <a:off x="8134805" y="5428311"/>
+            <a:ext cx="1058943" cy="507607"/>
+          </a:xfrm>
+          <a:prstGeom prst="straightConnector1">
+            <a:avLst/>
+          </a:prstGeom>
+          <a:ln w="38100">
+            <a:solidFill>
+              <a:schemeClr val="bg1"/>
+            </a:solidFill>
+            <a:tailEnd type="triangle"/>
+          </a:ln>
+        </p:spPr>
+        <p:style>
+          <a:lnRef idx="1">
+            <a:schemeClr val="accent1"/>
+          </a:lnRef>
+          <a:fillRef idx="0">
+            <a:schemeClr val="accent1"/>
+          </a:fillRef>
+          <a:effectRef idx="0">
+            <a:schemeClr val="accent1"/>
+          </a:effectRef>
+          <a:fontRef idx="minor">
+            <a:schemeClr val="tx1"/>
+          </a:fontRef>
+        </p:style>
+      </p:cxnSp>
+    </p:spTree>
+    <p:extLst>
+      <p:ext uri="{BB962C8B-B14F-4D97-AF65-F5344CB8AC3E}">
+        <p14:creationId xmlns:p14="http://schemas.microsoft.com/office/powerpoint/2010/main" val="1550328247"/>
       </p:ext>
     </p:extLst>
   </p:cSld>

--- a/lectures/bigpicture.pptx
+++ b/lectures/bigpicture.pptx
@@ -5,11 +5,10 @@
     <p:sldMasterId id="2147483648" r:id="rId1"/>
   </p:sldMasterIdLst>
   <p:notesMasterIdLst>
-    <p:notesMasterId r:id="rId4"/>
+    <p:notesMasterId r:id="rId3"/>
   </p:notesMasterIdLst>
   <p:sldIdLst>
     <p:sldId id="256" r:id="rId2"/>
-    <p:sldId id="257" r:id="rId3"/>
   </p:sldIdLst>
   <p:sldSz cx="12192000" cy="6858000"/>
   <p:notesSz cx="6858000" cy="9144000"/>
@@ -198,7 +197,7 @@
           <a:p>
             <a:fld id="{BBC4DB05-C945-C747-B382-4E82932B24E9}" type="datetimeFigureOut">
               <a:rPr lang="en-US" smtClean="0"/>
-              <a:t>1/24/19</a:t>
+              <a:t>1/25/19</a:t>
             </a:fld>
             <a:endParaRPr lang="en-US"/>
           </a:p>
@@ -597,7 +596,7 @@
           <a:p>
             <a:fld id="{D96CA765-E67D-9D49-B66A-BAAEE6ABB8B6}" type="datetimeFigureOut">
               <a:rPr lang="en-US" smtClean="0"/>
-              <a:t>1/24/19</a:t>
+              <a:t>1/25/19</a:t>
             </a:fld>
             <a:endParaRPr lang="en-US"/>
           </a:p>
@@ -767,7 +766,7 @@
           <a:p>
             <a:fld id="{D96CA765-E67D-9D49-B66A-BAAEE6ABB8B6}" type="datetimeFigureOut">
               <a:rPr lang="en-US" smtClean="0"/>
-              <a:t>1/24/19</a:t>
+              <a:t>1/25/19</a:t>
             </a:fld>
             <a:endParaRPr lang="en-US"/>
           </a:p>
@@ -947,7 +946,7 @@
           <a:p>
             <a:fld id="{D96CA765-E67D-9D49-B66A-BAAEE6ABB8B6}" type="datetimeFigureOut">
               <a:rPr lang="en-US" smtClean="0"/>
-              <a:t>1/24/19</a:t>
+              <a:t>1/25/19</a:t>
             </a:fld>
             <a:endParaRPr lang="en-US"/>
           </a:p>
@@ -1117,7 +1116,7 @@
           <a:p>
             <a:fld id="{D96CA765-E67D-9D49-B66A-BAAEE6ABB8B6}" type="datetimeFigureOut">
               <a:rPr lang="en-US" smtClean="0"/>
-              <a:t>1/24/19</a:t>
+              <a:t>1/25/19</a:t>
             </a:fld>
             <a:endParaRPr lang="en-US"/>
           </a:p>
@@ -1363,7 +1362,7 @@
           <a:p>
             <a:fld id="{D96CA765-E67D-9D49-B66A-BAAEE6ABB8B6}" type="datetimeFigureOut">
               <a:rPr lang="en-US" smtClean="0"/>
-              <a:t>1/24/19</a:t>
+              <a:t>1/25/19</a:t>
             </a:fld>
             <a:endParaRPr lang="en-US"/>
           </a:p>
@@ -1595,7 +1594,7 @@
           <a:p>
             <a:fld id="{D96CA765-E67D-9D49-B66A-BAAEE6ABB8B6}" type="datetimeFigureOut">
               <a:rPr lang="en-US" smtClean="0"/>
-              <a:t>1/24/19</a:t>
+              <a:t>1/25/19</a:t>
             </a:fld>
             <a:endParaRPr lang="en-US"/>
           </a:p>
@@ -1962,7 +1961,7 @@
           <a:p>
             <a:fld id="{D96CA765-E67D-9D49-B66A-BAAEE6ABB8B6}" type="datetimeFigureOut">
               <a:rPr lang="en-US" smtClean="0"/>
-              <a:t>1/24/19</a:t>
+              <a:t>1/25/19</a:t>
             </a:fld>
             <a:endParaRPr lang="en-US"/>
           </a:p>
@@ -2080,7 +2079,7 @@
           <a:p>
             <a:fld id="{D96CA765-E67D-9D49-B66A-BAAEE6ABB8B6}" type="datetimeFigureOut">
               <a:rPr lang="en-US" smtClean="0"/>
-              <a:t>1/24/19</a:t>
+              <a:t>1/25/19</a:t>
             </a:fld>
             <a:endParaRPr lang="en-US"/>
           </a:p>
@@ -2175,7 +2174,7 @@
           <a:p>
             <a:fld id="{D96CA765-E67D-9D49-B66A-BAAEE6ABB8B6}" type="datetimeFigureOut">
               <a:rPr lang="en-US" smtClean="0"/>
-              <a:t>1/24/19</a:t>
+              <a:t>1/25/19</a:t>
             </a:fld>
             <a:endParaRPr lang="en-US"/>
           </a:p>
@@ -2452,7 +2451,7 @@
           <a:p>
             <a:fld id="{D96CA765-E67D-9D49-B66A-BAAEE6ABB8B6}" type="datetimeFigureOut">
               <a:rPr lang="en-US" smtClean="0"/>
-              <a:t>1/24/19</a:t>
+              <a:t>1/25/19</a:t>
             </a:fld>
             <a:endParaRPr lang="en-US"/>
           </a:p>
@@ -2705,7 +2704,7 @@
           <a:p>
             <a:fld id="{D96CA765-E67D-9D49-B66A-BAAEE6ABB8B6}" type="datetimeFigureOut">
               <a:rPr lang="en-US" smtClean="0"/>
-              <a:t>1/24/19</a:t>
+              <a:t>1/25/19</a:t>
             </a:fld>
             <a:endParaRPr lang="en-US"/>
           </a:p>
@@ -2918,7 +2917,7 @@
           <a:p>
             <a:fld id="{D96CA765-E67D-9D49-B66A-BAAEE6ABB8B6}" type="datetimeFigureOut">
               <a:rPr lang="en-US" smtClean="0"/>
-              <a:t>1/24/19</a:t>
+              <a:t>1/25/19</a:t>
             </a:fld>
             <a:endParaRPr lang="en-US"/>
           </a:p>
@@ -3323,6 +3322,36 @@
           <a:chExt cx="0" cy="0"/>
         </a:xfrm>
       </p:grpSpPr>
+      <p:pic>
+        <p:nvPicPr>
+          <p:cNvPr id="42" name="Picture 41"/>
+          <p:cNvPicPr>
+            <a:picLocks noChangeAspect="1"/>
+          </p:cNvPicPr>
+          <p:nvPr/>
+        </p:nvPicPr>
+        <p:blipFill rotWithShape="1">
+          <a:blip r:embed="rId2">
+            <a:alphaModFix/>
+            <a:extLst>
+              <a:ext uri="{28A0092B-C50C-407E-A947-70E740481C1C}">
+                <a14:useLocalDpi xmlns:a14="http://schemas.microsoft.com/office/drawing/2010/main" val="0"/>
+              </a:ext>
+            </a:extLst>
+          </a:blip>
+          <a:srcRect b="2174"/>
+          <a:stretch/>
+        </p:blipFill>
+        <p:spPr>
+          <a:xfrm>
+            <a:off x="20" y="11704"/>
+            <a:ext cx="12191980" cy="6857999"/>
+          </a:xfrm>
+          <a:prstGeom prst="rect">
+            <a:avLst/>
+          </a:prstGeom>
+        </p:spPr>
+      </p:pic>
       <p:sp>
         <p:nvSpPr>
           <p:cNvPr id="5" name="Rectangle 4"/>
@@ -3331,8 +3360,8 @@
         </p:nvSpPr>
         <p:spPr>
           <a:xfrm>
-            <a:off x="4943408" y="278098"/>
-            <a:ext cx="6898640" cy="6347791"/>
+            <a:off x="4733342" y="278098"/>
+            <a:ext cx="7215642" cy="6347791"/>
           </a:xfrm>
           <a:prstGeom prst="rect">
             <a:avLst/>
@@ -3381,7 +3410,7 @@
         <p:spPr>
           <a:xfrm>
             <a:off x="873960" y="278098"/>
-            <a:ext cx="2680252" cy="6347791"/>
+            <a:ext cx="2465935" cy="6347791"/>
           </a:xfrm>
           <a:prstGeom prst="rect">
             <a:avLst/>
@@ -3429,8 +3458,8 @@
         </p:nvSpPr>
         <p:spPr>
           <a:xfrm>
-            <a:off x="6197282" y="870579"/>
-            <a:ext cx="5370445" cy="5548575"/>
+            <a:off x="5987216" y="870579"/>
+            <a:ext cx="5702276" cy="5548575"/>
           </a:xfrm>
           <a:prstGeom prst="rect">
             <a:avLst/>
@@ -3461,9 +3490,10 @@
           </a:fontRef>
         </p:style>
         <p:txBody>
-          <a:bodyPr rtlCol="0" anchor="b"/>
-          <a:lstStyle/>
-          <a:p>
+          <a:bodyPr rtlCol="0" anchor="t"/>
+          <a:lstStyle/>
+          <a:p>
+            <a:pPr algn="r"/>
             <a:r>
               <a:rPr lang="en-US" dirty="0" err="1" smtClean="0"/>
               <a:t>DJango</a:t>
@@ -3480,7 +3510,7 @@
         </p:nvSpPr>
         <p:spPr>
           <a:xfrm>
-            <a:off x="6197282" y="404858"/>
+            <a:off x="5987216" y="404858"/>
             <a:ext cx="1295291" cy="369332"/>
           </a:xfrm>
           <a:prstGeom prst="rect">
@@ -3512,7 +3542,7 @@
         </p:nvSpPr>
         <p:spPr>
           <a:xfrm>
-            <a:off x="6717874" y="1112985"/>
+            <a:off x="6347167" y="1101696"/>
             <a:ext cx="1086678" cy="1033669"/>
           </a:xfrm>
           <a:prstGeom prst="roundRect">
@@ -3565,14 +3595,14 @@
         </p:nvSpPr>
         <p:spPr>
           <a:xfrm>
-            <a:off x="6717874" y="2901585"/>
+            <a:off x="6347167" y="2675805"/>
             <a:ext cx="1086678" cy="1033669"/>
           </a:xfrm>
           <a:prstGeom prst="roundRect">
             <a:avLst/>
           </a:prstGeom>
           <a:solidFill>
-            <a:srgbClr val="0070C0"/>
+            <a:schemeClr val="accent2"/>
           </a:solidFill>
         </p:spPr>
         <p:style>
@@ -3618,7 +3648,7 @@
         </p:nvSpPr>
         <p:spPr>
           <a:xfrm>
-            <a:off x="8899400" y="5565224"/>
+            <a:off x="9813128" y="4173528"/>
             <a:ext cx="1577009" cy="646266"/>
           </a:xfrm>
           <a:prstGeom prst="can">
@@ -3665,8 +3695,8 @@
         </p:nvSpPr>
         <p:spPr>
           <a:xfrm>
-            <a:off x="8465169" y="4071703"/>
-            <a:ext cx="1603514" cy="516836"/>
+            <a:off x="10090027" y="2904193"/>
+            <a:ext cx="1367113" cy="516836"/>
           </a:xfrm>
           <a:prstGeom prst="roundRect">
             <a:avLst/>
@@ -3707,7 +3737,7 @@
         </p:nvSpPr>
         <p:spPr>
           <a:xfrm>
-            <a:off x="8218183" y="404637"/>
+            <a:off x="7933975" y="404637"/>
             <a:ext cx="1603514" cy="369554"/>
           </a:xfrm>
           <a:prstGeom prst="roundRect">
@@ -3744,14 +3774,12 @@
       <p:cxnSp>
         <p:nvCxnSpPr>
           <p:cNvPr id="21" name="Straight Arrow Connector 20"/>
-          <p:cNvCxnSpPr>
-            <a:endCxn id="7" idx="3"/>
-          </p:cNvCxnSpPr>
+          <p:cNvCxnSpPr/>
           <p:nvPr/>
         </p:nvCxnSpPr>
         <p:spPr>
           <a:xfrm flipH="1">
-            <a:off x="7492573" y="589414"/>
+            <a:off x="7208365" y="589414"/>
             <a:ext cx="725611" cy="110"/>
           </a:xfrm>
           <a:prstGeom prst="straightConnector1">
@@ -3787,7 +3815,7 @@
         </p:nvSpPr>
         <p:spPr>
           <a:xfrm>
-            <a:off x="5209995" y="404637"/>
+            <a:off x="4999929" y="404637"/>
             <a:ext cx="516835" cy="6105958"/>
           </a:xfrm>
           <a:prstGeom prst="rect">
@@ -3819,7 +3847,7 @@
           </a:fontRef>
         </p:style>
         <p:txBody>
-          <a:bodyPr rtlCol="0" anchor="ctr"/>
+          <a:bodyPr rtlCol="0" anchor="b"/>
           <a:lstStyle/>
           <a:p>
             <a:pPr algn="ctr"/>
@@ -3855,6 +3883,9 @@
               <a:rPr lang="en-US" dirty="0" smtClean="0"/>
               <a:t>X</a:t>
             </a:r>
+          </a:p>
+          <a:p>
+            <a:pPr algn="ctr"/>
             <a:endParaRPr lang="en-US" dirty="0"/>
           </a:p>
         </p:txBody>
@@ -3870,8 +3901,8 @@
         </p:nvCxnSpPr>
         <p:spPr>
           <a:xfrm flipH="1">
-            <a:off x="7804552" y="1622089"/>
-            <a:ext cx="1318368" cy="7731"/>
+            <a:off x="7433845" y="1610800"/>
+            <a:ext cx="1404867" cy="7731"/>
           </a:xfrm>
           <a:prstGeom prst="straightConnector1">
             <a:avLst/>
@@ -3909,8 +3940,8 @@
         </p:nvCxnSpPr>
         <p:spPr>
           <a:xfrm flipH="1">
-            <a:off x="7804552" y="2556508"/>
-            <a:ext cx="1279717" cy="861912"/>
+            <a:off x="7433845" y="2574964"/>
+            <a:ext cx="1025979" cy="617676"/>
           </a:xfrm>
           <a:prstGeom prst="straightConnector1">
             <a:avLst/>
@@ -3947,16 +3978,16 @@
           <p:nvPr/>
         </p:nvCxnSpPr>
         <p:spPr>
-          <a:xfrm flipH="1" flipV="1">
-            <a:off x="7804552" y="3418420"/>
-            <a:ext cx="660617" cy="911701"/>
+          <a:xfrm flipH="1">
+            <a:off x="7433845" y="3162611"/>
+            <a:ext cx="2656182" cy="30029"/>
           </a:xfrm>
           <a:prstGeom prst="straightConnector1">
             <a:avLst/>
           </a:prstGeom>
           <a:ln w="38100">
             <a:solidFill>
-              <a:srgbClr val="FFFF00"/>
+              <a:schemeClr val="bg1"/>
             </a:solidFill>
             <a:tailEnd type="triangle"/>
           </a:ln>
@@ -3987,8 +4018,8 @@
         </p:nvCxnSpPr>
         <p:spPr>
           <a:xfrm flipH="1" flipV="1">
-            <a:off x="7804552" y="3418420"/>
-            <a:ext cx="1279717" cy="23900"/>
+            <a:off x="7433845" y="3192640"/>
+            <a:ext cx="1025979" cy="523310"/>
           </a:xfrm>
           <a:prstGeom prst="straightConnector1">
             <a:avLst/>
@@ -4025,16 +4056,16 @@
           <p:nvPr/>
         </p:nvCxnSpPr>
         <p:spPr>
-          <a:xfrm flipH="1" flipV="1">
-            <a:off x="7804552" y="5515568"/>
-            <a:ext cx="1094848" cy="372789"/>
+          <a:xfrm flipH="1">
+            <a:off x="9207965" y="4496661"/>
+            <a:ext cx="605163" cy="435308"/>
           </a:xfrm>
           <a:prstGeom prst="straightConnector1">
             <a:avLst/>
           </a:prstGeom>
           <a:ln w="38100">
             <a:solidFill>
-              <a:srgbClr val="FFFF00"/>
+              <a:schemeClr val="bg1"/>
             </a:solidFill>
             <a:headEnd type="triangle" w="med" len="med"/>
             <a:tailEnd type="triangle" w="med" len="med"/>
@@ -4057,14 +4088,14 @@
       </p:cxnSp>
       <p:sp>
         <p:nvSpPr>
-          <p:cNvPr id="43" name="Rounded Rectangle 42"/>
+          <p:cNvPr id="15" name="Rounded Rectangle 14"/>
           <p:cNvSpPr/>
           <p:nvPr/>
         </p:nvSpPr>
         <p:spPr>
           <a:xfrm>
-            <a:off x="9336280" y="1549422"/>
-            <a:ext cx="1603514" cy="450133"/>
+            <a:off x="8838712" y="1385733"/>
+            <a:ext cx="1439996" cy="450133"/>
           </a:xfrm>
           <a:prstGeom prst="roundRect">
             <a:avLst/>
@@ -4089,20 +4120,24 @@
           <a:lstStyle/>
           <a:p>
             <a:pPr algn="ctr"/>
+            <a:r>
+              <a:rPr lang="en-US" dirty="0" err="1" smtClean="0"/>
+              <a:t>urls.py</a:t>
+            </a:r>
             <a:endParaRPr lang="en-US" dirty="0"/>
           </a:p>
         </p:txBody>
       </p:sp>
       <p:sp>
         <p:nvSpPr>
-          <p:cNvPr id="15" name="Rounded Rectangle 14"/>
+          <p:cNvPr id="24" name="Rounded Rectangle 23"/>
           <p:cNvSpPr/>
           <p:nvPr/>
         </p:nvSpPr>
         <p:spPr>
           <a:xfrm>
-            <a:off x="9122920" y="1397022"/>
-            <a:ext cx="1603514" cy="450133"/>
+            <a:off x="8459824" y="2316546"/>
+            <a:ext cx="1308844" cy="516836"/>
           </a:xfrm>
           <a:prstGeom prst="roundRect">
             <a:avLst/>
@@ -4129,22 +4164,22 @@
             <a:pPr algn="ctr"/>
             <a:r>
               <a:rPr lang="en-US" dirty="0" err="1" smtClean="0"/>
-              <a:t>urls.py</a:t>
-            </a:r>
-            <a:endParaRPr lang="en-US" dirty="0"/>
-          </a:p>
-        </p:txBody>
-      </p:sp>
-      <p:sp>
-        <p:nvSpPr>
-          <p:cNvPr id="45" name="Rounded Rectangle 44"/>
+              <a:t>views.py</a:t>
+            </a:r>
+            <a:endParaRPr lang="en-US" dirty="0" smtClean="0"/>
+          </a:p>
+        </p:txBody>
+      </p:sp>
+      <p:sp>
+        <p:nvSpPr>
+          <p:cNvPr id="14" name="Rounded Rectangle 13"/>
           <p:cNvSpPr/>
           <p:nvPr/>
         </p:nvSpPr>
         <p:spPr>
           <a:xfrm>
-            <a:off x="9291886" y="2481470"/>
-            <a:ext cx="1603514" cy="516836"/>
+            <a:off x="8459824" y="3465107"/>
+            <a:ext cx="1355820" cy="501686"/>
           </a:xfrm>
           <a:prstGeom prst="roundRect">
             <a:avLst/>
@@ -4169,24 +4204,31 @@
           <a:lstStyle/>
           <a:p>
             <a:pPr algn="ctr"/>
-            <a:endParaRPr lang="en-US" dirty="0" smtClean="0"/>
-          </a:p>
-        </p:txBody>
-      </p:sp>
-      <p:sp>
-        <p:nvSpPr>
-          <p:cNvPr id="24" name="Rounded Rectangle 23"/>
+            <a:r>
+              <a:rPr lang="en-US" dirty="0" err="1" smtClean="0"/>
+              <a:t>forms.py</a:t>
+            </a:r>
+            <a:endParaRPr lang="en-US" dirty="0"/>
+          </a:p>
+        </p:txBody>
+      </p:sp>
+      <p:sp>
+        <p:nvSpPr>
+          <p:cNvPr id="49" name="Rounded Rectangle 48"/>
           <p:cNvSpPr/>
           <p:nvPr/>
         </p:nvSpPr>
         <p:spPr>
           <a:xfrm>
-            <a:off x="9084269" y="2298090"/>
-            <a:ext cx="1603514" cy="516836"/>
+            <a:off x="8121287" y="4415134"/>
+            <a:ext cx="1086678" cy="1033669"/>
           </a:xfrm>
           <a:prstGeom prst="roundRect">
             <a:avLst/>
           </a:prstGeom>
+          <a:solidFill>
+            <a:srgbClr val="0070C0"/>
+          </a:solidFill>
         </p:spPr>
         <p:style>
           <a:lnRef idx="1">
@@ -4208,131 +4250,6 @@
           <a:p>
             <a:pPr algn="ctr"/>
             <a:r>
-              <a:rPr lang="en-US" dirty="0" err="1" smtClean="0"/>
-              <a:t>views.py</a:t>
-            </a:r>
-            <a:endParaRPr lang="en-US" dirty="0" smtClean="0"/>
-          </a:p>
-        </p:txBody>
-      </p:sp>
-      <p:sp>
-        <p:nvSpPr>
-          <p:cNvPr id="47" name="Rounded Rectangle 46"/>
-          <p:cNvSpPr/>
-          <p:nvPr/>
-        </p:nvSpPr>
-        <p:spPr>
-          <a:xfrm>
-            <a:off x="9299617" y="3343877"/>
-            <a:ext cx="1603514" cy="501686"/>
-          </a:xfrm>
-          <a:prstGeom prst="roundRect">
-            <a:avLst/>
-          </a:prstGeom>
-        </p:spPr>
-        <p:style>
-          <a:lnRef idx="1">
-            <a:schemeClr val="dk1"/>
-          </a:lnRef>
-          <a:fillRef idx="2">
-            <a:schemeClr val="dk1"/>
-          </a:fillRef>
-          <a:effectRef idx="1">
-            <a:schemeClr val="dk1"/>
-          </a:effectRef>
-          <a:fontRef idx="minor">
-            <a:schemeClr val="dk1"/>
-          </a:fontRef>
-        </p:style>
-        <p:txBody>
-          <a:bodyPr rtlCol="0" anchor="ctr"/>
-          <a:lstStyle/>
-          <a:p>
-            <a:pPr algn="ctr"/>
-            <a:endParaRPr lang="en-US" dirty="0"/>
-          </a:p>
-        </p:txBody>
-      </p:sp>
-      <p:sp>
-        <p:nvSpPr>
-          <p:cNvPr id="14" name="Rounded Rectangle 13"/>
-          <p:cNvSpPr/>
-          <p:nvPr/>
-        </p:nvSpPr>
-        <p:spPr>
-          <a:xfrm>
-            <a:off x="9084269" y="3191477"/>
-            <a:ext cx="1603514" cy="501686"/>
-          </a:xfrm>
-          <a:prstGeom prst="roundRect">
-            <a:avLst/>
-          </a:prstGeom>
-        </p:spPr>
-        <p:style>
-          <a:lnRef idx="1">
-            <a:schemeClr val="dk1"/>
-          </a:lnRef>
-          <a:fillRef idx="2">
-            <a:schemeClr val="dk1"/>
-          </a:fillRef>
-          <a:effectRef idx="1">
-            <a:schemeClr val="dk1"/>
-          </a:effectRef>
-          <a:fontRef idx="minor">
-            <a:schemeClr val="dk1"/>
-          </a:fontRef>
-        </p:style>
-        <p:txBody>
-          <a:bodyPr rtlCol="0" anchor="ctr"/>
-          <a:lstStyle/>
-          <a:p>
-            <a:pPr algn="ctr"/>
-            <a:r>
-              <a:rPr lang="en-US" dirty="0" err="1" smtClean="0"/>
-              <a:t>forms.py</a:t>
-            </a:r>
-            <a:endParaRPr lang="en-US" dirty="0"/>
-          </a:p>
-        </p:txBody>
-      </p:sp>
-      <p:sp>
-        <p:nvSpPr>
-          <p:cNvPr id="49" name="Rounded Rectangle 48"/>
-          <p:cNvSpPr/>
-          <p:nvPr/>
-        </p:nvSpPr>
-        <p:spPr>
-          <a:xfrm>
-            <a:off x="6717874" y="4998733"/>
-            <a:ext cx="1086678" cy="1033669"/>
-          </a:xfrm>
-          <a:prstGeom prst="roundRect">
-            <a:avLst/>
-          </a:prstGeom>
-          <a:solidFill>
-            <a:srgbClr val="0070C0"/>
-          </a:solidFill>
-        </p:spPr>
-        <p:style>
-          <a:lnRef idx="1">
-            <a:schemeClr val="dk1"/>
-          </a:lnRef>
-          <a:fillRef idx="2">
-            <a:schemeClr val="dk1"/>
-          </a:fillRef>
-          <a:effectRef idx="1">
-            <a:schemeClr val="dk1"/>
-          </a:effectRef>
-          <a:fontRef idx="minor">
-            <a:schemeClr val="dk1"/>
-          </a:fontRef>
-        </p:style>
-        <p:txBody>
-          <a:bodyPr rtlCol="0" anchor="ctr"/>
-          <a:lstStyle/>
-          <a:p>
-            <a:pPr algn="ctr"/>
-            <a:r>
               <a:rPr lang="en-US" dirty="0" smtClean="0">
                 <a:solidFill>
                   <a:schemeClr val="bg1"/>
@@ -4352,14 +4269,15 @@
         <p:nvCxnSpPr>
           <p:cNvPr id="56" name="Straight Arrow Connector 55"/>
           <p:cNvCxnSpPr>
+            <a:stCxn id="76" idx="1"/>
             <a:endCxn id="49" idx="3"/>
           </p:cNvCxnSpPr>
           <p:nvPr/>
         </p:nvCxnSpPr>
         <p:spPr>
-          <a:xfrm flipH="1">
-            <a:off x="7804552" y="5060467"/>
-            <a:ext cx="1369168" cy="455101"/>
+          <a:xfrm flipH="1" flipV="1">
+            <a:off x="9207965" y="4931969"/>
+            <a:ext cx="682363" cy="516834"/>
           </a:xfrm>
           <a:prstGeom prst="straightConnector1">
             <a:avLst/>
@@ -4396,8 +4314,8 @@
         </p:nvCxnSpPr>
         <p:spPr>
           <a:xfrm>
-            <a:off x="7261213" y="2146654"/>
-            <a:ext cx="0" cy="754931"/>
+            <a:off x="6890506" y="2135365"/>
+            <a:ext cx="0" cy="540440"/>
           </a:xfrm>
           <a:prstGeom prst="straightConnector1">
             <a:avLst/>
@@ -4428,21 +4346,22 @@
         <p:nvCxnSpPr>
           <p:cNvPr id="64" name="Straight Arrow Connector 63"/>
           <p:cNvCxnSpPr>
+            <a:stCxn id="49" idx="0"/>
             <a:endCxn id="10" idx="2"/>
           </p:cNvCxnSpPr>
           <p:nvPr/>
         </p:nvCxnSpPr>
         <p:spPr>
-          <a:xfrm flipV="1">
-            <a:off x="7261213" y="3935254"/>
-            <a:ext cx="0" cy="1063480"/>
+          <a:xfrm flipH="1" flipV="1">
+            <a:off x="6890506" y="3709474"/>
+            <a:ext cx="1774120" cy="705660"/>
           </a:xfrm>
           <a:prstGeom prst="straightConnector1">
             <a:avLst/>
           </a:prstGeom>
           <a:ln w="38100">
             <a:solidFill>
-              <a:srgbClr val="FFFF00"/>
+              <a:schemeClr val="bg1"/>
             </a:solidFill>
             <a:headEnd type="triangle" w="med" len="med"/>
             <a:tailEnd type="triangle" w="med" len="med"/>
@@ -4471,7 +4390,7 @@
         </p:nvSpPr>
         <p:spPr>
           <a:xfrm>
-            <a:off x="3772088" y="3125272"/>
+            <a:off x="3585593" y="2064215"/>
             <a:ext cx="934720" cy="653442"/>
           </a:xfrm>
           <a:prstGeom prst="cloudCallout">
@@ -4517,14 +4436,14 @@
       </p:sp>
       <p:sp>
         <p:nvSpPr>
-          <p:cNvPr id="75" name="Rounded Rectangle 74"/>
+          <p:cNvPr id="76" name="Rounded Rectangle 75"/>
           <p:cNvSpPr/>
           <p:nvPr/>
         </p:nvSpPr>
         <p:spPr>
           <a:xfrm>
-            <a:off x="9342686" y="4869998"/>
-            <a:ext cx="1603514" cy="501686"/>
+            <a:off x="9890328" y="5197960"/>
+            <a:ext cx="1357391" cy="501686"/>
           </a:xfrm>
           <a:prstGeom prst="roundRect">
             <a:avLst/>
@@ -4549,24 +4468,100 @@
           <a:lstStyle/>
           <a:p>
             <a:pPr algn="ctr"/>
+            <a:r>
+              <a:rPr lang="en-US" dirty="0" err="1" smtClean="0"/>
+              <a:t>model.py</a:t>
+            </a:r>
             <a:endParaRPr lang="en-US" dirty="0"/>
           </a:p>
         </p:txBody>
       </p:sp>
       <p:sp>
         <p:nvSpPr>
-          <p:cNvPr id="76" name="Rounded Rectangle 75"/>
+          <p:cNvPr id="77" name="Rectangle 76"/>
           <p:cNvSpPr/>
           <p:nvPr/>
         </p:nvSpPr>
         <p:spPr>
           <a:xfrm>
-            <a:off x="9205525" y="4758738"/>
-            <a:ext cx="1603514" cy="501686"/>
+            <a:off x="1078762" y="404637"/>
+            <a:ext cx="516835" cy="6105958"/>
+          </a:xfrm>
+          <a:prstGeom prst="rect">
+            <a:avLst/>
+          </a:prstGeom>
+          <a:solidFill>
+            <a:srgbClr val="002060"/>
+          </a:solidFill>
+          <a:ln w="38100">
+            <a:solidFill>
+              <a:schemeClr val="bg1"/>
+            </a:solidFill>
+          </a:ln>
+        </p:spPr>
+        <p:style>
+          <a:lnRef idx="2">
+            <a:schemeClr val="accent1">
+              <a:shade val="50000"/>
+            </a:schemeClr>
+          </a:lnRef>
+          <a:fillRef idx="1">
+            <a:schemeClr val="accent1"/>
+          </a:fillRef>
+          <a:effectRef idx="0">
+            <a:schemeClr val="accent1"/>
+          </a:effectRef>
+          <a:fontRef idx="minor">
+            <a:schemeClr val="lt1"/>
+          </a:fontRef>
+        </p:style>
+        <p:txBody>
+          <a:bodyPr rtlCol="0" anchor="ctr"/>
+          <a:lstStyle/>
+          <a:p>
+            <a:pPr algn="ctr"/>
+            <a:r>
+              <a:rPr lang="en-US" dirty="0" smtClean="0"/>
+              <a:t>D</a:t>
+            </a:r>
+          </a:p>
+          <a:p>
+            <a:pPr algn="ctr"/>
+            <a:r>
+              <a:rPr lang="en-US" dirty="0" smtClean="0"/>
+              <a:t>O</a:t>
+            </a:r>
+          </a:p>
+          <a:p>
+            <a:pPr algn="ctr"/>
+            <a:r>
+              <a:rPr lang="en-US" dirty="0" smtClean="0"/>
+              <a:t>M</a:t>
+            </a:r>
+            <a:endParaRPr lang="en-US" dirty="0"/>
+          </a:p>
+        </p:txBody>
+      </p:sp>
+      <p:sp>
+        <p:nvSpPr>
+          <p:cNvPr id="78" name="Rounded Rectangle 77"/>
+          <p:cNvSpPr/>
+          <p:nvPr/>
+        </p:nvSpPr>
+        <p:spPr>
+          <a:xfrm>
+            <a:off x="2088487" y="2703730"/>
+            <a:ext cx="1230519" cy="947790"/>
           </a:xfrm>
           <a:prstGeom prst="roundRect">
             <a:avLst/>
           </a:prstGeom>
+          <a:solidFill>
+            <a:srgbClr val="002060"/>
+          </a:solidFill>
+          <a:ln>
+            <a:noFill/>
+          </a:ln>
         </p:spPr>
         <p:style>
           <a:lnRef idx="1">
@@ -4588,120 +4583,6 @@
           <a:p>
             <a:pPr algn="ctr"/>
             <a:r>
-              <a:rPr lang="en-US" dirty="0" err="1" smtClean="0"/>
-              <a:t>model.py</a:t>
-            </a:r>
-            <a:endParaRPr lang="en-US" dirty="0"/>
-          </a:p>
-        </p:txBody>
-      </p:sp>
-      <p:sp>
-        <p:nvSpPr>
-          <p:cNvPr id="77" name="Rectangle 76"/>
-          <p:cNvSpPr/>
-          <p:nvPr/>
-        </p:nvSpPr>
-        <p:spPr>
-          <a:xfrm>
-            <a:off x="1078762" y="404637"/>
-            <a:ext cx="516835" cy="6105958"/>
-          </a:xfrm>
-          <a:prstGeom prst="rect">
-            <a:avLst/>
-          </a:prstGeom>
-          <a:solidFill>
-            <a:srgbClr val="002060"/>
-          </a:solidFill>
-          <a:ln w="38100">
-            <a:solidFill>
-              <a:schemeClr val="bg1"/>
-            </a:solidFill>
-          </a:ln>
-        </p:spPr>
-        <p:style>
-          <a:lnRef idx="2">
-            <a:schemeClr val="accent1">
-              <a:shade val="50000"/>
-            </a:schemeClr>
-          </a:lnRef>
-          <a:fillRef idx="1">
-            <a:schemeClr val="accent1"/>
-          </a:fillRef>
-          <a:effectRef idx="0">
-            <a:schemeClr val="accent1"/>
-          </a:effectRef>
-          <a:fontRef idx="minor">
-            <a:schemeClr val="lt1"/>
-          </a:fontRef>
-        </p:style>
-        <p:txBody>
-          <a:bodyPr rtlCol="0" anchor="ctr"/>
-          <a:lstStyle/>
-          <a:p>
-            <a:pPr algn="ctr"/>
-            <a:r>
-              <a:rPr lang="en-US" dirty="0" smtClean="0"/>
-              <a:t>D</a:t>
-            </a:r>
-          </a:p>
-          <a:p>
-            <a:pPr algn="ctr"/>
-            <a:r>
-              <a:rPr lang="en-US" dirty="0" smtClean="0"/>
-              <a:t>O</a:t>
-            </a:r>
-          </a:p>
-          <a:p>
-            <a:pPr algn="ctr"/>
-            <a:r>
-              <a:rPr lang="en-US" dirty="0" smtClean="0"/>
-              <a:t>M</a:t>
-            </a:r>
-            <a:endParaRPr lang="en-US" dirty="0"/>
-          </a:p>
-        </p:txBody>
-      </p:sp>
-      <p:sp>
-        <p:nvSpPr>
-          <p:cNvPr id="78" name="Rounded Rectangle 77"/>
-          <p:cNvSpPr/>
-          <p:nvPr/>
-        </p:nvSpPr>
-        <p:spPr>
-          <a:xfrm>
-            <a:off x="2314039" y="2320624"/>
-            <a:ext cx="1230519" cy="947790"/>
-          </a:xfrm>
-          <a:prstGeom prst="roundRect">
-            <a:avLst/>
-          </a:prstGeom>
-          <a:solidFill>
-            <a:srgbClr val="002060"/>
-          </a:solidFill>
-          <a:ln>
-            <a:noFill/>
-          </a:ln>
-        </p:spPr>
-        <p:style>
-          <a:lnRef idx="1">
-            <a:schemeClr val="dk1"/>
-          </a:lnRef>
-          <a:fillRef idx="2">
-            <a:schemeClr val="dk1"/>
-          </a:fillRef>
-          <a:effectRef idx="1">
-            <a:schemeClr val="dk1"/>
-          </a:effectRef>
-          <a:fontRef idx="minor">
-            <a:schemeClr val="dk1"/>
-          </a:fontRef>
-        </p:style>
-        <p:txBody>
-          <a:bodyPr rtlCol="0" anchor="ctr"/>
-          <a:lstStyle/>
-          <a:p>
-            <a:pPr algn="ctr"/>
-            <a:r>
               <a:rPr lang="en-US" dirty="0" smtClean="0">
                 <a:solidFill>
                   <a:schemeClr val="bg1"/>
@@ -4736,1416 +4617,8 @@
         </p:nvSpPr>
         <p:spPr>
           <a:xfrm>
-            <a:off x="1959645" y="3778714"/>
-            <a:ext cx="1419280" cy="2640440"/>
-          </a:xfrm>
-          <a:prstGeom prst="rect">
-            <a:avLst/>
-          </a:prstGeom>
-          <a:solidFill>
-            <a:schemeClr val="tx1">
-              <a:lumMod val="50000"/>
-              <a:lumOff val="50000"/>
-            </a:schemeClr>
-          </a:solidFill>
-          <a:ln w="28575">
-            <a:solidFill>
-              <a:schemeClr val="tx1"/>
-            </a:solidFill>
-          </a:ln>
-        </p:spPr>
-        <p:style>
-          <a:lnRef idx="2">
-            <a:schemeClr val="accent1">
-              <a:shade val="50000"/>
-            </a:schemeClr>
-          </a:lnRef>
-          <a:fillRef idx="1">
-            <a:schemeClr val="accent1"/>
-          </a:fillRef>
-          <a:effectRef idx="0">
-            <a:schemeClr val="accent1"/>
-          </a:effectRef>
-          <a:fontRef idx="minor">
-            <a:schemeClr val="lt1"/>
-          </a:fontRef>
-        </p:style>
-        <p:txBody>
-          <a:bodyPr rtlCol="0" anchor="b"/>
-          <a:lstStyle/>
-          <a:p>
-            <a:r>
-              <a:rPr lang="en-US" dirty="0" err="1" smtClean="0"/>
-              <a:t>Javascript</a:t>
-            </a:r>
-            <a:endParaRPr lang="en-US" dirty="0"/>
-          </a:p>
-        </p:txBody>
-      </p:sp>
-      <p:pic>
-        <p:nvPicPr>
-          <p:cNvPr id="81" name="Picture 80"/>
-          <p:cNvPicPr>
-            <a:picLocks noChangeAspect="1"/>
-          </p:cNvPicPr>
-          <p:nvPr/>
-        </p:nvPicPr>
-        <p:blipFill>
-          <a:blip r:embed="rId2">
-            <a:extLst>
-              <a:ext uri="{28A0092B-C50C-407E-A947-70E740481C1C}">
-                <a14:useLocalDpi xmlns:a14="http://schemas.microsoft.com/office/drawing/2010/main" val="0"/>
-              </a:ext>
-            </a:extLst>
-          </a:blip>
-          <a:stretch>
-            <a:fillRect/>
-          </a:stretch>
-        </p:blipFill>
-        <p:spPr>
-          <a:xfrm>
-            <a:off x="-406256" y="3042062"/>
-            <a:ext cx="1473755" cy="1105316"/>
-          </a:xfrm>
-          <a:prstGeom prst="rect">
-            <a:avLst/>
-          </a:prstGeom>
-        </p:spPr>
-      </p:pic>
-    </p:spTree>
-    <p:extLst>
-      <p:ext uri="{BB962C8B-B14F-4D97-AF65-F5344CB8AC3E}">
-        <p14:creationId xmlns:p14="http://schemas.microsoft.com/office/powerpoint/2010/main" val="1891106093"/>
-      </p:ext>
-    </p:extLst>
-  </p:cSld>
-  <p:clrMapOvr>
-    <a:masterClrMapping/>
-  </p:clrMapOvr>
-</p:sld>
-</file>
-
-<file path=ppt/slides/slide2.xml><?xml version="1.0" encoding="utf-8"?>
-<p:sld xmlns:a="http://schemas.openxmlformats.org/drawingml/2006/main" xmlns:r="http://schemas.openxmlformats.org/officeDocument/2006/relationships" xmlns:p="http://schemas.openxmlformats.org/presentationml/2006/main">
-  <p:cSld>
-    <p:bg>
-      <p:bgPr>
-        <a:solidFill>
-          <a:schemeClr val="tx1"/>
-        </a:solidFill>
-        <a:effectLst/>
-      </p:bgPr>
-    </p:bg>
-    <p:spTree>
-      <p:nvGrpSpPr>
-        <p:cNvPr id="1" name=""/>
-        <p:cNvGrpSpPr/>
-        <p:nvPr/>
-      </p:nvGrpSpPr>
-      <p:grpSpPr>
-        <a:xfrm>
-          <a:off x="0" y="0"/>
-          <a:ext cx="0" cy="0"/>
-          <a:chOff x="0" y="0"/>
-          <a:chExt cx="0" cy="0"/>
-        </a:xfrm>
-      </p:grpSpPr>
-      <p:pic>
-        <p:nvPicPr>
-          <p:cNvPr id="42" name="Picture 41"/>
-          <p:cNvPicPr>
-            <a:picLocks noChangeAspect="1"/>
-          </p:cNvPicPr>
-          <p:nvPr/>
-        </p:nvPicPr>
-        <p:blipFill rotWithShape="1">
-          <a:blip r:embed="rId2">
-            <a:alphaModFix amt="50000"/>
-            <a:extLst>
-              <a:ext uri="{28A0092B-C50C-407E-A947-70E740481C1C}">
-                <a14:useLocalDpi xmlns:a14="http://schemas.microsoft.com/office/drawing/2010/main" val="0"/>
-              </a:ext>
-            </a:extLst>
-          </a:blip>
-          <a:srcRect b="2174"/>
-          <a:stretch/>
-        </p:blipFill>
-        <p:spPr>
-          <a:xfrm>
-            <a:off x="20" y="11704"/>
-            <a:ext cx="12191980" cy="6857999"/>
-          </a:xfrm>
-          <a:prstGeom prst="rect">
-            <a:avLst/>
-          </a:prstGeom>
-        </p:spPr>
-      </p:pic>
-      <p:sp>
-        <p:nvSpPr>
-          <p:cNvPr id="5" name="Rectangle 4"/>
-          <p:cNvSpPr/>
-          <p:nvPr/>
-        </p:nvSpPr>
-        <p:spPr>
-          <a:xfrm>
-            <a:off x="4943408" y="278098"/>
-            <a:ext cx="6898640" cy="6347791"/>
-          </a:xfrm>
-          <a:prstGeom prst="rect">
-            <a:avLst/>
-          </a:prstGeom>
-          <a:ln w="38100">
-            <a:solidFill>
-              <a:schemeClr val="tx1"/>
-            </a:solidFill>
-          </a:ln>
-        </p:spPr>
-        <p:style>
-          <a:lnRef idx="2">
-            <a:schemeClr val="accent1">
-              <a:shade val="50000"/>
-            </a:schemeClr>
-          </a:lnRef>
-          <a:fillRef idx="1">
-            <a:schemeClr val="accent1"/>
-          </a:fillRef>
-          <a:effectRef idx="0">
-            <a:schemeClr val="accent1"/>
-          </a:effectRef>
-          <a:fontRef idx="minor">
-            <a:schemeClr val="lt1"/>
-          </a:fontRef>
-        </p:style>
-        <p:txBody>
-          <a:bodyPr rtlCol="0" anchor="t"/>
-          <a:lstStyle/>
-          <a:p>
-            <a:pPr algn="r"/>
-            <a:r>
-              <a:rPr lang="en-US" dirty="0" smtClean="0"/>
-              <a:t>Linux</a:t>
-            </a:r>
-            <a:endParaRPr lang="en-US" dirty="0"/>
-          </a:p>
-        </p:txBody>
-      </p:sp>
-      <p:sp>
-        <p:nvSpPr>
-          <p:cNvPr id="4" name="Rectangle 3"/>
-          <p:cNvSpPr/>
-          <p:nvPr/>
-        </p:nvSpPr>
-        <p:spPr>
-          <a:xfrm>
-            <a:off x="873960" y="278098"/>
-            <a:ext cx="2680252" cy="6347791"/>
-          </a:xfrm>
-          <a:prstGeom prst="rect">
-            <a:avLst/>
-          </a:prstGeom>
-          <a:ln w="38100">
-            <a:solidFill>
-              <a:schemeClr val="tx1"/>
-            </a:solidFill>
-          </a:ln>
-        </p:spPr>
-        <p:style>
-          <a:lnRef idx="2">
-            <a:schemeClr val="accent1">
-              <a:shade val="50000"/>
-            </a:schemeClr>
-          </a:lnRef>
-          <a:fillRef idx="1">
-            <a:schemeClr val="accent1"/>
-          </a:fillRef>
-          <a:effectRef idx="0">
-            <a:schemeClr val="accent1"/>
-          </a:effectRef>
-          <a:fontRef idx="minor">
-            <a:schemeClr val="lt1"/>
-          </a:fontRef>
-        </p:style>
-        <p:txBody>
-          <a:bodyPr rtlCol="0" anchor="t"/>
-          <a:lstStyle/>
-          <a:p>
-            <a:pPr algn="r"/>
-            <a:r>
-              <a:rPr lang="en-US" dirty="0" smtClean="0"/>
-              <a:t>Browser</a:t>
-            </a:r>
-            <a:endParaRPr lang="en-US" dirty="0"/>
-          </a:p>
-        </p:txBody>
-      </p:sp>
-      <p:sp>
-        <p:nvSpPr>
-          <p:cNvPr id="6" name="Rectangle 5"/>
-          <p:cNvSpPr/>
-          <p:nvPr/>
-        </p:nvSpPr>
-        <p:spPr>
-          <a:xfrm>
-            <a:off x="6197282" y="870579"/>
-            <a:ext cx="5370445" cy="5548575"/>
-          </a:xfrm>
-          <a:prstGeom prst="rect">
-            <a:avLst/>
-          </a:prstGeom>
-          <a:solidFill>
-            <a:srgbClr val="002060"/>
-          </a:solidFill>
-          <a:ln w="38100">
-            <a:solidFill>
-              <a:schemeClr val="bg1"/>
-            </a:solidFill>
-          </a:ln>
-        </p:spPr>
-        <p:style>
-          <a:lnRef idx="2">
-            <a:schemeClr val="accent1">
-              <a:shade val="50000"/>
-            </a:schemeClr>
-          </a:lnRef>
-          <a:fillRef idx="1">
-            <a:schemeClr val="accent1"/>
-          </a:fillRef>
-          <a:effectRef idx="0">
-            <a:schemeClr val="accent1"/>
-          </a:effectRef>
-          <a:fontRef idx="minor">
-            <a:schemeClr val="lt1"/>
-          </a:fontRef>
-        </p:style>
-        <p:txBody>
-          <a:bodyPr rtlCol="0" anchor="t"/>
-          <a:lstStyle/>
-          <a:p>
-            <a:pPr algn="r"/>
-            <a:r>
-              <a:rPr lang="en-US" dirty="0" err="1" smtClean="0"/>
-              <a:t>DJango</a:t>
-            </a:r>
-            <a:endParaRPr lang="en-US" dirty="0"/>
-          </a:p>
-        </p:txBody>
-      </p:sp>
-      <p:sp>
-        <p:nvSpPr>
-          <p:cNvPr id="7" name="TextBox 6"/>
-          <p:cNvSpPr txBox="1"/>
-          <p:nvPr/>
-        </p:nvSpPr>
-        <p:spPr>
-          <a:xfrm>
-            <a:off x="6197282" y="404858"/>
-            <a:ext cx="1295291" cy="369332"/>
-          </a:xfrm>
-          <a:prstGeom prst="rect">
-            <a:avLst/>
-          </a:prstGeom>
-          <a:solidFill>
-            <a:schemeClr val="bg1"/>
-          </a:solidFill>
-        </p:spPr>
-        <p:txBody>
-          <a:bodyPr wrap="none" rtlCol="0">
-            <a:spAutoFit/>
-          </a:bodyPr>
-          <a:lstStyle/>
-          <a:p>
-            <a:r>
-              <a:rPr lang="en-US" dirty="0" err="1" smtClean="0"/>
-              <a:t>WGSIConfig</a:t>
-            </a:r>
-            <a:endParaRPr lang="en-US" dirty="0"/>
-          </a:p>
-        </p:txBody>
-      </p:sp>
-      <p:sp>
-        <p:nvSpPr>
-          <p:cNvPr id="9" name="Rounded Rectangle 8"/>
-          <p:cNvSpPr/>
-          <p:nvPr/>
-        </p:nvSpPr>
-        <p:spPr>
-          <a:xfrm>
-            <a:off x="6717874" y="1101696"/>
-            <a:ext cx="1086678" cy="1033669"/>
-          </a:xfrm>
-          <a:prstGeom prst="roundRect">
-            <a:avLst/>
-          </a:prstGeom>
-          <a:solidFill>
-            <a:srgbClr val="0070C0"/>
-          </a:solidFill>
-        </p:spPr>
-        <p:style>
-          <a:lnRef idx="1">
-            <a:schemeClr val="dk1"/>
-          </a:lnRef>
-          <a:fillRef idx="2">
-            <a:schemeClr val="dk1"/>
-          </a:fillRef>
-          <a:effectRef idx="1">
-            <a:schemeClr val="dk1"/>
-          </a:effectRef>
-          <a:fontRef idx="minor">
-            <a:schemeClr val="dk1"/>
-          </a:fontRef>
-        </p:style>
-        <p:txBody>
-          <a:bodyPr rtlCol="0" anchor="ctr"/>
-          <a:lstStyle/>
-          <a:p>
-            <a:pPr algn="ctr"/>
-            <a:r>
-              <a:rPr lang="en-US" smtClean="0">
-                <a:solidFill>
-                  <a:schemeClr val="bg1"/>
-                </a:solidFill>
-              </a:rPr>
-              <a:t>Routing</a:t>
-            </a:r>
-            <a:endParaRPr lang="en-US">
-              <a:solidFill>
-                <a:schemeClr val="bg1"/>
-              </a:solidFill>
-            </a:endParaRPr>
-          </a:p>
-        </p:txBody>
-      </p:sp>
-      <p:sp>
-        <p:nvSpPr>
-          <p:cNvPr id="10" name="Rounded Rectangle 9"/>
-          <p:cNvSpPr/>
-          <p:nvPr/>
-        </p:nvSpPr>
-        <p:spPr>
-          <a:xfrm>
-            <a:off x="6717874" y="2675805"/>
-            <a:ext cx="1086678" cy="1033669"/>
-          </a:xfrm>
-          <a:prstGeom prst="roundRect">
-            <a:avLst/>
-          </a:prstGeom>
-          <a:solidFill>
-            <a:srgbClr val="0070C0"/>
-          </a:solidFill>
-        </p:spPr>
-        <p:style>
-          <a:lnRef idx="1">
-            <a:schemeClr val="dk1"/>
-          </a:lnRef>
-          <a:fillRef idx="2">
-            <a:schemeClr val="dk1"/>
-          </a:fillRef>
-          <a:effectRef idx="1">
-            <a:schemeClr val="dk1"/>
-          </a:effectRef>
-          <a:fontRef idx="minor">
-            <a:schemeClr val="dk1"/>
-          </a:fontRef>
-        </p:style>
-        <p:txBody>
-          <a:bodyPr rtlCol="0" anchor="ctr"/>
-          <a:lstStyle/>
-          <a:p>
-            <a:pPr algn="ctr"/>
-            <a:r>
-              <a:rPr lang="en-US" dirty="0" smtClean="0">
-                <a:solidFill>
-                  <a:schemeClr val="bg1"/>
-                </a:solidFill>
-              </a:rPr>
-              <a:t>Views</a:t>
-            </a:r>
-            <a:endParaRPr lang="en-US" dirty="0">
-              <a:solidFill>
-                <a:schemeClr val="bg1"/>
-              </a:solidFill>
-            </a:endParaRPr>
-          </a:p>
-        </p:txBody>
-      </p:sp>
-      <p:sp>
-        <p:nvSpPr>
-          <p:cNvPr id="11" name="Can 10"/>
-          <p:cNvSpPr/>
-          <p:nvPr/>
-        </p:nvSpPr>
-        <p:spPr>
-          <a:xfrm>
-            <a:off x="8997578" y="4173528"/>
-            <a:ext cx="1577009" cy="646266"/>
-          </a:xfrm>
-          <a:prstGeom prst="can">
-            <a:avLst/>
-          </a:prstGeom>
-          <a:solidFill>
-            <a:srgbClr val="0070C0"/>
-          </a:solidFill>
-        </p:spPr>
-        <p:style>
-          <a:lnRef idx="2">
-            <a:schemeClr val="accent1">
-              <a:shade val="50000"/>
-            </a:schemeClr>
-          </a:lnRef>
-          <a:fillRef idx="1">
-            <a:schemeClr val="accent1"/>
-          </a:fillRef>
-          <a:effectRef idx="0">
-            <a:schemeClr val="accent1"/>
-          </a:effectRef>
-          <a:fontRef idx="minor">
-            <a:schemeClr val="lt1"/>
-          </a:fontRef>
-        </p:style>
-        <p:txBody>
-          <a:bodyPr rtlCol="0" anchor="ctr"/>
-          <a:lstStyle/>
-          <a:p>
-            <a:pPr algn="ctr"/>
-            <a:r>
-              <a:rPr lang="en-US" dirty="0" smtClean="0"/>
-              <a:t>Database</a:t>
-            </a:r>
-            <a:endParaRPr lang="en-US" dirty="0"/>
-          </a:p>
-        </p:txBody>
-      </p:sp>
-      <p:sp>
-        <p:nvSpPr>
-          <p:cNvPr id="13" name="Rounded Rectangle 12"/>
-          <p:cNvSpPr/>
-          <p:nvPr/>
-        </p:nvSpPr>
-        <p:spPr>
-          <a:xfrm>
-            <a:off x="10057748" y="2898335"/>
-            <a:ext cx="1367113" cy="516836"/>
-          </a:xfrm>
-          <a:prstGeom prst="roundRect">
-            <a:avLst/>
-          </a:prstGeom>
-        </p:spPr>
-        <p:style>
-          <a:lnRef idx="1">
-            <a:schemeClr val="dk1"/>
-          </a:lnRef>
-          <a:fillRef idx="2">
-            <a:schemeClr val="dk1"/>
-          </a:fillRef>
-          <a:effectRef idx="1">
-            <a:schemeClr val="dk1"/>
-          </a:effectRef>
-          <a:fontRef idx="minor">
-            <a:schemeClr val="dk1"/>
-          </a:fontRef>
-        </p:style>
-        <p:txBody>
-          <a:bodyPr rtlCol="0" anchor="ctr"/>
-          <a:lstStyle/>
-          <a:p>
-            <a:pPr algn="ctr"/>
-            <a:r>
-              <a:rPr lang="en-US" smtClean="0"/>
-              <a:t>Templates</a:t>
-            </a:r>
-            <a:endParaRPr lang="en-US" dirty="0" smtClean="0"/>
-          </a:p>
-        </p:txBody>
-      </p:sp>
-      <p:sp>
-        <p:nvSpPr>
-          <p:cNvPr id="16" name="Rounded Rectangle 15"/>
-          <p:cNvSpPr/>
-          <p:nvPr/>
-        </p:nvSpPr>
-        <p:spPr>
-          <a:xfrm>
-            <a:off x="8218183" y="404637"/>
-            <a:ext cx="1603514" cy="369554"/>
-          </a:xfrm>
-          <a:prstGeom prst="roundRect">
-            <a:avLst/>
-          </a:prstGeom>
-        </p:spPr>
-        <p:style>
-          <a:lnRef idx="1">
-            <a:schemeClr val="dk1"/>
-          </a:lnRef>
-          <a:fillRef idx="2">
-            <a:schemeClr val="dk1"/>
-          </a:fillRef>
-          <a:effectRef idx="1">
-            <a:schemeClr val="dk1"/>
-          </a:effectRef>
-          <a:fontRef idx="minor">
-            <a:schemeClr val="dk1"/>
-          </a:fontRef>
-        </p:style>
-        <p:txBody>
-          <a:bodyPr rtlCol="0" anchor="ctr"/>
-          <a:lstStyle/>
-          <a:p>
-            <a:pPr algn="ctr"/>
-            <a:r>
-              <a:rPr lang="en-US" smtClean="0"/>
-              <a:t>settings.py</a:t>
-            </a:r>
-            <a:endParaRPr lang="en-US" dirty="0"/>
-          </a:p>
-        </p:txBody>
-      </p:sp>
-      <p:cxnSp>
-        <p:nvCxnSpPr>
-          <p:cNvPr id="21" name="Straight Arrow Connector 20"/>
-          <p:cNvCxnSpPr>
-            <a:endCxn id="7" idx="3"/>
-          </p:cNvCxnSpPr>
-          <p:nvPr/>
-        </p:nvCxnSpPr>
-        <p:spPr>
-          <a:xfrm flipH="1">
-            <a:off x="7492573" y="589414"/>
-            <a:ext cx="725611" cy="110"/>
-          </a:xfrm>
-          <a:prstGeom prst="straightConnector1">
-            <a:avLst/>
-          </a:prstGeom>
-          <a:ln w="38100">
-            <a:solidFill>
-              <a:schemeClr val="bg1"/>
-            </a:solidFill>
-            <a:tailEnd type="triangle"/>
-          </a:ln>
-        </p:spPr>
-        <p:style>
-          <a:lnRef idx="1">
-            <a:schemeClr val="accent1"/>
-          </a:lnRef>
-          <a:fillRef idx="0">
-            <a:schemeClr val="accent1"/>
-          </a:fillRef>
-          <a:effectRef idx="0">
-            <a:schemeClr val="accent1"/>
-          </a:effectRef>
-          <a:fontRef idx="minor">
-            <a:schemeClr val="tx1"/>
-          </a:fontRef>
-        </p:style>
-      </p:cxnSp>
-      <p:sp>
-        <p:nvSpPr>
-          <p:cNvPr id="23" name="Rectangle 22"/>
-          <p:cNvSpPr/>
-          <p:nvPr/>
-        </p:nvSpPr>
-        <p:spPr>
-          <a:xfrm>
-            <a:off x="5209995" y="404637"/>
-            <a:ext cx="516835" cy="6105958"/>
-          </a:xfrm>
-          <a:prstGeom prst="rect">
-            <a:avLst/>
-          </a:prstGeom>
-          <a:solidFill>
-            <a:srgbClr val="002060"/>
-          </a:solidFill>
-          <a:ln w="38100">
-            <a:solidFill>
-              <a:schemeClr val="bg1"/>
-            </a:solidFill>
-          </a:ln>
-        </p:spPr>
-        <p:style>
-          <a:lnRef idx="2">
-            <a:schemeClr val="accent1">
-              <a:shade val="50000"/>
-            </a:schemeClr>
-          </a:lnRef>
-          <a:fillRef idx="1">
-            <a:schemeClr val="accent1"/>
-          </a:fillRef>
-          <a:effectRef idx="0">
-            <a:schemeClr val="accent1"/>
-          </a:effectRef>
-          <a:fontRef idx="minor">
-            <a:schemeClr val="lt1"/>
-          </a:fontRef>
-        </p:style>
-        <p:txBody>
-          <a:bodyPr rtlCol="0" anchor="ctr"/>
-          <a:lstStyle/>
-          <a:p>
-            <a:pPr algn="ctr"/>
-            <a:r>
-              <a:rPr lang="en-US" dirty="0" smtClean="0"/>
-              <a:t>N</a:t>
-            </a:r>
-          </a:p>
-          <a:p>
-            <a:pPr algn="ctr"/>
-            <a:r>
-              <a:rPr lang="en-US" dirty="0" smtClean="0"/>
-              <a:t>G</a:t>
-            </a:r>
-          </a:p>
-          <a:p>
-            <a:pPr algn="ctr"/>
-            <a:r>
-              <a:rPr lang="en-US" dirty="0" smtClean="0"/>
-              <a:t>I</a:t>
-            </a:r>
-          </a:p>
-          <a:p>
-            <a:pPr algn="ctr"/>
-            <a:r>
-              <a:rPr lang="en-US" dirty="0" smtClean="0"/>
-              <a:t>N</a:t>
-            </a:r>
-            <a:br>
-              <a:rPr lang="en-US" dirty="0" smtClean="0"/>
-            </a:br>
-            <a:r>
-              <a:rPr lang="en-US" dirty="0" smtClean="0"/>
-              <a:t>X</a:t>
-            </a:r>
-            <a:endParaRPr lang="en-US" dirty="0"/>
-          </a:p>
-        </p:txBody>
-      </p:sp>
-      <p:cxnSp>
-        <p:nvCxnSpPr>
-          <p:cNvPr id="28" name="Straight Arrow Connector 27"/>
-          <p:cNvCxnSpPr>
-            <a:stCxn id="15" idx="1"/>
-            <a:endCxn id="9" idx="3"/>
-          </p:cNvCxnSpPr>
-          <p:nvPr/>
-        </p:nvCxnSpPr>
-        <p:spPr>
-          <a:xfrm flipH="1">
-            <a:off x="7804552" y="1610800"/>
-            <a:ext cx="1318368" cy="7731"/>
-          </a:xfrm>
-          <a:prstGeom prst="straightConnector1">
-            <a:avLst/>
-          </a:prstGeom>
-          <a:ln w="38100">
-            <a:solidFill>
-              <a:schemeClr val="bg1"/>
-            </a:solidFill>
-            <a:tailEnd type="triangle"/>
-          </a:ln>
-        </p:spPr>
-        <p:style>
-          <a:lnRef idx="1">
-            <a:schemeClr val="accent1"/>
-          </a:lnRef>
-          <a:fillRef idx="0">
-            <a:schemeClr val="accent1"/>
-          </a:fillRef>
-          <a:effectRef idx="0">
-            <a:schemeClr val="accent1"/>
-          </a:effectRef>
-          <a:fontRef idx="minor">
-            <a:schemeClr val="tx1"/>
-          </a:fontRef>
-        </p:style>
-      </p:cxnSp>
-      <p:cxnSp>
-        <p:nvCxnSpPr>
-          <p:cNvPr id="31" name="Straight Arrow Connector 30"/>
-          <p:cNvCxnSpPr>
-            <a:stCxn id="24" idx="1"/>
-            <a:endCxn id="10" idx="3"/>
-          </p:cNvCxnSpPr>
-          <p:nvPr/>
-        </p:nvCxnSpPr>
-        <p:spPr>
-          <a:xfrm flipH="1">
-            <a:off x="7804552" y="2600260"/>
-            <a:ext cx="538604" cy="592380"/>
-          </a:xfrm>
-          <a:prstGeom prst="straightConnector1">
-            <a:avLst/>
-          </a:prstGeom>
-          <a:ln w="38100">
-            <a:solidFill>
-              <a:schemeClr val="bg1"/>
-            </a:solidFill>
-            <a:tailEnd type="triangle"/>
-          </a:ln>
-        </p:spPr>
-        <p:style>
-          <a:lnRef idx="1">
-            <a:schemeClr val="accent1"/>
-          </a:lnRef>
-          <a:fillRef idx="0">
-            <a:schemeClr val="accent1"/>
-          </a:fillRef>
-          <a:effectRef idx="0">
-            <a:schemeClr val="accent1"/>
-          </a:effectRef>
-          <a:fontRef idx="minor">
-            <a:schemeClr val="tx1"/>
-          </a:fontRef>
-        </p:style>
-      </p:cxnSp>
-      <p:cxnSp>
-        <p:nvCxnSpPr>
-          <p:cNvPr id="34" name="Straight Arrow Connector 33"/>
-          <p:cNvCxnSpPr>
-            <a:stCxn id="13" idx="1"/>
-            <a:endCxn id="10" idx="3"/>
-          </p:cNvCxnSpPr>
-          <p:nvPr/>
-        </p:nvCxnSpPr>
-        <p:spPr>
-          <a:xfrm flipH="1">
-            <a:off x="7804552" y="3156753"/>
-            <a:ext cx="2253196" cy="35887"/>
-          </a:xfrm>
-          <a:prstGeom prst="straightConnector1">
-            <a:avLst/>
-          </a:prstGeom>
-          <a:ln w="38100">
-            <a:solidFill>
-              <a:srgbClr val="FFFF00"/>
-            </a:solidFill>
-            <a:tailEnd type="triangle"/>
-          </a:ln>
-        </p:spPr>
-        <p:style>
-          <a:lnRef idx="1">
-            <a:schemeClr val="accent1"/>
-          </a:lnRef>
-          <a:fillRef idx="0">
-            <a:schemeClr val="accent1"/>
-          </a:fillRef>
-          <a:effectRef idx="0">
-            <a:schemeClr val="accent1"/>
-          </a:effectRef>
-          <a:fontRef idx="minor">
-            <a:schemeClr val="tx1"/>
-          </a:fontRef>
-        </p:style>
-      </p:cxnSp>
-      <p:cxnSp>
-        <p:nvCxnSpPr>
-          <p:cNvPr id="37" name="Straight Arrow Connector 36"/>
-          <p:cNvCxnSpPr>
-            <a:stCxn id="14" idx="1"/>
-            <a:endCxn id="10" idx="3"/>
-          </p:cNvCxnSpPr>
-          <p:nvPr/>
-        </p:nvCxnSpPr>
-        <p:spPr>
-          <a:xfrm flipH="1" flipV="1">
-            <a:off x="7804552" y="3192640"/>
-            <a:ext cx="547424" cy="385449"/>
-          </a:xfrm>
-          <a:prstGeom prst="straightConnector1">
-            <a:avLst/>
-          </a:prstGeom>
-          <a:ln w="38100">
-            <a:solidFill>
-              <a:schemeClr val="bg1"/>
-            </a:solidFill>
-            <a:tailEnd type="triangle"/>
-          </a:ln>
-        </p:spPr>
-        <p:style>
-          <a:lnRef idx="1">
-            <a:schemeClr val="accent1"/>
-          </a:lnRef>
-          <a:fillRef idx="0">
-            <a:schemeClr val="accent1"/>
-          </a:fillRef>
-          <a:effectRef idx="0">
-            <a:schemeClr val="accent1"/>
-          </a:effectRef>
-          <a:fontRef idx="minor">
-            <a:schemeClr val="tx1"/>
-          </a:fontRef>
-        </p:style>
-      </p:cxnSp>
-      <p:cxnSp>
-        <p:nvCxnSpPr>
-          <p:cNvPr id="40" name="Straight Arrow Connector 39"/>
-          <p:cNvCxnSpPr>
-            <a:stCxn id="11" idx="2"/>
-            <a:endCxn id="49" idx="3"/>
-          </p:cNvCxnSpPr>
-          <p:nvPr/>
-        </p:nvCxnSpPr>
-        <p:spPr>
-          <a:xfrm flipH="1">
-            <a:off x="7804552" y="4496661"/>
-            <a:ext cx="1193026" cy="420590"/>
-          </a:xfrm>
-          <a:prstGeom prst="straightConnector1">
-            <a:avLst/>
-          </a:prstGeom>
-          <a:ln w="38100">
-            <a:solidFill>
-              <a:srgbClr val="FFFF00"/>
-            </a:solidFill>
-            <a:headEnd type="triangle" w="med" len="med"/>
-            <a:tailEnd type="triangle" w="med" len="med"/>
-          </a:ln>
-        </p:spPr>
-        <p:style>
-          <a:lnRef idx="1">
-            <a:schemeClr val="accent1"/>
-          </a:lnRef>
-          <a:fillRef idx="0">
-            <a:schemeClr val="accent1"/>
-          </a:fillRef>
-          <a:effectRef idx="0">
-            <a:schemeClr val="accent1"/>
-          </a:effectRef>
-          <a:fontRef idx="minor">
-            <a:schemeClr val="tx1"/>
-          </a:fontRef>
-        </p:style>
-      </p:cxnSp>
-      <p:sp>
-        <p:nvSpPr>
-          <p:cNvPr id="15" name="Rounded Rectangle 14"/>
-          <p:cNvSpPr/>
-          <p:nvPr/>
-        </p:nvSpPr>
-        <p:spPr>
-          <a:xfrm>
-            <a:off x="9122920" y="1385733"/>
-            <a:ext cx="1439996" cy="450133"/>
-          </a:xfrm>
-          <a:prstGeom prst="roundRect">
-            <a:avLst/>
-          </a:prstGeom>
-        </p:spPr>
-        <p:style>
-          <a:lnRef idx="1">
-            <a:schemeClr val="dk1"/>
-          </a:lnRef>
-          <a:fillRef idx="2">
-            <a:schemeClr val="dk1"/>
-          </a:fillRef>
-          <a:effectRef idx="1">
-            <a:schemeClr val="dk1"/>
-          </a:effectRef>
-          <a:fontRef idx="minor">
-            <a:schemeClr val="dk1"/>
-          </a:fontRef>
-        </p:style>
-        <p:txBody>
-          <a:bodyPr rtlCol="0" anchor="ctr"/>
-          <a:lstStyle/>
-          <a:p>
-            <a:pPr algn="ctr"/>
-            <a:r>
-              <a:rPr lang="en-US" dirty="0" err="1" smtClean="0"/>
-              <a:t>urls.py</a:t>
-            </a:r>
-            <a:endParaRPr lang="en-US" dirty="0"/>
-          </a:p>
-        </p:txBody>
-      </p:sp>
-      <p:sp>
-        <p:nvSpPr>
-          <p:cNvPr id="24" name="Rounded Rectangle 23"/>
-          <p:cNvSpPr/>
-          <p:nvPr/>
-        </p:nvSpPr>
-        <p:spPr>
-          <a:xfrm>
-            <a:off x="8343156" y="2341842"/>
-            <a:ext cx="1308844" cy="516836"/>
-          </a:xfrm>
-          <a:prstGeom prst="roundRect">
-            <a:avLst/>
-          </a:prstGeom>
-        </p:spPr>
-        <p:style>
-          <a:lnRef idx="1">
-            <a:schemeClr val="dk1"/>
-          </a:lnRef>
-          <a:fillRef idx="2">
-            <a:schemeClr val="dk1"/>
-          </a:fillRef>
-          <a:effectRef idx="1">
-            <a:schemeClr val="dk1"/>
-          </a:effectRef>
-          <a:fontRef idx="minor">
-            <a:schemeClr val="dk1"/>
-          </a:fontRef>
-        </p:style>
-        <p:txBody>
-          <a:bodyPr rtlCol="0" anchor="ctr"/>
-          <a:lstStyle/>
-          <a:p>
-            <a:pPr algn="ctr"/>
-            <a:r>
-              <a:rPr lang="en-US" dirty="0" err="1" smtClean="0"/>
-              <a:t>views.py</a:t>
-            </a:r>
-            <a:endParaRPr lang="en-US" dirty="0" smtClean="0"/>
-          </a:p>
-        </p:txBody>
-      </p:sp>
-      <p:sp>
-        <p:nvSpPr>
-          <p:cNvPr id="14" name="Rounded Rectangle 13"/>
-          <p:cNvSpPr/>
-          <p:nvPr/>
-        </p:nvSpPr>
-        <p:spPr>
-          <a:xfrm>
-            <a:off x="8351976" y="3327246"/>
-            <a:ext cx="1355820" cy="501686"/>
-          </a:xfrm>
-          <a:prstGeom prst="roundRect">
-            <a:avLst/>
-          </a:prstGeom>
-        </p:spPr>
-        <p:style>
-          <a:lnRef idx="1">
-            <a:schemeClr val="dk1"/>
-          </a:lnRef>
-          <a:fillRef idx="2">
-            <a:schemeClr val="dk1"/>
-          </a:fillRef>
-          <a:effectRef idx="1">
-            <a:schemeClr val="dk1"/>
-          </a:effectRef>
-          <a:fontRef idx="minor">
-            <a:schemeClr val="dk1"/>
-          </a:fontRef>
-        </p:style>
-        <p:txBody>
-          <a:bodyPr rtlCol="0" anchor="ctr"/>
-          <a:lstStyle/>
-          <a:p>
-            <a:pPr algn="ctr"/>
-            <a:r>
-              <a:rPr lang="en-US" dirty="0" err="1" smtClean="0"/>
-              <a:t>forms.py</a:t>
-            </a:r>
-            <a:endParaRPr lang="en-US" dirty="0"/>
-          </a:p>
-        </p:txBody>
-      </p:sp>
-      <p:sp>
-        <p:nvSpPr>
-          <p:cNvPr id="49" name="Rounded Rectangle 48"/>
-          <p:cNvSpPr/>
-          <p:nvPr/>
-        </p:nvSpPr>
-        <p:spPr>
-          <a:xfrm>
-            <a:off x="6717874" y="4400416"/>
-            <a:ext cx="1086678" cy="1033669"/>
-          </a:xfrm>
-          <a:prstGeom prst="roundRect">
-            <a:avLst/>
-          </a:prstGeom>
-          <a:solidFill>
-            <a:srgbClr val="0070C0"/>
-          </a:solidFill>
-        </p:spPr>
-        <p:style>
-          <a:lnRef idx="1">
-            <a:schemeClr val="dk1"/>
-          </a:lnRef>
-          <a:fillRef idx="2">
-            <a:schemeClr val="dk1"/>
-          </a:fillRef>
-          <a:effectRef idx="1">
-            <a:schemeClr val="dk1"/>
-          </a:effectRef>
-          <a:fontRef idx="minor">
-            <a:schemeClr val="dk1"/>
-          </a:fontRef>
-        </p:style>
-        <p:txBody>
-          <a:bodyPr rtlCol="0" anchor="ctr"/>
-          <a:lstStyle/>
-          <a:p>
-            <a:pPr algn="ctr"/>
-            <a:r>
-              <a:rPr lang="en-US" dirty="0" smtClean="0">
-                <a:solidFill>
-                  <a:schemeClr val="bg1"/>
-                </a:solidFill>
-              </a:rPr>
-              <a:t>Models</a:t>
-            </a:r>
-            <a:endParaRPr lang="en-US" dirty="0">
-              <a:solidFill>
-                <a:schemeClr val="bg1"/>
-              </a:solidFill>
-            </a:endParaRPr>
-          </a:p>
-        </p:txBody>
-      </p:sp>
-      <p:cxnSp>
-        <p:nvCxnSpPr>
-          <p:cNvPr id="56" name="Straight Arrow Connector 55"/>
-          <p:cNvCxnSpPr>
-            <a:stCxn id="76" idx="1"/>
-            <a:endCxn id="49" idx="3"/>
-          </p:cNvCxnSpPr>
-          <p:nvPr/>
-        </p:nvCxnSpPr>
-        <p:spPr>
-          <a:xfrm flipH="1" flipV="1">
-            <a:off x="7804552" y="4917251"/>
-            <a:ext cx="1389196" cy="511060"/>
-          </a:xfrm>
-          <a:prstGeom prst="straightConnector1">
-            <a:avLst/>
-          </a:prstGeom>
-          <a:ln w="38100">
-            <a:solidFill>
-              <a:schemeClr val="bg1"/>
-            </a:solidFill>
-            <a:tailEnd type="triangle"/>
-          </a:ln>
-        </p:spPr>
-        <p:style>
-          <a:lnRef idx="1">
-            <a:schemeClr val="accent1"/>
-          </a:lnRef>
-          <a:fillRef idx="0">
-            <a:schemeClr val="accent1"/>
-          </a:fillRef>
-          <a:effectRef idx="0">
-            <a:schemeClr val="accent1"/>
-          </a:effectRef>
-          <a:fontRef idx="minor">
-            <a:schemeClr val="tx1"/>
-          </a:fontRef>
-        </p:style>
-      </p:cxnSp>
-      <p:cxnSp>
-        <p:nvCxnSpPr>
-          <p:cNvPr id="60" name="Straight Arrow Connector 59"/>
-          <p:cNvCxnSpPr>
-            <a:endCxn id="10" idx="0"/>
-          </p:cNvCxnSpPr>
-          <p:nvPr/>
-        </p:nvCxnSpPr>
-        <p:spPr>
-          <a:xfrm>
-            <a:off x="7261213" y="2135365"/>
-            <a:ext cx="0" cy="540440"/>
-          </a:xfrm>
-          <a:prstGeom prst="straightConnector1">
-            <a:avLst/>
-          </a:prstGeom>
-          <a:ln w="38100">
-            <a:solidFill>
-              <a:srgbClr val="FFFF00"/>
-            </a:solidFill>
-            <a:tailEnd type="triangle"/>
-          </a:ln>
-        </p:spPr>
-        <p:style>
-          <a:lnRef idx="1">
-            <a:schemeClr val="accent1"/>
-          </a:lnRef>
-          <a:fillRef idx="0">
-            <a:schemeClr val="accent1"/>
-          </a:fillRef>
-          <a:effectRef idx="0">
-            <a:schemeClr val="accent1"/>
-          </a:effectRef>
-          <a:fontRef idx="minor">
-            <a:schemeClr val="tx1"/>
-          </a:fontRef>
-        </p:style>
-      </p:cxnSp>
-      <p:cxnSp>
-        <p:nvCxnSpPr>
-          <p:cNvPr id="64" name="Straight Arrow Connector 63"/>
-          <p:cNvCxnSpPr>
-            <a:stCxn id="49" idx="0"/>
-            <a:endCxn id="10" idx="2"/>
-          </p:cNvCxnSpPr>
-          <p:nvPr/>
-        </p:nvCxnSpPr>
-        <p:spPr>
-          <a:xfrm flipV="1">
-            <a:off x="7261213" y="3709474"/>
-            <a:ext cx="0" cy="690942"/>
-          </a:xfrm>
-          <a:prstGeom prst="straightConnector1">
-            <a:avLst/>
-          </a:prstGeom>
-          <a:ln w="38100">
-            <a:solidFill>
-              <a:srgbClr val="FFFF00"/>
-            </a:solidFill>
-            <a:headEnd type="triangle" w="med" len="med"/>
-            <a:tailEnd type="triangle" w="med" len="med"/>
-          </a:ln>
-        </p:spPr>
-        <p:style>
-          <a:lnRef idx="1">
-            <a:schemeClr val="accent1"/>
-          </a:lnRef>
-          <a:fillRef idx="0">
-            <a:schemeClr val="accent1"/>
-          </a:fillRef>
-          <a:effectRef idx="0">
-            <a:schemeClr val="accent1"/>
-          </a:effectRef>
-          <a:fontRef idx="minor">
-            <a:schemeClr val="tx1"/>
-          </a:fontRef>
-        </p:style>
-      </p:cxnSp>
-      <p:sp>
-        <p:nvSpPr>
-          <p:cNvPr id="73" name="Cloud Callout 72"/>
-          <p:cNvSpPr/>
-          <p:nvPr/>
-        </p:nvSpPr>
-        <p:spPr>
-          <a:xfrm>
-            <a:off x="3772088" y="3125272"/>
-            <a:ext cx="934720" cy="653442"/>
-          </a:xfrm>
-          <a:prstGeom prst="cloudCallout">
-            <a:avLst>
-              <a:gd name="adj1" fmla="val 906"/>
-              <a:gd name="adj2" fmla="val -1249"/>
-            </a:avLst>
-          </a:prstGeom>
-          <a:solidFill>
-            <a:schemeClr val="tx1">
-              <a:lumMod val="50000"/>
-              <a:lumOff val="50000"/>
-            </a:schemeClr>
-          </a:solidFill>
-          <a:ln>
-            <a:noFill/>
-          </a:ln>
-        </p:spPr>
-        <p:style>
-          <a:lnRef idx="2">
-            <a:schemeClr val="accent1">
-              <a:shade val="50000"/>
-            </a:schemeClr>
-          </a:lnRef>
-          <a:fillRef idx="1">
-            <a:schemeClr val="accent1"/>
-          </a:fillRef>
-          <a:effectRef idx="0">
-            <a:schemeClr val="accent1"/>
-          </a:effectRef>
-          <a:fontRef idx="minor">
-            <a:schemeClr val="lt1"/>
-          </a:fontRef>
-        </p:style>
-        <p:txBody>
-          <a:bodyPr rtlCol="0" anchor="ctr"/>
-          <a:lstStyle/>
-          <a:p>
-            <a:pPr algn="ctr"/>
-            <a:endParaRPr lang="en-US"/>
-          </a:p>
-        </p:txBody>
-      </p:sp>
-      <p:sp>
-        <p:nvSpPr>
-          <p:cNvPr id="76" name="Rounded Rectangle 75"/>
-          <p:cNvSpPr/>
-          <p:nvPr/>
-        </p:nvSpPr>
-        <p:spPr>
-          <a:xfrm>
-            <a:off x="9193748" y="5177468"/>
-            <a:ext cx="1357391" cy="501686"/>
-          </a:xfrm>
-          <a:prstGeom prst="roundRect">
-            <a:avLst/>
-          </a:prstGeom>
-        </p:spPr>
-        <p:style>
-          <a:lnRef idx="1">
-            <a:schemeClr val="dk1"/>
-          </a:lnRef>
-          <a:fillRef idx="2">
-            <a:schemeClr val="dk1"/>
-          </a:fillRef>
-          <a:effectRef idx="1">
-            <a:schemeClr val="dk1"/>
-          </a:effectRef>
-          <a:fontRef idx="minor">
-            <a:schemeClr val="dk1"/>
-          </a:fontRef>
-        </p:style>
-        <p:txBody>
-          <a:bodyPr rtlCol="0" anchor="ctr"/>
-          <a:lstStyle/>
-          <a:p>
-            <a:pPr algn="ctr"/>
-            <a:r>
-              <a:rPr lang="en-US" dirty="0" err="1" smtClean="0"/>
-              <a:t>model.py</a:t>
-            </a:r>
-            <a:endParaRPr lang="en-US" dirty="0"/>
-          </a:p>
-        </p:txBody>
-      </p:sp>
-      <p:sp>
-        <p:nvSpPr>
-          <p:cNvPr id="77" name="Rectangle 76"/>
-          <p:cNvSpPr/>
-          <p:nvPr/>
-        </p:nvSpPr>
-        <p:spPr>
-          <a:xfrm>
-            <a:off x="1078762" y="404637"/>
-            <a:ext cx="516835" cy="6105958"/>
-          </a:xfrm>
-          <a:prstGeom prst="rect">
-            <a:avLst/>
-          </a:prstGeom>
-          <a:solidFill>
-            <a:srgbClr val="002060"/>
-          </a:solidFill>
-          <a:ln w="38100">
-            <a:solidFill>
-              <a:schemeClr val="bg1"/>
-            </a:solidFill>
-          </a:ln>
-        </p:spPr>
-        <p:style>
-          <a:lnRef idx="2">
-            <a:schemeClr val="accent1">
-              <a:shade val="50000"/>
-            </a:schemeClr>
-          </a:lnRef>
-          <a:fillRef idx="1">
-            <a:schemeClr val="accent1"/>
-          </a:fillRef>
-          <a:effectRef idx="0">
-            <a:schemeClr val="accent1"/>
-          </a:effectRef>
-          <a:fontRef idx="minor">
-            <a:schemeClr val="lt1"/>
-          </a:fontRef>
-        </p:style>
-        <p:txBody>
-          <a:bodyPr rtlCol="0" anchor="ctr"/>
-          <a:lstStyle/>
-          <a:p>
-            <a:pPr algn="ctr"/>
-            <a:r>
-              <a:rPr lang="en-US" dirty="0" smtClean="0"/>
-              <a:t>D</a:t>
-            </a:r>
-          </a:p>
-          <a:p>
-            <a:pPr algn="ctr"/>
-            <a:r>
-              <a:rPr lang="en-US" dirty="0" smtClean="0"/>
-              <a:t>O</a:t>
-            </a:r>
-          </a:p>
-          <a:p>
-            <a:pPr algn="ctr"/>
-            <a:r>
-              <a:rPr lang="en-US" dirty="0" smtClean="0"/>
-              <a:t>M</a:t>
-            </a:r>
-            <a:endParaRPr lang="en-US" dirty="0"/>
-          </a:p>
-        </p:txBody>
-      </p:sp>
-      <p:sp>
-        <p:nvSpPr>
-          <p:cNvPr id="78" name="Rounded Rectangle 77"/>
-          <p:cNvSpPr/>
-          <p:nvPr/>
-        </p:nvSpPr>
-        <p:spPr>
-          <a:xfrm>
-            <a:off x="2314039" y="2320624"/>
-            <a:ext cx="1230519" cy="947790"/>
-          </a:xfrm>
-          <a:prstGeom prst="roundRect">
-            <a:avLst/>
-          </a:prstGeom>
-          <a:solidFill>
-            <a:srgbClr val="002060"/>
-          </a:solidFill>
-          <a:ln>
-            <a:noFill/>
-          </a:ln>
-        </p:spPr>
-        <p:style>
-          <a:lnRef idx="1">
-            <a:schemeClr val="dk1"/>
-          </a:lnRef>
-          <a:fillRef idx="2">
-            <a:schemeClr val="dk1"/>
-          </a:fillRef>
-          <a:effectRef idx="1">
-            <a:schemeClr val="dk1"/>
-          </a:effectRef>
-          <a:fontRef idx="minor">
-            <a:schemeClr val="dk1"/>
-          </a:fontRef>
-        </p:style>
-        <p:txBody>
-          <a:bodyPr rtlCol="0" anchor="ctr"/>
-          <a:lstStyle/>
-          <a:p>
-            <a:pPr algn="ctr"/>
-            <a:r>
-              <a:rPr lang="en-US" dirty="0" smtClean="0">
-                <a:solidFill>
-                  <a:schemeClr val="bg1"/>
-                </a:solidFill>
-              </a:rPr>
-              <a:t>Parse</a:t>
-            </a:r>
-          </a:p>
-          <a:p>
-            <a:pPr algn="ctr"/>
-            <a:r>
-              <a:rPr lang="en-US" dirty="0" smtClean="0">
-                <a:solidFill>
-                  <a:schemeClr val="bg1"/>
-                </a:solidFill>
-              </a:rPr>
-              <a:t>Response</a:t>
-            </a:r>
-            <a:endParaRPr lang="en-US" dirty="0">
-              <a:solidFill>
-                <a:schemeClr val="bg1"/>
-              </a:solidFill>
-            </a:endParaRPr>
-          </a:p>
-        </p:txBody>
-      </p:sp>
-      <p:sp>
-        <p:nvSpPr>
-          <p:cNvPr id="79" name="Rectangle 78"/>
-          <p:cNvSpPr/>
-          <p:nvPr/>
-        </p:nvSpPr>
-        <p:spPr>
-          <a:xfrm>
-            <a:off x="1959645" y="3778714"/>
-            <a:ext cx="1419280" cy="2640440"/>
+            <a:off x="1908003" y="4073744"/>
+            <a:ext cx="1419280" cy="2345410"/>
           </a:xfrm>
           <a:prstGeom prst="rect">
             <a:avLst/>
@@ -6212,7 +4685,7 @@
         </p:blipFill>
         <p:spPr>
           <a:xfrm>
-            <a:off x="-406256" y="3042062"/>
+            <a:off x="-343366" y="1852927"/>
             <a:ext cx="1473755" cy="1105316"/>
           </a:xfrm>
           <a:prstGeom prst="rect">
@@ -6228,7 +4701,7 @@
         </p:nvSpPr>
         <p:spPr>
           <a:xfrm>
-            <a:off x="6814990" y="5685075"/>
+            <a:off x="8102028" y="5683135"/>
             <a:ext cx="1319815" cy="501686"/>
           </a:xfrm>
           <a:prstGeom prst="roundRect">
@@ -6262,19 +4735,231 @@
           </a:p>
         </p:txBody>
       </p:sp>
+      <p:sp>
+        <p:nvSpPr>
+          <p:cNvPr id="39" name="Rounded Rectangle 38"/>
+          <p:cNvSpPr/>
+          <p:nvPr/>
+        </p:nvSpPr>
+        <p:spPr>
+          <a:xfrm>
+            <a:off x="6396262" y="4400416"/>
+            <a:ext cx="1086678" cy="592481"/>
+          </a:xfrm>
+          <a:prstGeom prst="roundRect">
+            <a:avLst/>
+          </a:prstGeom>
+          <a:solidFill>
+            <a:schemeClr val="accent2"/>
+          </a:solidFill>
+        </p:spPr>
+        <p:style>
+          <a:lnRef idx="1">
+            <a:schemeClr val="dk1"/>
+          </a:lnRef>
+          <a:fillRef idx="2">
+            <a:schemeClr val="dk1"/>
+          </a:fillRef>
+          <a:effectRef idx="1">
+            <a:schemeClr val="dk1"/>
+          </a:effectRef>
+          <a:fontRef idx="minor">
+            <a:schemeClr val="dk1"/>
+          </a:fontRef>
+        </p:style>
+        <p:txBody>
+          <a:bodyPr rtlCol="0" anchor="ctr"/>
+          <a:lstStyle/>
+          <a:p>
+            <a:pPr algn="ctr"/>
+            <a:r>
+              <a:rPr lang="en-US" dirty="0" smtClean="0">
+                <a:solidFill>
+                  <a:schemeClr val="bg1"/>
+                </a:solidFill>
+              </a:rPr>
+              <a:t>Shell</a:t>
+            </a:r>
+          </a:p>
+        </p:txBody>
+      </p:sp>
       <p:cxnSp>
         <p:nvCxnSpPr>
-          <p:cNvPr id="55" name="Straight Arrow Connector 54"/>
+          <p:cNvPr id="43" name="Straight Arrow Connector 42"/>
           <p:cNvCxnSpPr>
-            <a:stCxn id="76" idx="1"/>
-            <a:endCxn id="41" idx="3"/>
+            <a:endCxn id="9" idx="1"/>
           </p:cNvCxnSpPr>
           <p:nvPr/>
         </p:nvCxnSpPr>
         <p:spPr>
+          <a:xfrm>
+            <a:off x="1337179" y="1543199"/>
+            <a:ext cx="5009988" cy="75332"/>
+          </a:xfrm>
+          <a:prstGeom prst="straightConnector1">
+            <a:avLst/>
+          </a:prstGeom>
+          <a:ln w="38100">
+            <a:solidFill>
+              <a:srgbClr val="FFFF00"/>
+            </a:solidFill>
+            <a:tailEnd type="triangle"/>
+          </a:ln>
+        </p:spPr>
+        <p:style>
+          <a:lnRef idx="1">
+            <a:schemeClr val="accent1"/>
+          </a:lnRef>
+          <a:fillRef idx="0">
+            <a:schemeClr val="accent1"/>
+          </a:fillRef>
+          <a:effectRef idx="0">
+            <a:schemeClr val="accent1"/>
+          </a:effectRef>
+          <a:fontRef idx="minor">
+            <a:schemeClr val="tx1"/>
+          </a:fontRef>
+        </p:style>
+      </p:cxnSp>
+      <p:cxnSp>
+        <p:nvCxnSpPr>
+          <p:cNvPr id="44" name="Straight Arrow Connector 43"/>
+          <p:cNvCxnSpPr>
+            <a:stCxn id="10" idx="1"/>
+            <a:endCxn id="78" idx="3"/>
+          </p:cNvCxnSpPr>
+          <p:nvPr/>
+        </p:nvCxnSpPr>
+        <p:spPr>
+          <a:xfrm flipH="1" flipV="1">
+            <a:off x="3319006" y="3177625"/>
+            <a:ext cx="3028161" cy="15015"/>
+          </a:xfrm>
+          <a:prstGeom prst="straightConnector1">
+            <a:avLst/>
+          </a:prstGeom>
+          <a:ln w="38100">
+            <a:solidFill>
+              <a:srgbClr val="FFFF00"/>
+            </a:solidFill>
+            <a:tailEnd type="triangle"/>
+          </a:ln>
+        </p:spPr>
+        <p:style>
+          <a:lnRef idx="1">
+            <a:schemeClr val="accent1"/>
+          </a:lnRef>
+          <a:fillRef idx="0">
+            <a:schemeClr val="accent1"/>
+          </a:fillRef>
+          <a:effectRef idx="0">
+            <a:schemeClr val="accent1"/>
+          </a:effectRef>
+          <a:fontRef idx="minor">
+            <a:schemeClr val="tx1"/>
+          </a:fontRef>
+        </p:style>
+      </p:cxnSp>
+      <p:cxnSp>
+        <p:nvCxnSpPr>
+          <p:cNvPr id="47" name="Straight Arrow Connector 46"/>
+          <p:cNvCxnSpPr>
+            <a:stCxn id="78" idx="1"/>
+            <a:endCxn id="77" idx="3"/>
+          </p:cNvCxnSpPr>
+          <p:nvPr/>
+        </p:nvCxnSpPr>
+        <p:spPr>
           <a:xfrm flipH="1">
-            <a:off x="8134805" y="5428311"/>
-            <a:ext cx="1058943" cy="507607"/>
+            <a:off x="1595597" y="3177625"/>
+            <a:ext cx="492890" cy="279991"/>
+          </a:xfrm>
+          <a:prstGeom prst="straightConnector1">
+            <a:avLst/>
+          </a:prstGeom>
+          <a:ln w="38100">
+            <a:solidFill>
+              <a:srgbClr val="FFFF00"/>
+            </a:solidFill>
+            <a:tailEnd type="triangle"/>
+          </a:ln>
+        </p:spPr>
+        <p:style>
+          <a:lnRef idx="1">
+            <a:schemeClr val="accent1"/>
+          </a:lnRef>
+          <a:fillRef idx="0">
+            <a:schemeClr val="accent1"/>
+          </a:fillRef>
+          <a:effectRef idx="0">
+            <a:schemeClr val="accent1"/>
+          </a:effectRef>
+          <a:fontRef idx="minor">
+            <a:schemeClr val="tx1"/>
+          </a:fontRef>
+        </p:style>
+      </p:cxnSp>
+      <p:sp>
+        <p:nvSpPr>
+          <p:cNvPr id="50" name="Rounded Rectangle 49"/>
+          <p:cNvSpPr/>
+          <p:nvPr/>
+        </p:nvSpPr>
+        <p:spPr>
+          <a:xfrm>
+            <a:off x="6428560" y="5430454"/>
+            <a:ext cx="1086678" cy="592481"/>
+          </a:xfrm>
+          <a:prstGeom prst="roundRect">
+            <a:avLst/>
+          </a:prstGeom>
+          <a:solidFill>
+            <a:schemeClr val="accent2"/>
+          </a:solidFill>
+        </p:spPr>
+        <p:style>
+          <a:lnRef idx="1">
+            <a:schemeClr val="dk1"/>
+          </a:lnRef>
+          <a:fillRef idx="2">
+            <a:schemeClr val="dk1"/>
+          </a:fillRef>
+          <a:effectRef idx="1">
+            <a:schemeClr val="dk1"/>
+          </a:effectRef>
+          <a:fontRef idx="minor">
+            <a:schemeClr val="dk1"/>
+          </a:fontRef>
+        </p:style>
+        <p:txBody>
+          <a:bodyPr rtlCol="0" anchor="ctr"/>
+          <a:lstStyle/>
+          <a:p>
+            <a:pPr algn="ctr"/>
+            <a:r>
+              <a:rPr lang="en-US" dirty="0" smtClean="0">
+                <a:solidFill>
+                  <a:schemeClr val="bg1"/>
+                </a:solidFill>
+              </a:rPr>
+              <a:t>/admin</a:t>
+            </a:r>
+          </a:p>
+        </p:txBody>
+      </p:sp>
+      <p:cxnSp>
+        <p:nvCxnSpPr>
+          <p:cNvPr id="51" name="Straight Arrow Connector 50"/>
+          <p:cNvCxnSpPr>
+            <a:stCxn id="49" idx="1"/>
+            <a:endCxn id="39" idx="3"/>
+          </p:cNvCxnSpPr>
+          <p:nvPr/>
+        </p:nvCxnSpPr>
+        <p:spPr>
+          <a:xfrm flipH="1" flipV="1">
+            <a:off x="7482940" y="4696657"/>
+            <a:ext cx="638347" cy="235312"/>
           </a:xfrm>
           <a:prstGeom prst="straightConnector1">
             <a:avLst/>
@@ -6301,16 +4986,215 @@
           </a:fontRef>
         </p:style>
       </p:cxnSp>
+      <p:cxnSp>
+        <p:nvCxnSpPr>
+          <p:cNvPr id="54" name="Straight Arrow Connector 53"/>
+          <p:cNvCxnSpPr>
+            <a:stCxn id="49" idx="1"/>
+            <a:endCxn id="50" idx="3"/>
+          </p:cNvCxnSpPr>
+          <p:nvPr/>
+        </p:nvCxnSpPr>
+        <p:spPr>
+          <a:xfrm flipH="1">
+            <a:off x="7515238" y="4931969"/>
+            <a:ext cx="606049" cy="794726"/>
+          </a:xfrm>
+          <a:prstGeom prst="straightConnector1">
+            <a:avLst/>
+          </a:prstGeom>
+          <a:ln w="38100">
+            <a:solidFill>
+              <a:schemeClr val="bg1"/>
+            </a:solidFill>
+            <a:headEnd type="triangle" w="med" len="med"/>
+            <a:tailEnd type="triangle" w="med" len="med"/>
+          </a:ln>
+        </p:spPr>
+        <p:style>
+          <a:lnRef idx="1">
+            <a:schemeClr val="accent1"/>
+          </a:lnRef>
+          <a:fillRef idx="0">
+            <a:schemeClr val="accent1"/>
+          </a:fillRef>
+          <a:effectRef idx="0">
+            <a:schemeClr val="accent1"/>
+          </a:effectRef>
+          <a:fontRef idx="minor">
+            <a:schemeClr val="tx1"/>
+          </a:fontRef>
+        </p:style>
+      </p:cxnSp>
+      <p:cxnSp>
+        <p:nvCxnSpPr>
+          <p:cNvPr id="58" name="Straight Arrow Connector 57"/>
+          <p:cNvCxnSpPr>
+            <a:stCxn id="41" idx="1"/>
+            <a:endCxn id="50" idx="3"/>
+          </p:cNvCxnSpPr>
+          <p:nvPr/>
+        </p:nvCxnSpPr>
+        <p:spPr>
+          <a:xfrm flipH="1" flipV="1">
+            <a:off x="7515238" y="5726695"/>
+            <a:ext cx="586790" cy="207283"/>
+          </a:xfrm>
+          <a:prstGeom prst="straightConnector1">
+            <a:avLst/>
+          </a:prstGeom>
+          <a:ln w="38100">
+            <a:solidFill>
+              <a:schemeClr val="bg1"/>
+            </a:solidFill>
+            <a:tailEnd type="triangle"/>
+          </a:ln>
+        </p:spPr>
+        <p:style>
+          <a:lnRef idx="1">
+            <a:schemeClr val="accent1"/>
+          </a:lnRef>
+          <a:fillRef idx="0">
+            <a:schemeClr val="accent1"/>
+          </a:fillRef>
+          <a:effectRef idx="0">
+            <a:schemeClr val="accent1"/>
+          </a:effectRef>
+          <a:fontRef idx="minor">
+            <a:schemeClr val="tx1"/>
+          </a:fontRef>
+        </p:style>
+      </p:cxnSp>
+      <p:cxnSp>
+        <p:nvCxnSpPr>
+          <p:cNvPr id="84" name="Straight Arrow Connector 83"/>
+          <p:cNvCxnSpPr>
+            <a:stCxn id="76" idx="1"/>
+            <a:endCxn id="41" idx="3"/>
+          </p:cNvCxnSpPr>
+          <p:nvPr/>
+        </p:nvCxnSpPr>
+        <p:spPr>
+          <a:xfrm flipH="1">
+            <a:off x="9421843" y="5448803"/>
+            <a:ext cx="468485" cy="485175"/>
+          </a:xfrm>
+          <a:prstGeom prst="straightConnector1">
+            <a:avLst/>
+          </a:prstGeom>
+          <a:ln w="38100">
+            <a:solidFill>
+              <a:schemeClr val="bg1"/>
+            </a:solidFill>
+            <a:tailEnd type="triangle"/>
+          </a:ln>
+        </p:spPr>
+        <p:style>
+          <a:lnRef idx="1">
+            <a:schemeClr val="accent1"/>
+          </a:lnRef>
+          <a:fillRef idx="0">
+            <a:schemeClr val="accent1"/>
+          </a:fillRef>
+          <a:effectRef idx="0">
+            <a:schemeClr val="accent1"/>
+          </a:effectRef>
+          <a:fontRef idx="minor">
+            <a:schemeClr val="tx1"/>
+          </a:fontRef>
+        </p:style>
+      </p:cxnSp>
+      <p:cxnSp>
+        <p:nvCxnSpPr>
+          <p:cNvPr id="45" name="Straight Arrow Connector 44"/>
+          <p:cNvCxnSpPr/>
+          <p:nvPr/>
+        </p:nvCxnSpPr>
+        <p:spPr>
+          <a:xfrm flipV="1">
+            <a:off x="732667" y="1543199"/>
+            <a:ext cx="509972" cy="773347"/>
+          </a:xfrm>
+          <a:prstGeom prst="straightConnector1">
+            <a:avLst/>
+          </a:prstGeom>
+          <a:ln w="38100">
+            <a:solidFill>
+              <a:srgbClr val="FFFF00"/>
+            </a:solidFill>
+            <a:tailEnd type="triangle"/>
+          </a:ln>
+        </p:spPr>
+        <p:style>
+          <a:lnRef idx="1">
+            <a:schemeClr val="accent1"/>
+          </a:lnRef>
+          <a:fillRef idx="0">
+            <a:schemeClr val="accent1"/>
+          </a:fillRef>
+          <a:effectRef idx="0">
+            <a:schemeClr val="accent1"/>
+          </a:effectRef>
+          <a:fontRef idx="minor">
+            <a:schemeClr val="tx1"/>
+          </a:fontRef>
+        </p:style>
+      </p:cxnSp>
+      <p:cxnSp>
+        <p:nvCxnSpPr>
+          <p:cNvPr id="46" name="Straight Arrow Connector 45"/>
+          <p:cNvCxnSpPr>
+            <a:stCxn id="77" idx="1"/>
+          </p:cNvCxnSpPr>
+          <p:nvPr/>
+        </p:nvCxnSpPr>
+        <p:spPr>
+          <a:xfrm flipH="1" flipV="1">
+            <a:off x="776025" y="2443085"/>
+            <a:ext cx="302737" cy="1014531"/>
+          </a:xfrm>
+          <a:prstGeom prst="straightConnector1">
+            <a:avLst/>
+          </a:prstGeom>
+          <a:ln w="38100">
+            <a:solidFill>
+              <a:srgbClr val="FFFF00"/>
+            </a:solidFill>
+            <a:tailEnd type="triangle"/>
+          </a:ln>
+        </p:spPr>
+        <p:style>
+          <a:lnRef idx="1">
+            <a:schemeClr val="accent1"/>
+          </a:lnRef>
+          <a:fillRef idx="0">
+            <a:schemeClr val="accent1"/>
+          </a:fillRef>
+          <a:effectRef idx="0">
+            <a:schemeClr val="accent1"/>
+          </a:effectRef>
+          <a:fontRef idx="minor">
+            <a:schemeClr val="tx1"/>
+          </a:fontRef>
+        </p:style>
+      </p:cxnSp>
     </p:spTree>
     <p:extLst>
       <p:ext uri="{BB962C8B-B14F-4D97-AF65-F5344CB8AC3E}">
-        <p14:creationId xmlns:p14="http://schemas.microsoft.com/office/powerpoint/2010/main" val="1550328247"/>
+        <p14:creationId xmlns:p14="http://schemas.microsoft.com/office/powerpoint/2010/main" val="1265288799"/>
       </p:ext>
     </p:extLst>
   </p:cSld>
   <p:clrMapOvr>
     <a:masterClrMapping/>
   </p:clrMapOvr>
+  <p:timing>
+    <p:tnLst>
+      <p:par>
+        <p:cTn id="1" dur="indefinite" restart="never" nodeType="tmRoot"/>
+      </p:par>
+    </p:tnLst>
+  </p:timing>
 </p:sld>
 </file>
 

--- a/lectures/bigpicture.pptx
+++ b/lectures/bigpicture.pptx
@@ -2,13 +2,13 @@
 <file path=ppt/presentation.xml><?xml version="1.0" encoding="utf-8"?>
 <p:presentation xmlns:a="http://schemas.openxmlformats.org/drawingml/2006/main" xmlns:r="http://schemas.openxmlformats.org/officeDocument/2006/relationships" xmlns:p="http://schemas.openxmlformats.org/presentationml/2006/main" saveSubsetFonts="1" autoCompressPictures="0">
   <p:sldMasterIdLst>
-    <p:sldMasterId id="2147483648" r:id="rId1"/>
+    <p:sldMasterId id="2147483660" r:id="rId1"/>
   </p:sldMasterIdLst>
   <p:notesMasterIdLst>
     <p:notesMasterId r:id="rId3"/>
   </p:notesMasterIdLst>
   <p:sldIdLst>
-    <p:sldId id="256" r:id="rId2"/>
+    <p:sldId id="284" r:id="rId2"/>
   </p:sldIdLst>
   <p:sldSz cx="12192000" cy="6858000"/>
   <p:notesSz cx="6858000" cy="9144000"/>
@@ -195,9 +195,9 @@
             </a:lvl1pPr>
           </a:lstStyle>
           <a:p>
-            <a:fld id="{BBC4DB05-C945-C747-B382-4E82932B24E9}" type="datetimeFigureOut">
-              <a:rPr lang="en-US" smtClean="0"/>
-              <a:t>1/25/19</a:t>
+            <a:fld id="{C97B56FC-7D2E-F343-9D09-0D14B00AA564}" type="datetimeFigureOut">
+              <a:rPr lang="en-US" smtClean="0"/>
+              <a:t>1/31/19</a:t>
             </a:fld>
             <a:endParaRPr lang="en-US"/>
           </a:p>
@@ -354,7 +354,7 @@
             </a:lvl1pPr>
           </a:lstStyle>
           <a:p>
-            <a:fld id="{9507B2C7-90B0-6E40-BD81-160F9C609F80}" type="slidenum">
+            <a:fld id="{0E6D6606-78EC-E24C-A3B3-B3666C6F492D}" type="slidenum">
               <a:rPr lang="en-US" smtClean="0"/>
               <a:t>‹#›</a:t>
             </a:fld>
@@ -365,7 +365,7 @@
     </p:spTree>
     <p:extLst>
       <p:ext uri="{BB962C8B-B14F-4D97-AF65-F5344CB8AC3E}">
-        <p14:creationId xmlns:p14="http://schemas.microsoft.com/office/powerpoint/2010/main" val="1427444243"/>
+        <p14:creationId xmlns:p14="http://schemas.microsoft.com/office/powerpoint/2010/main" val="1013047716"/>
       </p:ext>
     </p:extLst>
   </p:cSld>
@@ -507,10 +507,10 @@
           </a:lstStyle>
           <a:p>
             <a:r>
-              <a:rPr lang="en-US" smtClean="0"/>
+              <a:rPr lang="en-US" dirty="0" smtClean="0"/>
               <a:t>Click to edit Master title style</a:t>
             </a:r>
-            <a:endParaRPr lang="en-US"/>
+            <a:endParaRPr lang="en-US" dirty="0"/>
           </a:p>
         </p:txBody>
       </p:sp>
@@ -575,7 +575,7 @@
               <a:rPr lang="en-US" smtClean="0"/>
               <a:t>Click to edit Master subtitle style</a:t>
             </a:r>
-            <a:endParaRPr lang="en-US"/>
+            <a:endParaRPr lang="en-US" dirty="0"/>
           </a:p>
         </p:txBody>
       </p:sp>
@@ -594,9 +594,9 @@
           <a:bodyPr/>
           <a:lstStyle/>
           <a:p>
-            <a:fld id="{D96CA765-E67D-9D49-B66A-BAAEE6ABB8B6}" type="datetimeFigureOut">
-              <a:rPr lang="en-US" smtClean="0"/>
-              <a:t>1/25/19</a:t>
+            <a:fld id="{EEE7C04C-7AF8-1445-A186-502B631B934F}" type="datetimeFigureOut">
+              <a:rPr lang="en-US" smtClean="0"/>
+              <a:t>1/31/19</a:t>
             </a:fld>
             <a:endParaRPr lang="en-US"/>
           </a:p>
@@ -636,7 +636,7 @@
           <a:bodyPr/>
           <a:lstStyle/>
           <a:p>
-            <a:fld id="{AE3BD0C1-3482-D748-8B79-B2BB908D81C2}" type="slidenum">
+            <a:fld id="{DDF6F330-C845-6B40-9965-8A0C96ACE82B}" type="slidenum">
               <a:rPr lang="en-US" smtClean="0"/>
               <a:t>‹#›</a:t>
             </a:fld>
@@ -645,11 +645,6 @@
         </p:txBody>
       </p:sp>
     </p:spTree>
-    <p:extLst>
-      <p:ext uri="{BB962C8B-B14F-4D97-AF65-F5344CB8AC3E}">
-        <p14:creationId xmlns:p14="http://schemas.microsoft.com/office/powerpoint/2010/main" val="220550831"/>
-      </p:ext>
-    </p:extLst>
   </p:cSld>
   <p:clrMapOvr>
     <a:masterClrMapping/>
@@ -693,7 +688,7 @@
               <a:rPr lang="en-US" smtClean="0"/>
               <a:t>Click to edit Master title style</a:t>
             </a:r>
-            <a:endParaRPr lang="en-US"/>
+            <a:endParaRPr lang="en-US" dirty="0"/>
           </a:p>
         </p:txBody>
       </p:sp>
@@ -745,7 +740,7 @@
               <a:rPr lang="en-US" smtClean="0"/>
               <a:t>Fifth level</a:t>
             </a:r>
-            <a:endParaRPr lang="en-US"/>
+            <a:endParaRPr lang="en-US" dirty="0"/>
           </a:p>
         </p:txBody>
       </p:sp>
@@ -764,9 +759,9 @@
           <a:bodyPr/>
           <a:lstStyle/>
           <a:p>
-            <a:fld id="{D96CA765-E67D-9D49-B66A-BAAEE6ABB8B6}" type="datetimeFigureOut">
-              <a:rPr lang="en-US" smtClean="0"/>
-              <a:t>1/25/19</a:t>
+            <a:fld id="{EEE7C04C-7AF8-1445-A186-502B631B934F}" type="datetimeFigureOut">
+              <a:rPr lang="en-US" smtClean="0"/>
+              <a:t>1/31/19</a:t>
             </a:fld>
             <a:endParaRPr lang="en-US"/>
           </a:p>
@@ -806,7 +801,7 @@
           <a:bodyPr/>
           <a:lstStyle/>
           <a:p>
-            <a:fld id="{AE3BD0C1-3482-D748-8B79-B2BB908D81C2}" type="slidenum">
+            <a:fld id="{DDF6F330-C845-6B40-9965-8A0C96ACE82B}" type="slidenum">
               <a:rPr lang="en-US" smtClean="0"/>
               <a:t>‹#›</a:t>
             </a:fld>
@@ -815,11 +810,6 @@
         </p:txBody>
       </p:sp>
     </p:spTree>
-    <p:extLst>
-      <p:ext uri="{BB962C8B-B14F-4D97-AF65-F5344CB8AC3E}">
-        <p14:creationId xmlns:p14="http://schemas.microsoft.com/office/powerpoint/2010/main" val="1723523271"/>
-      </p:ext>
-    </p:extLst>
   </p:cSld>
   <p:clrMapOvr>
     <a:masterClrMapping/>
@@ -868,7 +858,7 @@
               <a:rPr lang="en-US" smtClean="0"/>
               <a:t>Click to edit Master title style</a:t>
             </a:r>
-            <a:endParaRPr lang="en-US"/>
+            <a:endParaRPr lang="en-US" dirty="0"/>
           </a:p>
         </p:txBody>
       </p:sp>
@@ -925,7 +915,7 @@
               <a:rPr lang="en-US" smtClean="0"/>
               <a:t>Fifth level</a:t>
             </a:r>
-            <a:endParaRPr lang="en-US"/>
+            <a:endParaRPr lang="en-US" dirty="0"/>
           </a:p>
         </p:txBody>
       </p:sp>
@@ -944,9 +934,9 @@
           <a:bodyPr/>
           <a:lstStyle/>
           <a:p>
-            <a:fld id="{D96CA765-E67D-9D49-B66A-BAAEE6ABB8B6}" type="datetimeFigureOut">
-              <a:rPr lang="en-US" smtClean="0"/>
-              <a:t>1/25/19</a:t>
+            <a:fld id="{EEE7C04C-7AF8-1445-A186-502B631B934F}" type="datetimeFigureOut">
+              <a:rPr lang="en-US" smtClean="0"/>
+              <a:t>1/31/19</a:t>
             </a:fld>
             <a:endParaRPr lang="en-US"/>
           </a:p>
@@ -986,7 +976,7 @@
           <a:bodyPr/>
           <a:lstStyle/>
           <a:p>
-            <a:fld id="{AE3BD0C1-3482-D748-8B79-B2BB908D81C2}" type="slidenum">
+            <a:fld id="{DDF6F330-C845-6B40-9965-8A0C96ACE82B}" type="slidenum">
               <a:rPr lang="en-US" smtClean="0"/>
               <a:t>‹#›</a:t>
             </a:fld>
@@ -995,11 +985,6 @@
         </p:txBody>
       </p:sp>
     </p:spTree>
-    <p:extLst>
-      <p:ext uri="{BB962C8B-B14F-4D97-AF65-F5344CB8AC3E}">
-        <p14:creationId xmlns:p14="http://schemas.microsoft.com/office/powerpoint/2010/main" val="1996184961"/>
-      </p:ext>
-    </p:extLst>
   </p:cSld>
   <p:clrMapOvr>
     <a:masterClrMapping/>
@@ -1043,7 +1028,7 @@
               <a:rPr lang="en-US" smtClean="0"/>
               <a:t>Click to edit Master title style</a:t>
             </a:r>
-            <a:endParaRPr lang="en-US"/>
+            <a:endParaRPr lang="en-US" dirty="0"/>
           </a:p>
         </p:txBody>
       </p:sp>
@@ -1095,7 +1080,7 @@
               <a:rPr lang="en-US" smtClean="0"/>
               <a:t>Fifth level</a:t>
             </a:r>
-            <a:endParaRPr lang="en-US"/>
+            <a:endParaRPr lang="en-US" dirty="0"/>
           </a:p>
         </p:txBody>
       </p:sp>
@@ -1114,9 +1099,9 @@
           <a:bodyPr/>
           <a:lstStyle/>
           <a:p>
-            <a:fld id="{D96CA765-E67D-9D49-B66A-BAAEE6ABB8B6}" type="datetimeFigureOut">
-              <a:rPr lang="en-US" smtClean="0"/>
-              <a:t>1/25/19</a:t>
+            <a:fld id="{EEE7C04C-7AF8-1445-A186-502B631B934F}" type="datetimeFigureOut">
+              <a:rPr lang="en-US" smtClean="0"/>
+              <a:t>1/31/19</a:t>
             </a:fld>
             <a:endParaRPr lang="en-US"/>
           </a:p>
@@ -1156,7 +1141,7 @@
           <a:bodyPr/>
           <a:lstStyle/>
           <a:p>
-            <a:fld id="{AE3BD0C1-3482-D748-8B79-B2BB908D81C2}" type="slidenum">
+            <a:fld id="{DDF6F330-C845-6B40-9965-8A0C96ACE82B}" type="slidenum">
               <a:rPr lang="en-US" smtClean="0"/>
               <a:t>‹#›</a:t>
             </a:fld>
@@ -1165,11 +1150,6 @@
         </p:txBody>
       </p:sp>
     </p:spTree>
-    <p:extLst>
-      <p:ext uri="{BB962C8B-B14F-4D97-AF65-F5344CB8AC3E}">
-        <p14:creationId xmlns:p14="http://schemas.microsoft.com/office/powerpoint/2010/main" val="241041895"/>
-      </p:ext>
-    </p:extLst>
   </p:cSld>
   <p:clrMapOvr>
     <a:masterClrMapping/>
@@ -1222,7 +1202,7 @@
               <a:rPr lang="en-US" smtClean="0"/>
               <a:t>Click to edit Master title style</a:t>
             </a:r>
-            <a:endParaRPr lang="en-US"/>
+            <a:endParaRPr lang="en-US" dirty="0"/>
           </a:p>
         </p:txBody>
       </p:sp>
@@ -1360,9 +1340,9 @@
           <a:bodyPr/>
           <a:lstStyle/>
           <a:p>
-            <a:fld id="{D96CA765-E67D-9D49-B66A-BAAEE6ABB8B6}" type="datetimeFigureOut">
-              <a:rPr lang="en-US" smtClean="0"/>
-              <a:t>1/25/19</a:t>
+            <a:fld id="{EEE7C04C-7AF8-1445-A186-502B631B934F}" type="datetimeFigureOut">
+              <a:rPr lang="en-US" smtClean="0"/>
+              <a:t>1/31/19</a:t>
             </a:fld>
             <a:endParaRPr lang="en-US"/>
           </a:p>
@@ -1402,7 +1382,7 @@
           <a:bodyPr/>
           <a:lstStyle/>
           <a:p>
-            <a:fld id="{AE3BD0C1-3482-D748-8B79-B2BB908D81C2}" type="slidenum">
+            <a:fld id="{DDF6F330-C845-6B40-9965-8A0C96ACE82B}" type="slidenum">
               <a:rPr lang="en-US" smtClean="0"/>
               <a:t>‹#›</a:t>
             </a:fld>
@@ -1411,11 +1391,6 @@
         </p:txBody>
       </p:sp>
     </p:spTree>
-    <p:extLst>
-      <p:ext uri="{BB962C8B-B14F-4D97-AF65-F5344CB8AC3E}">
-        <p14:creationId xmlns:p14="http://schemas.microsoft.com/office/powerpoint/2010/main" val="1036971023"/>
-      </p:ext>
-    </p:extLst>
   </p:cSld>
   <p:clrMapOvr>
     <a:masterClrMapping/>
@@ -1459,7 +1434,7 @@
               <a:rPr lang="en-US" smtClean="0"/>
               <a:t>Click to edit Master title style</a:t>
             </a:r>
-            <a:endParaRPr lang="en-US"/>
+            <a:endParaRPr lang="en-US" dirty="0"/>
           </a:p>
         </p:txBody>
       </p:sp>
@@ -1516,7 +1491,7 @@
               <a:rPr lang="en-US" smtClean="0"/>
               <a:t>Fifth level</a:t>
             </a:r>
-            <a:endParaRPr lang="en-US"/>
+            <a:endParaRPr lang="en-US" dirty="0"/>
           </a:p>
         </p:txBody>
       </p:sp>
@@ -1573,7 +1548,7 @@
               <a:rPr lang="en-US" smtClean="0"/>
               <a:t>Fifth level</a:t>
             </a:r>
-            <a:endParaRPr lang="en-US"/>
+            <a:endParaRPr lang="en-US" dirty="0"/>
           </a:p>
         </p:txBody>
       </p:sp>
@@ -1592,9 +1567,9 @@
           <a:bodyPr/>
           <a:lstStyle/>
           <a:p>
-            <a:fld id="{D96CA765-E67D-9D49-B66A-BAAEE6ABB8B6}" type="datetimeFigureOut">
-              <a:rPr lang="en-US" smtClean="0"/>
-              <a:t>1/25/19</a:t>
+            <a:fld id="{EEE7C04C-7AF8-1445-A186-502B631B934F}" type="datetimeFigureOut">
+              <a:rPr lang="en-US" smtClean="0"/>
+              <a:t>1/31/19</a:t>
             </a:fld>
             <a:endParaRPr lang="en-US"/>
           </a:p>
@@ -1634,7 +1609,7 @@
           <a:bodyPr/>
           <a:lstStyle/>
           <a:p>
-            <a:fld id="{AE3BD0C1-3482-D748-8B79-B2BB908D81C2}" type="slidenum">
+            <a:fld id="{DDF6F330-C845-6B40-9965-8A0C96ACE82B}" type="slidenum">
               <a:rPr lang="en-US" smtClean="0"/>
               <a:t>‹#›</a:t>
             </a:fld>
@@ -1643,11 +1618,6 @@
         </p:txBody>
       </p:sp>
     </p:spTree>
-    <p:extLst>
-      <p:ext uri="{BB962C8B-B14F-4D97-AF65-F5344CB8AC3E}">
-        <p14:creationId xmlns:p14="http://schemas.microsoft.com/office/powerpoint/2010/main" val="1542188156"/>
-      </p:ext>
-    </p:extLst>
   </p:cSld>
   <p:clrMapOvr>
     <a:masterClrMapping/>
@@ -1696,7 +1666,7 @@
               <a:rPr lang="en-US" smtClean="0"/>
               <a:t>Click to edit Master title style</a:t>
             </a:r>
-            <a:endParaRPr lang="en-US"/>
+            <a:endParaRPr lang="en-US" dirty="0"/>
           </a:p>
         </p:txBody>
       </p:sp>
@@ -1818,7 +1788,7 @@
               <a:rPr lang="en-US" smtClean="0"/>
               <a:t>Fifth level</a:t>
             </a:r>
-            <a:endParaRPr lang="en-US"/>
+            <a:endParaRPr lang="en-US" dirty="0"/>
           </a:p>
         </p:txBody>
       </p:sp>
@@ -1940,7 +1910,7 @@
               <a:rPr lang="en-US" smtClean="0"/>
               <a:t>Fifth level</a:t>
             </a:r>
-            <a:endParaRPr lang="en-US"/>
+            <a:endParaRPr lang="en-US" dirty="0"/>
           </a:p>
         </p:txBody>
       </p:sp>
@@ -1959,9 +1929,9 @@
           <a:bodyPr/>
           <a:lstStyle/>
           <a:p>
-            <a:fld id="{D96CA765-E67D-9D49-B66A-BAAEE6ABB8B6}" type="datetimeFigureOut">
-              <a:rPr lang="en-US" smtClean="0"/>
-              <a:t>1/25/19</a:t>
+            <a:fld id="{EEE7C04C-7AF8-1445-A186-502B631B934F}" type="datetimeFigureOut">
+              <a:rPr lang="en-US" smtClean="0"/>
+              <a:t>1/31/19</a:t>
             </a:fld>
             <a:endParaRPr lang="en-US"/>
           </a:p>
@@ -2001,7 +1971,7 @@
           <a:bodyPr/>
           <a:lstStyle/>
           <a:p>
-            <a:fld id="{AE3BD0C1-3482-D748-8B79-B2BB908D81C2}" type="slidenum">
+            <a:fld id="{DDF6F330-C845-6B40-9965-8A0C96ACE82B}" type="slidenum">
               <a:rPr lang="en-US" smtClean="0"/>
               <a:t>‹#›</a:t>
             </a:fld>
@@ -2010,11 +1980,6 @@
         </p:txBody>
       </p:sp>
     </p:spTree>
-    <p:extLst>
-      <p:ext uri="{BB962C8B-B14F-4D97-AF65-F5344CB8AC3E}">
-        <p14:creationId xmlns:p14="http://schemas.microsoft.com/office/powerpoint/2010/main" val="1576202249"/>
-      </p:ext>
-    </p:extLst>
   </p:cSld>
   <p:clrMapOvr>
     <a:masterClrMapping/>
@@ -2058,7 +2023,7 @@
               <a:rPr lang="en-US" smtClean="0"/>
               <a:t>Click to edit Master title style</a:t>
             </a:r>
-            <a:endParaRPr lang="en-US"/>
+            <a:endParaRPr lang="en-US" dirty="0"/>
           </a:p>
         </p:txBody>
       </p:sp>
@@ -2077,9 +2042,9 @@
           <a:bodyPr/>
           <a:lstStyle/>
           <a:p>
-            <a:fld id="{D96CA765-E67D-9D49-B66A-BAAEE6ABB8B6}" type="datetimeFigureOut">
-              <a:rPr lang="en-US" smtClean="0"/>
-              <a:t>1/25/19</a:t>
+            <a:fld id="{EEE7C04C-7AF8-1445-A186-502B631B934F}" type="datetimeFigureOut">
+              <a:rPr lang="en-US" smtClean="0"/>
+              <a:t>1/31/19</a:t>
             </a:fld>
             <a:endParaRPr lang="en-US"/>
           </a:p>
@@ -2119,7 +2084,7 @@
           <a:bodyPr/>
           <a:lstStyle/>
           <a:p>
-            <a:fld id="{AE3BD0C1-3482-D748-8B79-B2BB908D81C2}" type="slidenum">
+            <a:fld id="{DDF6F330-C845-6B40-9965-8A0C96ACE82B}" type="slidenum">
               <a:rPr lang="en-US" smtClean="0"/>
               <a:t>‹#›</a:t>
             </a:fld>
@@ -2128,11 +2093,6 @@
         </p:txBody>
       </p:sp>
     </p:spTree>
-    <p:extLst>
-      <p:ext uri="{BB962C8B-B14F-4D97-AF65-F5344CB8AC3E}">
-        <p14:creationId xmlns:p14="http://schemas.microsoft.com/office/powerpoint/2010/main" val="2020413198"/>
-      </p:ext>
-    </p:extLst>
   </p:cSld>
   <p:clrMapOvr>
     <a:masterClrMapping/>
@@ -2172,9 +2132,9 @@
           <a:bodyPr/>
           <a:lstStyle/>
           <a:p>
-            <a:fld id="{D96CA765-E67D-9D49-B66A-BAAEE6ABB8B6}" type="datetimeFigureOut">
-              <a:rPr lang="en-US" smtClean="0"/>
-              <a:t>1/25/19</a:t>
+            <a:fld id="{EEE7C04C-7AF8-1445-A186-502B631B934F}" type="datetimeFigureOut">
+              <a:rPr lang="en-US" smtClean="0"/>
+              <a:t>1/31/19</a:t>
             </a:fld>
             <a:endParaRPr lang="en-US"/>
           </a:p>
@@ -2214,7 +2174,7 @@
           <a:bodyPr/>
           <a:lstStyle/>
           <a:p>
-            <a:fld id="{AE3BD0C1-3482-D748-8B79-B2BB908D81C2}" type="slidenum">
+            <a:fld id="{DDF6F330-C845-6B40-9965-8A0C96ACE82B}" type="slidenum">
               <a:rPr lang="en-US" smtClean="0"/>
               <a:t>‹#›</a:t>
             </a:fld>
@@ -2223,11 +2183,6 @@
         </p:txBody>
       </p:sp>
     </p:spTree>
-    <p:extLst>
-      <p:ext uri="{BB962C8B-B14F-4D97-AF65-F5344CB8AC3E}">
-        <p14:creationId xmlns:p14="http://schemas.microsoft.com/office/powerpoint/2010/main" val="1073192422"/>
-      </p:ext>
-    </p:extLst>
   </p:cSld>
   <p:clrMapOvr>
     <a:masterClrMapping/>
@@ -2280,7 +2235,7 @@
               <a:rPr lang="en-US" smtClean="0"/>
               <a:t>Click to edit Master title style</a:t>
             </a:r>
-            <a:endParaRPr lang="en-US"/>
+            <a:endParaRPr lang="en-US" dirty="0"/>
           </a:p>
         </p:txBody>
       </p:sp>
@@ -2365,7 +2320,7 @@
               <a:rPr lang="en-US" smtClean="0"/>
               <a:t>Fifth level</a:t>
             </a:r>
-            <a:endParaRPr lang="en-US"/>
+            <a:endParaRPr lang="en-US" dirty="0"/>
           </a:p>
         </p:txBody>
       </p:sp>
@@ -2449,9 +2404,9 @@
           <a:bodyPr/>
           <a:lstStyle/>
           <a:p>
-            <a:fld id="{D96CA765-E67D-9D49-B66A-BAAEE6ABB8B6}" type="datetimeFigureOut">
-              <a:rPr lang="en-US" smtClean="0"/>
-              <a:t>1/25/19</a:t>
+            <a:fld id="{EEE7C04C-7AF8-1445-A186-502B631B934F}" type="datetimeFigureOut">
+              <a:rPr lang="en-US" smtClean="0"/>
+              <a:t>1/31/19</a:t>
             </a:fld>
             <a:endParaRPr lang="en-US"/>
           </a:p>
@@ -2491,7 +2446,7 @@
           <a:bodyPr/>
           <a:lstStyle/>
           <a:p>
-            <a:fld id="{AE3BD0C1-3482-D748-8B79-B2BB908D81C2}" type="slidenum">
+            <a:fld id="{DDF6F330-C845-6B40-9965-8A0C96ACE82B}" type="slidenum">
               <a:rPr lang="en-US" smtClean="0"/>
               <a:t>‹#›</a:t>
             </a:fld>
@@ -2500,11 +2455,6 @@
         </p:txBody>
       </p:sp>
     </p:spTree>
-    <p:extLst>
-      <p:ext uri="{BB962C8B-B14F-4D97-AF65-F5344CB8AC3E}">
-        <p14:creationId xmlns:p14="http://schemas.microsoft.com/office/powerpoint/2010/main" val="429885401"/>
-      </p:ext>
-    </p:extLst>
   </p:cSld>
   <p:clrMapOvr>
     <a:masterClrMapping/>
@@ -2557,7 +2507,7 @@
               <a:rPr lang="en-US" smtClean="0"/>
               <a:t>Click to edit Master title style</a:t>
             </a:r>
-            <a:endParaRPr lang="en-US"/>
+            <a:endParaRPr lang="en-US" dirty="0"/>
           </a:p>
         </p:txBody>
       </p:sp>
@@ -2565,7 +2515,7 @@
         <p:nvSpPr>
           <p:cNvPr id="3" name="Picture Placeholder 2"/>
           <p:cNvSpPr>
-            <a:spLocks noGrp="1"/>
+            <a:spLocks noGrp="1" noChangeAspect="1"/>
           </p:cNvSpPr>
           <p:nvPr>
             <p:ph type="pic" idx="1"/>
@@ -2578,71 +2528,75 @@
           </a:xfrm>
         </p:spPr>
         <p:txBody>
+          <a:bodyPr anchor="t"/>
+          <a:lstStyle>
+            <a:lvl1pPr marL="0" indent="0">
+              <a:buNone/>
+              <a:defRPr sz="3200"/>
+            </a:lvl1pPr>
+            <a:lvl2pPr marL="457200" indent="0">
+              <a:buNone/>
+              <a:defRPr sz="2800"/>
+            </a:lvl2pPr>
+            <a:lvl3pPr marL="914400" indent="0">
+              <a:buNone/>
+              <a:defRPr sz="2400"/>
+            </a:lvl3pPr>
+            <a:lvl4pPr marL="1371600" indent="0">
+              <a:buNone/>
+              <a:defRPr sz="2000"/>
+            </a:lvl4pPr>
+            <a:lvl5pPr marL="1828800" indent="0">
+              <a:buNone/>
+              <a:defRPr sz="2000"/>
+            </a:lvl5pPr>
+            <a:lvl6pPr marL="2286000" indent="0">
+              <a:buNone/>
+              <a:defRPr sz="2000"/>
+            </a:lvl6pPr>
+            <a:lvl7pPr marL="2743200" indent="0">
+              <a:buNone/>
+              <a:defRPr sz="2000"/>
+            </a:lvl7pPr>
+            <a:lvl8pPr marL="3200400" indent="0">
+              <a:buNone/>
+              <a:defRPr sz="2000"/>
+            </a:lvl8pPr>
+            <a:lvl9pPr marL="3657600" indent="0">
+              <a:buNone/>
+              <a:defRPr sz="2000"/>
+            </a:lvl9pPr>
+          </a:lstStyle>
+          <a:p>
+            <a:r>
+              <a:rPr lang="en-US" smtClean="0"/>
+              <a:t>Drag picture to placeholder or click icon to add</a:t>
+            </a:r>
+            <a:endParaRPr lang="en-US" dirty="0"/>
+          </a:p>
+        </p:txBody>
+      </p:sp>
+      <p:sp>
+        <p:nvSpPr>
+          <p:cNvPr id="4" name="Text Placeholder 3"/>
+          <p:cNvSpPr>
+            <a:spLocks noGrp="1"/>
+          </p:cNvSpPr>
+          <p:nvPr>
+            <p:ph type="body" sz="half" idx="2"/>
+          </p:nvPr>
+        </p:nvSpPr>
+        <p:spPr>
+          <a:xfrm>
+            <a:off x="839788" y="2057400"/>
+            <a:ext cx="3932237" cy="3811588"/>
+          </a:xfrm>
+        </p:spPr>
+        <p:txBody>
           <a:bodyPr/>
           <a:lstStyle>
             <a:lvl1pPr marL="0" indent="0">
               <a:buNone/>
-              <a:defRPr sz="3200"/>
-            </a:lvl1pPr>
-            <a:lvl2pPr marL="457200" indent="0">
-              <a:buNone/>
-              <a:defRPr sz="2800"/>
-            </a:lvl2pPr>
-            <a:lvl3pPr marL="914400" indent="0">
-              <a:buNone/>
-              <a:defRPr sz="2400"/>
-            </a:lvl3pPr>
-            <a:lvl4pPr marL="1371600" indent="0">
-              <a:buNone/>
-              <a:defRPr sz="2000"/>
-            </a:lvl4pPr>
-            <a:lvl5pPr marL="1828800" indent="0">
-              <a:buNone/>
-              <a:defRPr sz="2000"/>
-            </a:lvl5pPr>
-            <a:lvl6pPr marL="2286000" indent="0">
-              <a:buNone/>
-              <a:defRPr sz="2000"/>
-            </a:lvl6pPr>
-            <a:lvl7pPr marL="2743200" indent="0">
-              <a:buNone/>
-              <a:defRPr sz="2000"/>
-            </a:lvl7pPr>
-            <a:lvl8pPr marL="3200400" indent="0">
-              <a:buNone/>
-              <a:defRPr sz="2000"/>
-            </a:lvl8pPr>
-            <a:lvl9pPr marL="3657600" indent="0">
-              <a:buNone/>
-              <a:defRPr sz="2000"/>
-            </a:lvl9pPr>
-          </a:lstStyle>
-          <a:p>
-            <a:endParaRPr lang="en-US"/>
-          </a:p>
-        </p:txBody>
-      </p:sp>
-      <p:sp>
-        <p:nvSpPr>
-          <p:cNvPr id="4" name="Text Placeholder 3"/>
-          <p:cNvSpPr>
-            <a:spLocks noGrp="1"/>
-          </p:cNvSpPr>
-          <p:nvPr>
-            <p:ph type="body" sz="half" idx="2"/>
-          </p:nvPr>
-        </p:nvSpPr>
-        <p:spPr>
-          <a:xfrm>
-            <a:off x="839788" y="2057400"/>
-            <a:ext cx="3932237" cy="3811588"/>
-          </a:xfrm>
-        </p:spPr>
-        <p:txBody>
-          <a:bodyPr/>
-          <a:lstStyle>
-            <a:lvl1pPr marL="0" indent="0">
-              <a:buNone/>
               <a:defRPr sz="1600"/>
             </a:lvl1pPr>
             <a:lvl2pPr marL="457200" indent="0">
@@ -2702,9 +2656,9 @@
           <a:bodyPr/>
           <a:lstStyle/>
           <a:p>
-            <a:fld id="{D96CA765-E67D-9D49-B66A-BAAEE6ABB8B6}" type="datetimeFigureOut">
-              <a:rPr lang="en-US" smtClean="0"/>
-              <a:t>1/25/19</a:t>
+            <a:fld id="{EEE7C04C-7AF8-1445-A186-502B631B934F}" type="datetimeFigureOut">
+              <a:rPr lang="en-US" smtClean="0"/>
+              <a:t>1/31/19</a:t>
             </a:fld>
             <a:endParaRPr lang="en-US"/>
           </a:p>
@@ -2744,7 +2698,7 @@
           <a:bodyPr/>
           <a:lstStyle/>
           <a:p>
-            <a:fld id="{AE3BD0C1-3482-D748-8B79-B2BB908D81C2}" type="slidenum">
+            <a:fld id="{DDF6F330-C845-6B40-9965-8A0C96ACE82B}" type="slidenum">
               <a:rPr lang="en-US" smtClean="0"/>
               <a:t>‹#›</a:t>
             </a:fld>
@@ -2753,11 +2707,6 @@
         </p:txBody>
       </p:sp>
     </p:spTree>
-    <p:extLst>
-      <p:ext uri="{BB962C8B-B14F-4D97-AF65-F5344CB8AC3E}">
-        <p14:creationId xmlns:p14="http://schemas.microsoft.com/office/powerpoint/2010/main" val="948946099"/>
-      </p:ext>
-    </p:extLst>
   </p:cSld>
   <p:clrMapOvr>
     <a:masterClrMapping/>
@@ -2813,10 +2762,10 @@
           <a:lstStyle/>
           <a:p>
             <a:r>
-              <a:rPr lang="en-US" smtClean="0"/>
+              <a:rPr lang="en-US" dirty="0" smtClean="0"/>
               <a:t>Click to edit Master title style</a:t>
             </a:r>
-            <a:endParaRPr lang="en-US"/>
+            <a:endParaRPr lang="en-US" dirty="0"/>
           </a:p>
         </p:txBody>
       </p:sp>
@@ -2878,7 +2827,7 @@
               <a:rPr lang="en-US" smtClean="0"/>
               <a:t>Fifth level</a:t>
             </a:r>
-            <a:endParaRPr lang="en-US"/>
+            <a:endParaRPr lang="en-US" dirty="0"/>
           </a:p>
         </p:txBody>
       </p:sp>
@@ -2915,9 +2864,9 @@
             </a:lvl1pPr>
           </a:lstStyle>
           <a:p>
-            <a:fld id="{D96CA765-E67D-9D49-B66A-BAAEE6ABB8B6}" type="datetimeFigureOut">
-              <a:rPr lang="en-US" smtClean="0"/>
-              <a:t>1/25/19</a:t>
+            <a:fld id="{EEE7C04C-7AF8-1445-A186-502B631B934F}" type="datetimeFigureOut">
+              <a:rPr lang="en-US" smtClean="0"/>
+              <a:t>1/31/19</a:t>
             </a:fld>
             <a:endParaRPr lang="en-US"/>
           </a:p>
@@ -2993,7 +2942,7 @@
             </a:lvl1pPr>
           </a:lstStyle>
           <a:p>
-            <a:fld id="{AE3BD0C1-3482-D748-8B79-B2BB908D81C2}" type="slidenum">
+            <a:fld id="{DDF6F330-C845-6B40-9965-8A0C96ACE82B}" type="slidenum">
               <a:rPr lang="en-US" smtClean="0"/>
               <a:t>‹#›</a:t>
             </a:fld>
@@ -3004,23 +2953,23 @@
     </p:spTree>
     <p:extLst>
       <p:ext uri="{BB962C8B-B14F-4D97-AF65-F5344CB8AC3E}">
-        <p14:creationId xmlns:p14="http://schemas.microsoft.com/office/powerpoint/2010/main" val="1352747660"/>
+        <p14:creationId xmlns:p14="http://schemas.microsoft.com/office/powerpoint/2010/main" val="194237252"/>
       </p:ext>
     </p:extLst>
   </p:cSld>
-  <p:clrMap bg1="lt1" tx1="dk1" bg2="lt2" tx2="dk2" accent1="accent1" accent2="accent2" accent3="accent3" accent4="accent4" accent5="accent5" accent6="accent6" hlink="hlink" folHlink="folHlink"/>
+  <p:clrMap bg1="dk1" tx1="lt1" bg2="dk2" tx2="lt2" accent1="accent1" accent2="accent2" accent3="accent3" accent4="accent4" accent5="accent5" accent6="accent6" hlink="hlink" folHlink="folHlink"/>
   <p:sldLayoutIdLst>
-    <p:sldLayoutId id="2147483649" r:id="rId1"/>
-    <p:sldLayoutId id="2147483650" r:id="rId2"/>
-    <p:sldLayoutId id="2147483651" r:id="rId3"/>
-    <p:sldLayoutId id="2147483652" r:id="rId4"/>
-    <p:sldLayoutId id="2147483653" r:id="rId5"/>
-    <p:sldLayoutId id="2147483654" r:id="rId6"/>
-    <p:sldLayoutId id="2147483655" r:id="rId7"/>
-    <p:sldLayoutId id="2147483656" r:id="rId8"/>
-    <p:sldLayoutId id="2147483657" r:id="rId9"/>
-    <p:sldLayoutId id="2147483658" r:id="rId10"/>
-    <p:sldLayoutId id="2147483659" r:id="rId11"/>
+    <p:sldLayoutId id="2147483661" r:id="rId1"/>
+    <p:sldLayoutId id="2147483662" r:id="rId2"/>
+    <p:sldLayoutId id="2147483663" r:id="rId3"/>
+    <p:sldLayoutId id="2147483664" r:id="rId4"/>
+    <p:sldLayoutId id="2147483665" r:id="rId5"/>
+    <p:sldLayoutId id="2147483666" r:id="rId6"/>
+    <p:sldLayoutId id="2147483667" r:id="rId7"/>
+    <p:sldLayoutId id="2147483668" r:id="rId8"/>
+    <p:sldLayoutId id="2147483669" r:id="rId9"/>
+    <p:sldLayoutId id="2147483670" r:id="rId10"/>
+    <p:sldLayoutId id="2147483671" r:id="rId11"/>
   </p:sldLayoutIdLst>
   <p:txStyles>
     <p:titleStyle>
@@ -3034,7 +2983,7 @@
         <a:buNone/>
         <a:defRPr sz="4400" kern="1200">
           <a:solidFill>
-            <a:schemeClr val="tx1"/>
+            <a:srgbClr val="D7AC08"/>
           </a:solidFill>
           <a:latin typeface="+mj-lt"/>
           <a:ea typeface="+mj-ea"/>
@@ -3050,7 +2999,7 @@
         <a:spcBef>
           <a:spcPts val="1000"/>
         </a:spcBef>
-        <a:buFont typeface="Arial"/>
+        <a:buFont typeface="Arial" panose="020B0604020202020204" pitchFamily="34" charset="0"/>
         <a:buChar char="•"/>
         <a:defRPr sz="2800" kern="1200">
           <a:solidFill>
@@ -3068,7 +3017,7 @@
         <a:spcBef>
           <a:spcPts val="500"/>
         </a:spcBef>
-        <a:buFont typeface="Arial"/>
+        <a:buFont typeface="Arial" panose="020B0604020202020204" pitchFamily="34" charset="0"/>
         <a:buChar char="•"/>
         <a:defRPr sz="2400" kern="1200">
           <a:solidFill>
@@ -3086,7 +3035,7 @@
         <a:spcBef>
           <a:spcPts val="500"/>
         </a:spcBef>
-        <a:buFont typeface="Arial"/>
+        <a:buFont typeface="Arial" panose="020B0604020202020204" pitchFamily="34" charset="0"/>
         <a:buChar char="•"/>
         <a:defRPr sz="2000" kern="1200">
           <a:solidFill>
@@ -3104,7 +3053,7 @@
         <a:spcBef>
           <a:spcPts val="500"/>
         </a:spcBef>
-        <a:buFont typeface="Arial"/>
+        <a:buFont typeface="Arial" panose="020B0604020202020204" pitchFamily="34" charset="0"/>
         <a:buChar char="•"/>
         <a:defRPr sz="1800" kern="1200">
           <a:solidFill>
@@ -3122,7 +3071,7 @@
         <a:spcBef>
           <a:spcPts val="500"/>
         </a:spcBef>
-        <a:buFont typeface="Arial"/>
+        <a:buFont typeface="Arial" panose="020B0604020202020204" pitchFamily="34" charset="0"/>
         <a:buChar char="•"/>
         <a:defRPr sz="1800" kern="1200">
           <a:solidFill>
@@ -3140,7 +3089,7 @@
         <a:spcBef>
           <a:spcPts val="500"/>
         </a:spcBef>
-        <a:buFont typeface="Arial"/>
+        <a:buFont typeface="Arial" panose="020B0604020202020204" pitchFamily="34" charset="0"/>
         <a:buChar char="•"/>
         <a:defRPr sz="1800" kern="1200">
           <a:solidFill>
@@ -3158,7 +3107,7 @@
         <a:spcBef>
           <a:spcPts val="500"/>
         </a:spcBef>
-        <a:buFont typeface="Arial"/>
+        <a:buFont typeface="Arial" panose="020B0604020202020204" pitchFamily="34" charset="0"/>
         <a:buChar char="•"/>
         <a:defRPr sz="1800" kern="1200">
           <a:solidFill>
@@ -3176,7 +3125,7 @@
         <a:spcBef>
           <a:spcPts val="500"/>
         </a:spcBef>
-        <a:buFont typeface="Arial"/>
+        <a:buFont typeface="Arial" panose="020B0604020202020204" pitchFamily="34" charset="0"/>
         <a:buChar char="•"/>
         <a:defRPr sz="1800" kern="1200">
           <a:solidFill>
@@ -3194,7 +3143,7 @@
         <a:spcBef>
           <a:spcPts val="500"/>
         </a:spcBef>
-        <a:buFont typeface="Arial"/>
+        <a:buFont typeface="Arial" panose="020B0604020202020204" pitchFamily="34" charset="0"/>
         <a:buChar char="•"/>
         <a:defRPr sz="1800" kern="1200">
           <a:solidFill>
@@ -3602,7 +3551,7 @@
             <a:avLst/>
           </a:prstGeom>
           <a:solidFill>
-            <a:schemeClr val="accent2"/>
+            <a:srgbClr val="FF7F00"/>
           </a:solidFill>
         </p:spPr>
         <p:style>
@@ -3787,7 +3736,7 @@
           </a:prstGeom>
           <a:ln w="38100">
             <a:solidFill>
-              <a:schemeClr val="bg1"/>
+              <a:schemeClr val="tx1"/>
             </a:solidFill>
             <a:tailEnd type="triangle"/>
           </a:ln>
@@ -3909,7 +3858,7 @@
           </a:prstGeom>
           <a:ln w="38100">
             <a:solidFill>
-              <a:schemeClr val="bg1"/>
+              <a:schemeClr val="tx1"/>
             </a:solidFill>
             <a:tailEnd type="triangle"/>
           </a:ln>
@@ -3948,7 +3897,7 @@
           </a:prstGeom>
           <a:ln w="38100">
             <a:solidFill>
-              <a:schemeClr val="bg1"/>
+              <a:schemeClr val="tx1"/>
             </a:solidFill>
             <a:tailEnd type="triangle"/>
           </a:ln>
@@ -3987,7 +3936,7 @@
           </a:prstGeom>
           <a:ln w="38100">
             <a:solidFill>
-              <a:schemeClr val="bg1"/>
+              <a:schemeClr val="tx1"/>
             </a:solidFill>
             <a:tailEnd type="triangle"/>
           </a:ln>
@@ -4026,7 +3975,7 @@
           </a:prstGeom>
           <a:ln w="38100">
             <a:solidFill>
-              <a:schemeClr val="bg1"/>
+              <a:schemeClr val="tx1"/>
             </a:solidFill>
             <a:tailEnd type="triangle"/>
           </a:ln>
@@ -4065,7 +4014,7 @@
           </a:prstGeom>
           <a:ln w="38100">
             <a:solidFill>
-              <a:schemeClr val="bg1"/>
+              <a:schemeClr val="tx1"/>
             </a:solidFill>
             <a:headEnd type="triangle" w="med" len="med"/>
             <a:tailEnd type="triangle" w="med" len="med"/>
@@ -4284,7 +4233,7 @@
           </a:prstGeom>
           <a:ln w="38100">
             <a:solidFill>
-              <a:schemeClr val="bg1"/>
+              <a:schemeClr val="tx1"/>
             </a:solidFill>
             <a:tailEnd type="triangle"/>
           </a:ln>
@@ -4361,7 +4310,7 @@
           </a:prstGeom>
           <a:ln w="38100">
             <a:solidFill>
-              <a:schemeClr val="bg1"/>
+              <a:schemeClr val="tx1"/>
             </a:solidFill>
             <a:headEnd type="triangle" w="med" len="med"/>
             <a:tailEnd type="triangle" w="med" len="med"/>
@@ -4585,7 +4534,7 @@
             <a:r>
               <a:rPr lang="en-US" dirty="0" smtClean="0">
                 <a:solidFill>
-                  <a:schemeClr val="bg1"/>
+                  <a:schemeClr val="tx1"/>
                 </a:solidFill>
               </a:rPr>
               <a:t>Parse</a:t>
@@ -4596,14 +4545,14 @@
             <a:r>
               <a:rPr lang="en-US" dirty="0" smtClean="0">
                 <a:solidFill>
-                  <a:schemeClr val="bg1"/>
+                  <a:schemeClr val="tx1"/>
                 </a:solidFill>
               </a:rPr>
               <a:t>Response</a:t>
             </a:r>
             <a:endParaRPr lang="en-US" dirty="0">
               <a:solidFill>
-                <a:schemeClr val="bg1"/>
+                <a:schemeClr val="tx1"/>
               </a:solidFill>
             </a:endParaRPr>
           </a:p>
@@ -4626,7 +4575,6 @@
           <a:solidFill>
             <a:schemeClr val="tx1">
               <a:lumMod val="50000"/>
-              <a:lumOff val="50000"/>
             </a:schemeClr>
           </a:solidFill>
           <a:ln w="28575">
@@ -4685,7 +4633,7 @@
         </p:blipFill>
         <p:spPr>
           <a:xfrm>
-            <a:off x="-343366" y="1852927"/>
+            <a:off x="-412497" y="2609953"/>
             <a:ext cx="1473755" cy="1105316"/>
           </a:xfrm>
           <a:prstGeom prst="rect">
@@ -4750,7 +4698,7 @@
             <a:avLst/>
           </a:prstGeom>
           <a:solidFill>
-            <a:schemeClr val="accent2"/>
+            <a:srgbClr val="FF7F00"/>
           </a:solidFill>
         </p:spPr>
         <p:style>
@@ -4914,7 +4862,7 @@
             <a:avLst/>
           </a:prstGeom>
           <a:solidFill>
-            <a:schemeClr val="accent2"/>
+            <a:srgbClr val="FF7F00"/>
           </a:solidFill>
         </p:spPr>
         <p:style>
@@ -4966,7 +4914,7 @@
           </a:prstGeom>
           <a:ln w="38100">
             <a:solidFill>
-              <a:schemeClr val="bg1"/>
+              <a:schemeClr val="tx1"/>
             </a:solidFill>
             <a:tailEnd type="triangle"/>
           </a:ln>
@@ -5005,7 +4953,7 @@
           </a:prstGeom>
           <a:ln w="38100">
             <a:solidFill>
-              <a:schemeClr val="bg1"/>
+              <a:schemeClr val="tx1"/>
             </a:solidFill>
             <a:headEnd type="triangle" w="med" len="med"/>
             <a:tailEnd type="triangle" w="med" len="med"/>
@@ -5045,7 +4993,7 @@
           </a:prstGeom>
           <a:ln w="38100">
             <a:solidFill>
-              <a:schemeClr val="bg1"/>
+              <a:schemeClr val="tx1"/>
             </a:solidFill>
             <a:tailEnd type="triangle"/>
           </a:ln>
@@ -5084,7 +5032,7 @@
           </a:prstGeom>
           <a:ln w="38100">
             <a:solidFill>
-              <a:schemeClr val="bg1"/>
+              <a:schemeClr val="tx1"/>
             </a:solidFill>
             <a:tailEnd type="triangle"/>
           </a:ln>
@@ -5107,13 +5055,15 @@
       <p:cxnSp>
         <p:nvCxnSpPr>
           <p:cNvPr id="45" name="Straight Arrow Connector 44"/>
-          <p:cNvCxnSpPr/>
+          <p:cNvCxnSpPr>
+            <a:endCxn id="48" idx="2"/>
+          </p:cNvCxnSpPr>
           <p:nvPr/>
         </p:nvCxnSpPr>
         <p:spPr>
           <a:xfrm flipV="1">
-            <a:off x="732667" y="1543199"/>
-            <a:ext cx="509972" cy="773347"/>
+            <a:off x="691404" y="1668102"/>
+            <a:ext cx="345527" cy="1384558"/>
           </a:xfrm>
           <a:prstGeom prst="straightConnector1">
             <a:avLst/>
@@ -5150,8 +5100,8 @@
         </p:nvCxnSpPr>
         <p:spPr>
           <a:xfrm flipH="1" flipV="1">
-            <a:off x="776025" y="2443085"/>
-            <a:ext cx="302737" cy="1014531"/>
+            <a:off x="669158" y="3052660"/>
+            <a:ext cx="409604" cy="404956"/>
           </a:xfrm>
           <a:prstGeom prst="straightConnector1">
             <a:avLst/>
@@ -5178,10 +5128,52 @@
           </a:fontRef>
         </p:style>
       </p:cxnSp>
+      <p:sp>
+        <p:nvSpPr>
+          <p:cNvPr id="48" name="Rounded Rectangle 47"/>
+          <p:cNvSpPr/>
+          <p:nvPr/>
+        </p:nvSpPr>
+        <p:spPr>
+          <a:xfrm>
+            <a:off x="692725" y="1396262"/>
+            <a:ext cx="688412" cy="271840"/>
+          </a:xfrm>
+          <a:prstGeom prst="roundRect">
+            <a:avLst/>
+          </a:prstGeom>
+        </p:spPr>
+        <p:style>
+          <a:lnRef idx="1">
+            <a:schemeClr val="dk1"/>
+          </a:lnRef>
+          <a:fillRef idx="2">
+            <a:schemeClr val="dk1"/>
+          </a:fillRef>
+          <a:effectRef idx="1">
+            <a:schemeClr val="dk1"/>
+          </a:effectRef>
+          <a:fontRef idx="minor">
+            <a:schemeClr val="dk1"/>
+          </a:fontRef>
+        </p:style>
+        <p:txBody>
+          <a:bodyPr rtlCol="0" anchor="ctr"/>
+          <a:lstStyle/>
+          <a:p>
+            <a:pPr algn="ctr"/>
+            <a:r>
+              <a:rPr lang="en-US" dirty="0" smtClean="0"/>
+              <a:t>Click</a:t>
+            </a:r>
+            <a:endParaRPr lang="en-US" dirty="0" smtClean="0"/>
+          </a:p>
+        </p:txBody>
+      </p:sp>
     </p:spTree>
     <p:extLst>
       <p:ext uri="{BB962C8B-B14F-4D97-AF65-F5344CB8AC3E}">
-        <p14:creationId xmlns:p14="http://schemas.microsoft.com/office/powerpoint/2010/main" val="1265288799"/>
+        <p14:creationId xmlns:p14="http://schemas.microsoft.com/office/powerpoint/2010/main" val="383645051"/>
       </p:ext>
     </p:extLst>
   </p:cSld>
@@ -5201,7 +5193,7 @@
 <file path=ppt/theme/theme1.xml><?xml version="1.0" encoding="utf-8"?>
 <a:theme xmlns:a="http://schemas.openxmlformats.org/drawingml/2006/main" name="Office Theme">
   <a:themeElements>
-    <a:clrScheme name="Office">
+    <a:clrScheme name="Office Theme">
       <a:dk1>
         <a:sysClr val="windowText" lastClr="000000"/>
       </a:dk1>
@@ -5215,22 +5207,22 @@
         <a:srgbClr val="E7E6E6"/>
       </a:lt2>
       <a:accent1>
-        <a:srgbClr val="4472C4"/>
+        <a:srgbClr val="29AF8C"/>
       </a:accent1>
       <a:accent2>
-        <a:srgbClr val="ED7D31"/>
+        <a:srgbClr val="97BE49"/>
       </a:accent2>
       <a:accent3>
-        <a:srgbClr val="A5A5A5"/>
+        <a:srgbClr val="3D9CCC"/>
       </a:accent3>
       <a:accent4>
-        <a:srgbClr val="FFC000"/>
+        <a:srgbClr val="7C60C6"/>
       </a:accent4>
       <a:accent5>
-        <a:srgbClr val="5B9BD5"/>
+        <a:srgbClr val="C9492C"/>
       </a:accent5>
       <a:accent6>
-        <a:srgbClr val="70AD47"/>
+        <a:srgbClr val="D58C2E"/>
       </a:accent6>
       <a:hlink>
         <a:srgbClr val="0563C1"/>
@@ -5239,14 +5231,14 @@
         <a:srgbClr val="954F72"/>
       </a:folHlink>
     </a:clrScheme>
-    <a:fontScheme name="Office">
+    <a:fontScheme name="Office Theme">
       <a:majorFont>
         <a:latin typeface="Calibri Light" panose="020F0302020204030204"/>
         <a:ea typeface=""/>
         <a:cs typeface=""/>
-        <a:font script="Jpan" typeface="Yu Gothic Light"/>
+        <a:font script="Jpan" typeface="游ゴシック Light"/>
         <a:font script="Hang" typeface="맑은 고딕"/>
-        <a:font script="Hans" typeface="DengXian Light"/>
+        <a:font script="Hans" typeface="等线 Light"/>
         <a:font script="Hant" typeface="新細明體"/>
         <a:font script="Arab" typeface="Times New Roman"/>
         <a:font script="Hebr" typeface="Times New Roman"/>
@@ -5279,9 +5271,9 @@
         <a:latin typeface="Calibri" panose="020F0502020204030204"/>
         <a:ea typeface=""/>
         <a:cs typeface=""/>
-        <a:font script="Jpan" typeface="Yu Gothic"/>
+        <a:font script="Jpan" typeface="游ゴシック"/>
         <a:font script="Hang" typeface="맑은 고딕"/>
-        <a:font script="Hans" typeface="DengXian"/>
+        <a:font script="Hans" typeface="等线"/>
         <a:font script="Hant" typeface="新細明體"/>
         <a:font script="Arab" typeface="Arial"/>
         <a:font script="Hebr" typeface="Arial"/>
@@ -5311,7 +5303,7 @@
         <a:font script="Geor" typeface="Sylfaen"/>
       </a:minorFont>
     </a:fontScheme>
-    <a:fmtScheme name="Office">
+    <a:fmtScheme name="Office Theme">
       <a:fillStyleLst>
         <a:solidFill>
           <a:schemeClr val="phClr"/>
@@ -5453,7 +5445,7 @@
   <a:extraClrSchemeLst/>
   <a:extLst>
     <a:ext uri="{05A4C25C-085E-4340-85A3-A5531E510DB2}">
-      <thm15:themeFamily xmlns:thm15="http://schemas.microsoft.com/office/thememl/2012/main" name="Office Theme" id="{62F939B6-93AF-4DB8-9C6B-D6C7DFDC589F}" vid="{4A3C46E8-61CC-4603-A589-7422A47A8E4A}"/>
+      <thm15:themeFamily xmlns:thm15="http://schemas.microsoft.com/office/thememl/2012/main" name="Office Theme" id="{62F939B6-93AF-4DB8-9C6B-D6C7DFDC589F}" vid="{3E4F19A7-A959-40BB-972C-4880BAF8EB09}"/>
     </a:ext>
   </a:extLst>
 </a:theme>

--- a/lectures/bigpicture.pptx
+++ b/lectures/bigpicture.pptx
@@ -5,10 +5,12 @@
     <p:sldMasterId id="2147483660" r:id="rId1"/>
   </p:sldMasterIdLst>
   <p:notesMasterIdLst>
-    <p:notesMasterId r:id="rId3"/>
+    <p:notesMasterId r:id="rId5"/>
   </p:notesMasterIdLst>
   <p:sldIdLst>
     <p:sldId id="284" r:id="rId2"/>
+    <p:sldId id="286" r:id="rId3"/>
+    <p:sldId id="285" r:id="rId4"/>
   </p:sldIdLst>
   <p:sldSz cx="12192000" cy="6858000"/>
   <p:notesSz cx="6858000" cy="9144000"/>
@@ -197,7 +199,7 @@
           <a:p>
             <a:fld id="{C97B56FC-7D2E-F343-9D09-0D14B00AA564}" type="datetimeFigureOut">
               <a:rPr lang="en-US" smtClean="0"/>
-              <a:t>1/31/19</a:t>
+              <a:t>9/10/21</a:t>
             </a:fld>
             <a:endParaRPr lang="en-US"/>
           </a:p>
@@ -596,7 +598,7 @@
           <a:p>
             <a:fld id="{EEE7C04C-7AF8-1445-A186-502B631B934F}" type="datetimeFigureOut">
               <a:rPr lang="en-US" smtClean="0"/>
-              <a:t>1/31/19</a:t>
+              <a:t>9/10/21</a:t>
             </a:fld>
             <a:endParaRPr lang="en-US"/>
           </a:p>
@@ -761,7 +763,7 @@
           <a:p>
             <a:fld id="{EEE7C04C-7AF8-1445-A186-502B631B934F}" type="datetimeFigureOut">
               <a:rPr lang="en-US" smtClean="0"/>
-              <a:t>1/31/19</a:t>
+              <a:t>9/10/21</a:t>
             </a:fld>
             <a:endParaRPr lang="en-US"/>
           </a:p>
@@ -936,7 +938,7 @@
           <a:p>
             <a:fld id="{EEE7C04C-7AF8-1445-A186-502B631B934F}" type="datetimeFigureOut">
               <a:rPr lang="en-US" smtClean="0"/>
-              <a:t>1/31/19</a:t>
+              <a:t>9/10/21</a:t>
             </a:fld>
             <a:endParaRPr lang="en-US"/>
           </a:p>
@@ -1101,7 +1103,7 @@
           <a:p>
             <a:fld id="{EEE7C04C-7AF8-1445-A186-502B631B934F}" type="datetimeFigureOut">
               <a:rPr lang="en-US" smtClean="0"/>
-              <a:t>1/31/19</a:t>
+              <a:t>9/10/21</a:t>
             </a:fld>
             <a:endParaRPr lang="en-US"/>
           </a:p>
@@ -1342,7 +1344,7 @@
           <a:p>
             <a:fld id="{EEE7C04C-7AF8-1445-A186-502B631B934F}" type="datetimeFigureOut">
               <a:rPr lang="en-US" smtClean="0"/>
-              <a:t>1/31/19</a:t>
+              <a:t>9/10/21</a:t>
             </a:fld>
             <a:endParaRPr lang="en-US"/>
           </a:p>
@@ -1569,7 +1571,7 @@
           <a:p>
             <a:fld id="{EEE7C04C-7AF8-1445-A186-502B631B934F}" type="datetimeFigureOut">
               <a:rPr lang="en-US" smtClean="0"/>
-              <a:t>1/31/19</a:t>
+              <a:t>9/10/21</a:t>
             </a:fld>
             <a:endParaRPr lang="en-US"/>
           </a:p>
@@ -1931,7 +1933,7 @@
           <a:p>
             <a:fld id="{EEE7C04C-7AF8-1445-A186-502B631B934F}" type="datetimeFigureOut">
               <a:rPr lang="en-US" smtClean="0"/>
-              <a:t>1/31/19</a:t>
+              <a:t>9/10/21</a:t>
             </a:fld>
             <a:endParaRPr lang="en-US"/>
           </a:p>
@@ -2044,7 +2046,7 @@
           <a:p>
             <a:fld id="{EEE7C04C-7AF8-1445-A186-502B631B934F}" type="datetimeFigureOut">
               <a:rPr lang="en-US" smtClean="0"/>
-              <a:t>1/31/19</a:t>
+              <a:t>9/10/21</a:t>
             </a:fld>
             <a:endParaRPr lang="en-US"/>
           </a:p>
@@ -2134,7 +2136,7 @@
           <a:p>
             <a:fld id="{EEE7C04C-7AF8-1445-A186-502B631B934F}" type="datetimeFigureOut">
               <a:rPr lang="en-US" smtClean="0"/>
-              <a:t>1/31/19</a:t>
+              <a:t>9/10/21</a:t>
             </a:fld>
             <a:endParaRPr lang="en-US"/>
           </a:p>
@@ -2406,7 +2408,7 @@
           <a:p>
             <a:fld id="{EEE7C04C-7AF8-1445-A186-502B631B934F}" type="datetimeFigureOut">
               <a:rPr lang="en-US" smtClean="0"/>
-              <a:t>1/31/19</a:t>
+              <a:t>9/10/21</a:t>
             </a:fld>
             <a:endParaRPr lang="en-US"/>
           </a:p>
@@ -2658,7 +2660,7 @@
           <a:p>
             <a:fld id="{EEE7C04C-7AF8-1445-A186-502B631B934F}" type="datetimeFigureOut">
               <a:rPr lang="en-US" smtClean="0"/>
-              <a:t>1/31/19</a:t>
+              <a:t>9/10/21</a:t>
             </a:fld>
             <a:endParaRPr lang="en-US"/>
           </a:p>
@@ -2866,7 +2868,7 @@
           <a:p>
             <a:fld id="{EEE7C04C-7AF8-1445-A186-502B631B934F}" type="datetimeFigureOut">
               <a:rPr lang="en-US" smtClean="0"/>
-              <a:t>1/31/19</a:t>
+              <a:t>9/10/21</a:t>
             </a:fld>
             <a:endParaRPr lang="en-US"/>
           </a:p>
@@ -3271,36 +3273,6 @@
           <a:chExt cx="0" cy="0"/>
         </a:xfrm>
       </p:grpSpPr>
-      <p:pic>
-        <p:nvPicPr>
-          <p:cNvPr id="42" name="Picture 41"/>
-          <p:cNvPicPr>
-            <a:picLocks noChangeAspect="1"/>
-          </p:cNvPicPr>
-          <p:nvPr/>
-        </p:nvPicPr>
-        <p:blipFill rotWithShape="1">
-          <a:blip r:embed="rId2">
-            <a:alphaModFix/>
-            <a:extLst>
-              <a:ext uri="{28A0092B-C50C-407E-A947-70E740481C1C}">
-                <a14:useLocalDpi xmlns:a14="http://schemas.microsoft.com/office/drawing/2010/main" val="0"/>
-              </a:ext>
-            </a:extLst>
-          </a:blip>
-          <a:srcRect b="2174"/>
-          <a:stretch/>
-        </p:blipFill>
-        <p:spPr>
-          <a:xfrm>
-            <a:off x="20" y="11704"/>
-            <a:ext cx="12191980" cy="6857999"/>
-          </a:xfrm>
-          <a:prstGeom prst="rect">
-            <a:avLst/>
-          </a:prstGeom>
-        </p:spPr>
-      </p:pic>
       <p:sp>
         <p:nvSpPr>
           <p:cNvPr id="5" name="Rectangle 4"/>
@@ -3309,8 +3281,8 @@
         </p:nvSpPr>
         <p:spPr>
           <a:xfrm>
-            <a:off x="4733342" y="278098"/>
-            <a:ext cx="7215642" cy="6347791"/>
+            <a:off x="5272088" y="278098"/>
+            <a:ext cx="6676896" cy="6347791"/>
           </a:xfrm>
           <a:prstGeom prst="rect">
             <a:avLst/>
@@ -3444,8 +3416,8 @@
           <a:p>
             <a:pPr algn="r"/>
             <a:r>
-              <a:rPr lang="en-US" dirty="0" err="1" smtClean="0"/>
-              <a:t>DJango</a:t>
+              <a:rPr lang="en-US" dirty="0" smtClean="0"/>
+              <a:t>Django</a:t>
             </a:r>
             <a:endParaRPr lang="en-US" dirty="0"/>
           </a:p>
@@ -3756,89 +3728,6 @@
           </a:fontRef>
         </p:style>
       </p:cxnSp>
-      <p:sp>
-        <p:nvSpPr>
-          <p:cNvPr id="23" name="Rectangle 22"/>
-          <p:cNvSpPr/>
-          <p:nvPr/>
-        </p:nvSpPr>
-        <p:spPr>
-          <a:xfrm>
-            <a:off x="4999929" y="404637"/>
-            <a:ext cx="516835" cy="6105958"/>
-          </a:xfrm>
-          <a:prstGeom prst="rect">
-            <a:avLst/>
-          </a:prstGeom>
-          <a:solidFill>
-            <a:srgbClr val="002060"/>
-          </a:solidFill>
-          <a:ln w="38100">
-            <a:solidFill>
-              <a:schemeClr val="bg1"/>
-            </a:solidFill>
-          </a:ln>
-        </p:spPr>
-        <p:style>
-          <a:lnRef idx="2">
-            <a:schemeClr val="accent1">
-              <a:shade val="50000"/>
-            </a:schemeClr>
-          </a:lnRef>
-          <a:fillRef idx="1">
-            <a:schemeClr val="accent1"/>
-          </a:fillRef>
-          <a:effectRef idx="0">
-            <a:schemeClr val="accent1"/>
-          </a:effectRef>
-          <a:fontRef idx="minor">
-            <a:schemeClr val="lt1"/>
-          </a:fontRef>
-        </p:style>
-        <p:txBody>
-          <a:bodyPr rtlCol="0" anchor="b"/>
-          <a:lstStyle/>
-          <a:p>
-            <a:pPr algn="ctr"/>
-            <a:r>
-              <a:rPr lang="en-US" dirty="0" smtClean="0"/>
-              <a:t>N</a:t>
-            </a:r>
-          </a:p>
-          <a:p>
-            <a:pPr algn="ctr"/>
-            <a:r>
-              <a:rPr lang="en-US" dirty="0" smtClean="0"/>
-              <a:t>G</a:t>
-            </a:r>
-          </a:p>
-          <a:p>
-            <a:pPr algn="ctr"/>
-            <a:r>
-              <a:rPr lang="en-US" dirty="0" smtClean="0"/>
-              <a:t>I</a:t>
-            </a:r>
-          </a:p>
-          <a:p>
-            <a:pPr algn="ctr"/>
-            <a:r>
-              <a:rPr lang="en-US" dirty="0" smtClean="0"/>
-              <a:t>N</a:t>
-            </a:r>
-            <a:br>
-              <a:rPr lang="en-US" dirty="0" smtClean="0"/>
-            </a:br>
-            <a:r>
-              <a:rPr lang="en-US" dirty="0" smtClean="0"/>
-              <a:t>X</a:t>
-            </a:r>
-          </a:p>
-          <a:p>
-            <a:pPr algn="ctr"/>
-            <a:endParaRPr lang="en-US" dirty="0"/>
-          </a:p>
-        </p:txBody>
-      </p:sp>
       <p:cxnSp>
         <p:nvCxnSpPr>
           <p:cNvPr id="28" name="Straight Arrow Connector 27"/>
@@ -4339,7 +4228,7 @@
         </p:nvSpPr>
         <p:spPr>
           <a:xfrm>
-            <a:off x="3585593" y="2064215"/>
+            <a:off x="3902018" y="2078864"/>
             <a:ext cx="934720" cy="653442"/>
           </a:xfrm>
           <a:prstGeom prst="cloudCallout">
@@ -4620,7 +4509,7 @@
           <p:nvPr/>
         </p:nvPicPr>
         <p:blipFill>
-          <a:blip r:embed="rId3">
+          <a:blip r:embed="rId2">
             <a:extLst>
               <a:ext uri="{28A0092B-C50C-407E-A947-70E740481C1C}">
                 <a14:useLocalDpi xmlns:a14="http://schemas.microsoft.com/office/drawing/2010/main" val="0"/>
@@ -5166,7 +5055,6 @@
               <a:rPr lang="en-US" dirty="0" smtClean="0"/>
               <a:t>Click</a:t>
             </a:r>
-            <a:endParaRPr lang="en-US" dirty="0" smtClean="0"/>
           </a:p>
         </p:txBody>
       </p:sp>
@@ -5174,6 +5062,1376 @@
     <p:extLst>
       <p:ext uri="{BB962C8B-B14F-4D97-AF65-F5344CB8AC3E}">
         <p14:creationId xmlns:p14="http://schemas.microsoft.com/office/powerpoint/2010/main" val="383645051"/>
+      </p:ext>
+    </p:extLst>
+  </p:cSld>
+  <p:clrMapOvr>
+    <a:masterClrMapping/>
+  </p:clrMapOvr>
+  <p:timing>
+    <p:tnLst>
+      <p:par>
+        <p:cTn id="1" dur="indefinite" restart="never" nodeType="tmRoot"/>
+      </p:par>
+    </p:tnLst>
+  </p:timing>
+</p:sld>
+</file>
+
+<file path=ppt/slides/slide2.xml><?xml version="1.0" encoding="utf-8"?>
+<p:sld xmlns:a="http://schemas.openxmlformats.org/drawingml/2006/main" xmlns:r="http://schemas.openxmlformats.org/officeDocument/2006/relationships" xmlns:p="http://schemas.openxmlformats.org/presentationml/2006/main">
+  <p:cSld>
+    <p:bg>
+      <p:bgPr>
+        <a:solidFill>
+          <a:schemeClr val="bg1"/>
+        </a:solidFill>
+        <a:effectLst/>
+      </p:bgPr>
+    </p:bg>
+    <p:spTree>
+      <p:nvGrpSpPr>
+        <p:cNvPr id="1" name=""/>
+        <p:cNvGrpSpPr/>
+        <p:nvPr/>
+      </p:nvGrpSpPr>
+      <p:grpSpPr>
+        <a:xfrm>
+          <a:off x="0" y="0"/>
+          <a:ext cx="0" cy="0"/>
+          <a:chOff x="0" y="0"/>
+          <a:chExt cx="0" cy="0"/>
+        </a:xfrm>
+      </p:grpSpPr>
+      <p:pic>
+        <p:nvPicPr>
+          <p:cNvPr id="4" name="Picture 3"/>
+          <p:cNvPicPr>
+            <a:picLocks noChangeAspect="1"/>
+          </p:cNvPicPr>
+          <p:nvPr/>
+        </p:nvPicPr>
+        <p:blipFill>
+          <a:blip r:embed="rId2">
+            <a:extLst>
+              <a:ext uri="{28A0092B-C50C-407E-A947-70E740481C1C}">
+                <a14:useLocalDpi xmlns:a14="http://schemas.microsoft.com/office/drawing/2010/main" val="0"/>
+              </a:ext>
+            </a:extLst>
+          </a:blip>
+          <a:stretch>
+            <a:fillRect/>
+          </a:stretch>
+        </p:blipFill>
+        <p:spPr>
+          <a:xfrm>
+            <a:off x="643467" y="893571"/>
+            <a:ext cx="10905066" cy="5070856"/>
+          </a:xfrm>
+          <a:prstGeom prst="rect">
+            <a:avLst/>
+          </a:prstGeom>
+        </p:spPr>
+      </p:pic>
+    </p:spTree>
+    <p:extLst>
+      <p:ext uri="{BB962C8B-B14F-4D97-AF65-F5344CB8AC3E}">
+        <p14:creationId xmlns:p14="http://schemas.microsoft.com/office/powerpoint/2010/main" val="99165996"/>
+      </p:ext>
+    </p:extLst>
+  </p:cSld>
+  <p:clrMapOvr>
+    <a:masterClrMapping/>
+  </p:clrMapOvr>
+</p:sld>
+</file>
+
+<file path=ppt/slides/slide3.xml><?xml version="1.0" encoding="utf-8"?>
+<p:sld xmlns:a="http://schemas.openxmlformats.org/drawingml/2006/main" xmlns:r="http://schemas.openxmlformats.org/officeDocument/2006/relationships" xmlns:p="http://schemas.openxmlformats.org/presentationml/2006/main">
+  <p:cSld>
+    <p:spTree>
+      <p:nvGrpSpPr>
+        <p:cNvPr id="1" name=""/>
+        <p:cNvGrpSpPr/>
+        <p:nvPr/>
+      </p:nvGrpSpPr>
+      <p:grpSpPr>
+        <a:xfrm>
+          <a:off x="0" y="0"/>
+          <a:ext cx="0" cy="0"/>
+          <a:chOff x="0" y="0"/>
+          <a:chExt cx="0" cy="0"/>
+        </a:xfrm>
+      </p:grpSpPr>
+      <p:sp>
+        <p:nvSpPr>
+          <p:cNvPr id="5" name="Rectangle 4"/>
+          <p:cNvSpPr/>
+          <p:nvPr/>
+        </p:nvSpPr>
+        <p:spPr>
+          <a:xfrm>
+            <a:off x="5272088" y="278098"/>
+            <a:ext cx="6676896" cy="6347791"/>
+          </a:xfrm>
+          <a:prstGeom prst="rect">
+            <a:avLst/>
+          </a:prstGeom>
+          <a:ln w="38100">
+            <a:solidFill>
+              <a:schemeClr val="tx1"/>
+            </a:solidFill>
+          </a:ln>
+        </p:spPr>
+        <p:style>
+          <a:lnRef idx="2">
+            <a:schemeClr val="accent1">
+              <a:shade val="50000"/>
+            </a:schemeClr>
+          </a:lnRef>
+          <a:fillRef idx="1">
+            <a:schemeClr val="accent1"/>
+          </a:fillRef>
+          <a:effectRef idx="0">
+            <a:schemeClr val="accent1"/>
+          </a:effectRef>
+          <a:fontRef idx="minor">
+            <a:schemeClr val="lt1"/>
+          </a:fontRef>
+        </p:style>
+        <p:txBody>
+          <a:bodyPr rtlCol="0" anchor="t"/>
+          <a:lstStyle/>
+          <a:p>
+            <a:pPr algn="r"/>
+            <a:r>
+              <a:rPr lang="en-US" dirty="0" smtClean="0"/>
+              <a:t>Linux</a:t>
+            </a:r>
+            <a:endParaRPr lang="en-US" dirty="0"/>
+          </a:p>
+        </p:txBody>
+      </p:sp>
+      <p:sp>
+        <p:nvSpPr>
+          <p:cNvPr id="6" name="Rectangle 5"/>
+          <p:cNvSpPr/>
+          <p:nvPr/>
+        </p:nvSpPr>
+        <p:spPr>
+          <a:xfrm>
+            <a:off x="5987216" y="870579"/>
+            <a:ext cx="5702276" cy="5548575"/>
+          </a:xfrm>
+          <a:prstGeom prst="rect">
+            <a:avLst/>
+          </a:prstGeom>
+          <a:solidFill>
+            <a:srgbClr val="002060"/>
+          </a:solidFill>
+          <a:ln w="38100">
+            <a:solidFill>
+              <a:schemeClr val="bg1"/>
+            </a:solidFill>
+          </a:ln>
+        </p:spPr>
+        <p:style>
+          <a:lnRef idx="2">
+            <a:schemeClr val="accent1">
+              <a:shade val="50000"/>
+            </a:schemeClr>
+          </a:lnRef>
+          <a:fillRef idx="1">
+            <a:schemeClr val="accent1"/>
+          </a:fillRef>
+          <a:effectRef idx="0">
+            <a:schemeClr val="accent1"/>
+          </a:effectRef>
+          <a:fontRef idx="minor">
+            <a:schemeClr val="lt1"/>
+          </a:fontRef>
+        </p:style>
+        <p:txBody>
+          <a:bodyPr rtlCol="0" anchor="t"/>
+          <a:lstStyle/>
+          <a:p>
+            <a:pPr algn="r"/>
+            <a:r>
+              <a:rPr lang="en-US" dirty="0" smtClean="0"/>
+              <a:t>Django</a:t>
+            </a:r>
+            <a:endParaRPr lang="en-US" dirty="0"/>
+          </a:p>
+        </p:txBody>
+      </p:sp>
+      <p:sp>
+        <p:nvSpPr>
+          <p:cNvPr id="7" name="TextBox 6"/>
+          <p:cNvSpPr txBox="1"/>
+          <p:nvPr/>
+        </p:nvSpPr>
+        <p:spPr>
+          <a:xfrm>
+            <a:off x="5987216" y="404858"/>
+            <a:ext cx="1295291" cy="369332"/>
+          </a:xfrm>
+          <a:prstGeom prst="rect">
+            <a:avLst/>
+          </a:prstGeom>
+          <a:solidFill>
+            <a:schemeClr val="bg1"/>
+          </a:solidFill>
+        </p:spPr>
+        <p:txBody>
+          <a:bodyPr wrap="none" rtlCol="0">
+            <a:spAutoFit/>
+          </a:bodyPr>
+          <a:lstStyle/>
+          <a:p>
+            <a:r>
+              <a:rPr lang="en-US" dirty="0" err="1" smtClean="0"/>
+              <a:t>WGSIConfig</a:t>
+            </a:r>
+            <a:endParaRPr lang="en-US" dirty="0"/>
+          </a:p>
+        </p:txBody>
+      </p:sp>
+      <p:sp>
+        <p:nvSpPr>
+          <p:cNvPr id="9" name="Rounded Rectangle 8"/>
+          <p:cNvSpPr/>
+          <p:nvPr/>
+        </p:nvSpPr>
+        <p:spPr>
+          <a:xfrm>
+            <a:off x="6347167" y="1101696"/>
+            <a:ext cx="1086678" cy="1033669"/>
+          </a:xfrm>
+          <a:prstGeom prst="roundRect">
+            <a:avLst/>
+          </a:prstGeom>
+          <a:solidFill>
+            <a:srgbClr val="0070C0"/>
+          </a:solidFill>
+        </p:spPr>
+        <p:style>
+          <a:lnRef idx="1">
+            <a:schemeClr val="dk1"/>
+          </a:lnRef>
+          <a:fillRef idx="2">
+            <a:schemeClr val="dk1"/>
+          </a:fillRef>
+          <a:effectRef idx="1">
+            <a:schemeClr val="dk1"/>
+          </a:effectRef>
+          <a:fontRef idx="minor">
+            <a:schemeClr val="dk1"/>
+          </a:fontRef>
+        </p:style>
+        <p:txBody>
+          <a:bodyPr rtlCol="0" anchor="ctr"/>
+          <a:lstStyle/>
+          <a:p>
+            <a:pPr algn="ctr"/>
+            <a:r>
+              <a:rPr lang="en-US" smtClean="0">
+                <a:solidFill>
+                  <a:schemeClr val="bg1"/>
+                </a:solidFill>
+              </a:rPr>
+              <a:t>Routing</a:t>
+            </a:r>
+            <a:endParaRPr lang="en-US">
+              <a:solidFill>
+                <a:schemeClr val="bg1"/>
+              </a:solidFill>
+            </a:endParaRPr>
+          </a:p>
+        </p:txBody>
+      </p:sp>
+      <p:sp>
+        <p:nvSpPr>
+          <p:cNvPr id="10" name="Rounded Rectangle 9"/>
+          <p:cNvSpPr/>
+          <p:nvPr/>
+        </p:nvSpPr>
+        <p:spPr>
+          <a:xfrm>
+            <a:off x="6347167" y="2675805"/>
+            <a:ext cx="1086678" cy="1033669"/>
+          </a:xfrm>
+          <a:prstGeom prst="roundRect">
+            <a:avLst/>
+          </a:prstGeom>
+          <a:solidFill>
+            <a:srgbClr val="FF7F00"/>
+          </a:solidFill>
+        </p:spPr>
+        <p:style>
+          <a:lnRef idx="1">
+            <a:schemeClr val="dk1"/>
+          </a:lnRef>
+          <a:fillRef idx="2">
+            <a:schemeClr val="dk1"/>
+          </a:fillRef>
+          <a:effectRef idx="1">
+            <a:schemeClr val="dk1"/>
+          </a:effectRef>
+          <a:fontRef idx="minor">
+            <a:schemeClr val="dk1"/>
+          </a:fontRef>
+        </p:style>
+        <p:txBody>
+          <a:bodyPr rtlCol="0" anchor="ctr"/>
+          <a:lstStyle/>
+          <a:p>
+            <a:pPr algn="ctr"/>
+            <a:r>
+              <a:rPr lang="en-US" dirty="0" smtClean="0">
+                <a:solidFill>
+                  <a:schemeClr val="bg1"/>
+                </a:solidFill>
+              </a:rPr>
+              <a:t>Views</a:t>
+            </a:r>
+            <a:endParaRPr lang="en-US" dirty="0">
+              <a:solidFill>
+                <a:schemeClr val="bg1"/>
+              </a:solidFill>
+            </a:endParaRPr>
+          </a:p>
+        </p:txBody>
+      </p:sp>
+      <p:sp>
+        <p:nvSpPr>
+          <p:cNvPr id="11" name="Can 10"/>
+          <p:cNvSpPr/>
+          <p:nvPr/>
+        </p:nvSpPr>
+        <p:spPr>
+          <a:xfrm>
+            <a:off x="9813128" y="4173528"/>
+            <a:ext cx="1577009" cy="646266"/>
+          </a:xfrm>
+          <a:prstGeom prst="can">
+            <a:avLst/>
+          </a:prstGeom>
+          <a:solidFill>
+            <a:srgbClr val="0070C0"/>
+          </a:solidFill>
+        </p:spPr>
+        <p:style>
+          <a:lnRef idx="2">
+            <a:schemeClr val="accent1">
+              <a:shade val="50000"/>
+            </a:schemeClr>
+          </a:lnRef>
+          <a:fillRef idx="1">
+            <a:schemeClr val="accent1"/>
+          </a:fillRef>
+          <a:effectRef idx="0">
+            <a:schemeClr val="accent1"/>
+          </a:effectRef>
+          <a:fontRef idx="minor">
+            <a:schemeClr val="lt1"/>
+          </a:fontRef>
+        </p:style>
+        <p:txBody>
+          <a:bodyPr rtlCol="0" anchor="ctr"/>
+          <a:lstStyle/>
+          <a:p>
+            <a:pPr algn="ctr"/>
+            <a:r>
+              <a:rPr lang="en-US" dirty="0" smtClean="0"/>
+              <a:t>Database</a:t>
+            </a:r>
+            <a:endParaRPr lang="en-US" dirty="0"/>
+          </a:p>
+        </p:txBody>
+      </p:sp>
+      <p:sp>
+        <p:nvSpPr>
+          <p:cNvPr id="13" name="Rounded Rectangle 12"/>
+          <p:cNvSpPr/>
+          <p:nvPr/>
+        </p:nvSpPr>
+        <p:spPr>
+          <a:xfrm>
+            <a:off x="10090027" y="2904193"/>
+            <a:ext cx="1367113" cy="516836"/>
+          </a:xfrm>
+          <a:prstGeom prst="roundRect">
+            <a:avLst/>
+          </a:prstGeom>
+        </p:spPr>
+        <p:style>
+          <a:lnRef idx="1">
+            <a:schemeClr val="dk1"/>
+          </a:lnRef>
+          <a:fillRef idx="2">
+            <a:schemeClr val="dk1"/>
+          </a:fillRef>
+          <a:effectRef idx="1">
+            <a:schemeClr val="dk1"/>
+          </a:effectRef>
+          <a:fontRef idx="minor">
+            <a:schemeClr val="dk1"/>
+          </a:fontRef>
+        </p:style>
+        <p:txBody>
+          <a:bodyPr rtlCol="0" anchor="ctr"/>
+          <a:lstStyle/>
+          <a:p>
+            <a:pPr algn="ctr"/>
+            <a:r>
+              <a:rPr lang="en-US" smtClean="0"/>
+              <a:t>Templates</a:t>
+            </a:r>
+            <a:endParaRPr lang="en-US" dirty="0" smtClean="0"/>
+          </a:p>
+        </p:txBody>
+      </p:sp>
+      <p:sp>
+        <p:nvSpPr>
+          <p:cNvPr id="16" name="Rounded Rectangle 15"/>
+          <p:cNvSpPr/>
+          <p:nvPr/>
+        </p:nvSpPr>
+        <p:spPr>
+          <a:xfrm>
+            <a:off x="7933975" y="404637"/>
+            <a:ext cx="1603514" cy="369554"/>
+          </a:xfrm>
+          <a:prstGeom prst="roundRect">
+            <a:avLst/>
+          </a:prstGeom>
+        </p:spPr>
+        <p:style>
+          <a:lnRef idx="1">
+            <a:schemeClr val="dk1"/>
+          </a:lnRef>
+          <a:fillRef idx="2">
+            <a:schemeClr val="dk1"/>
+          </a:fillRef>
+          <a:effectRef idx="1">
+            <a:schemeClr val="dk1"/>
+          </a:effectRef>
+          <a:fontRef idx="minor">
+            <a:schemeClr val="dk1"/>
+          </a:fontRef>
+        </p:style>
+        <p:txBody>
+          <a:bodyPr rtlCol="0" anchor="ctr"/>
+          <a:lstStyle/>
+          <a:p>
+            <a:pPr algn="ctr"/>
+            <a:r>
+              <a:rPr lang="en-US" smtClean="0"/>
+              <a:t>settings.py</a:t>
+            </a:r>
+            <a:endParaRPr lang="en-US" dirty="0"/>
+          </a:p>
+        </p:txBody>
+      </p:sp>
+      <p:cxnSp>
+        <p:nvCxnSpPr>
+          <p:cNvPr id="21" name="Straight Arrow Connector 20"/>
+          <p:cNvCxnSpPr/>
+          <p:nvPr/>
+        </p:nvCxnSpPr>
+        <p:spPr>
+          <a:xfrm flipH="1">
+            <a:off x="7208365" y="589414"/>
+            <a:ext cx="725611" cy="110"/>
+          </a:xfrm>
+          <a:prstGeom prst="straightConnector1">
+            <a:avLst/>
+          </a:prstGeom>
+          <a:ln w="38100">
+            <a:solidFill>
+              <a:schemeClr val="tx1"/>
+            </a:solidFill>
+            <a:tailEnd type="triangle"/>
+          </a:ln>
+        </p:spPr>
+        <p:style>
+          <a:lnRef idx="1">
+            <a:schemeClr val="accent1"/>
+          </a:lnRef>
+          <a:fillRef idx="0">
+            <a:schemeClr val="accent1"/>
+          </a:fillRef>
+          <a:effectRef idx="0">
+            <a:schemeClr val="accent1"/>
+          </a:effectRef>
+          <a:fontRef idx="minor">
+            <a:schemeClr val="tx1"/>
+          </a:fontRef>
+        </p:style>
+      </p:cxnSp>
+      <p:cxnSp>
+        <p:nvCxnSpPr>
+          <p:cNvPr id="28" name="Straight Arrow Connector 27"/>
+          <p:cNvCxnSpPr>
+            <a:stCxn id="15" idx="1"/>
+            <a:endCxn id="9" idx="3"/>
+          </p:cNvCxnSpPr>
+          <p:nvPr/>
+        </p:nvCxnSpPr>
+        <p:spPr>
+          <a:xfrm flipH="1">
+            <a:off x="7433845" y="1610800"/>
+            <a:ext cx="1404867" cy="7731"/>
+          </a:xfrm>
+          <a:prstGeom prst="straightConnector1">
+            <a:avLst/>
+          </a:prstGeom>
+          <a:ln w="38100">
+            <a:solidFill>
+              <a:schemeClr val="tx1"/>
+            </a:solidFill>
+            <a:tailEnd type="triangle"/>
+          </a:ln>
+        </p:spPr>
+        <p:style>
+          <a:lnRef idx="1">
+            <a:schemeClr val="accent1"/>
+          </a:lnRef>
+          <a:fillRef idx="0">
+            <a:schemeClr val="accent1"/>
+          </a:fillRef>
+          <a:effectRef idx="0">
+            <a:schemeClr val="accent1"/>
+          </a:effectRef>
+          <a:fontRef idx="minor">
+            <a:schemeClr val="tx1"/>
+          </a:fontRef>
+        </p:style>
+      </p:cxnSp>
+      <p:cxnSp>
+        <p:nvCxnSpPr>
+          <p:cNvPr id="31" name="Straight Arrow Connector 30"/>
+          <p:cNvCxnSpPr>
+            <a:stCxn id="24" idx="1"/>
+            <a:endCxn id="10" idx="3"/>
+          </p:cNvCxnSpPr>
+          <p:nvPr/>
+        </p:nvCxnSpPr>
+        <p:spPr>
+          <a:xfrm flipH="1">
+            <a:off x="7433845" y="2574964"/>
+            <a:ext cx="1025979" cy="617676"/>
+          </a:xfrm>
+          <a:prstGeom prst="straightConnector1">
+            <a:avLst/>
+          </a:prstGeom>
+          <a:ln w="38100">
+            <a:solidFill>
+              <a:schemeClr val="tx1"/>
+            </a:solidFill>
+            <a:tailEnd type="triangle"/>
+          </a:ln>
+        </p:spPr>
+        <p:style>
+          <a:lnRef idx="1">
+            <a:schemeClr val="accent1"/>
+          </a:lnRef>
+          <a:fillRef idx="0">
+            <a:schemeClr val="accent1"/>
+          </a:fillRef>
+          <a:effectRef idx="0">
+            <a:schemeClr val="accent1"/>
+          </a:effectRef>
+          <a:fontRef idx="minor">
+            <a:schemeClr val="tx1"/>
+          </a:fontRef>
+        </p:style>
+      </p:cxnSp>
+      <p:cxnSp>
+        <p:nvCxnSpPr>
+          <p:cNvPr id="34" name="Straight Arrow Connector 33"/>
+          <p:cNvCxnSpPr>
+            <a:stCxn id="13" idx="1"/>
+            <a:endCxn id="10" idx="3"/>
+          </p:cNvCxnSpPr>
+          <p:nvPr/>
+        </p:nvCxnSpPr>
+        <p:spPr>
+          <a:xfrm flipH="1">
+            <a:off x="7433845" y="3162611"/>
+            <a:ext cx="2656182" cy="30029"/>
+          </a:xfrm>
+          <a:prstGeom prst="straightConnector1">
+            <a:avLst/>
+          </a:prstGeom>
+          <a:ln w="38100">
+            <a:solidFill>
+              <a:schemeClr val="tx1"/>
+            </a:solidFill>
+            <a:tailEnd type="triangle"/>
+          </a:ln>
+        </p:spPr>
+        <p:style>
+          <a:lnRef idx="1">
+            <a:schemeClr val="accent1"/>
+          </a:lnRef>
+          <a:fillRef idx="0">
+            <a:schemeClr val="accent1"/>
+          </a:fillRef>
+          <a:effectRef idx="0">
+            <a:schemeClr val="accent1"/>
+          </a:effectRef>
+          <a:fontRef idx="minor">
+            <a:schemeClr val="tx1"/>
+          </a:fontRef>
+        </p:style>
+      </p:cxnSp>
+      <p:cxnSp>
+        <p:nvCxnSpPr>
+          <p:cNvPr id="37" name="Straight Arrow Connector 36"/>
+          <p:cNvCxnSpPr>
+            <a:stCxn id="14" idx="1"/>
+            <a:endCxn id="10" idx="3"/>
+          </p:cNvCxnSpPr>
+          <p:nvPr/>
+        </p:nvCxnSpPr>
+        <p:spPr>
+          <a:xfrm flipH="1" flipV="1">
+            <a:off x="7433845" y="3192640"/>
+            <a:ext cx="1025979" cy="523310"/>
+          </a:xfrm>
+          <a:prstGeom prst="straightConnector1">
+            <a:avLst/>
+          </a:prstGeom>
+          <a:ln w="38100">
+            <a:solidFill>
+              <a:schemeClr val="tx1"/>
+            </a:solidFill>
+            <a:tailEnd type="triangle"/>
+          </a:ln>
+        </p:spPr>
+        <p:style>
+          <a:lnRef idx="1">
+            <a:schemeClr val="accent1"/>
+          </a:lnRef>
+          <a:fillRef idx="0">
+            <a:schemeClr val="accent1"/>
+          </a:fillRef>
+          <a:effectRef idx="0">
+            <a:schemeClr val="accent1"/>
+          </a:effectRef>
+          <a:fontRef idx="minor">
+            <a:schemeClr val="tx1"/>
+          </a:fontRef>
+        </p:style>
+      </p:cxnSp>
+      <p:cxnSp>
+        <p:nvCxnSpPr>
+          <p:cNvPr id="40" name="Straight Arrow Connector 39"/>
+          <p:cNvCxnSpPr>
+            <a:stCxn id="11" idx="2"/>
+            <a:endCxn id="49" idx="3"/>
+          </p:cNvCxnSpPr>
+          <p:nvPr/>
+        </p:nvCxnSpPr>
+        <p:spPr>
+          <a:xfrm flipH="1">
+            <a:off x="9207965" y="4496661"/>
+            <a:ext cx="605163" cy="435308"/>
+          </a:xfrm>
+          <a:prstGeom prst="straightConnector1">
+            <a:avLst/>
+          </a:prstGeom>
+          <a:ln w="38100">
+            <a:solidFill>
+              <a:schemeClr val="tx1"/>
+            </a:solidFill>
+            <a:headEnd type="triangle" w="med" len="med"/>
+            <a:tailEnd type="triangle" w="med" len="med"/>
+          </a:ln>
+        </p:spPr>
+        <p:style>
+          <a:lnRef idx="1">
+            <a:schemeClr val="accent1"/>
+          </a:lnRef>
+          <a:fillRef idx="0">
+            <a:schemeClr val="accent1"/>
+          </a:fillRef>
+          <a:effectRef idx="0">
+            <a:schemeClr val="accent1"/>
+          </a:effectRef>
+          <a:fontRef idx="minor">
+            <a:schemeClr val="tx1"/>
+          </a:fontRef>
+        </p:style>
+      </p:cxnSp>
+      <p:sp>
+        <p:nvSpPr>
+          <p:cNvPr id="15" name="Rounded Rectangle 14"/>
+          <p:cNvSpPr/>
+          <p:nvPr/>
+        </p:nvSpPr>
+        <p:spPr>
+          <a:xfrm>
+            <a:off x="8838712" y="1385733"/>
+            <a:ext cx="1439996" cy="450133"/>
+          </a:xfrm>
+          <a:prstGeom prst="roundRect">
+            <a:avLst/>
+          </a:prstGeom>
+        </p:spPr>
+        <p:style>
+          <a:lnRef idx="1">
+            <a:schemeClr val="dk1"/>
+          </a:lnRef>
+          <a:fillRef idx="2">
+            <a:schemeClr val="dk1"/>
+          </a:fillRef>
+          <a:effectRef idx="1">
+            <a:schemeClr val="dk1"/>
+          </a:effectRef>
+          <a:fontRef idx="minor">
+            <a:schemeClr val="dk1"/>
+          </a:fontRef>
+        </p:style>
+        <p:txBody>
+          <a:bodyPr rtlCol="0" anchor="ctr"/>
+          <a:lstStyle/>
+          <a:p>
+            <a:pPr algn="ctr"/>
+            <a:r>
+              <a:rPr lang="en-US" dirty="0" err="1" smtClean="0"/>
+              <a:t>urls.py</a:t>
+            </a:r>
+            <a:endParaRPr lang="en-US" dirty="0"/>
+          </a:p>
+        </p:txBody>
+      </p:sp>
+      <p:sp>
+        <p:nvSpPr>
+          <p:cNvPr id="24" name="Rounded Rectangle 23"/>
+          <p:cNvSpPr/>
+          <p:nvPr/>
+        </p:nvSpPr>
+        <p:spPr>
+          <a:xfrm>
+            <a:off x="8459824" y="2316546"/>
+            <a:ext cx="1308844" cy="516836"/>
+          </a:xfrm>
+          <a:prstGeom prst="roundRect">
+            <a:avLst/>
+          </a:prstGeom>
+        </p:spPr>
+        <p:style>
+          <a:lnRef idx="1">
+            <a:schemeClr val="dk1"/>
+          </a:lnRef>
+          <a:fillRef idx="2">
+            <a:schemeClr val="dk1"/>
+          </a:fillRef>
+          <a:effectRef idx="1">
+            <a:schemeClr val="dk1"/>
+          </a:effectRef>
+          <a:fontRef idx="minor">
+            <a:schemeClr val="dk1"/>
+          </a:fontRef>
+        </p:style>
+        <p:txBody>
+          <a:bodyPr rtlCol="0" anchor="ctr"/>
+          <a:lstStyle/>
+          <a:p>
+            <a:pPr algn="ctr"/>
+            <a:r>
+              <a:rPr lang="en-US" dirty="0" err="1" smtClean="0"/>
+              <a:t>views.py</a:t>
+            </a:r>
+            <a:endParaRPr lang="en-US" dirty="0" smtClean="0"/>
+          </a:p>
+        </p:txBody>
+      </p:sp>
+      <p:sp>
+        <p:nvSpPr>
+          <p:cNvPr id="14" name="Rounded Rectangle 13"/>
+          <p:cNvSpPr/>
+          <p:nvPr/>
+        </p:nvSpPr>
+        <p:spPr>
+          <a:xfrm>
+            <a:off x="8459824" y="3465107"/>
+            <a:ext cx="1355820" cy="501686"/>
+          </a:xfrm>
+          <a:prstGeom prst="roundRect">
+            <a:avLst/>
+          </a:prstGeom>
+        </p:spPr>
+        <p:style>
+          <a:lnRef idx="1">
+            <a:schemeClr val="dk1"/>
+          </a:lnRef>
+          <a:fillRef idx="2">
+            <a:schemeClr val="dk1"/>
+          </a:fillRef>
+          <a:effectRef idx="1">
+            <a:schemeClr val="dk1"/>
+          </a:effectRef>
+          <a:fontRef idx="minor">
+            <a:schemeClr val="dk1"/>
+          </a:fontRef>
+        </p:style>
+        <p:txBody>
+          <a:bodyPr rtlCol="0" anchor="ctr"/>
+          <a:lstStyle/>
+          <a:p>
+            <a:pPr algn="ctr"/>
+            <a:r>
+              <a:rPr lang="en-US" dirty="0" err="1" smtClean="0"/>
+              <a:t>forms.py</a:t>
+            </a:r>
+            <a:endParaRPr lang="en-US" dirty="0"/>
+          </a:p>
+        </p:txBody>
+      </p:sp>
+      <p:sp>
+        <p:nvSpPr>
+          <p:cNvPr id="49" name="Rounded Rectangle 48"/>
+          <p:cNvSpPr/>
+          <p:nvPr/>
+        </p:nvSpPr>
+        <p:spPr>
+          <a:xfrm>
+            <a:off x="8121287" y="4415134"/>
+            <a:ext cx="1086678" cy="1033669"/>
+          </a:xfrm>
+          <a:prstGeom prst="roundRect">
+            <a:avLst/>
+          </a:prstGeom>
+          <a:solidFill>
+            <a:srgbClr val="0070C0"/>
+          </a:solidFill>
+        </p:spPr>
+        <p:style>
+          <a:lnRef idx="1">
+            <a:schemeClr val="dk1"/>
+          </a:lnRef>
+          <a:fillRef idx="2">
+            <a:schemeClr val="dk1"/>
+          </a:fillRef>
+          <a:effectRef idx="1">
+            <a:schemeClr val="dk1"/>
+          </a:effectRef>
+          <a:fontRef idx="minor">
+            <a:schemeClr val="dk1"/>
+          </a:fontRef>
+        </p:style>
+        <p:txBody>
+          <a:bodyPr rtlCol="0" anchor="ctr"/>
+          <a:lstStyle/>
+          <a:p>
+            <a:pPr algn="ctr"/>
+            <a:r>
+              <a:rPr lang="en-US" dirty="0" smtClean="0">
+                <a:solidFill>
+                  <a:schemeClr val="bg1"/>
+                </a:solidFill>
+              </a:rPr>
+              <a:t>Models</a:t>
+            </a:r>
+            <a:endParaRPr lang="en-US" dirty="0">
+              <a:solidFill>
+                <a:schemeClr val="bg1"/>
+              </a:solidFill>
+            </a:endParaRPr>
+          </a:p>
+        </p:txBody>
+      </p:sp>
+      <p:cxnSp>
+        <p:nvCxnSpPr>
+          <p:cNvPr id="56" name="Straight Arrow Connector 55"/>
+          <p:cNvCxnSpPr>
+            <a:stCxn id="76" idx="1"/>
+            <a:endCxn id="49" idx="3"/>
+          </p:cNvCxnSpPr>
+          <p:nvPr/>
+        </p:nvCxnSpPr>
+        <p:spPr>
+          <a:xfrm flipH="1" flipV="1">
+            <a:off x="9207965" y="4931969"/>
+            <a:ext cx="682363" cy="516834"/>
+          </a:xfrm>
+          <a:prstGeom prst="straightConnector1">
+            <a:avLst/>
+          </a:prstGeom>
+          <a:ln w="38100">
+            <a:solidFill>
+              <a:schemeClr val="tx1"/>
+            </a:solidFill>
+            <a:tailEnd type="triangle"/>
+          </a:ln>
+        </p:spPr>
+        <p:style>
+          <a:lnRef idx="1">
+            <a:schemeClr val="accent1"/>
+          </a:lnRef>
+          <a:fillRef idx="0">
+            <a:schemeClr val="accent1"/>
+          </a:fillRef>
+          <a:effectRef idx="0">
+            <a:schemeClr val="accent1"/>
+          </a:effectRef>
+          <a:fontRef idx="minor">
+            <a:schemeClr val="tx1"/>
+          </a:fontRef>
+        </p:style>
+      </p:cxnSp>
+      <p:cxnSp>
+        <p:nvCxnSpPr>
+          <p:cNvPr id="60" name="Straight Arrow Connector 59"/>
+          <p:cNvCxnSpPr>
+            <a:endCxn id="10" idx="0"/>
+          </p:cNvCxnSpPr>
+          <p:nvPr/>
+        </p:nvCxnSpPr>
+        <p:spPr>
+          <a:xfrm>
+            <a:off x="6890506" y="2135365"/>
+            <a:ext cx="0" cy="540440"/>
+          </a:xfrm>
+          <a:prstGeom prst="straightConnector1">
+            <a:avLst/>
+          </a:prstGeom>
+          <a:ln w="38100">
+            <a:solidFill>
+              <a:srgbClr val="FFFF00"/>
+            </a:solidFill>
+            <a:tailEnd type="triangle"/>
+          </a:ln>
+        </p:spPr>
+        <p:style>
+          <a:lnRef idx="1">
+            <a:schemeClr val="accent1"/>
+          </a:lnRef>
+          <a:fillRef idx="0">
+            <a:schemeClr val="accent1"/>
+          </a:fillRef>
+          <a:effectRef idx="0">
+            <a:schemeClr val="accent1"/>
+          </a:effectRef>
+          <a:fontRef idx="minor">
+            <a:schemeClr val="tx1"/>
+          </a:fontRef>
+        </p:style>
+      </p:cxnSp>
+      <p:cxnSp>
+        <p:nvCxnSpPr>
+          <p:cNvPr id="64" name="Straight Arrow Connector 63"/>
+          <p:cNvCxnSpPr>
+            <a:stCxn id="49" idx="0"/>
+            <a:endCxn id="10" idx="2"/>
+          </p:cNvCxnSpPr>
+          <p:nvPr/>
+        </p:nvCxnSpPr>
+        <p:spPr>
+          <a:xfrm flipH="1" flipV="1">
+            <a:off x="6890506" y="3709474"/>
+            <a:ext cx="1774120" cy="705660"/>
+          </a:xfrm>
+          <a:prstGeom prst="straightConnector1">
+            <a:avLst/>
+          </a:prstGeom>
+          <a:ln w="38100">
+            <a:solidFill>
+              <a:schemeClr val="tx1"/>
+            </a:solidFill>
+            <a:headEnd type="triangle" w="med" len="med"/>
+            <a:tailEnd type="triangle" w="med" len="med"/>
+          </a:ln>
+        </p:spPr>
+        <p:style>
+          <a:lnRef idx="1">
+            <a:schemeClr val="accent1"/>
+          </a:lnRef>
+          <a:fillRef idx="0">
+            <a:schemeClr val="accent1"/>
+          </a:fillRef>
+          <a:effectRef idx="0">
+            <a:schemeClr val="accent1"/>
+          </a:effectRef>
+          <a:fontRef idx="minor">
+            <a:schemeClr val="tx1"/>
+          </a:fontRef>
+        </p:style>
+      </p:cxnSp>
+      <p:sp>
+        <p:nvSpPr>
+          <p:cNvPr id="76" name="Rounded Rectangle 75"/>
+          <p:cNvSpPr/>
+          <p:nvPr/>
+        </p:nvSpPr>
+        <p:spPr>
+          <a:xfrm>
+            <a:off x="9890328" y="5197960"/>
+            <a:ext cx="1357391" cy="501686"/>
+          </a:xfrm>
+          <a:prstGeom prst="roundRect">
+            <a:avLst/>
+          </a:prstGeom>
+        </p:spPr>
+        <p:style>
+          <a:lnRef idx="1">
+            <a:schemeClr val="dk1"/>
+          </a:lnRef>
+          <a:fillRef idx="2">
+            <a:schemeClr val="dk1"/>
+          </a:fillRef>
+          <a:effectRef idx="1">
+            <a:schemeClr val="dk1"/>
+          </a:effectRef>
+          <a:fontRef idx="minor">
+            <a:schemeClr val="dk1"/>
+          </a:fontRef>
+        </p:style>
+        <p:txBody>
+          <a:bodyPr rtlCol="0" anchor="ctr"/>
+          <a:lstStyle/>
+          <a:p>
+            <a:pPr algn="ctr"/>
+            <a:r>
+              <a:rPr lang="en-US" dirty="0" err="1" smtClean="0"/>
+              <a:t>model.py</a:t>
+            </a:r>
+            <a:endParaRPr lang="en-US" dirty="0"/>
+          </a:p>
+        </p:txBody>
+      </p:sp>
+      <p:sp>
+        <p:nvSpPr>
+          <p:cNvPr id="41" name="Rounded Rectangle 40"/>
+          <p:cNvSpPr/>
+          <p:nvPr/>
+        </p:nvSpPr>
+        <p:spPr>
+          <a:xfrm>
+            <a:off x="8102028" y="5683135"/>
+            <a:ext cx="1319815" cy="501686"/>
+          </a:xfrm>
+          <a:prstGeom prst="roundRect">
+            <a:avLst/>
+          </a:prstGeom>
+        </p:spPr>
+        <p:style>
+          <a:lnRef idx="1">
+            <a:schemeClr val="dk1"/>
+          </a:lnRef>
+          <a:fillRef idx="2">
+            <a:schemeClr val="dk1"/>
+          </a:fillRef>
+          <a:effectRef idx="1">
+            <a:schemeClr val="dk1"/>
+          </a:effectRef>
+          <a:fontRef idx="minor">
+            <a:schemeClr val="dk1"/>
+          </a:fontRef>
+        </p:style>
+        <p:txBody>
+          <a:bodyPr rtlCol="0" anchor="ctr"/>
+          <a:lstStyle/>
+          <a:p>
+            <a:pPr algn="ctr"/>
+            <a:r>
+              <a:rPr lang="en-US" dirty="0" err="1" smtClean="0"/>
+              <a:t>admin.py</a:t>
+            </a:r>
+            <a:endParaRPr lang="en-US" dirty="0"/>
+          </a:p>
+        </p:txBody>
+      </p:sp>
+      <p:sp>
+        <p:nvSpPr>
+          <p:cNvPr id="39" name="Rounded Rectangle 38"/>
+          <p:cNvSpPr/>
+          <p:nvPr/>
+        </p:nvSpPr>
+        <p:spPr>
+          <a:xfrm>
+            <a:off x="6396262" y="4400416"/>
+            <a:ext cx="1086678" cy="592481"/>
+          </a:xfrm>
+          <a:prstGeom prst="roundRect">
+            <a:avLst/>
+          </a:prstGeom>
+          <a:solidFill>
+            <a:srgbClr val="FF7F00"/>
+          </a:solidFill>
+        </p:spPr>
+        <p:style>
+          <a:lnRef idx="1">
+            <a:schemeClr val="dk1"/>
+          </a:lnRef>
+          <a:fillRef idx="2">
+            <a:schemeClr val="dk1"/>
+          </a:fillRef>
+          <a:effectRef idx="1">
+            <a:schemeClr val="dk1"/>
+          </a:effectRef>
+          <a:fontRef idx="minor">
+            <a:schemeClr val="dk1"/>
+          </a:fontRef>
+        </p:style>
+        <p:txBody>
+          <a:bodyPr rtlCol="0" anchor="ctr"/>
+          <a:lstStyle/>
+          <a:p>
+            <a:pPr algn="ctr"/>
+            <a:r>
+              <a:rPr lang="en-US" dirty="0" smtClean="0">
+                <a:solidFill>
+                  <a:schemeClr val="bg1"/>
+                </a:solidFill>
+              </a:rPr>
+              <a:t>Shell</a:t>
+            </a:r>
+          </a:p>
+        </p:txBody>
+      </p:sp>
+      <p:sp>
+        <p:nvSpPr>
+          <p:cNvPr id="50" name="Rounded Rectangle 49"/>
+          <p:cNvSpPr/>
+          <p:nvPr/>
+        </p:nvSpPr>
+        <p:spPr>
+          <a:xfrm>
+            <a:off x="6428560" y="5430454"/>
+            <a:ext cx="1086678" cy="592481"/>
+          </a:xfrm>
+          <a:prstGeom prst="roundRect">
+            <a:avLst/>
+          </a:prstGeom>
+          <a:solidFill>
+            <a:srgbClr val="FF7F00"/>
+          </a:solidFill>
+        </p:spPr>
+        <p:style>
+          <a:lnRef idx="1">
+            <a:schemeClr val="dk1"/>
+          </a:lnRef>
+          <a:fillRef idx="2">
+            <a:schemeClr val="dk1"/>
+          </a:fillRef>
+          <a:effectRef idx="1">
+            <a:schemeClr val="dk1"/>
+          </a:effectRef>
+          <a:fontRef idx="minor">
+            <a:schemeClr val="dk1"/>
+          </a:fontRef>
+        </p:style>
+        <p:txBody>
+          <a:bodyPr rtlCol="0" anchor="ctr"/>
+          <a:lstStyle/>
+          <a:p>
+            <a:pPr algn="ctr"/>
+            <a:r>
+              <a:rPr lang="en-US" dirty="0" smtClean="0">
+                <a:solidFill>
+                  <a:schemeClr val="bg1"/>
+                </a:solidFill>
+              </a:rPr>
+              <a:t>/admin</a:t>
+            </a:r>
+          </a:p>
+        </p:txBody>
+      </p:sp>
+      <p:cxnSp>
+        <p:nvCxnSpPr>
+          <p:cNvPr id="51" name="Straight Arrow Connector 50"/>
+          <p:cNvCxnSpPr>
+            <a:stCxn id="49" idx="1"/>
+            <a:endCxn id="39" idx="3"/>
+          </p:cNvCxnSpPr>
+          <p:nvPr/>
+        </p:nvCxnSpPr>
+        <p:spPr>
+          <a:xfrm flipH="1" flipV="1">
+            <a:off x="7482940" y="4696657"/>
+            <a:ext cx="638347" cy="235312"/>
+          </a:xfrm>
+          <a:prstGeom prst="straightConnector1">
+            <a:avLst/>
+          </a:prstGeom>
+          <a:ln w="38100">
+            <a:solidFill>
+              <a:schemeClr val="tx1"/>
+            </a:solidFill>
+            <a:tailEnd type="triangle"/>
+          </a:ln>
+        </p:spPr>
+        <p:style>
+          <a:lnRef idx="1">
+            <a:schemeClr val="accent1"/>
+          </a:lnRef>
+          <a:fillRef idx="0">
+            <a:schemeClr val="accent1"/>
+          </a:fillRef>
+          <a:effectRef idx="0">
+            <a:schemeClr val="accent1"/>
+          </a:effectRef>
+          <a:fontRef idx="minor">
+            <a:schemeClr val="tx1"/>
+          </a:fontRef>
+        </p:style>
+      </p:cxnSp>
+      <p:cxnSp>
+        <p:nvCxnSpPr>
+          <p:cNvPr id="54" name="Straight Arrow Connector 53"/>
+          <p:cNvCxnSpPr>
+            <a:stCxn id="49" idx="1"/>
+            <a:endCxn id="50" idx="3"/>
+          </p:cNvCxnSpPr>
+          <p:nvPr/>
+        </p:nvCxnSpPr>
+        <p:spPr>
+          <a:xfrm flipH="1">
+            <a:off x="7515238" y="4931969"/>
+            <a:ext cx="606049" cy="794726"/>
+          </a:xfrm>
+          <a:prstGeom prst="straightConnector1">
+            <a:avLst/>
+          </a:prstGeom>
+          <a:ln w="38100">
+            <a:solidFill>
+              <a:schemeClr val="tx1"/>
+            </a:solidFill>
+            <a:headEnd type="triangle" w="med" len="med"/>
+            <a:tailEnd type="triangle" w="med" len="med"/>
+          </a:ln>
+        </p:spPr>
+        <p:style>
+          <a:lnRef idx="1">
+            <a:schemeClr val="accent1"/>
+          </a:lnRef>
+          <a:fillRef idx="0">
+            <a:schemeClr val="accent1"/>
+          </a:fillRef>
+          <a:effectRef idx="0">
+            <a:schemeClr val="accent1"/>
+          </a:effectRef>
+          <a:fontRef idx="minor">
+            <a:schemeClr val="tx1"/>
+          </a:fontRef>
+        </p:style>
+      </p:cxnSp>
+      <p:cxnSp>
+        <p:nvCxnSpPr>
+          <p:cNvPr id="58" name="Straight Arrow Connector 57"/>
+          <p:cNvCxnSpPr>
+            <a:stCxn id="41" idx="1"/>
+            <a:endCxn id="50" idx="3"/>
+          </p:cNvCxnSpPr>
+          <p:nvPr/>
+        </p:nvCxnSpPr>
+        <p:spPr>
+          <a:xfrm flipH="1" flipV="1">
+            <a:off x="7515238" y="5726695"/>
+            <a:ext cx="586790" cy="207283"/>
+          </a:xfrm>
+          <a:prstGeom prst="straightConnector1">
+            <a:avLst/>
+          </a:prstGeom>
+          <a:ln w="38100">
+            <a:solidFill>
+              <a:schemeClr val="tx1"/>
+            </a:solidFill>
+            <a:tailEnd type="triangle"/>
+          </a:ln>
+        </p:spPr>
+        <p:style>
+          <a:lnRef idx="1">
+            <a:schemeClr val="accent1"/>
+          </a:lnRef>
+          <a:fillRef idx="0">
+            <a:schemeClr val="accent1"/>
+          </a:fillRef>
+          <a:effectRef idx="0">
+            <a:schemeClr val="accent1"/>
+          </a:effectRef>
+          <a:fontRef idx="minor">
+            <a:schemeClr val="tx1"/>
+          </a:fontRef>
+        </p:style>
+      </p:cxnSp>
+      <p:cxnSp>
+        <p:nvCxnSpPr>
+          <p:cNvPr id="84" name="Straight Arrow Connector 83"/>
+          <p:cNvCxnSpPr>
+            <a:stCxn id="76" idx="1"/>
+            <a:endCxn id="41" idx="3"/>
+          </p:cNvCxnSpPr>
+          <p:nvPr/>
+        </p:nvCxnSpPr>
+        <p:spPr>
+          <a:xfrm flipH="1">
+            <a:off x="9421843" y="5448803"/>
+            <a:ext cx="468485" cy="485175"/>
+          </a:xfrm>
+          <a:prstGeom prst="straightConnector1">
+            <a:avLst/>
+          </a:prstGeom>
+          <a:ln w="38100">
+            <a:solidFill>
+              <a:schemeClr val="tx1"/>
+            </a:solidFill>
+            <a:tailEnd type="triangle"/>
+          </a:ln>
+        </p:spPr>
+        <p:style>
+          <a:lnRef idx="1">
+            <a:schemeClr val="accent1"/>
+          </a:lnRef>
+          <a:fillRef idx="0">
+            <a:schemeClr val="accent1"/>
+          </a:fillRef>
+          <a:effectRef idx="0">
+            <a:schemeClr val="accent1"/>
+          </a:effectRef>
+          <a:fontRef idx="minor">
+            <a:schemeClr val="tx1"/>
+          </a:fontRef>
+        </p:style>
+      </p:cxnSp>
+      <p:pic>
+        <p:nvPicPr>
+          <p:cNvPr id="2" name="Picture 1"/>
+          <p:cNvPicPr>
+            <a:picLocks noChangeAspect="1"/>
+          </p:cNvPicPr>
+          <p:nvPr/>
+        </p:nvPicPr>
+        <p:blipFill>
+          <a:blip r:embed="rId2">
+            <a:extLst>
+              <a:ext uri="{28A0092B-C50C-407E-A947-70E740481C1C}">
+                <a14:useLocalDpi xmlns:a14="http://schemas.microsoft.com/office/drawing/2010/main" val="0"/>
+              </a:ext>
+            </a:extLst>
+          </a:blip>
+          <a:stretch>
+            <a:fillRect/>
+          </a:stretch>
+        </p:blipFill>
+        <p:spPr>
+          <a:xfrm>
+            <a:off x="1240329" y="231661"/>
+            <a:ext cx="2214726" cy="6440663"/>
+          </a:xfrm>
+          <a:prstGeom prst="rect">
+            <a:avLst/>
+          </a:prstGeom>
+        </p:spPr>
+      </p:pic>
+    </p:spTree>
+    <p:extLst>
+      <p:ext uri="{BB962C8B-B14F-4D97-AF65-F5344CB8AC3E}">
+        <p14:creationId xmlns:p14="http://schemas.microsoft.com/office/powerpoint/2010/main" val="1694693615"/>
       </p:ext>
     </p:extLst>
   </p:cSld>

--- a/lectures/bigpicture.pptx
+++ b/lectures/bigpicture.pptx
@@ -4308,7 +4308,7 @@
             <a:pPr algn="ctr"/>
             <a:r>
               <a:rPr lang="en-US" dirty="0" err="1" smtClean="0"/>
-              <a:t>model.py</a:t>
+              <a:t>models.py</a:t>
             </a:r>
             <a:endParaRPr lang="en-US" dirty="0"/>
           </a:p>
@@ -5143,6 +5143,13 @@
   <p:clrMapOvr>
     <a:masterClrMapping/>
   </p:clrMapOvr>
+  <p:timing>
+    <p:tnLst>
+      <p:par>
+        <p:cTn id="1" dur="indefinite" restart="never" nodeType="tmRoot"/>
+      </p:par>
+    </p:tnLst>
+  </p:timing>
 </p:sld>
 </file>
 
@@ -6097,7 +6104,7 @@
             <a:pPr algn="ctr"/>
             <a:r>
               <a:rPr lang="en-US" dirty="0" err="1" smtClean="0"/>
-              <a:t>model.py</a:t>
+              <a:t>models.py</a:t>
             </a:r>
             <a:endParaRPr lang="en-US" dirty="0"/>
           </a:p>

--- a/lectures/bigpicture.pptx
+++ b/lectures/bigpicture.pptx
@@ -199,7 +199,7 @@
           <a:p>
             <a:fld id="{C97B56FC-7D2E-F343-9D09-0D14B00AA564}" type="datetimeFigureOut">
               <a:rPr lang="en-US" smtClean="0"/>
-              <a:t>9/10/21</a:t>
+              <a:t>9/17/21</a:t>
             </a:fld>
             <a:endParaRPr lang="en-US"/>
           </a:p>
@@ -598,7 +598,7 @@
           <a:p>
             <a:fld id="{EEE7C04C-7AF8-1445-A186-502B631B934F}" type="datetimeFigureOut">
               <a:rPr lang="en-US" smtClean="0"/>
-              <a:t>9/10/21</a:t>
+              <a:t>9/17/21</a:t>
             </a:fld>
             <a:endParaRPr lang="en-US"/>
           </a:p>
@@ -763,7 +763,7 @@
           <a:p>
             <a:fld id="{EEE7C04C-7AF8-1445-A186-502B631B934F}" type="datetimeFigureOut">
               <a:rPr lang="en-US" smtClean="0"/>
-              <a:t>9/10/21</a:t>
+              <a:t>9/17/21</a:t>
             </a:fld>
             <a:endParaRPr lang="en-US"/>
           </a:p>
@@ -938,7 +938,7 @@
           <a:p>
             <a:fld id="{EEE7C04C-7AF8-1445-A186-502B631B934F}" type="datetimeFigureOut">
               <a:rPr lang="en-US" smtClean="0"/>
-              <a:t>9/10/21</a:t>
+              <a:t>9/17/21</a:t>
             </a:fld>
             <a:endParaRPr lang="en-US"/>
           </a:p>
@@ -1103,7 +1103,7 @@
           <a:p>
             <a:fld id="{EEE7C04C-7AF8-1445-A186-502B631B934F}" type="datetimeFigureOut">
               <a:rPr lang="en-US" smtClean="0"/>
-              <a:t>9/10/21</a:t>
+              <a:t>9/17/21</a:t>
             </a:fld>
             <a:endParaRPr lang="en-US"/>
           </a:p>
@@ -1344,7 +1344,7 @@
           <a:p>
             <a:fld id="{EEE7C04C-7AF8-1445-A186-502B631B934F}" type="datetimeFigureOut">
               <a:rPr lang="en-US" smtClean="0"/>
-              <a:t>9/10/21</a:t>
+              <a:t>9/17/21</a:t>
             </a:fld>
             <a:endParaRPr lang="en-US"/>
           </a:p>
@@ -1571,7 +1571,7 @@
           <a:p>
             <a:fld id="{EEE7C04C-7AF8-1445-A186-502B631B934F}" type="datetimeFigureOut">
               <a:rPr lang="en-US" smtClean="0"/>
-              <a:t>9/10/21</a:t>
+              <a:t>9/17/21</a:t>
             </a:fld>
             <a:endParaRPr lang="en-US"/>
           </a:p>
@@ -1933,7 +1933,7 @@
           <a:p>
             <a:fld id="{EEE7C04C-7AF8-1445-A186-502B631B934F}" type="datetimeFigureOut">
               <a:rPr lang="en-US" smtClean="0"/>
-              <a:t>9/10/21</a:t>
+              <a:t>9/17/21</a:t>
             </a:fld>
             <a:endParaRPr lang="en-US"/>
           </a:p>
@@ -2046,7 +2046,7 @@
           <a:p>
             <a:fld id="{EEE7C04C-7AF8-1445-A186-502B631B934F}" type="datetimeFigureOut">
               <a:rPr lang="en-US" smtClean="0"/>
-              <a:t>9/10/21</a:t>
+              <a:t>9/17/21</a:t>
             </a:fld>
             <a:endParaRPr lang="en-US"/>
           </a:p>
@@ -2136,7 +2136,7 @@
           <a:p>
             <a:fld id="{EEE7C04C-7AF8-1445-A186-502B631B934F}" type="datetimeFigureOut">
               <a:rPr lang="en-US" smtClean="0"/>
-              <a:t>9/10/21</a:t>
+              <a:t>9/17/21</a:t>
             </a:fld>
             <a:endParaRPr lang="en-US"/>
           </a:p>
@@ -2408,7 +2408,7 @@
           <a:p>
             <a:fld id="{EEE7C04C-7AF8-1445-A186-502B631B934F}" type="datetimeFigureOut">
               <a:rPr lang="en-US" smtClean="0"/>
-              <a:t>9/10/21</a:t>
+              <a:t>9/17/21</a:t>
             </a:fld>
             <a:endParaRPr lang="en-US"/>
           </a:p>
@@ -2660,7 +2660,7 @@
           <a:p>
             <a:fld id="{EEE7C04C-7AF8-1445-A186-502B631B934F}" type="datetimeFigureOut">
               <a:rPr lang="en-US" smtClean="0"/>
-              <a:t>9/10/21</a:t>
+              <a:t>9/17/21</a:t>
             </a:fld>
             <a:endParaRPr lang="en-US"/>
           </a:p>
@@ -2868,7 +2868,7 @@
           <a:p>
             <a:fld id="{EEE7C04C-7AF8-1445-A186-502B631B934F}" type="datetimeFigureOut">
               <a:rPr lang="en-US" smtClean="0"/>
-              <a:t>9/10/21</a:t>
+              <a:t>9/17/21</a:t>
             </a:fld>
             <a:endParaRPr lang="en-US"/>
           </a:p>
@@ -5178,7 +5178,7 @@
         </p:nvSpPr>
         <p:spPr>
           <a:xfrm>
-            <a:off x="5272088" y="278098"/>
+            <a:off x="2286009" y="206660"/>
             <a:ext cx="6676896" cy="6347791"/>
           </a:xfrm>
           <a:prstGeom prst="rect">
@@ -5227,7 +5227,7 @@
         </p:nvSpPr>
         <p:spPr>
           <a:xfrm>
-            <a:off x="5987216" y="870579"/>
+            <a:off x="3001137" y="799141"/>
             <a:ext cx="5702276" cy="5548575"/>
           </a:xfrm>
           <a:prstGeom prst="rect">
@@ -5279,7 +5279,7 @@
         </p:nvSpPr>
         <p:spPr>
           <a:xfrm>
-            <a:off x="5987216" y="404858"/>
+            <a:off x="3001137" y="333420"/>
             <a:ext cx="1295291" cy="369332"/>
           </a:xfrm>
           <a:prstGeom prst="rect">
@@ -5311,7 +5311,7 @@
         </p:nvSpPr>
         <p:spPr>
           <a:xfrm>
-            <a:off x="6347167" y="1101696"/>
+            <a:off x="3361088" y="1030258"/>
             <a:ext cx="1086678" cy="1033669"/>
           </a:xfrm>
           <a:prstGeom prst="roundRect">
@@ -5364,7 +5364,7 @@
         </p:nvSpPr>
         <p:spPr>
           <a:xfrm>
-            <a:off x="6347167" y="2675805"/>
+            <a:off x="3361088" y="2604367"/>
             <a:ext cx="1086678" cy="1033669"/>
           </a:xfrm>
           <a:prstGeom prst="roundRect">
@@ -5417,7 +5417,7 @@
         </p:nvSpPr>
         <p:spPr>
           <a:xfrm>
-            <a:off x="9813128" y="4173528"/>
+            <a:off x="6827049" y="4102090"/>
             <a:ext cx="1577009" cy="646266"/>
           </a:xfrm>
           <a:prstGeom prst="can">
@@ -5464,7 +5464,7 @@
         </p:nvSpPr>
         <p:spPr>
           <a:xfrm>
-            <a:off x="10090027" y="2904193"/>
+            <a:off x="7103948" y="2832755"/>
             <a:ext cx="1367113" cy="516836"/>
           </a:xfrm>
           <a:prstGeom prst="roundRect">
@@ -5506,7 +5506,7 @@
         </p:nvSpPr>
         <p:spPr>
           <a:xfrm>
-            <a:off x="7933975" y="404637"/>
+            <a:off x="4947896" y="333199"/>
             <a:ext cx="1603514" cy="369554"/>
           </a:xfrm>
           <a:prstGeom prst="roundRect">
@@ -5548,7 +5548,7 @@
         </p:nvCxnSpPr>
         <p:spPr>
           <a:xfrm flipH="1">
-            <a:off x="7208365" y="589414"/>
+            <a:off x="4222286" y="517976"/>
             <a:ext cx="725611" cy="110"/>
           </a:xfrm>
           <a:prstGeom prst="straightConnector1">
@@ -5587,7 +5587,7 @@
         </p:nvCxnSpPr>
         <p:spPr>
           <a:xfrm flipH="1">
-            <a:off x="7433845" y="1610800"/>
+            <a:off x="4447766" y="1539362"/>
             <a:ext cx="1404867" cy="7731"/>
           </a:xfrm>
           <a:prstGeom prst="straightConnector1">
@@ -5626,7 +5626,7 @@
         </p:nvCxnSpPr>
         <p:spPr>
           <a:xfrm flipH="1">
-            <a:off x="7433845" y="2574964"/>
+            <a:off x="4447766" y="2503526"/>
             <a:ext cx="1025979" cy="617676"/>
           </a:xfrm>
           <a:prstGeom prst="straightConnector1">
@@ -5665,7 +5665,7 @@
         </p:nvCxnSpPr>
         <p:spPr>
           <a:xfrm flipH="1">
-            <a:off x="7433845" y="3162611"/>
+            <a:off x="4447766" y="3091173"/>
             <a:ext cx="2656182" cy="30029"/>
           </a:xfrm>
           <a:prstGeom prst="straightConnector1">
@@ -5704,7 +5704,7 @@
         </p:nvCxnSpPr>
         <p:spPr>
           <a:xfrm flipH="1" flipV="1">
-            <a:off x="7433845" y="3192640"/>
+            <a:off x="4447766" y="3121202"/>
             <a:ext cx="1025979" cy="523310"/>
           </a:xfrm>
           <a:prstGeom prst="straightConnector1">
@@ -5743,7 +5743,7 @@
         </p:nvCxnSpPr>
         <p:spPr>
           <a:xfrm flipH="1">
-            <a:off x="9207965" y="4496661"/>
+            <a:off x="6221886" y="4425223"/>
             <a:ext cx="605163" cy="435308"/>
           </a:xfrm>
           <a:prstGeom prst="straightConnector1">
@@ -5780,7 +5780,7 @@
         </p:nvSpPr>
         <p:spPr>
           <a:xfrm>
-            <a:off x="8838712" y="1385733"/>
+            <a:off x="5852633" y="1314295"/>
             <a:ext cx="1439996" cy="450133"/>
           </a:xfrm>
           <a:prstGeom prst="roundRect">
@@ -5822,7 +5822,7 @@
         </p:nvSpPr>
         <p:spPr>
           <a:xfrm>
-            <a:off x="8459824" y="2316546"/>
+            <a:off x="5473745" y="2245108"/>
             <a:ext cx="1308844" cy="516836"/>
           </a:xfrm>
           <a:prstGeom prst="roundRect">
@@ -5864,7 +5864,7 @@
         </p:nvSpPr>
         <p:spPr>
           <a:xfrm>
-            <a:off x="8459824" y="3465107"/>
+            <a:off x="5473745" y="3393669"/>
             <a:ext cx="1355820" cy="501686"/>
           </a:xfrm>
           <a:prstGeom prst="roundRect">
@@ -5906,7 +5906,7 @@
         </p:nvSpPr>
         <p:spPr>
           <a:xfrm>
-            <a:off x="8121287" y="4415134"/>
+            <a:off x="5135208" y="4343696"/>
             <a:ext cx="1086678" cy="1033669"/>
           </a:xfrm>
           <a:prstGeom prst="roundRect">
@@ -5962,7 +5962,7 @@
         </p:nvCxnSpPr>
         <p:spPr>
           <a:xfrm flipH="1" flipV="1">
-            <a:off x="9207965" y="4931969"/>
+            <a:off x="6221886" y="4860531"/>
             <a:ext cx="682363" cy="516834"/>
           </a:xfrm>
           <a:prstGeom prst="straightConnector1">
@@ -6000,7 +6000,7 @@
         </p:nvCxnSpPr>
         <p:spPr>
           <a:xfrm>
-            <a:off x="6890506" y="2135365"/>
+            <a:off x="3904427" y="2063927"/>
             <a:ext cx="0" cy="540440"/>
           </a:xfrm>
           <a:prstGeom prst="straightConnector1">
@@ -6039,7 +6039,7 @@
         </p:nvCxnSpPr>
         <p:spPr>
           <a:xfrm flipH="1" flipV="1">
-            <a:off x="6890506" y="3709474"/>
+            <a:off x="3904427" y="3638036"/>
             <a:ext cx="1774120" cy="705660"/>
           </a:xfrm>
           <a:prstGeom prst="straightConnector1">
@@ -6076,7 +6076,7 @@
         </p:nvSpPr>
         <p:spPr>
           <a:xfrm>
-            <a:off x="9890328" y="5197960"/>
+            <a:off x="6904249" y="5126522"/>
             <a:ext cx="1357391" cy="501686"/>
           </a:xfrm>
           <a:prstGeom prst="roundRect">
@@ -6118,7 +6118,7 @@
         </p:nvSpPr>
         <p:spPr>
           <a:xfrm>
-            <a:off x="8102028" y="5683135"/>
+            <a:off x="5115949" y="5611697"/>
             <a:ext cx="1319815" cy="501686"/>
           </a:xfrm>
           <a:prstGeom prst="roundRect">
@@ -6160,7 +6160,7 @@
         </p:nvSpPr>
         <p:spPr>
           <a:xfrm>
-            <a:off x="6396262" y="4400416"/>
+            <a:off x="3410183" y="4328978"/>
             <a:ext cx="1086678" cy="592481"/>
           </a:xfrm>
           <a:prstGeom prst="roundRect">
@@ -6208,7 +6208,7 @@
         </p:nvSpPr>
         <p:spPr>
           <a:xfrm>
-            <a:off x="6428560" y="5430454"/>
+            <a:off x="3442481" y="5359016"/>
             <a:ext cx="1086678" cy="592481"/>
           </a:xfrm>
           <a:prstGeom prst="roundRect">
@@ -6259,7 +6259,7 @@
         </p:nvCxnSpPr>
         <p:spPr>
           <a:xfrm flipH="1" flipV="1">
-            <a:off x="7482940" y="4696657"/>
+            <a:off x="4496861" y="4625219"/>
             <a:ext cx="638347" cy="235312"/>
           </a:xfrm>
           <a:prstGeom prst="straightConnector1">
@@ -6298,7 +6298,7 @@
         </p:nvCxnSpPr>
         <p:spPr>
           <a:xfrm flipH="1">
-            <a:off x="7515238" y="4931969"/>
+            <a:off x="4529159" y="4860531"/>
             <a:ext cx="606049" cy="794726"/>
           </a:xfrm>
           <a:prstGeom prst="straightConnector1">
@@ -6338,7 +6338,7 @@
         </p:nvCxnSpPr>
         <p:spPr>
           <a:xfrm flipH="1" flipV="1">
-            <a:off x="7515238" y="5726695"/>
+            <a:off x="4529159" y="5655257"/>
             <a:ext cx="586790" cy="207283"/>
           </a:xfrm>
           <a:prstGeom prst="straightConnector1">
@@ -6377,7 +6377,7 @@
         </p:nvCxnSpPr>
         <p:spPr>
           <a:xfrm flipH="1">
-            <a:off x="9421843" y="5448803"/>
+            <a:off x="6435764" y="5377365"/>
             <a:ext cx="468485" cy="485175"/>
           </a:xfrm>
           <a:prstGeom prst="straightConnector1">
@@ -6407,7 +6407,7 @@
       </p:cxnSp>
       <p:pic>
         <p:nvPicPr>
-          <p:cNvPr id="2" name="Picture 1"/>
+          <p:cNvPr id="32" name="Picture 31"/>
           <p:cNvPicPr>
             <a:picLocks noChangeAspect="1"/>
           </p:cNvPicPr>
@@ -6427,7 +6427,7 @@
         </p:blipFill>
         <p:spPr>
           <a:xfrm>
-            <a:off x="1240329" y="231661"/>
+            <a:off x="9481184" y="206660"/>
             <a:ext cx="2214726" cy="6440663"/>
           </a:xfrm>
           <a:prstGeom prst="rect">
@@ -6435,6 +6435,164 @@
           </a:prstGeom>
         </p:spPr>
       </p:pic>
+      <p:pic>
+        <p:nvPicPr>
+          <p:cNvPr id="35" name="Picture 34"/>
+          <p:cNvPicPr>
+            <a:picLocks noChangeAspect="1"/>
+          </p:cNvPicPr>
+          <p:nvPr/>
+        </p:nvPicPr>
+        <p:blipFill>
+          <a:blip r:embed="rId3">
+            <a:extLst>
+              <a:ext uri="{28A0092B-C50C-407E-A947-70E740481C1C}">
+                <a14:useLocalDpi xmlns:a14="http://schemas.microsoft.com/office/drawing/2010/main" val="0"/>
+              </a:ext>
+            </a:extLst>
+          </a:blip>
+          <a:stretch>
+            <a:fillRect/>
+          </a:stretch>
+        </p:blipFill>
+        <p:spPr>
+          <a:xfrm>
+            <a:off x="-303014" y="1809931"/>
+            <a:ext cx="1473755" cy="1105316"/>
+          </a:xfrm>
+          <a:prstGeom prst="rect">
+            <a:avLst/>
+          </a:prstGeom>
+        </p:spPr>
+      </p:pic>
+      <p:cxnSp>
+        <p:nvCxnSpPr>
+          <p:cNvPr id="36" name="Straight Arrow Connector 35"/>
+          <p:cNvCxnSpPr>
+            <a:endCxn id="9" idx="1"/>
+          </p:cNvCxnSpPr>
+          <p:nvPr/>
+        </p:nvCxnSpPr>
+        <p:spPr>
+          <a:xfrm flipV="1">
+            <a:off x="785813" y="1547093"/>
+            <a:ext cx="2575275" cy="812908"/>
+          </a:xfrm>
+          <a:prstGeom prst="straightConnector1">
+            <a:avLst/>
+          </a:prstGeom>
+          <a:ln w="38100">
+            <a:solidFill>
+              <a:srgbClr val="FFFF00"/>
+            </a:solidFill>
+            <a:tailEnd type="triangle"/>
+          </a:ln>
+        </p:spPr>
+        <p:style>
+          <a:lnRef idx="1">
+            <a:schemeClr val="accent1"/>
+          </a:lnRef>
+          <a:fillRef idx="0">
+            <a:schemeClr val="accent1"/>
+          </a:fillRef>
+          <a:effectRef idx="0">
+            <a:schemeClr val="accent1"/>
+          </a:effectRef>
+          <a:fontRef idx="minor">
+            <a:schemeClr val="tx1"/>
+          </a:fontRef>
+        </p:style>
+      </p:cxnSp>
+      <p:cxnSp>
+        <p:nvCxnSpPr>
+          <p:cNvPr id="38" name="Straight Arrow Connector 37"/>
+          <p:cNvCxnSpPr>
+            <a:stCxn id="10" idx="1"/>
+          </p:cNvCxnSpPr>
+          <p:nvPr/>
+        </p:nvCxnSpPr>
+        <p:spPr>
+          <a:xfrm flipH="1" flipV="1">
+            <a:off x="821030" y="2390125"/>
+            <a:ext cx="2540058" cy="731077"/>
+          </a:xfrm>
+          <a:prstGeom prst="straightConnector1">
+            <a:avLst/>
+          </a:prstGeom>
+          <a:ln w="38100">
+            <a:solidFill>
+              <a:srgbClr val="FFFF00"/>
+            </a:solidFill>
+            <a:tailEnd type="triangle"/>
+          </a:ln>
+        </p:spPr>
+        <p:style>
+          <a:lnRef idx="1">
+            <a:schemeClr val="accent1"/>
+          </a:lnRef>
+          <a:fillRef idx="0">
+            <a:schemeClr val="accent1"/>
+          </a:fillRef>
+          <a:effectRef idx="0">
+            <a:schemeClr val="accent1"/>
+          </a:effectRef>
+          <a:fontRef idx="minor">
+            <a:schemeClr val="tx1"/>
+          </a:fontRef>
+        </p:style>
+      </p:cxnSp>
+      <p:sp>
+        <p:nvSpPr>
+          <p:cNvPr id="33" name="Cloud Callout 32"/>
+          <p:cNvSpPr/>
+          <p:nvPr/>
+        </p:nvSpPr>
+        <p:spPr>
+          <a:xfrm>
+            <a:off x="1106331" y="2048342"/>
+            <a:ext cx="934720" cy="653442"/>
+          </a:xfrm>
+          <a:prstGeom prst="cloudCallout">
+            <a:avLst>
+              <a:gd name="adj1" fmla="val 906"/>
+              <a:gd name="adj2" fmla="val -1249"/>
+            </a:avLst>
+          </a:prstGeom>
+          <a:solidFill>
+            <a:schemeClr val="tx1">
+              <a:lumMod val="50000"/>
+              <a:lumOff val="50000"/>
+            </a:schemeClr>
+          </a:solidFill>
+          <a:ln>
+            <a:noFill/>
+          </a:ln>
+        </p:spPr>
+        <p:style>
+          <a:lnRef idx="2">
+            <a:schemeClr val="accent1">
+              <a:shade val="50000"/>
+            </a:schemeClr>
+          </a:lnRef>
+          <a:fillRef idx="1">
+            <a:schemeClr val="accent1"/>
+          </a:fillRef>
+          <a:effectRef idx="0">
+            <a:schemeClr val="accent1"/>
+          </a:effectRef>
+          <a:fontRef idx="minor">
+            <a:schemeClr val="lt1"/>
+          </a:fontRef>
+        </p:style>
+        <p:txBody>
+          <a:bodyPr rtlCol="0" anchor="ctr"/>
+          <a:lstStyle/>
+          <a:p>
+            <a:pPr algn="ctr"/>
+            <a:endParaRPr lang="en-US"/>
+          </a:p>
+        </p:txBody>
+      </p:sp>
     </p:spTree>
     <p:extLst>
       <p:ext uri="{BB962C8B-B14F-4D97-AF65-F5344CB8AC3E}">

--- a/lectures/bigpicture.pptx
+++ b/lectures/bigpicture.pptx
@@ -5417,7 +5417,7 @@
         </p:nvSpPr>
         <p:spPr>
           <a:xfrm>
-            <a:off x="6827049" y="4102090"/>
+            <a:off x="6972877" y="3858321"/>
             <a:ext cx="1577009" cy="646266"/>
           </a:xfrm>
           <a:prstGeom prst="can">
@@ -5743,8 +5743,8 @@
         </p:nvCxnSpPr>
         <p:spPr>
           <a:xfrm flipH="1">
-            <a:off x="6221886" y="4425223"/>
-            <a:ext cx="605163" cy="435308"/>
+            <a:off x="6221886" y="4181454"/>
+            <a:ext cx="750991" cy="679077"/>
           </a:xfrm>
           <a:prstGeom prst="straightConnector1">
             <a:avLst/>
@@ -5963,7 +5963,7 @@
         <p:spPr>
           <a:xfrm flipH="1" flipV="1">
             <a:off x="6221886" y="4860531"/>
-            <a:ext cx="682363" cy="516834"/>
+            <a:ext cx="834679" cy="965286"/>
           </a:xfrm>
           <a:prstGeom prst="straightConnector1">
             <a:avLst/>
@@ -6076,7 +6076,7 @@
         </p:nvSpPr>
         <p:spPr>
           <a:xfrm>
-            <a:off x="6904249" y="5126522"/>
+            <a:off x="7056565" y="5574974"/>
             <a:ext cx="1357391" cy="501686"/>
           </a:xfrm>
           <a:prstGeom prst="roundRect">
@@ -6377,8 +6377,8 @@
         </p:nvCxnSpPr>
         <p:spPr>
           <a:xfrm flipH="1">
-            <a:off x="6435764" y="5377365"/>
-            <a:ext cx="468485" cy="485175"/>
+            <a:off x="6435764" y="5825817"/>
+            <a:ext cx="620801" cy="36723"/>
           </a:xfrm>
           <a:prstGeom prst="straightConnector1">
             <a:avLst/>
@@ -6593,6 +6593,125 @@
           </a:p>
         </p:txBody>
       </p:sp>
+      <p:sp>
+        <p:nvSpPr>
+          <p:cNvPr id="42" name="Rounded Rectangle 41"/>
+          <p:cNvSpPr/>
+          <p:nvPr/>
+        </p:nvSpPr>
+        <p:spPr>
+          <a:xfrm>
+            <a:off x="7233922" y="4865517"/>
+            <a:ext cx="1143960" cy="353513"/>
+          </a:xfrm>
+          <a:prstGeom prst="roundRect">
+            <a:avLst/>
+          </a:prstGeom>
+        </p:spPr>
+        <p:style>
+          <a:lnRef idx="1">
+            <a:schemeClr val="dk1"/>
+          </a:lnRef>
+          <a:fillRef idx="2">
+            <a:schemeClr val="dk1"/>
+          </a:fillRef>
+          <a:effectRef idx="1">
+            <a:schemeClr val="dk1"/>
+          </a:effectRef>
+          <a:fontRef idx="minor">
+            <a:schemeClr val="dk1"/>
+          </a:fontRef>
+        </p:style>
+        <p:txBody>
+          <a:bodyPr rtlCol="0" anchor="ctr"/>
+          <a:lstStyle/>
+          <a:p>
+            <a:pPr algn="ctr"/>
+            <a:r>
+              <a:rPr lang="en-US" sz="1600" smtClean="0"/>
+              <a:t>Migrations</a:t>
+            </a:r>
+            <a:endParaRPr lang="en-US" sz="1600" dirty="0" smtClean="0"/>
+          </a:p>
+        </p:txBody>
+      </p:sp>
+      <p:cxnSp>
+        <p:nvCxnSpPr>
+          <p:cNvPr id="43" name="Straight Arrow Connector 42"/>
+          <p:cNvCxnSpPr>
+            <a:stCxn id="76" idx="0"/>
+            <a:endCxn id="42" idx="2"/>
+          </p:cNvCxnSpPr>
+          <p:nvPr/>
+        </p:nvCxnSpPr>
+        <p:spPr>
+          <a:xfrm flipV="1">
+            <a:off x="7735261" y="5219030"/>
+            <a:ext cx="70641" cy="355944"/>
+          </a:xfrm>
+          <a:prstGeom prst="straightConnector1">
+            <a:avLst/>
+          </a:prstGeom>
+          <a:ln w="38100">
+            <a:solidFill>
+              <a:schemeClr val="tx1"/>
+            </a:solidFill>
+            <a:tailEnd type="triangle"/>
+          </a:ln>
+        </p:spPr>
+        <p:style>
+          <a:lnRef idx="1">
+            <a:schemeClr val="accent1"/>
+          </a:lnRef>
+          <a:fillRef idx="0">
+            <a:schemeClr val="accent1"/>
+          </a:fillRef>
+          <a:effectRef idx="0">
+            <a:schemeClr val="accent1"/>
+          </a:effectRef>
+          <a:fontRef idx="minor">
+            <a:schemeClr val="tx1"/>
+          </a:fontRef>
+        </p:style>
+      </p:cxnSp>
+      <p:cxnSp>
+        <p:nvCxnSpPr>
+          <p:cNvPr id="48" name="Straight Arrow Connector 47"/>
+          <p:cNvCxnSpPr>
+            <a:endCxn id="11" idx="3"/>
+          </p:cNvCxnSpPr>
+          <p:nvPr/>
+        </p:nvCxnSpPr>
+        <p:spPr>
+          <a:xfrm flipH="1" flipV="1">
+            <a:off x="7761382" y="4504587"/>
+            <a:ext cx="55467" cy="355943"/>
+          </a:xfrm>
+          <a:prstGeom prst="straightConnector1">
+            <a:avLst/>
+          </a:prstGeom>
+          <a:ln w="38100">
+            <a:solidFill>
+              <a:schemeClr val="tx1"/>
+            </a:solidFill>
+            <a:tailEnd type="triangle"/>
+          </a:ln>
+        </p:spPr>
+        <p:style>
+          <a:lnRef idx="1">
+            <a:schemeClr val="accent1"/>
+          </a:lnRef>
+          <a:fillRef idx="0">
+            <a:schemeClr val="accent1"/>
+          </a:fillRef>
+          <a:effectRef idx="0">
+            <a:schemeClr val="accent1"/>
+          </a:effectRef>
+          <a:fontRef idx="minor">
+            <a:schemeClr val="tx1"/>
+          </a:fontRef>
+        </p:style>
+      </p:cxnSp>
     </p:spTree>
     <p:extLst>
       <p:ext uri="{BB962C8B-B14F-4D97-AF65-F5344CB8AC3E}">

--- a/lectures/bigpicture.pptx
+++ b/lectures/bigpicture.pptx
@@ -199,7 +199,7 @@
           <a:p>
             <a:fld id="{C97B56FC-7D2E-F343-9D09-0D14B00AA564}" type="datetimeFigureOut">
               <a:rPr lang="en-US" smtClean="0"/>
-              <a:t>9/17/21</a:t>
+              <a:t>9/24/21</a:t>
             </a:fld>
             <a:endParaRPr lang="en-US"/>
           </a:p>
@@ -598,7 +598,7 @@
           <a:p>
             <a:fld id="{EEE7C04C-7AF8-1445-A186-502B631B934F}" type="datetimeFigureOut">
               <a:rPr lang="en-US" smtClean="0"/>
-              <a:t>9/17/21</a:t>
+              <a:t>9/24/21</a:t>
             </a:fld>
             <a:endParaRPr lang="en-US"/>
           </a:p>
@@ -763,7 +763,7 @@
           <a:p>
             <a:fld id="{EEE7C04C-7AF8-1445-A186-502B631B934F}" type="datetimeFigureOut">
               <a:rPr lang="en-US" smtClean="0"/>
-              <a:t>9/17/21</a:t>
+              <a:t>9/24/21</a:t>
             </a:fld>
             <a:endParaRPr lang="en-US"/>
           </a:p>
@@ -938,7 +938,7 @@
           <a:p>
             <a:fld id="{EEE7C04C-7AF8-1445-A186-502B631B934F}" type="datetimeFigureOut">
               <a:rPr lang="en-US" smtClean="0"/>
-              <a:t>9/17/21</a:t>
+              <a:t>9/24/21</a:t>
             </a:fld>
             <a:endParaRPr lang="en-US"/>
           </a:p>
@@ -1103,7 +1103,7 @@
           <a:p>
             <a:fld id="{EEE7C04C-7AF8-1445-A186-502B631B934F}" type="datetimeFigureOut">
               <a:rPr lang="en-US" smtClean="0"/>
-              <a:t>9/17/21</a:t>
+              <a:t>9/24/21</a:t>
             </a:fld>
             <a:endParaRPr lang="en-US"/>
           </a:p>
@@ -1344,7 +1344,7 @@
           <a:p>
             <a:fld id="{EEE7C04C-7AF8-1445-A186-502B631B934F}" type="datetimeFigureOut">
               <a:rPr lang="en-US" smtClean="0"/>
-              <a:t>9/17/21</a:t>
+              <a:t>9/24/21</a:t>
             </a:fld>
             <a:endParaRPr lang="en-US"/>
           </a:p>
@@ -1571,7 +1571,7 @@
           <a:p>
             <a:fld id="{EEE7C04C-7AF8-1445-A186-502B631B934F}" type="datetimeFigureOut">
               <a:rPr lang="en-US" smtClean="0"/>
-              <a:t>9/17/21</a:t>
+              <a:t>9/24/21</a:t>
             </a:fld>
             <a:endParaRPr lang="en-US"/>
           </a:p>
@@ -1933,7 +1933,7 @@
           <a:p>
             <a:fld id="{EEE7C04C-7AF8-1445-A186-502B631B934F}" type="datetimeFigureOut">
               <a:rPr lang="en-US" smtClean="0"/>
-              <a:t>9/17/21</a:t>
+              <a:t>9/24/21</a:t>
             </a:fld>
             <a:endParaRPr lang="en-US"/>
           </a:p>
@@ -2046,7 +2046,7 @@
           <a:p>
             <a:fld id="{EEE7C04C-7AF8-1445-A186-502B631B934F}" type="datetimeFigureOut">
               <a:rPr lang="en-US" smtClean="0"/>
-              <a:t>9/17/21</a:t>
+              <a:t>9/24/21</a:t>
             </a:fld>
             <a:endParaRPr lang="en-US"/>
           </a:p>
@@ -2136,7 +2136,7 @@
           <a:p>
             <a:fld id="{EEE7C04C-7AF8-1445-A186-502B631B934F}" type="datetimeFigureOut">
               <a:rPr lang="en-US" smtClean="0"/>
-              <a:t>9/17/21</a:t>
+              <a:t>9/24/21</a:t>
             </a:fld>
             <a:endParaRPr lang="en-US"/>
           </a:p>
@@ -2408,7 +2408,7 @@
           <a:p>
             <a:fld id="{EEE7C04C-7AF8-1445-A186-502B631B934F}" type="datetimeFigureOut">
               <a:rPr lang="en-US" smtClean="0"/>
-              <a:t>9/17/21</a:t>
+              <a:t>9/24/21</a:t>
             </a:fld>
             <a:endParaRPr lang="en-US"/>
           </a:p>
@@ -2660,7 +2660,7 @@
           <a:p>
             <a:fld id="{EEE7C04C-7AF8-1445-A186-502B631B934F}" type="datetimeFigureOut">
               <a:rPr lang="en-US" smtClean="0"/>
-              <a:t>9/17/21</a:t>
+              <a:t>9/24/21</a:t>
             </a:fld>
             <a:endParaRPr lang="en-US"/>
           </a:p>
@@ -2868,7 +2868,7 @@
           <a:p>
             <a:fld id="{EEE7C04C-7AF8-1445-A186-502B631B934F}" type="datetimeFigureOut">
               <a:rPr lang="en-US" smtClean="0"/>
-              <a:t>9/17/21</a:t>
+              <a:t>9/24/21</a:t>
             </a:fld>
             <a:endParaRPr lang="en-US"/>
           </a:p>
@@ -3275,14 +3275,14 @@
       </p:grpSpPr>
       <p:sp>
         <p:nvSpPr>
-          <p:cNvPr id="5" name="Rectangle 4"/>
+          <p:cNvPr id="4" name="Rectangle 3"/>
           <p:cNvSpPr/>
           <p:nvPr/>
         </p:nvSpPr>
         <p:spPr>
           <a:xfrm>
-            <a:off x="5272088" y="278098"/>
-            <a:ext cx="6676896" cy="6347791"/>
+            <a:off x="873960" y="278098"/>
+            <a:ext cx="2465935" cy="6347791"/>
           </a:xfrm>
           <a:prstGeom prst="rect">
             <a:avLst/>
@@ -3316,910 +3316,12 @@
             <a:pPr algn="r"/>
             <a:r>
               <a:rPr lang="en-US" dirty="0" smtClean="0"/>
-              <a:t>Linux</a:t>
+              <a:t>Browser</a:t>
             </a:r>
             <a:endParaRPr lang="en-US" dirty="0"/>
           </a:p>
         </p:txBody>
       </p:sp>
-      <p:sp>
-        <p:nvSpPr>
-          <p:cNvPr id="4" name="Rectangle 3"/>
-          <p:cNvSpPr/>
-          <p:nvPr/>
-        </p:nvSpPr>
-        <p:spPr>
-          <a:xfrm>
-            <a:off x="873960" y="278098"/>
-            <a:ext cx="2465935" cy="6347791"/>
-          </a:xfrm>
-          <a:prstGeom prst="rect">
-            <a:avLst/>
-          </a:prstGeom>
-          <a:ln w="38100">
-            <a:solidFill>
-              <a:schemeClr val="tx1"/>
-            </a:solidFill>
-          </a:ln>
-        </p:spPr>
-        <p:style>
-          <a:lnRef idx="2">
-            <a:schemeClr val="accent1">
-              <a:shade val="50000"/>
-            </a:schemeClr>
-          </a:lnRef>
-          <a:fillRef idx="1">
-            <a:schemeClr val="accent1"/>
-          </a:fillRef>
-          <a:effectRef idx="0">
-            <a:schemeClr val="accent1"/>
-          </a:effectRef>
-          <a:fontRef idx="minor">
-            <a:schemeClr val="lt1"/>
-          </a:fontRef>
-        </p:style>
-        <p:txBody>
-          <a:bodyPr rtlCol="0" anchor="t"/>
-          <a:lstStyle/>
-          <a:p>
-            <a:pPr algn="r"/>
-            <a:r>
-              <a:rPr lang="en-US" dirty="0" smtClean="0"/>
-              <a:t>Browser</a:t>
-            </a:r>
-            <a:endParaRPr lang="en-US" dirty="0"/>
-          </a:p>
-        </p:txBody>
-      </p:sp>
-      <p:sp>
-        <p:nvSpPr>
-          <p:cNvPr id="6" name="Rectangle 5"/>
-          <p:cNvSpPr/>
-          <p:nvPr/>
-        </p:nvSpPr>
-        <p:spPr>
-          <a:xfrm>
-            <a:off x="5987216" y="870579"/>
-            <a:ext cx="5702276" cy="5548575"/>
-          </a:xfrm>
-          <a:prstGeom prst="rect">
-            <a:avLst/>
-          </a:prstGeom>
-          <a:solidFill>
-            <a:srgbClr val="002060"/>
-          </a:solidFill>
-          <a:ln w="38100">
-            <a:solidFill>
-              <a:schemeClr val="bg1"/>
-            </a:solidFill>
-          </a:ln>
-        </p:spPr>
-        <p:style>
-          <a:lnRef idx="2">
-            <a:schemeClr val="accent1">
-              <a:shade val="50000"/>
-            </a:schemeClr>
-          </a:lnRef>
-          <a:fillRef idx="1">
-            <a:schemeClr val="accent1"/>
-          </a:fillRef>
-          <a:effectRef idx="0">
-            <a:schemeClr val="accent1"/>
-          </a:effectRef>
-          <a:fontRef idx="minor">
-            <a:schemeClr val="lt1"/>
-          </a:fontRef>
-        </p:style>
-        <p:txBody>
-          <a:bodyPr rtlCol="0" anchor="t"/>
-          <a:lstStyle/>
-          <a:p>
-            <a:pPr algn="r"/>
-            <a:r>
-              <a:rPr lang="en-US" dirty="0" smtClean="0"/>
-              <a:t>Django</a:t>
-            </a:r>
-            <a:endParaRPr lang="en-US" dirty="0"/>
-          </a:p>
-        </p:txBody>
-      </p:sp>
-      <p:sp>
-        <p:nvSpPr>
-          <p:cNvPr id="7" name="TextBox 6"/>
-          <p:cNvSpPr txBox="1"/>
-          <p:nvPr/>
-        </p:nvSpPr>
-        <p:spPr>
-          <a:xfrm>
-            <a:off x="5987216" y="404858"/>
-            <a:ext cx="1295291" cy="369332"/>
-          </a:xfrm>
-          <a:prstGeom prst="rect">
-            <a:avLst/>
-          </a:prstGeom>
-          <a:solidFill>
-            <a:schemeClr val="bg1"/>
-          </a:solidFill>
-        </p:spPr>
-        <p:txBody>
-          <a:bodyPr wrap="none" rtlCol="0">
-            <a:spAutoFit/>
-          </a:bodyPr>
-          <a:lstStyle/>
-          <a:p>
-            <a:r>
-              <a:rPr lang="en-US" dirty="0" err="1" smtClean="0"/>
-              <a:t>WGSIConfig</a:t>
-            </a:r>
-            <a:endParaRPr lang="en-US" dirty="0"/>
-          </a:p>
-        </p:txBody>
-      </p:sp>
-      <p:sp>
-        <p:nvSpPr>
-          <p:cNvPr id="9" name="Rounded Rectangle 8"/>
-          <p:cNvSpPr/>
-          <p:nvPr/>
-        </p:nvSpPr>
-        <p:spPr>
-          <a:xfrm>
-            <a:off x="6347167" y="1101696"/>
-            <a:ext cx="1086678" cy="1033669"/>
-          </a:xfrm>
-          <a:prstGeom prst="roundRect">
-            <a:avLst/>
-          </a:prstGeom>
-          <a:solidFill>
-            <a:srgbClr val="0070C0"/>
-          </a:solidFill>
-        </p:spPr>
-        <p:style>
-          <a:lnRef idx="1">
-            <a:schemeClr val="dk1"/>
-          </a:lnRef>
-          <a:fillRef idx="2">
-            <a:schemeClr val="dk1"/>
-          </a:fillRef>
-          <a:effectRef idx="1">
-            <a:schemeClr val="dk1"/>
-          </a:effectRef>
-          <a:fontRef idx="minor">
-            <a:schemeClr val="dk1"/>
-          </a:fontRef>
-        </p:style>
-        <p:txBody>
-          <a:bodyPr rtlCol="0" anchor="ctr"/>
-          <a:lstStyle/>
-          <a:p>
-            <a:pPr algn="ctr"/>
-            <a:r>
-              <a:rPr lang="en-US" smtClean="0">
-                <a:solidFill>
-                  <a:schemeClr val="bg1"/>
-                </a:solidFill>
-              </a:rPr>
-              <a:t>Routing</a:t>
-            </a:r>
-            <a:endParaRPr lang="en-US">
-              <a:solidFill>
-                <a:schemeClr val="bg1"/>
-              </a:solidFill>
-            </a:endParaRPr>
-          </a:p>
-        </p:txBody>
-      </p:sp>
-      <p:sp>
-        <p:nvSpPr>
-          <p:cNvPr id="10" name="Rounded Rectangle 9"/>
-          <p:cNvSpPr/>
-          <p:nvPr/>
-        </p:nvSpPr>
-        <p:spPr>
-          <a:xfrm>
-            <a:off x="6347167" y="2675805"/>
-            <a:ext cx="1086678" cy="1033669"/>
-          </a:xfrm>
-          <a:prstGeom prst="roundRect">
-            <a:avLst/>
-          </a:prstGeom>
-          <a:solidFill>
-            <a:srgbClr val="FF7F00"/>
-          </a:solidFill>
-        </p:spPr>
-        <p:style>
-          <a:lnRef idx="1">
-            <a:schemeClr val="dk1"/>
-          </a:lnRef>
-          <a:fillRef idx="2">
-            <a:schemeClr val="dk1"/>
-          </a:fillRef>
-          <a:effectRef idx="1">
-            <a:schemeClr val="dk1"/>
-          </a:effectRef>
-          <a:fontRef idx="minor">
-            <a:schemeClr val="dk1"/>
-          </a:fontRef>
-        </p:style>
-        <p:txBody>
-          <a:bodyPr rtlCol="0" anchor="ctr"/>
-          <a:lstStyle/>
-          <a:p>
-            <a:pPr algn="ctr"/>
-            <a:r>
-              <a:rPr lang="en-US" dirty="0" smtClean="0">
-                <a:solidFill>
-                  <a:schemeClr val="bg1"/>
-                </a:solidFill>
-              </a:rPr>
-              <a:t>Views</a:t>
-            </a:r>
-            <a:endParaRPr lang="en-US" dirty="0">
-              <a:solidFill>
-                <a:schemeClr val="bg1"/>
-              </a:solidFill>
-            </a:endParaRPr>
-          </a:p>
-        </p:txBody>
-      </p:sp>
-      <p:sp>
-        <p:nvSpPr>
-          <p:cNvPr id="11" name="Can 10"/>
-          <p:cNvSpPr/>
-          <p:nvPr/>
-        </p:nvSpPr>
-        <p:spPr>
-          <a:xfrm>
-            <a:off x="9813128" y="4173528"/>
-            <a:ext cx="1577009" cy="646266"/>
-          </a:xfrm>
-          <a:prstGeom prst="can">
-            <a:avLst/>
-          </a:prstGeom>
-          <a:solidFill>
-            <a:srgbClr val="0070C0"/>
-          </a:solidFill>
-        </p:spPr>
-        <p:style>
-          <a:lnRef idx="2">
-            <a:schemeClr val="accent1">
-              <a:shade val="50000"/>
-            </a:schemeClr>
-          </a:lnRef>
-          <a:fillRef idx="1">
-            <a:schemeClr val="accent1"/>
-          </a:fillRef>
-          <a:effectRef idx="0">
-            <a:schemeClr val="accent1"/>
-          </a:effectRef>
-          <a:fontRef idx="minor">
-            <a:schemeClr val="lt1"/>
-          </a:fontRef>
-        </p:style>
-        <p:txBody>
-          <a:bodyPr rtlCol="0" anchor="ctr"/>
-          <a:lstStyle/>
-          <a:p>
-            <a:pPr algn="ctr"/>
-            <a:r>
-              <a:rPr lang="en-US" dirty="0" smtClean="0"/>
-              <a:t>Database</a:t>
-            </a:r>
-            <a:endParaRPr lang="en-US" dirty="0"/>
-          </a:p>
-        </p:txBody>
-      </p:sp>
-      <p:sp>
-        <p:nvSpPr>
-          <p:cNvPr id="13" name="Rounded Rectangle 12"/>
-          <p:cNvSpPr/>
-          <p:nvPr/>
-        </p:nvSpPr>
-        <p:spPr>
-          <a:xfrm>
-            <a:off x="10090027" y="2904193"/>
-            <a:ext cx="1367113" cy="516836"/>
-          </a:xfrm>
-          <a:prstGeom prst="roundRect">
-            <a:avLst/>
-          </a:prstGeom>
-        </p:spPr>
-        <p:style>
-          <a:lnRef idx="1">
-            <a:schemeClr val="dk1"/>
-          </a:lnRef>
-          <a:fillRef idx="2">
-            <a:schemeClr val="dk1"/>
-          </a:fillRef>
-          <a:effectRef idx="1">
-            <a:schemeClr val="dk1"/>
-          </a:effectRef>
-          <a:fontRef idx="minor">
-            <a:schemeClr val="dk1"/>
-          </a:fontRef>
-        </p:style>
-        <p:txBody>
-          <a:bodyPr rtlCol="0" anchor="ctr"/>
-          <a:lstStyle/>
-          <a:p>
-            <a:pPr algn="ctr"/>
-            <a:r>
-              <a:rPr lang="en-US" smtClean="0"/>
-              <a:t>Templates</a:t>
-            </a:r>
-            <a:endParaRPr lang="en-US" dirty="0" smtClean="0"/>
-          </a:p>
-        </p:txBody>
-      </p:sp>
-      <p:sp>
-        <p:nvSpPr>
-          <p:cNvPr id="16" name="Rounded Rectangle 15"/>
-          <p:cNvSpPr/>
-          <p:nvPr/>
-        </p:nvSpPr>
-        <p:spPr>
-          <a:xfrm>
-            <a:off x="7933975" y="404637"/>
-            <a:ext cx="1603514" cy="369554"/>
-          </a:xfrm>
-          <a:prstGeom prst="roundRect">
-            <a:avLst/>
-          </a:prstGeom>
-        </p:spPr>
-        <p:style>
-          <a:lnRef idx="1">
-            <a:schemeClr val="dk1"/>
-          </a:lnRef>
-          <a:fillRef idx="2">
-            <a:schemeClr val="dk1"/>
-          </a:fillRef>
-          <a:effectRef idx="1">
-            <a:schemeClr val="dk1"/>
-          </a:effectRef>
-          <a:fontRef idx="minor">
-            <a:schemeClr val="dk1"/>
-          </a:fontRef>
-        </p:style>
-        <p:txBody>
-          <a:bodyPr rtlCol="0" anchor="ctr"/>
-          <a:lstStyle/>
-          <a:p>
-            <a:pPr algn="ctr"/>
-            <a:r>
-              <a:rPr lang="en-US" smtClean="0"/>
-              <a:t>settings.py</a:t>
-            </a:r>
-            <a:endParaRPr lang="en-US" dirty="0"/>
-          </a:p>
-        </p:txBody>
-      </p:sp>
-      <p:cxnSp>
-        <p:nvCxnSpPr>
-          <p:cNvPr id="21" name="Straight Arrow Connector 20"/>
-          <p:cNvCxnSpPr/>
-          <p:nvPr/>
-        </p:nvCxnSpPr>
-        <p:spPr>
-          <a:xfrm flipH="1">
-            <a:off x="7208365" y="589414"/>
-            <a:ext cx="725611" cy="110"/>
-          </a:xfrm>
-          <a:prstGeom prst="straightConnector1">
-            <a:avLst/>
-          </a:prstGeom>
-          <a:ln w="38100">
-            <a:solidFill>
-              <a:schemeClr val="tx1"/>
-            </a:solidFill>
-            <a:tailEnd type="triangle"/>
-          </a:ln>
-        </p:spPr>
-        <p:style>
-          <a:lnRef idx="1">
-            <a:schemeClr val="accent1"/>
-          </a:lnRef>
-          <a:fillRef idx="0">
-            <a:schemeClr val="accent1"/>
-          </a:fillRef>
-          <a:effectRef idx="0">
-            <a:schemeClr val="accent1"/>
-          </a:effectRef>
-          <a:fontRef idx="minor">
-            <a:schemeClr val="tx1"/>
-          </a:fontRef>
-        </p:style>
-      </p:cxnSp>
-      <p:cxnSp>
-        <p:nvCxnSpPr>
-          <p:cNvPr id="28" name="Straight Arrow Connector 27"/>
-          <p:cNvCxnSpPr>
-            <a:stCxn id="15" idx="1"/>
-            <a:endCxn id="9" idx="3"/>
-          </p:cNvCxnSpPr>
-          <p:nvPr/>
-        </p:nvCxnSpPr>
-        <p:spPr>
-          <a:xfrm flipH="1">
-            <a:off x="7433845" y="1610800"/>
-            <a:ext cx="1404867" cy="7731"/>
-          </a:xfrm>
-          <a:prstGeom prst="straightConnector1">
-            <a:avLst/>
-          </a:prstGeom>
-          <a:ln w="38100">
-            <a:solidFill>
-              <a:schemeClr val="tx1"/>
-            </a:solidFill>
-            <a:tailEnd type="triangle"/>
-          </a:ln>
-        </p:spPr>
-        <p:style>
-          <a:lnRef idx="1">
-            <a:schemeClr val="accent1"/>
-          </a:lnRef>
-          <a:fillRef idx="0">
-            <a:schemeClr val="accent1"/>
-          </a:fillRef>
-          <a:effectRef idx="0">
-            <a:schemeClr val="accent1"/>
-          </a:effectRef>
-          <a:fontRef idx="minor">
-            <a:schemeClr val="tx1"/>
-          </a:fontRef>
-        </p:style>
-      </p:cxnSp>
-      <p:cxnSp>
-        <p:nvCxnSpPr>
-          <p:cNvPr id="31" name="Straight Arrow Connector 30"/>
-          <p:cNvCxnSpPr>
-            <a:stCxn id="24" idx="1"/>
-            <a:endCxn id="10" idx="3"/>
-          </p:cNvCxnSpPr>
-          <p:nvPr/>
-        </p:nvCxnSpPr>
-        <p:spPr>
-          <a:xfrm flipH="1">
-            <a:off x="7433845" y="2574964"/>
-            <a:ext cx="1025979" cy="617676"/>
-          </a:xfrm>
-          <a:prstGeom prst="straightConnector1">
-            <a:avLst/>
-          </a:prstGeom>
-          <a:ln w="38100">
-            <a:solidFill>
-              <a:schemeClr val="tx1"/>
-            </a:solidFill>
-            <a:tailEnd type="triangle"/>
-          </a:ln>
-        </p:spPr>
-        <p:style>
-          <a:lnRef idx="1">
-            <a:schemeClr val="accent1"/>
-          </a:lnRef>
-          <a:fillRef idx="0">
-            <a:schemeClr val="accent1"/>
-          </a:fillRef>
-          <a:effectRef idx="0">
-            <a:schemeClr val="accent1"/>
-          </a:effectRef>
-          <a:fontRef idx="minor">
-            <a:schemeClr val="tx1"/>
-          </a:fontRef>
-        </p:style>
-      </p:cxnSp>
-      <p:cxnSp>
-        <p:nvCxnSpPr>
-          <p:cNvPr id="34" name="Straight Arrow Connector 33"/>
-          <p:cNvCxnSpPr>
-            <a:stCxn id="13" idx="1"/>
-            <a:endCxn id="10" idx="3"/>
-          </p:cNvCxnSpPr>
-          <p:nvPr/>
-        </p:nvCxnSpPr>
-        <p:spPr>
-          <a:xfrm flipH="1">
-            <a:off x="7433845" y="3162611"/>
-            <a:ext cx="2656182" cy="30029"/>
-          </a:xfrm>
-          <a:prstGeom prst="straightConnector1">
-            <a:avLst/>
-          </a:prstGeom>
-          <a:ln w="38100">
-            <a:solidFill>
-              <a:schemeClr val="tx1"/>
-            </a:solidFill>
-            <a:tailEnd type="triangle"/>
-          </a:ln>
-        </p:spPr>
-        <p:style>
-          <a:lnRef idx="1">
-            <a:schemeClr val="accent1"/>
-          </a:lnRef>
-          <a:fillRef idx="0">
-            <a:schemeClr val="accent1"/>
-          </a:fillRef>
-          <a:effectRef idx="0">
-            <a:schemeClr val="accent1"/>
-          </a:effectRef>
-          <a:fontRef idx="minor">
-            <a:schemeClr val="tx1"/>
-          </a:fontRef>
-        </p:style>
-      </p:cxnSp>
-      <p:cxnSp>
-        <p:nvCxnSpPr>
-          <p:cNvPr id="37" name="Straight Arrow Connector 36"/>
-          <p:cNvCxnSpPr>
-            <a:stCxn id="14" idx="1"/>
-            <a:endCxn id="10" idx="3"/>
-          </p:cNvCxnSpPr>
-          <p:nvPr/>
-        </p:nvCxnSpPr>
-        <p:spPr>
-          <a:xfrm flipH="1" flipV="1">
-            <a:off x="7433845" y="3192640"/>
-            <a:ext cx="1025979" cy="523310"/>
-          </a:xfrm>
-          <a:prstGeom prst="straightConnector1">
-            <a:avLst/>
-          </a:prstGeom>
-          <a:ln w="38100">
-            <a:solidFill>
-              <a:schemeClr val="tx1"/>
-            </a:solidFill>
-            <a:tailEnd type="triangle"/>
-          </a:ln>
-        </p:spPr>
-        <p:style>
-          <a:lnRef idx="1">
-            <a:schemeClr val="accent1"/>
-          </a:lnRef>
-          <a:fillRef idx="0">
-            <a:schemeClr val="accent1"/>
-          </a:fillRef>
-          <a:effectRef idx="0">
-            <a:schemeClr val="accent1"/>
-          </a:effectRef>
-          <a:fontRef idx="minor">
-            <a:schemeClr val="tx1"/>
-          </a:fontRef>
-        </p:style>
-      </p:cxnSp>
-      <p:cxnSp>
-        <p:nvCxnSpPr>
-          <p:cNvPr id="40" name="Straight Arrow Connector 39"/>
-          <p:cNvCxnSpPr>
-            <a:stCxn id="11" idx="2"/>
-            <a:endCxn id="49" idx="3"/>
-          </p:cNvCxnSpPr>
-          <p:nvPr/>
-        </p:nvCxnSpPr>
-        <p:spPr>
-          <a:xfrm flipH="1">
-            <a:off x="9207965" y="4496661"/>
-            <a:ext cx="605163" cy="435308"/>
-          </a:xfrm>
-          <a:prstGeom prst="straightConnector1">
-            <a:avLst/>
-          </a:prstGeom>
-          <a:ln w="38100">
-            <a:solidFill>
-              <a:schemeClr val="tx1"/>
-            </a:solidFill>
-            <a:headEnd type="triangle" w="med" len="med"/>
-            <a:tailEnd type="triangle" w="med" len="med"/>
-          </a:ln>
-        </p:spPr>
-        <p:style>
-          <a:lnRef idx="1">
-            <a:schemeClr val="accent1"/>
-          </a:lnRef>
-          <a:fillRef idx="0">
-            <a:schemeClr val="accent1"/>
-          </a:fillRef>
-          <a:effectRef idx="0">
-            <a:schemeClr val="accent1"/>
-          </a:effectRef>
-          <a:fontRef idx="minor">
-            <a:schemeClr val="tx1"/>
-          </a:fontRef>
-        </p:style>
-      </p:cxnSp>
-      <p:sp>
-        <p:nvSpPr>
-          <p:cNvPr id="15" name="Rounded Rectangle 14"/>
-          <p:cNvSpPr/>
-          <p:nvPr/>
-        </p:nvSpPr>
-        <p:spPr>
-          <a:xfrm>
-            <a:off x="8838712" y="1385733"/>
-            <a:ext cx="1439996" cy="450133"/>
-          </a:xfrm>
-          <a:prstGeom prst="roundRect">
-            <a:avLst/>
-          </a:prstGeom>
-        </p:spPr>
-        <p:style>
-          <a:lnRef idx="1">
-            <a:schemeClr val="dk1"/>
-          </a:lnRef>
-          <a:fillRef idx="2">
-            <a:schemeClr val="dk1"/>
-          </a:fillRef>
-          <a:effectRef idx="1">
-            <a:schemeClr val="dk1"/>
-          </a:effectRef>
-          <a:fontRef idx="minor">
-            <a:schemeClr val="dk1"/>
-          </a:fontRef>
-        </p:style>
-        <p:txBody>
-          <a:bodyPr rtlCol="0" anchor="ctr"/>
-          <a:lstStyle/>
-          <a:p>
-            <a:pPr algn="ctr"/>
-            <a:r>
-              <a:rPr lang="en-US" dirty="0" err="1" smtClean="0"/>
-              <a:t>urls.py</a:t>
-            </a:r>
-            <a:endParaRPr lang="en-US" dirty="0"/>
-          </a:p>
-        </p:txBody>
-      </p:sp>
-      <p:sp>
-        <p:nvSpPr>
-          <p:cNvPr id="24" name="Rounded Rectangle 23"/>
-          <p:cNvSpPr/>
-          <p:nvPr/>
-        </p:nvSpPr>
-        <p:spPr>
-          <a:xfrm>
-            <a:off x="8459824" y="2316546"/>
-            <a:ext cx="1308844" cy="516836"/>
-          </a:xfrm>
-          <a:prstGeom prst="roundRect">
-            <a:avLst/>
-          </a:prstGeom>
-        </p:spPr>
-        <p:style>
-          <a:lnRef idx="1">
-            <a:schemeClr val="dk1"/>
-          </a:lnRef>
-          <a:fillRef idx="2">
-            <a:schemeClr val="dk1"/>
-          </a:fillRef>
-          <a:effectRef idx="1">
-            <a:schemeClr val="dk1"/>
-          </a:effectRef>
-          <a:fontRef idx="minor">
-            <a:schemeClr val="dk1"/>
-          </a:fontRef>
-        </p:style>
-        <p:txBody>
-          <a:bodyPr rtlCol="0" anchor="ctr"/>
-          <a:lstStyle/>
-          <a:p>
-            <a:pPr algn="ctr"/>
-            <a:r>
-              <a:rPr lang="en-US" dirty="0" err="1" smtClean="0"/>
-              <a:t>views.py</a:t>
-            </a:r>
-            <a:endParaRPr lang="en-US" dirty="0" smtClean="0"/>
-          </a:p>
-        </p:txBody>
-      </p:sp>
-      <p:sp>
-        <p:nvSpPr>
-          <p:cNvPr id="14" name="Rounded Rectangle 13"/>
-          <p:cNvSpPr/>
-          <p:nvPr/>
-        </p:nvSpPr>
-        <p:spPr>
-          <a:xfrm>
-            <a:off x="8459824" y="3465107"/>
-            <a:ext cx="1355820" cy="501686"/>
-          </a:xfrm>
-          <a:prstGeom prst="roundRect">
-            <a:avLst/>
-          </a:prstGeom>
-        </p:spPr>
-        <p:style>
-          <a:lnRef idx="1">
-            <a:schemeClr val="dk1"/>
-          </a:lnRef>
-          <a:fillRef idx="2">
-            <a:schemeClr val="dk1"/>
-          </a:fillRef>
-          <a:effectRef idx="1">
-            <a:schemeClr val="dk1"/>
-          </a:effectRef>
-          <a:fontRef idx="minor">
-            <a:schemeClr val="dk1"/>
-          </a:fontRef>
-        </p:style>
-        <p:txBody>
-          <a:bodyPr rtlCol="0" anchor="ctr"/>
-          <a:lstStyle/>
-          <a:p>
-            <a:pPr algn="ctr"/>
-            <a:r>
-              <a:rPr lang="en-US" dirty="0" err="1" smtClean="0"/>
-              <a:t>forms.py</a:t>
-            </a:r>
-            <a:endParaRPr lang="en-US" dirty="0"/>
-          </a:p>
-        </p:txBody>
-      </p:sp>
-      <p:sp>
-        <p:nvSpPr>
-          <p:cNvPr id="49" name="Rounded Rectangle 48"/>
-          <p:cNvSpPr/>
-          <p:nvPr/>
-        </p:nvSpPr>
-        <p:spPr>
-          <a:xfrm>
-            <a:off x="8121287" y="4415134"/>
-            <a:ext cx="1086678" cy="1033669"/>
-          </a:xfrm>
-          <a:prstGeom prst="roundRect">
-            <a:avLst/>
-          </a:prstGeom>
-          <a:solidFill>
-            <a:srgbClr val="0070C0"/>
-          </a:solidFill>
-        </p:spPr>
-        <p:style>
-          <a:lnRef idx="1">
-            <a:schemeClr val="dk1"/>
-          </a:lnRef>
-          <a:fillRef idx="2">
-            <a:schemeClr val="dk1"/>
-          </a:fillRef>
-          <a:effectRef idx="1">
-            <a:schemeClr val="dk1"/>
-          </a:effectRef>
-          <a:fontRef idx="minor">
-            <a:schemeClr val="dk1"/>
-          </a:fontRef>
-        </p:style>
-        <p:txBody>
-          <a:bodyPr rtlCol="0" anchor="ctr"/>
-          <a:lstStyle/>
-          <a:p>
-            <a:pPr algn="ctr"/>
-            <a:r>
-              <a:rPr lang="en-US" dirty="0" smtClean="0">
-                <a:solidFill>
-                  <a:schemeClr val="bg1"/>
-                </a:solidFill>
-              </a:rPr>
-              <a:t>Models</a:t>
-            </a:r>
-            <a:endParaRPr lang="en-US" dirty="0">
-              <a:solidFill>
-                <a:schemeClr val="bg1"/>
-              </a:solidFill>
-            </a:endParaRPr>
-          </a:p>
-        </p:txBody>
-      </p:sp>
-      <p:cxnSp>
-        <p:nvCxnSpPr>
-          <p:cNvPr id="56" name="Straight Arrow Connector 55"/>
-          <p:cNvCxnSpPr>
-            <a:stCxn id="76" idx="1"/>
-            <a:endCxn id="49" idx="3"/>
-          </p:cNvCxnSpPr>
-          <p:nvPr/>
-        </p:nvCxnSpPr>
-        <p:spPr>
-          <a:xfrm flipH="1" flipV="1">
-            <a:off x="9207965" y="4931969"/>
-            <a:ext cx="682363" cy="516834"/>
-          </a:xfrm>
-          <a:prstGeom prst="straightConnector1">
-            <a:avLst/>
-          </a:prstGeom>
-          <a:ln w="38100">
-            <a:solidFill>
-              <a:schemeClr val="tx1"/>
-            </a:solidFill>
-            <a:tailEnd type="triangle"/>
-          </a:ln>
-        </p:spPr>
-        <p:style>
-          <a:lnRef idx="1">
-            <a:schemeClr val="accent1"/>
-          </a:lnRef>
-          <a:fillRef idx="0">
-            <a:schemeClr val="accent1"/>
-          </a:fillRef>
-          <a:effectRef idx="0">
-            <a:schemeClr val="accent1"/>
-          </a:effectRef>
-          <a:fontRef idx="minor">
-            <a:schemeClr val="tx1"/>
-          </a:fontRef>
-        </p:style>
-      </p:cxnSp>
-      <p:cxnSp>
-        <p:nvCxnSpPr>
-          <p:cNvPr id="60" name="Straight Arrow Connector 59"/>
-          <p:cNvCxnSpPr>
-            <a:endCxn id="10" idx="0"/>
-          </p:cNvCxnSpPr>
-          <p:nvPr/>
-        </p:nvCxnSpPr>
-        <p:spPr>
-          <a:xfrm>
-            <a:off x="6890506" y="2135365"/>
-            <a:ext cx="0" cy="540440"/>
-          </a:xfrm>
-          <a:prstGeom prst="straightConnector1">
-            <a:avLst/>
-          </a:prstGeom>
-          <a:ln w="38100">
-            <a:solidFill>
-              <a:srgbClr val="FFFF00"/>
-            </a:solidFill>
-            <a:tailEnd type="triangle"/>
-          </a:ln>
-        </p:spPr>
-        <p:style>
-          <a:lnRef idx="1">
-            <a:schemeClr val="accent1"/>
-          </a:lnRef>
-          <a:fillRef idx="0">
-            <a:schemeClr val="accent1"/>
-          </a:fillRef>
-          <a:effectRef idx="0">
-            <a:schemeClr val="accent1"/>
-          </a:effectRef>
-          <a:fontRef idx="minor">
-            <a:schemeClr val="tx1"/>
-          </a:fontRef>
-        </p:style>
-      </p:cxnSp>
-      <p:cxnSp>
-        <p:nvCxnSpPr>
-          <p:cNvPr id="64" name="Straight Arrow Connector 63"/>
-          <p:cNvCxnSpPr>
-            <a:stCxn id="49" idx="0"/>
-            <a:endCxn id="10" idx="2"/>
-          </p:cNvCxnSpPr>
-          <p:nvPr/>
-        </p:nvCxnSpPr>
-        <p:spPr>
-          <a:xfrm flipH="1" flipV="1">
-            <a:off x="6890506" y="3709474"/>
-            <a:ext cx="1774120" cy="705660"/>
-          </a:xfrm>
-          <a:prstGeom prst="straightConnector1">
-            <a:avLst/>
-          </a:prstGeom>
-          <a:ln w="38100">
-            <a:solidFill>
-              <a:schemeClr val="tx1"/>
-            </a:solidFill>
-            <a:headEnd type="triangle" w="med" len="med"/>
-            <a:tailEnd type="triangle" w="med" len="med"/>
-          </a:ln>
-        </p:spPr>
-        <p:style>
-          <a:lnRef idx="1">
-            <a:schemeClr val="accent1"/>
-          </a:lnRef>
-          <a:fillRef idx="0">
-            <a:schemeClr val="accent1"/>
-          </a:fillRef>
-          <a:effectRef idx="0">
-            <a:schemeClr val="accent1"/>
-          </a:effectRef>
-          <a:fontRef idx="minor">
-            <a:schemeClr val="tx1"/>
-          </a:fontRef>
-        </p:style>
-      </p:cxnSp>
       <p:sp>
         <p:nvSpPr>
           <p:cNvPr id="73" name="Cloud Callout 72"/>
@@ -4269,48 +3371,6 @@
           <a:p>
             <a:pPr algn="ctr"/>
             <a:endParaRPr lang="en-US"/>
-          </a:p>
-        </p:txBody>
-      </p:sp>
-      <p:sp>
-        <p:nvSpPr>
-          <p:cNvPr id="76" name="Rounded Rectangle 75"/>
-          <p:cNvSpPr/>
-          <p:nvPr/>
-        </p:nvSpPr>
-        <p:spPr>
-          <a:xfrm>
-            <a:off x="9890328" y="5197960"/>
-            <a:ext cx="1357391" cy="501686"/>
-          </a:xfrm>
-          <a:prstGeom prst="roundRect">
-            <a:avLst/>
-          </a:prstGeom>
-        </p:spPr>
-        <p:style>
-          <a:lnRef idx="1">
-            <a:schemeClr val="dk1"/>
-          </a:lnRef>
-          <a:fillRef idx="2">
-            <a:schemeClr val="dk1"/>
-          </a:fillRef>
-          <a:effectRef idx="1">
-            <a:schemeClr val="dk1"/>
-          </a:effectRef>
-          <a:fontRef idx="minor">
-            <a:schemeClr val="dk1"/>
-          </a:fontRef>
-        </p:style>
-        <p:txBody>
-          <a:bodyPr rtlCol="0" anchor="ctr"/>
-          <a:lstStyle/>
-          <a:p>
-            <a:pPr algn="ctr"/>
-            <a:r>
-              <a:rPr lang="en-US" dirty="0" err="1" smtClean="0"/>
-              <a:t>models.py</a:t>
-            </a:r>
-            <a:endParaRPr lang="en-US" dirty="0"/>
           </a:p>
         </p:txBody>
       </p:sp>
@@ -4530,173 +3590,6 @@
           </a:prstGeom>
         </p:spPr>
       </p:pic>
-      <p:sp>
-        <p:nvSpPr>
-          <p:cNvPr id="41" name="Rounded Rectangle 40"/>
-          <p:cNvSpPr/>
-          <p:nvPr/>
-        </p:nvSpPr>
-        <p:spPr>
-          <a:xfrm>
-            <a:off x="8102028" y="5683135"/>
-            <a:ext cx="1319815" cy="501686"/>
-          </a:xfrm>
-          <a:prstGeom prst="roundRect">
-            <a:avLst/>
-          </a:prstGeom>
-        </p:spPr>
-        <p:style>
-          <a:lnRef idx="1">
-            <a:schemeClr val="dk1"/>
-          </a:lnRef>
-          <a:fillRef idx="2">
-            <a:schemeClr val="dk1"/>
-          </a:fillRef>
-          <a:effectRef idx="1">
-            <a:schemeClr val="dk1"/>
-          </a:effectRef>
-          <a:fontRef idx="minor">
-            <a:schemeClr val="dk1"/>
-          </a:fontRef>
-        </p:style>
-        <p:txBody>
-          <a:bodyPr rtlCol="0" anchor="ctr"/>
-          <a:lstStyle/>
-          <a:p>
-            <a:pPr algn="ctr"/>
-            <a:r>
-              <a:rPr lang="en-US" dirty="0" err="1" smtClean="0"/>
-              <a:t>admin.py</a:t>
-            </a:r>
-            <a:endParaRPr lang="en-US" dirty="0"/>
-          </a:p>
-        </p:txBody>
-      </p:sp>
-      <p:sp>
-        <p:nvSpPr>
-          <p:cNvPr id="39" name="Rounded Rectangle 38"/>
-          <p:cNvSpPr/>
-          <p:nvPr/>
-        </p:nvSpPr>
-        <p:spPr>
-          <a:xfrm>
-            <a:off x="6396262" y="4400416"/>
-            <a:ext cx="1086678" cy="592481"/>
-          </a:xfrm>
-          <a:prstGeom prst="roundRect">
-            <a:avLst/>
-          </a:prstGeom>
-          <a:solidFill>
-            <a:srgbClr val="FF7F00"/>
-          </a:solidFill>
-        </p:spPr>
-        <p:style>
-          <a:lnRef idx="1">
-            <a:schemeClr val="dk1"/>
-          </a:lnRef>
-          <a:fillRef idx="2">
-            <a:schemeClr val="dk1"/>
-          </a:fillRef>
-          <a:effectRef idx="1">
-            <a:schemeClr val="dk1"/>
-          </a:effectRef>
-          <a:fontRef idx="minor">
-            <a:schemeClr val="dk1"/>
-          </a:fontRef>
-        </p:style>
-        <p:txBody>
-          <a:bodyPr rtlCol="0" anchor="ctr"/>
-          <a:lstStyle/>
-          <a:p>
-            <a:pPr algn="ctr"/>
-            <a:r>
-              <a:rPr lang="en-US" dirty="0" smtClean="0">
-                <a:solidFill>
-                  <a:schemeClr val="bg1"/>
-                </a:solidFill>
-              </a:rPr>
-              <a:t>Shell</a:t>
-            </a:r>
-          </a:p>
-        </p:txBody>
-      </p:sp>
-      <p:cxnSp>
-        <p:nvCxnSpPr>
-          <p:cNvPr id="43" name="Straight Arrow Connector 42"/>
-          <p:cNvCxnSpPr>
-            <a:endCxn id="9" idx="1"/>
-          </p:cNvCxnSpPr>
-          <p:nvPr/>
-        </p:nvCxnSpPr>
-        <p:spPr>
-          <a:xfrm>
-            <a:off x="1337179" y="1543199"/>
-            <a:ext cx="5009988" cy="75332"/>
-          </a:xfrm>
-          <a:prstGeom prst="straightConnector1">
-            <a:avLst/>
-          </a:prstGeom>
-          <a:ln w="38100">
-            <a:solidFill>
-              <a:srgbClr val="FFFF00"/>
-            </a:solidFill>
-            <a:tailEnd type="triangle"/>
-          </a:ln>
-        </p:spPr>
-        <p:style>
-          <a:lnRef idx="1">
-            <a:schemeClr val="accent1"/>
-          </a:lnRef>
-          <a:fillRef idx="0">
-            <a:schemeClr val="accent1"/>
-          </a:fillRef>
-          <a:effectRef idx="0">
-            <a:schemeClr val="accent1"/>
-          </a:effectRef>
-          <a:fontRef idx="minor">
-            <a:schemeClr val="tx1"/>
-          </a:fontRef>
-        </p:style>
-      </p:cxnSp>
-      <p:cxnSp>
-        <p:nvCxnSpPr>
-          <p:cNvPr id="44" name="Straight Arrow Connector 43"/>
-          <p:cNvCxnSpPr>
-            <a:stCxn id="10" idx="1"/>
-            <a:endCxn id="78" idx="3"/>
-          </p:cNvCxnSpPr>
-          <p:nvPr/>
-        </p:nvCxnSpPr>
-        <p:spPr>
-          <a:xfrm flipH="1" flipV="1">
-            <a:off x="3319006" y="3177625"/>
-            <a:ext cx="3028161" cy="15015"/>
-          </a:xfrm>
-          <a:prstGeom prst="straightConnector1">
-            <a:avLst/>
-          </a:prstGeom>
-          <a:ln w="38100">
-            <a:solidFill>
-              <a:srgbClr val="FFFF00"/>
-            </a:solidFill>
-            <a:tailEnd type="triangle"/>
-          </a:ln>
-        </p:spPr>
-        <p:style>
-          <a:lnRef idx="1">
-            <a:schemeClr val="accent1"/>
-          </a:lnRef>
-          <a:fillRef idx="0">
-            <a:schemeClr val="accent1"/>
-          </a:fillRef>
-          <a:effectRef idx="0">
-            <a:schemeClr val="accent1"/>
-          </a:effectRef>
-          <a:fontRef idx="minor">
-            <a:schemeClr val="tx1"/>
-          </a:fontRef>
-        </p:style>
-      </p:cxnSp>
       <p:cxnSp>
         <p:nvCxnSpPr>
           <p:cNvPr id="47" name="Straight Arrow Connector 46"/>
@@ -4736,16 +3629,319 @@
           </a:fontRef>
         </p:style>
       </p:cxnSp>
-      <p:sp>
-        <p:nvSpPr>
-          <p:cNvPr id="50" name="Rounded Rectangle 49"/>
+      <p:cxnSp>
+        <p:nvCxnSpPr>
+          <p:cNvPr id="45" name="Straight Arrow Connector 44"/>
+          <p:cNvCxnSpPr>
+            <a:endCxn id="48" idx="2"/>
+          </p:cNvCxnSpPr>
+          <p:nvPr/>
+        </p:nvCxnSpPr>
+        <p:spPr>
+          <a:xfrm flipV="1">
+            <a:off x="691404" y="1668102"/>
+            <a:ext cx="345527" cy="1384558"/>
+          </a:xfrm>
+          <a:prstGeom prst="straightConnector1">
+            <a:avLst/>
+          </a:prstGeom>
+          <a:ln w="38100">
+            <a:solidFill>
+              <a:srgbClr val="FFFF00"/>
+            </a:solidFill>
+            <a:tailEnd type="triangle"/>
+          </a:ln>
+        </p:spPr>
+        <p:style>
+          <a:lnRef idx="1">
+            <a:schemeClr val="accent1"/>
+          </a:lnRef>
+          <a:fillRef idx="0">
+            <a:schemeClr val="accent1"/>
+          </a:fillRef>
+          <a:effectRef idx="0">
+            <a:schemeClr val="accent1"/>
+          </a:effectRef>
+          <a:fontRef idx="minor">
+            <a:schemeClr val="tx1"/>
+          </a:fontRef>
+        </p:style>
+      </p:cxnSp>
+      <p:cxnSp>
+        <p:nvCxnSpPr>
+          <p:cNvPr id="46" name="Straight Arrow Connector 45"/>
+          <p:cNvCxnSpPr>
+            <a:stCxn id="77" idx="1"/>
+          </p:cNvCxnSpPr>
+          <p:nvPr/>
+        </p:nvCxnSpPr>
+        <p:spPr>
+          <a:xfrm flipH="1" flipV="1">
+            <a:off x="669158" y="3052660"/>
+            <a:ext cx="409604" cy="404956"/>
+          </a:xfrm>
+          <a:prstGeom prst="straightConnector1">
+            <a:avLst/>
+          </a:prstGeom>
+          <a:ln w="38100">
+            <a:solidFill>
+              <a:srgbClr val="FFFF00"/>
+            </a:solidFill>
+            <a:tailEnd type="triangle"/>
+          </a:ln>
+        </p:spPr>
+        <p:style>
+          <a:lnRef idx="1">
+            <a:schemeClr val="accent1"/>
+          </a:lnRef>
+          <a:fillRef idx="0">
+            <a:schemeClr val="accent1"/>
+          </a:fillRef>
+          <a:effectRef idx="0">
+            <a:schemeClr val="accent1"/>
+          </a:effectRef>
+          <a:fontRef idx="minor">
+            <a:schemeClr val="tx1"/>
+          </a:fontRef>
+        </p:style>
+      </p:cxnSp>
+      <p:sp>
+        <p:nvSpPr>
+          <p:cNvPr id="48" name="Rounded Rectangle 47"/>
           <p:cNvSpPr/>
           <p:nvPr/>
         </p:nvSpPr>
         <p:spPr>
           <a:xfrm>
-            <a:off x="6428560" y="5430454"/>
-            <a:ext cx="1086678" cy="592481"/>
+            <a:off x="692725" y="1396262"/>
+            <a:ext cx="688412" cy="271840"/>
+          </a:xfrm>
+          <a:prstGeom prst="roundRect">
+            <a:avLst/>
+          </a:prstGeom>
+        </p:spPr>
+        <p:style>
+          <a:lnRef idx="1">
+            <a:schemeClr val="dk1"/>
+          </a:lnRef>
+          <a:fillRef idx="2">
+            <a:schemeClr val="dk1"/>
+          </a:fillRef>
+          <a:effectRef idx="1">
+            <a:schemeClr val="dk1"/>
+          </a:effectRef>
+          <a:fontRef idx="minor">
+            <a:schemeClr val="dk1"/>
+          </a:fontRef>
+        </p:style>
+        <p:txBody>
+          <a:bodyPr rtlCol="0" anchor="ctr"/>
+          <a:lstStyle/>
+          <a:p>
+            <a:pPr algn="ctr"/>
+            <a:r>
+              <a:rPr lang="en-US" dirty="0" smtClean="0"/>
+              <a:t>Click</a:t>
+            </a:r>
+          </a:p>
+        </p:txBody>
+      </p:sp>
+      <p:sp>
+        <p:nvSpPr>
+          <p:cNvPr id="55" name="Rectangle 54"/>
+          <p:cNvSpPr/>
+          <p:nvPr/>
+        </p:nvSpPr>
+        <p:spPr>
+          <a:xfrm>
+            <a:off x="5372117" y="249524"/>
+            <a:ext cx="6676896" cy="6347791"/>
+          </a:xfrm>
+          <a:prstGeom prst="rect">
+            <a:avLst/>
+          </a:prstGeom>
+          <a:ln w="38100">
+            <a:solidFill>
+              <a:schemeClr val="tx1"/>
+            </a:solidFill>
+          </a:ln>
+        </p:spPr>
+        <p:style>
+          <a:lnRef idx="2">
+            <a:schemeClr val="accent1">
+              <a:shade val="50000"/>
+            </a:schemeClr>
+          </a:lnRef>
+          <a:fillRef idx="1">
+            <a:schemeClr val="accent1"/>
+          </a:fillRef>
+          <a:effectRef idx="0">
+            <a:schemeClr val="accent1"/>
+          </a:effectRef>
+          <a:fontRef idx="minor">
+            <a:schemeClr val="lt1"/>
+          </a:fontRef>
+        </p:style>
+        <p:txBody>
+          <a:bodyPr rtlCol="0" anchor="t"/>
+          <a:lstStyle/>
+          <a:p>
+            <a:pPr algn="r"/>
+            <a:r>
+              <a:rPr lang="en-US" dirty="0" smtClean="0"/>
+              <a:t>Linux</a:t>
+            </a:r>
+            <a:endParaRPr lang="en-US" dirty="0"/>
+          </a:p>
+        </p:txBody>
+      </p:sp>
+      <p:sp>
+        <p:nvSpPr>
+          <p:cNvPr id="57" name="Rectangle 56"/>
+          <p:cNvSpPr/>
+          <p:nvPr/>
+        </p:nvSpPr>
+        <p:spPr>
+          <a:xfrm>
+            <a:off x="6087245" y="842005"/>
+            <a:ext cx="5702276" cy="5548575"/>
+          </a:xfrm>
+          <a:prstGeom prst="rect">
+            <a:avLst/>
+          </a:prstGeom>
+          <a:solidFill>
+            <a:srgbClr val="002060"/>
+          </a:solidFill>
+          <a:ln w="38100">
+            <a:solidFill>
+              <a:schemeClr val="bg1"/>
+            </a:solidFill>
+          </a:ln>
+        </p:spPr>
+        <p:style>
+          <a:lnRef idx="2">
+            <a:schemeClr val="accent1">
+              <a:shade val="50000"/>
+            </a:schemeClr>
+          </a:lnRef>
+          <a:fillRef idx="1">
+            <a:schemeClr val="accent1"/>
+          </a:fillRef>
+          <a:effectRef idx="0">
+            <a:schemeClr val="accent1"/>
+          </a:effectRef>
+          <a:fontRef idx="minor">
+            <a:schemeClr val="lt1"/>
+          </a:fontRef>
+        </p:style>
+        <p:txBody>
+          <a:bodyPr rtlCol="0" anchor="t"/>
+          <a:lstStyle/>
+          <a:p>
+            <a:pPr algn="r"/>
+            <a:r>
+              <a:rPr lang="en-US" dirty="0" smtClean="0"/>
+              <a:t>Django</a:t>
+            </a:r>
+            <a:endParaRPr lang="en-US" dirty="0"/>
+          </a:p>
+        </p:txBody>
+      </p:sp>
+      <p:sp>
+        <p:nvSpPr>
+          <p:cNvPr id="59" name="TextBox 58"/>
+          <p:cNvSpPr txBox="1"/>
+          <p:nvPr/>
+        </p:nvSpPr>
+        <p:spPr>
+          <a:xfrm>
+            <a:off x="6087245" y="376284"/>
+            <a:ext cx="1295291" cy="369332"/>
+          </a:xfrm>
+          <a:prstGeom prst="rect">
+            <a:avLst/>
+          </a:prstGeom>
+          <a:solidFill>
+            <a:schemeClr val="bg1"/>
+          </a:solidFill>
+        </p:spPr>
+        <p:txBody>
+          <a:bodyPr wrap="none" rtlCol="0">
+            <a:spAutoFit/>
+          </a:bodyPr>
+          <a:lstStyle/>
+          <a:p>
+            <a:r>
+              <a:rPr lang="en-US" dirty="0" err="1" smtClean="0"/>
+              <a:t>WGSIConfig</a:t>
+            </a:r>
+            <a:endParaRPr lang="en-US" dirty="0"/>
+          </a:p>
+        </p:txBody>
+      </p:sp>
+      <p:sp>
+        <p:nvSpPr>
+          <p:cNvPr id="61" name="Rounded Rectangle 60"/>
+          <p:cNvSpPr/>
+          <p:nvPr/>
+        </p:nvSpPr>
+        <p:spPr>
+          <a:xfrm>
+            <a:off x="6447196" y="1073122"/>
+            <a:ext cx="1086678" cy="1033669"/>
+          </a:xfrm>
+          <a:prstGeom prst="roundRect">
+            <a:avLst/>
+          </a:prstGeom>
+          <a:solidFill>
+            <a:srgbClr val="0070C0"/>
+          </a:solidFill>
+        </p:spPr>
+        <p:style>
+          <a:lnRef idx="1">
+            <a:schemeClr val="dk1"/>
+          </a:lnRef>
+          <a:fillRef idx="2">
+            <a:schemeClr val="dk1"/>
+          </a:fillRef>
+          <a:effectRef idx="1">
+            <a:schemeClr val="dk1"/>
+          </a:effectRef>
+          <a:fontRef idx="minor">
+            <a:schemeClr val="dk1"/>
+          </a:fontRef>
+        </p:style>
+        <p:txBody>
+          <a:bodyPr rtlCol="0" anchor="ctr"/>
+          <a:lstStyle/>
+          <a:p>
+            <a:pPr algn="ctr"/>
+            <a:r>
+              <a:rPr lang="en-US" smtClean="0">
+                <a:solidFill>
+                  <a:schemeClr val="bg1"/>
+                </a:solidFill>
+              </a:rPr>
+              <a:t>Routing</a:t>
+            </a:r>
+            <a:endParaRPr lang="en-US">
+              <a:solidFill>
+                <a:schemeClr val="bg1"/>
+              </a:solidFill>
+            </a:endParaRPr>
+          </a:p>
+        </p:txBody>
+      </p:sp>
+      <p:sp>
+        <p:nvSpPr>
+          <p:cNvPr id="62" name="Rounded Rectangle 61"/>
+          <p:cNvSpPr/>
+          <p:nvPr/>
+        </p:nvSpPr>
+        <p:spPr>
+          <a:xfrm>
+            <a:off x="6447196" y="2647231"/>
+            <a:ext cx="1086678" cy="1033669"/>
           </a:xfrm>
           <a:prstGeom prst="roundRect">
             <a:avLst/>
@@ -4779,24 +3975,157 @@
                   <a:schemeClr val="bg1"/>
                 </a:solidFill>
               </a:rPr>
-              <a:t>/admin</a:t>
-            </a:r>
+              <a:t>Views</a:t>
+            </a:r>
+            <a:endParaRPr lang="en-US" dirty="0">
+              <a:solidFill>
+                <a:schemeClr val="bg1"/>
+              </a:solidFill>
+            </a:endParaRPr>
+          </a:p>
+        </p:txBody>
+      </p:sp>
+      <p:sp>
+        <p:nvSpPr>
+          <p:cNvPr id="63" name="Can 62"/>
+          <p:cNvSpPr/>
+          <p:nvPr/>
+        </p:nvSpPr>
+        <p:spPr>
+          <a:xfrm>
+            <a:off x="10058985" y="3901185"/>
+            <a:ext cx="1577009" cy="646266"/>
+          </a:xfrm>
+          <a:prstGeom prst="can">
+            <a:avLst/>
+          </a:prstGeom>
+          <a:solidFill>
+            <a:srgbClr val="0070C0"/>
+          </a:solidFill>
+        </p:spPr>
+        <p:style>
+          <a:lnRef idx="2">
+            <a:schemeClr val="accent1">
+              <a:shade val="50000"/>
+            </a:schemeClr>
+          </a:lnRef>
+          <a:fillRef idx="1">
+            <a:schemeClr val="accent1"/>
+          </a:fillRef>
+          <a:effectRef idx="0">
+            <a:schemeClr val="accent1"/>
+          </a:effectRef>
+          <a:fontRef idx="minor">
+            <a:schemeClr val="lt1"/>
+          </a:fontRef>
+        </p:style>
+        <p:txBody>
+          <a:bodyPr rtlCol="0" anchor="ctr"/>
+          <a:lstStyle/>
+          <a:p>
+            <a:pPr algn="ctr"/>
+            <a:r>
+              <a:rPr lang="en-US" dirty="0" smtClean="0"/>
+              <a:t>Database</a:t>
+            </a:r>
+            <a:endParaRPr lang="en-US" dirty="0"/>
+          </a:p>
+        </p:txBody>
+      </p:sp>
+      <p:sp>
+        <p:nvSpPr>
+          <p:cNvPr id="65" name="Rounded Rectangle 64"/>
+          <p:cNvSpPr/>
+          <p:nvPr/>
+        </p:nvSpPr>
+        <p:spPr>
+          <a:xfrm>
+            <a:off x="10190056" y="2875619"/>
+            <a:ext cx="1367113" cy="516836"/>
+          </a:xfrm>
+          <a:prstGeom prst="roundRect">
+            <a:avLst/>
+          </a:prstGeom>
+        </p:spPr>
+        <p:style>
+          <a:lnRef idx="1">
+            <a:schemeClr val="dk1"/>
+          </a:lnRef>
+          <a:fillRef idx="2">
+            <a:schemeClr val="dk1"/>
+          </a:fillRef>
+          <a:effectRef idx="1">
+            <a:schemeClr val="dk1"/>
+          </a:effectRef>
+          <a:fontRef idx="minor">
+            <a:schemeClr val="dk1"/>
+          </a:fontRef>
+        </p:style>
+        <p:txBody>
+          <a:bodyPr rtlCol="0" anchor="ctr"/>
+          <a:lstStyle/>
+          <a:p>
+            <a:pPr algn="ctr"/>
+            <a:r>
+              <a:rPr lang="en-US" smtClean="0"/>
+              <a:t>Templates</a:t>
+            </a:r>
+            <a:endParaRPr lang="en-US" dirty="0" smtClean="0"/>
+          </a:p>
+        </p:txBody>
+      </p:sp>
+      <p:sp>
+        <p:nvSpPr>
+          <p:cNvPr id="66" name="Rounded Rectangle 65"/>
+          <p:cNvSpPr/>
+          <p:nvPr/>
+        </p:nvSpPr>
+        <p:spPr>
+          <a:xfrm>
+            <a:off x="8034004" y="376063"/>
+            <a:ext cx="1603514" cy="369554"/>
+          </a:xfrm>
+          <a:prstGeom prst="roundRect">
+            <a:avLst/>
+          </a:prstGeom>
+        </p:spPr>
+        <p:style>
+          <a:lnRef idx="1">
+            <a:schemeClr val="dk1"/>
+          </a:lnRef>
+          <a:fillRef idx="2">
+            <a:schemeClr val="dk1"/>
+          </a:fillRef>
+          <a:effectRef idx="1">
+            <a:schemeClr val="dk1"/>
+          </a:effectRef>
+          <a:fontRef idx="minor">
+            <a:schemeClr val="dk1"/>
+          </a:fontRef>
+        </p:style>
+        <p:txBody>
+          <a:bodyPr rtlCol="0" anchor="ctr"/>
+          <a:lstStyle/>
+          <a:p>
+            <a:pPr algn="ctr"/>
+            <a:r>
+              <a:rPr lang="en-US" smtClean="0"/>
+              <a:t>settings.py</a:t>
+            </a:r>
+            <a:endParaRPr lang="en-US" dirty="0"/>
           </a:p>
         </p:txBody>
       </p:sp>
       <p:cxnSp>
         <p:nvCxnSpPr>
-          <p:cNvPr id="51" name="Straight Arrow Connector 50"/>
-          <p:cNvCxnSpPr>
-            <a:stCxn id="49" idx="1"/>
-            <a:endCxn id="39" idx="3"/>
-          </p:cNvCxnSpPr>
+          <p:cNvPr id="67" name="Straight Arrow Connector 66"/>
+          <p:cNvCxnSpPr/>
           <p:nvPr/>
         </p:nvCxnSpPr>
         <p:spPr>
-          <a:xfrm flipH="1" flipV="1">
-            <a:off x="7482940" y="4696657"/>
-            <a:ext cx="638347" cy="235312"/>
+          <a:xfrm flipH="1">
+            <a:off x="7308394" y="560840"/>
+            <a:ext cx="725611" cy="110"/>
           </a:xfrm>
           <a:prstGeom prst="straightConnector1">
             <a:avLst/>
@@ -4825,17 +4154,172 @@
       </p:cxnSp>
       <p:cxnSp>
         <p:nvCxnSpPr>
-          <p:cNvPr id="54" name="Straight Arrow Connector 53"/>
+          <p:cNvPr id="68" name="Straight Arrow Connector 67"/>
           <p:cNvCxnSpPr>
-            <a:stCxn id="49" idx="1"/>
-            <a:endCxn id="50" idx="3"/>
+            <a:stCxn id="72" idx="1"/>
+            <a:endCxn id="66" idx="3"/>
           </p:cNvCxnSpPr>
           <p:nvPr/>
         </p:nvCxnSpPr>
         <p:spPr>
           <a:xfrm flipH="1">
-            <a:off x="7515238" y="4931969"/>
-            <a:ext cx="606049" cy="794726"/>
+            <a:off x="7533874" y="1582226"/>
+            <a:ext cx="1404867" cy="7731"/>
+          </a:xfrm>
+          <a:prstGeom prst="straightConnector1">
+            <a:avLst/>
+          </a:prstGeom>
+          <a:ln w="38100">
+            <a:solidFill>
+              <a:schemeClr val="tx1"/>
+            </a:solidFill>
+            <a:tailEnd type="triangle"/>
+          </a:ln>
+        </p:spPr>
+        <p:style>
+          <a:lnRef idx="1">
+            <a:schemeClr val="accent1"/>
+          </a:lnRef>
+          <a:fillRef idx="0">
+            <a:schemeClr val="accent1"/>
+          </a:fillRef>
+          <a:effectRef idx="0">
+            <a:schemeClr val="accent1"/>
+          </a:effectRef>
+          <a:fontRef idx="minor">
+            <a:schemeClr val="tx1"/>
+          </a:fontRef>
+        </p:style>
+      </p:cxnSp>
+      <p:cxnSp>
+        <p:nvCxnSpPr>
+          <p:cNvPr id="69" name="Straight Arrow Connector 68"/>
+          <p:cNvCxnSpPr>
+            <a:stCxn id="88" idx="1"/>
+            <a:endCxn id="67" idx="3"/>
+          </p:cNvCxnSpPr>
+          <p:nvPr/>
+        </p:nvCxnSpPr>
+        <p:spPr>
+          <a:xfrm flipH="1">
+            <a:off x="7533874" y="2475348"/>
+            <a:ext cx="1891819" cy="688718"/>
+          </a:xfrm>
+          <a:prstGeom prst="straightConnector1">
+            <a:avLst/>
+          </a:prstGeom>
+          <a:ln w="38100">
+            <a:solidFill>
+              <a:schemeClr val="tx1"/>
+            </a:solidFill>
+            <a:tailEnd type="triangle"/>
+          </a:ln>
+        </p:spPr>
+        <p:style>
+          <a:lnRef idx="1">
+            <a:schemeClr val="accent1"/>
+          </a:lnRef>
+          <a:fillRef idx="0">
+            <a:schemeClr val="accent1"/>
+          </a:fillRef>
+          <a:effectRef idx="0">
+            <a:schemeClr val="accent1"/>
+          </a:effectRef>
+          <a:fontRef idx="minor">
+            <a:schemeClr val="tx1"/>
+          </a:fontRef>
+        </p:style>
+      </p:cxnSp>
+      <p:cxnSp>
+        <p:nvCxnSpPr>
+          <p:cNvPr id="70" name="Straight Arrow Connector 69"/>
+          <p:cNvCxnSpPr>
+            <a:stCxn id="70" idx="1"/>
+            <a:endCxn id="67" idx="3"/>
+          </p:cNvCxnSpPr>
+          <p:nvPr/>
+        </p:nvCxnSpPr>
+        <p:spPr>
+          <a:xfrm flipH="1">
+            <a:off x="7533874" y="3134037"/>
+            <a:ext cx="2656182" cy="30029"/>
+          </a:xfrm>
+          <a:prstGeom prst="straightConnector1">
+            <a:avLst/>
+          </a:prstGeom>
+          <a:ln w="38100">
+            <a:solidFill>
+              <a:schemeClr val="tx1"/>
+            </a:solidFill>
+            <a:tailEnd type="triangle"/>
+          </a:ln>
+        </p:spPr>
+        <p:style>
+          <a:lnRef idx="1">
+            <a:schemeClr val="accent1"/>
+          </a:lnRef>
+          <a:fillRef idx="0">
+            <a:schemeClr val="accent1"/>
+          </a:fillRef>
+          <a:effectRef idx="0">
+            <a:schemeClr val="accent1"/>
+          </a:effectRef>
+          <a:fontRef idx="minor">
+            <a:schemeClr val="tx1"/>
+          </a:fontRef>
+        </p:style>
+      </p:cxnSp>
+      <p:cxnSp>
+        <p:nvCxnSpPr>
+          <p:cNvPr id="71" name="Straight Arrow Connector 70"/>
+          <p:cNvCxnSpPr>
+            <a:stCxn id="71" idx="1"/>
+            <a:endCxn id="67" idx="3"/>
+          </p:cNvCxnSpPr>
+          <p:nvPr/>
+        </p:nvCxnSpPr>
+        <p:spPr>
+          <a:xfrm flipH="1" flipV="1">
+            <a:off x="7533874" y="3164066"/>
+            <a:ext cx="1025979" cy="523310"/>
+          </a:xfrm>
+          <a:prstGeom prst="straightConnector1">
+            <a:avLst/>
+          </a:prstGeom>
+          <a:ln w="38100">
+            <a:solidFill>
+              <a:schemeClr val="tx1"/>
+            </a:solidFill>
+            <a:tailEnd type="triangle"/>
+          </a:ln>
+        </p:spPr>
+        <p:style>
+          <a:lnRef idx="1">
+            <a:schemeClr val="accent1"/>
+          </a:lnRef>
+          <a:fillRef idx="0">
+            <a:schemeClr val="accent1"/>
+          </a:fillRef>
+          <a:effectRef idx="0">
+            <a:schemeClr val="accent1"/>
+          </a:effectRef>
+          <a:fontRef idx="minor">
+            <a:schemeClr val="tx1"/>
+          </a:fontRef>
+        </p:style>
+      </p:cxnSp>
+      <p:cxnSp>
+        <p:nvCxnSpPr>
+          <p:cNvPr id="72" name="Straight Arrow Connector 71"/>
+          <p:cNvCxnSpPr>
+            <a:stCxn id="68" idx="2"/>
+          </p:cNvCxnSpPr>
+          <p:nvPr/>
+        </p:nvCxnSpPr>
+        <p:spPr>
+          <a:xfrm flipH="1">
+            <a:off x="9307994" y="4224318"/>
+            <a:ext cx="750991" cy="679077"/>
           </a:xfrm>
           <a:prstGeom prst="straightConnector1">
             <a:avLst/>
@@ -4863,19 +4347,195 @@
           </a:fontRef>
         </p:style>
       </p:cxnSp>
+      <p:sp>
+        <p:nvSpPr>
+          <p:cNvPr id="74" name="Rounded Rectangle 73"/>
+          <p:cNvSpPr/>
+          <p:nvPr/>
+        </p:nvSpPr>
+        <p:spPr>
+          <a:xfrm>
+            <a:off x="8938741" y="1357159"/>
+            <a:ext cx="1439996" cy="450133"/>
+          </a:xfrm>
+          <a:prstGeom prst="roundRect">
+            <a:avLst/>
+          </a:prstGeom>
+        </p:spPr>
+        <p:style>
+          <a:lnRef idx="1">
+            <a:schemeClr val="dk1"/>
+          </a:lnRef>
+          <a:fillRef idx="2">
+            <a:schemeClr val="dk1"/>
+          </a:fillRef>
+          <a:effectRef idx="1">
+            <a:schemeClr val="dk1"/>
+          </a:effectRef>
+          <a:fontRef idx="minor">
+            <a:schemeClr val="dk1"/>
+          </a:fontRef>
+        </p:style>
+        <p:txBody>
+          <a:bodyPr rtlCol="0" anchor="ctr"/>
+          <a:lstStyle/>
+          <a:p>
+            <a:pPr algn="ctr"/>
+            <a:r>
+              <a:rPr lang="en-US" dirty="0" err="1" smtClean="0"/>
+              <a:t>urls.py</a:t>
+            </a:r>
+            <a:endParaRPr lang="en-US" dirty="0"/>
+          </a:p>
+        </p:txBody>
+      </p:sp>
+      <p:sp>
+        <p:nvSpPr>
+          <p:cNvPr id="75" name="Rounded Rectangle 74"/>
+          <p:cNvSpPr/>
+          <p:nvPr/>
+        </p:nvSpPr>
+        <p:spPr>
+          <a:xfrm>
+            <a:off x="9425693" y="2216930"/>
+            <a:ext cx="1308844" cy="516836"/>
+          </a:xfrm>
+          <a:prstGeom prst="roundRect">
+            <a:avLst/>
+          </a:prstGeom>
+        </p:spPr>
+        <p:style>
+          <a:lnRef idx="1">
+            <a:schemeClr val="dk1"/>
+          </a:lnRef>
+          <a:fillRef idx="2">
+            <a:schemeClr val="dk1"/>
+          </a:fillRef>
+          <a:effectRef idx="1">
+            <a:schemeClr val="dk1"/>
+          </a:effectRef>
+          <a:fontRef idx="minor">
+            <a:schemeClr val="dk1"/>
+          </a:fontRef>
+        </p:style>
+        <p:txBody>
+          <a:bodyPr rtlCol="0" anchor="ctr"/>
+          <a:lstStyle/>
+          <a:p>
+            <a:pPr algn="ctr"/>
+            <a:r>
+              <a:rPr lang="en-US" dirty="0" err="1" smtClean="0"/>
+              <a:t>views.py</a:t>
+            </a:r>
+            <a:endParaRPr lang="en-US" dirty="0" smtClean="0"/>
+          </a:p>
+        </p:txBody>
+      </p:sp>
+      <p:sp>
+        <p:nvSpPr>
+          <p:cNvPr id="80" name="Rounded Rectangle 79"/>
+          <p:cNvSpPr/>
+          <p:nvPr/>
+        </p:nvSpPr>
+        <p:spPr>
+          <a:xfrm>
+            <a:off x="8559853" y="3436533"/>
+            <a:ext cx="1355820" cy="501686"/>
+          </a:xfrm>
+          <a:prstGeom prst="roundRect">
+            <a:avLst/>
+          </a:prstGeom>
+        </p:spPr>
+        <p:style>
+          <a:lnRef idx="1">
+            <a:schemeClr val="dk1"/>
+          </a:lnRef>
+          <a:fillRef idx="2">
+            <a:schemeClr val="dk1"/>
+          </a:fillRef>
+          <a:effectRef idx="1">
+            <a:schemeClr val="dk1"/>
+          </a:effectRef>
+          <a:fontRef idx="minor">
+            <a:schemeClr val="dk1"/>
+          </a:fontRef>
+        </p:style>
+        <p:txBody>
+          <a:bodyPr rtlCol="0" anchor="ctr"/>
+          <a:lstStyle/>
+          <a:p>
+            <a:pPr algn="ctr"/>
+            <a:r>
+              <a:rPr lang="en-US" dirty="0" err="1" smtClean="0"/>
+              <a:t>forms.py</a:t>
+            </a:r>
+            <a:endParaRPr lang="en-US" dirty="0"/>
+          </a:p>
+        </p:txBody>
+      </p:sp>
+      <p:sp>
+        <p:nvSpPr>
+          <p:cNvPr id="82" name="Rounded Rectangle 81"/>
+          <p:cNvSpPr/>
+          <p:nvPr/>
+        </p:nvSpPr>
+        <p:spPr>
+          <a:xfrm>
+            <a:off x="8221316" y="4386560"/>
+            <a:ext cx="1086678" cy="1033669"/>
+          </a:xfrm>
+          <a:prstGeom prst="roundRect">
+            <a:avLst/>
+          </a:prstGeom>
+          <a:solidFill>
+            <a:srgbClr val="0070C0"/>
+          </a:solidFill>
+        </p:spPr>
+        <p:style>
+          <a:lnRef idx="1">
+            <a:schemeClr val="dk1"/>
+          </a:lnRef>
+          <a:fillRef idx="2">
+            <a:schemeClr val="dk1"/>
+          </a:fillRef>
+          <a:effectRef idx="1">
+            <a:schemeClr val="dk1"/>
+          </a:effectRef>
+          <a:fontRef idx="minor">
+            <a:schemeClr val="dk1"/>
+          </a:fontRef>
+        </p:style>
+        <p:txBody>
+          <a:bodyPr rtlCol="0" anchor="ctr"/>
+          <a:lstStyle/>
+          <a:p>
+            <a:pPr algn="ctr"/>
+            <a:r>
+              <a:rPr lang="en-US" dirty="0" smtClean="0">
+                <a:solidFill>
+                  <a:schemeClr val="bg1"/>
+                </a:solidFill>
+              </a:rPr>
+              <a:t>Models</a:t>
+            </a:r>
+            <a:endParaRPr lang="en-US" dirty="0">
+              <a:solidFill>
+                <a:schemeClr val="bg1"/>
+              </a:solidFill>
+            </a:endParaRPr>
+          </a:p>
+        </p:txBody>
+      </p:sp>
       <p:cxnSp>
         <p:nvCxnSpPr>
-          <p:cNvPr id="58" name="Straight Arrow Connector 57"/>
-          <p:cNvCxnSpPr>
-            <a:stCxn id="41" idx="1"/>
-            <a:endCxn id="50" idx="3"/>
-          </p:cNvCxnSpPr>
+          <p:cNvPr id="83" name="Straight Arrow Connector 82"/>
+          <p:cNvCxnSpPr/>
           <p:nvPr/>
         </p:nvCxnSpPr>
         <p:spPr>
           <a:xfrm flipH="1" flipV="1">
-            <a:off x="7515238" y="5726695"/>
-            <a:ext cx="586790" cy="207283"/>
+            <a:off x="9307994" y="4903395"/>
+            <a:ext cx="834679" cy="965286"/>
           </a:xfrm>
           <a:prstGeom prst="straightConnector1">
             <a:avLst/>
@@ -4904,17 +4564,271 @@
       </p:cxnSp>
       <p:cxnSp>
         <p:nvCxnSpPr>
-          <p:cNvPr id="84" name="Straight Arrow Connector 83"/>
+          <p:cNvPr id="85" name="Straight Arrow Connector 84"/>
           <p:cNvCxnSpPr>
-            <a:stCxn id="76" idx="1"/>
-            <a:endCxn id="41" idx="3"/>
+            <a:endCxn id="67" idx="0"/>
           </p:cNvCxnSpPr>
           <p:nvPr/>
         </p:nvCxnSpPr>
         <p:spPr>
-          <a:xfrm flipH="1">
-            <a:off x="9421843" y="5448803"/>
-            <a:ext cx="468485" cy="485175"/>
+          <a:xfrm>
+            <a:off x="6990535" y="2106791"/>
+            <a:ext cx="0" cy="540440"/>
+          </a:xfrm>
+          <a:prstGeom prst="straightConnector1">
+            <a:avLst/>
+          </a:prstGeom>
+          <a:ln w="38100">
+            <a:solidFill>
+              <a:srgbClr val="FFFF00"/>
+            </a:solidFill>
+            <a:tailEnd type="triangle"/>
+          </a:ln>
+        </p:spPr>
+        <p:style>
+          <a:lnRef idx="1">
+            <a:schemeClr val="accent1"/>
+          </a:lnRef>
+          <a:fillRef idx="0">
+            <a:schemeClr val="accent1"/>
+          </a:fillRef>
+          <a:effectRef idx="0">
+            <a:schemeClr val="accent1"/>
+          </a:effectRef>
+          <a:fontRef idx="minor">
+            <a:schemeClr val="tx1"/>
+          </a:fontRef>
+        </p:style>
+      </p:cxnSp>
+      <p:cxnSp>
+        <p:nvCxnSpPr>
+          <p:cNvPr id="86" name="Straight Arrow Connector 85"/>
+          <p:cNvCxnSpPr>
+            <a:endCxn id="67" idx="2"/>
+          </p:cNvCxnSpPr>
+          <p:nvPr/>
+        </p:nvCxnSpPr>
+        <p:spPr>
+          <a:xfrm flipH="1" flipV="1">
+            <a:off x="6990535" y="3680900"/>
+            <a:ext cx="1774120" cy="705660"/>
+          </a:xfrm>
+          <a:prstGeom prst="straightConnector1">
+            <a:avLst/>
+          </a:prstGeom>
+          <a:ln w="38100">
+            <a:solidFill>
+              <a:schemeClr val="tx1"/>
+            </a:solidFill>
+            <a:headEnd type="triangle" w="med" len="med"/>
+            <a:tailEnd type="triangle" w="med" len="med"/>
+          </a:ln>
+        </p:spPr>
+        <p:style>
+          <a:lnRef idx="1">
+            <a:schemeClr val="accent1"/>
+          </a:lnRef>
+          <a:fillRef idx="0">
+            <a:schemeClr val="accent1"/>
+          </a:fillRef>
+          <a:effectRef idx="0">
+            <a:schemeClr val="accent1"/>
+          </a:effectRef>
+          <a:fontRef idx="minor">
+            <a:schemeClr val="tx1"/>
+          </a:fontRef>
+        </p:style>
+      </p:cxnSp>
+      <p:sp>
+        <p:nvSpPr>
+          <p:cNvPr id="87" name="Rounded Rectangle 86"/>
+          <p:cNvSpPr/>
+          <p:nvPr/>
+        </p:nvSpPr>
+        <p:spPr>
+          <a:xfrm>
+            <a:off x="10142673" y="5617838"/>
+            <a:ext cx="1357391" cy="501686"/>
+          </a:xfrm>
+          <a:prstGeom prst="roundRect">
+            <a:avLst/>
+          </a:prstGeom>
+        </p:spPr>
+        <p:style>
+          <a:lnRef idx="1">
+            <a:schemeClr val="dk1"/>
+          </a:lnRef>
+          <a:fillRef idx="2">
+            <a:schemeClr val="dk1"/>
+          </a:fillRef>
+          <a:effectRef idx="1">
+            <a:schemeClr val="dk1"/>
+          </a:effectRef>
+          <a:fontRef idx="minor">
+            <a:schemeClr val="dk1"/>
+          </a:fontRef>
+        </p:style>
+        <p:txBody>
+          <a:bodyPr rtlCol="0" anchor="ctr"/>
+          <a:lstStyle/>
+          <a:p>
+            <a:pPr algn="ctr"/>
+            <a:r>
+              <a:rPr lang="en-US" dirty="0" err="1" smtClean="0"/>
+              <a:t>models.py</a:t>
+            </a:r>
+            <a:endParaRPr lang="en-US" dirty="0"/>
+          </a:p>
+        </p:txBody>
+      </p:sp>
+      <p:sp>
+        <p:nvSpPr>
+          <p:cNvPr id="88" name="Rounded Rectangle 87"/>
+          <p:cNvSpPr/>
+          <p:nvPr/>
+        </p:nvSpPr>
+        <p:spPr>
+          <a:xfrm>
+            <a:off x="8202057" y="5654561"/>
+            <a:ext cx="1319815" cy="501686"/>
+          </a:xfrm>
+          <a:prstGeom prst="roundRect">
+            <a:avLst/>
+          </a:prstGeom>
+        </p:spPr>
+        <p:style>
+          <a:lnRef idx="1">
+            <a:schemeClr val="dk1"/>
+          </a:lnRef>
+          <a:fillRef idx="2">
+            <a:schemeClr val="dk1"/>
+          </a:fillRef>
+          <a:effectRef idx="1">
+            <a:schemeClr val="dk1"/>
+          </a:effectRef>
+          <a:fontRef idx="minor">
+            <a:schemeClr val="dk1"/>
+          </a:fontRef>
+        </p:style>
+        <p:txBody>
+          <a:bodyPr rtlCol="0" anchor="ctr"/>
+          <a:lstStyle/>
+          <a:p>
+            <a:pPr algn="ctr"/>
+            <a:r>
+              <a:rPr lang="en-US" dirty="0" err="1" smtClean="0"/>
+              <a:t>admin.py</a:t>
+            </a:r>
+            <a:endParaRPr lang="en-US" dirty="0"/>
+          </a:p>
+        </p:txBody>
+      </p:sp>
+      <p:sp>
+        <p:nvSpPr>
+          <p:cNvPr id="89" name="Rounded Rectangle 88"/>
+          <p:cNvSpPr/>
+          <p:nvPr/>
+        </p:nvSpPr>
+        <p:spPr>
+          <a:xfrm>
+            <a:off x="6496291" y="4371842"/>
+            <a:ext cx="1086678" cy="592481"/>
+          </a:xfrm>
+          <a:prstGeom prst="roundRect">
+            <a:avLst/>
+          </a:prstGeom>
+          <a:solidFill>
+            <a:srgbClr val="FF7F00"/>
+          </a:solidFill>
+        </p:spPr>
+        <p:style>
+          <a:lnRef idx="1">
+            <a:schemeClr val="dk1"/>
+          </a:lnRef>
+          <a:fillRef idx="2">
+            <a:schemeClr val="dk1"/>
+          </a:fillRef>
+          <a:effectRef idx="1">
+            <a:schemeClr val="dk1"/>
+          </a:effectRef>
+          <a:fontRef idx="minor">
+            <a:schemeClr val="dk1"/>
+          </a:fontRef>
+        </p:style>
+        <p:txBody>
+          <a:bodyPr rtlCol="0" anchor="ctr"/>
+          <a:lstStyle/>
+          <a:p>
+            <a:pPr algn="ctr"/>
+            <a:r>
+              <a:rPr lang="en-US" dirty="0" smtClean="0">
+                <a:solidFill>
+                  <a:schemeClr val="bg1"/>
+                </a:solidFill>
+              </a:rPr>
+              <a:t>Shell</a:t>
+            </a:r>
+          </a:p>
+        </p:txBody>
+      </p:sp>
+      <p:sp>
+        <p:nvSpPr>
+          <p:cNvPr id="90" name="Rounded Rectangle 89"/>
+          <p:cNvSpPr/>
+          <p:nvPr/>
+        </p:nvSpPr>
+        <p:spPr>
+          <a:xfrm>
+            <a:off x="6528589" y="5401880"/>
+            <a:ext cx="1086678" cy="592481"/>
+          </a:xfrm>
+          <a:prstGeom prst="roundRect">
+            <a:avLst/>
+          </a:prstGeom>
+          <a:solidFill>
+            <a:srgbClr val="FF7F00"/>
+          </a:solidFill>
+        </p:spPr>
+        <p:style>
+          <a:lnRef idx="1">
+            <a:schemeClr val="dk1"/>
+          </a:lnRef>
+          <a:fillRef idx="2">
+            <a:schemeClr val="dk1"/>
+          </a:fillRef>
+          <a:effectRef idx="1">
+            <a:schemeClr val="dk1"/>
+          </a:effectRef>
+          <a:fontRef idx="minor">
+            <a:schemeClr val="dk1"/>
+          </a:fontRef>
+        </p:style>
+        <p:txBody>
+          <a:bodyPr rtlCol="0" anchor="ctr"/>
+          <a:lstStyle/>
+          <a:p>
+            <a:pPr algn="ctr"/>
+            <a:r>
+              <a:rPr lang="en-US" dirty="0" smtClean="0">
+                <a:solidFill>
+                  <a:schemeClr val="bg1"/>
+                </a:solidFill>
+              </a:rPr>
+              <a:t>/admin</a:t>
+            </a:r>
+          </a:p>
+        </p:txBody>
+      </p:sp>
+      <p:cxnSp>
+        <p:nvCxnSpPr>
+          <p:cNvPr id="91" name="Straight Arrow Connector 90"/>
+          <p:cNvCxnSpPr/>
+          <p:nvPr/>
+        </p:nvCxnSpPr>
+        <p:spPr>
+          <a:xfrm flipH="1" flipV="1">
+            <a:off x="7582969" y="4668083"/>
+            <a:ext cx="638347" cy="235312"/>
           </a:xfrm>
           <a:prstGeom prst="straightConnector1">
             <a:avLst/>
@@ -4943,16 +4857,320 @@
       </p:cxnSp>
       <p:cxnSp>
         <p:nvCxnSpPr>
-          <p:cNvPr id="45" name="Straight Arrow Connector 44"/>
+          <p:cNvPr id="92" name="Straight Arrow Connector 91"/>
+          <p:cNvCxnSpPr/>
+          <p:nvPr/>
+        </p:nvCxnSpPr>
+        <p:spPr>
+          <a:xfrm flipH="1">
+            <a:off x="7615267" y="4903395"/>
+            <a:ext cx="606049" cy="794726"/>
+          </a:xfrm>
+          <a:prstGeom prst="straightConnector1">
+            <a:avLst/>
+          </a:prstGeom>
+          <a:ln w="38100">
+            <a:solidFill>
+              <a:schemeClr val="tx1"/>
+            </a:solidFill>
+            <a:headEnd type="triangle" w="med" len="med"/>
+            <a:tailEnd type="triangle" w="med" len="med"/>
+          </a:ln>
+        </p:spPr>
+        <p:style>
+          <a:lnRef idx="1">
+            <a:schemeClr val="accent1"/>
+          </a:lnRef>
+          <a:fillRef idx="0">
+            <a:schemeClr val="accent1"/>
+          </a:fillRef>
+          <a:effectRef idx="0">
+            <a:schemeClr val="accent1"/>
+          </a:effectRef>
+          <a:fontRef idx="minor">
+            <a:schemeClr val="tx1"/>
+          </a:fontRef>
+        </p:style>
+      </p:cxnSp>
+      <p:cxnSp>
+        <p:nvCxnSpPr>
+          <p:cNvPr id="93" name="Straight Arrow Connector 92"/>
+          <p:cNvCxnSpPr/>
+          <p:nvPr/>
+        </p:nvCxnSpPr>
+        <p:spPr>
+          <a:xfrm flipH="1" flipV="1">
+            <a:off x="7615267" y="5698121"/>
+            <a:ext cx="586790" cy="207283"/>
+          </a:xfrm>
+          <a:prstGeom prst="straightConnector1">
+            <a:avLst/>
+          </a:prstGeom>
+          <a:ln w="38100">
+            <a:solidFill>
+              <a:schemeClr val="tx1"/>
+            </a:solidFill>
+            <a:tailEnd type="triangle"/>
+          </a:ln>
+        </p:spPr>
+        <p:style>
+          <a:lnRef idx="1">
+            <a:schemeClr val="accent1"/>
+          </a:lnRef>
+          <a:fillRef idx="0">
+            <a:schemeClr val="accent1"/>
+          </a:fillRef>
+          <a:effectRef idx="0">
+            <a:schemeClr val="accent1"/>
+          </a:effectRef>
+          <a:fontRef idx="minor">
+            <a:schemeClr val="tx1"/>
+          </a:fontRef>
+        </p:style>
+      </p:cxnSp>
+      <p:cxnSp>
+        <p:nvCxnSpPr>
+          <p:cNvPr id="94" name="Straight Arrow Connector 93"/>
+          <p:cNvCxnSpPr/>
+          <p:nvPr/>
+        </p:nvCxnSpPr>
+        <p:spPr>
+          <a:xfrm flipH="1">
+            <a:off x="9521872" y="5868681"/>
+            <a:ext cx="620801" cy="36723"/>
+          </a:xfrm>
+          <a:prstGeom prst="straightConnector1">
+            <a:avLst/>
+          </a:prstGeom>
+          <a:ln w="38100">
+            <a:solidFill>
+              <a:schemeClr val="tx1"/>
+            </a:solidFill>
+            <a:tailEnd type="triangle"/>
+          </a:ln>
+        </p:spPr>
+        <p:style>
+          <a:lnRef idx="1">
+            <a:schemeClr val="accent1"/>
+          </a:lnRef>
+          <a:fillRef idx="0">
+            <a:schemeClr val="accent1"/>
+          </a:fillRef>
+          <a:effectRef idx="0">
+            <a:schemeClr val="accent1"/>
+          </a:effectRef>
+          <a:fontRef idx="minor">
+            <a:schemeClr val="tx1"/>
+          </a:fontRef>
+        </p:style>
+      </p:cxnSp>
+      <p:sp>
+        <p:nvSpPr>
+          <p:cNvPr id="95" name="Rounded Rectangle 94"/>
+          <p:cNvSpPr/>
+          <p:nvPr/>
+        </p:nvSpPr>
+        <p:spPr>
+          <a:xfrm>
+            <a:off x="10320030" y="4908381"/>
+            <a:ext cx="1143960" cy="353513"/>
+          </a:xfrm>
+          <a:prstGeom prst="roundRect">
+            <a:avLst/>
+          </a:prstGeom>
+        </p:spPr>
+        <p:style>
+          <a:lnRef idx="1">
+            <a:schemeClr val="dk1"/>
+          </a:lnRef>
+          <a:fillRef idx="2">
+            <a:schemeClr val="dk1"/>
+          </a:fillRef>
+          <a:effectRef idx="1">
+            <a:schemeClr val="dk1"/>
+          </a:effectRef>
+          <a:fontRef idx="minor">
+            <a:schemeClr val="dk1"/>
+          </a:fontRef>
+        </p:style>
+        <p:txBody>
+          <a:bodyPr rtlCol="0" anchor="ctr"/>
+          <a:lstStyle/>
+          <a:p>
+            <a:pPr algn="ctr"/>
+            <a:r>
+              <a:rPr lang="en-US" sz="1600" dirty="0" smtClean="0"/>
+              <a:t>Migrations</a:t>
+            </a:r>
+          </a:p>
+        </p:txBody>
+      </p:sp>
+      <p:cxnSp>
+        <p:nvCxnSpPr>
+          <p:cNvPr id="96" name="Straight Arrow Connector 95"/>
+          <p:cNvCxnSpPr/>
+          <p:nvPr/>
+        </p:nvCxnSpPr>
+        <p:spPr>
+          <a:xfrm flipV="1">
+            <a:off x="10821369" y="5261894"/>
+            <a:ext cx="70641" cy="355944"/>
+          </a:xfrm>
+          <a:prstGeom prst="straightConnector1">
+            <a:avLst/>
+          </a:prstGeom>
+          <a:ln w="38100">
+            <a:solidFill>
+              <a:schemeClr val="tx1"/>
+            </a:solidFill>
+            <a:tailEnd type="triangle"/>
+          </a:ln>
+        </p:spPr>
+        <p:style>
+          <a:lnRef idx="1">
+            <a:schemeClr val="accent1"/>
+          </a:lnRef>
+          <a:fillRef idx="0">
+            <a:schemeClr val="accent1"/>
+          </a:fillRef>
+          <a:effectRef idx="0">
+            <a:schemeClr val="accent1"/>
+          </a:effectRef>
+          <a:fontRef idx="minor">
+            <a:schemeClr val="tx1"/>
+          </a:fontRef>
+        </p:style>
+      </p:cxnSp>
+      <p:cxnSp>
+        <p:nvCxnSpPr>
+          <p:cNvPr id="97" name="Straight Arrow Connector 96"/>
           <p:cNvCxnSpPr>
-            <a:endCxn id="48" idx="2"/>
+            <a:endCxn id="68" idx="3"/>
           </p:cNvCxnSpPr>
           <p:nvPr/>
         </p:nvCxnSpPr>
         <p:spPr>
-          <a:xfrm flipV="1">
-            <a:off x="691404" y="1668102"/>
-            <a:ext cx="345527" cy="1384558"/>
+          <a:xfrm flipH="1" flipV="1">
+            <a:off x="10847490" y="4547451"/>
+            <a:ext cx="55467" cy="355943"/>
+          </a:xfrm>
+          <a:prstGeom prst="straightConnector1">
+            <a:avLst/>
+          </a:prstGeom>
+          <a:ln w="38100">
+            <a:solidFill>
+              <a:schemeClr val="tx1"/>
+            </a:solidFill>
+            <a:tailEnd type="triangle"/>
+          </a:ln>
+        </p:spPr>
+        <p:style>
+          <a:lnRef idx="1">
+            <a:schemeClr val="accent1"/>
+          </a:lnRef>
+          <a:fillRef idx="0">
+            <a:schemeClr val="accent1"/>
+          </a:fillRef>
+          <a:effectRef idx="0">
+            <a:schemeClr val="accent1"/>
+          </a:effectRef>
+          <a:fontRef idx="minor">
+            <a:schemeClr val="tx1"/>
+          </a:fontRef>
+        </p:style>
+      </p:cxnSp>
+      <p:cxnSp>
+        <p:nvCxnSpPr>
+          <p:cNvPr id="98" name="Straight Arrow Connector 97"/>
+          <p:cNvCxnSpPr>
+            <a:endCxn id="67" idx="3"/>
+          </p:cNvCxnSpPr>
+          <p:nvPr/>
+        </p:nvCxnSpPr>
+        <p:spPr>
+          <a:xfrm flipH="1">
+            <a:off x="7533874" y="2359611"/>
+            <a:ext cx="486762" cy="804455"/>
+          </a:xfrm>
+          <a:prstGeom prst="straightConnector1">
+            <a:avLst/>
+          </a:prstGeom>
+          <a:ln w="38100">
+            <a:solidFill>
+              <a:schemeClr val="tx1"/>
+            </a:solidFill>
+            <a:tailEnd type="triangle"/>
+          </a:ln>
+        </p:spPr>
+        <p:style>
+          <a:lnRef idx="1">
+            <a:schemeClr val="accent1"/>
+          </a:lnRef>
+          <a:fillRef idx="0">
+            <a:schemeClr val="accent1"/>
+          </a:fillRef>
+          <a:effectRef idx="0">
+            <a:schemeClr val="accent1"/>
+          </a:effectRef>
+          <a:fontRef idx="minor">
+            <a:schemeClr val="tx1"/>
+          </a:fontRef>
+        </p:style>
+      </p:cxnSp>
+      <p:sp>
+        <p:nvSpPr>
+          <p:cNvPr id="99" name="Rounded Rectangle 98"/>
+          <p:cNvSpPr/>
+          <p:nvPr/>
+        </p:nvSpPr>
+        <p:spPr>
+          <a:xfrm>
+            <a:off x="8020636" y="2182854"/>
+            <a:ext cx="940191" cy="353513"/>
+          </a:xfrm>
+          <a:prstGeom prst="roundRect">
+            <a:avLst/>
+          </a:prstGeom>
+        </p:spPr>
+        <p:style>
+          <a:lnRef idx="1">
+            <a:schemeClr val="dk1"/>
+          </a:lnRef>
+          <a:fillRef idx="2">
+            <a:schemeClr val="dk1"/>
+          </a:fillRef>
+          <a:effectRef idx="1">
+            <a:schemeClr val="dk1"/>
+          </a:effectRef>
+          <a:fontRef idx="minor">
+            <a:schemeClr val="dk1"/>
+          </a:fontRef>
+        </p:style>
+        <p:txBody>
+          <a:bodyPr rtlCol="0" anchor="ctr"/>
+          <a:lstStyle/>
+          <a:p>
+            <a:pPr algn="ctr"/>
+            <a:r>
+              <a:rPr lang="en-US" sz="1600" dirty="0" err="1" smtClean="0"/>
+              <a:t>urls.py</a:t>
+            </a:r>
+            <a:endParaRPr lang="en-US" sz="1600" dirty="0" smtClean="0"/>
+          </a:p>
+        </p:txBody>
+      </p:sp>
+      <p:cxnSp>
+        <p:nvCxnSpPr>
+          <p:cNvPr id="43" name="Straight Arrow Connector 42"/>
+          <p:cNvCxnSpPr>
+            <a:endCxn id="61" idx="1"/>
+          </p:cNvCxnSpPr>
+          <p:nvPr/>
+        </p:nvCxnSpPr>
+        <p:spPr>
+          <a:xfrm>
+            <a:off x="1337179" y="1543199"/>
+            <a:ext cx="5110017" cy="46758"/>
           </a:xfrm>
           <a:prstGeom prst="straightConnector1">
             <a:avLst/>
@@ -4981,16 +5199,17 @@
       </p:cxnSp>
       <p:cxnSp>
         <p:nvCxnSpPr>
-          <p:cNvPr id="46" name="Straight Arrow Connector 45"/>
+          <p:cNvPr id="44" name="Straight Arrow Connector 43"/>
           <p:cNvCxnSpPr>
-            <a:stCxn id="77" idx="1"/>
+            <a:stCxn id="62" idx="1"/>
+            <a:endCxn id="78" idx="3"/>
           </p:cNvCxnSpPr>
           <p:nvPr/>
         </p:nvCxnSpPr>
         <p:spPr>
-          <a:xfrm flipH="1" flipV="1">
-            <a:off x="669158" y="3052660"/>
-            <a:ext cx="409604" cy="404956"/>
+          <a:xfrm flipH="1">
+            <a:off x="3319006" y="3164066"/>
+            <a:ext cx="3128190" cy="13559"/>
           </a:xfrm>
           <a:prstGeom prst="straightConnector1">
             <a:avLst/>
@@ -5017,47 +5236,6 @@
           </a:fontRef>
         </p:style>
       </p:cxnSp>
-      <p:sp>
-        <p:nvSpPr>
-          <p:cNvPr id="48" name="Rounded Rectangle 47"/>
-          <p:cNvSpPr/>
-          <p:nvPr/>
-        </p:nvSpPr>
-        <p:spPr>
-          <a:xfrm>
-            <a:off x="692725" y="1396262"/>
-            <a:ext cx="688412" cy="271840"/>
-          </a:xfrm>
-          <a:prstGeom prst="roundRect">
-            <a:avLst/>
-          </a:prstGeom>
-        </p:spPr>
-        <p:style>
-          <a:lnRef idx="1">
-            <a:schemeClr val="dk1"/>
-          </a:lnRef>
-          <a:fillRef idx="2">
-            <a:schemeClr val="dk1"/>
-          </a:fillRef>
-          <a:effectRef idx="1">
-            <a:schemeClr val="dk1"/>
-          </a:effectRef>
-          <a:fontRef idx="minor">
-            <a:schemeClr val="dk1"/>
-          </a:fontRef>
-        </p:style>
-        <p:txBody>
-          <a:bodyPr rtlCol="0" anchor="ctr"/>
-          <a:lstStyle/>
-          <a:p>
-            <a:pPr algn="ctr"/>
-            <a:r>
-              <a:rPr lang="en-US" dirty="0" smtClean="0"/>
-              <a:t>Click</a:t>
-            </a:r>
-          </a:p>
-        </p:txBody>
-      </p:sp>
     </p:spTree>
     <p:extLst>
       <p:ext uri="{BB962C8B-B14F-4D97-AF65-F5344CB8AC3E}">
@@ -5399,7 +5577,7 @@
                   <a:schemeClr val="bg1"/>
                 </a:solidFill>
               </a:rPr>
-              <a:t>Views</a:t>
+              <a:t>App</a:t>
             </a:r>
             <a:endParaRPr lang="en-US" dirty="0">
               <a:solidFill>
@@ -5626,8 +5804,8 @@
         </p:nvCxnSpPr>
         <p:spPr>
           <a:xfrm flipH="1">
-            <a:off x="4447766" y="2503526"/>
-            <a:ext cx="1025979" cy="617676"/>
+            <a:off x="4447766" y="2432484"/>
+            <a:ext cx="1891819" cy="688718"/>
           </a:xfrm>
           <a:prstGeom prst="straightConnector1">
             <a:avLst/>
@@ -5822,7 +6000,7 @@
         </p:nvSpPr>
         <p:spPr>
           <a:xfrm>
-            <a:off x="5473745" y="2245108"/>
+            <a:off x="6339585" y="2174066"/>
             <a:ext cx="1308844" cy="516836"/>
           </a:xfrm>
           <a:prstGeom prst="roundRect">
@@ -6628,10 +6806,9 @@
           <a:p>
             <a:pPr algn="ctr"/>
             <a:r>
-              <a:rPr lang="en-US" sz="1600" smtClean="0"/>
+              <a:rPr lang="en-US" sz="1600" dirty="0" smtClean="0"/>
               <a:t>Migrations</a:t>
             </a:r>
-            <a:endParaRPr lang="en-US" sz="1600" dirty="0" smtClean="0"/>
           </a:p>
         </p:txBody>
       </p:sp>
@@ -6712,6 +6889,87 @@
           </a:fontRef>
         </p:style>
       </p:cxnSp>
+      <p:cxnSp>
+        <p:nvCxnSpPr>
+          <p:cNvPr id="44" name="Straight Arrow Connector 43"/>
+          <p:cNvCxnSpPr>
+            <a:stCxn id="46" idx="1"/>
+            <a:endCxn id="10" idx="3"/>
+          </p:cNvCxnSpPr>
+          <p:nvPr/>
+        </p:nvCxnSpPr>
+        <p:spPr>
+          <a:xfrm flipH="1">
+            <a:off x="4447766" y="2316747"/>
+            <a:ext cx="486762" cy="804455"/>
+          </a:xfrm>
+          <a:prstGeom prst="straightConnector1">
+            <a:avLst/>
+          </a:prstGeom>
+          <a:ln w="38100">
+            <a:solidFill>
+              <a:schemeClr val="tx1"/>
+            </a:solidFill>
+            <a:tailEnd type="triangle"/>
+          </a:ln>
+        </p:spPr>
+        <p:style>
+          <a:lnRef idx="1">
+            <a:schemeClr val="accent1"/>
+          </a:lnRef>
+          <a:fillRef idx="0">
+            <a:schemeClr val="accent1"/>
+          </a:fillRef>
+          <a:effectRef idx="0">
+            <a:schemeClr val="accent1"/>
+          </a:effectRef>
+          <a:fontRef idx="minor">
+            <a:schemeClr val="tx1"/>
+          </a:fontRef>
+        </p:style>
+      </p:cxnSp>
+      <p:sp>
+        <p:nvSpPr>
+          <p:cNvPr id="46" name="Rounded Rectangle 45"/>
+          <p:cNvSpPr/>
+          <p:nvPr/>
+        </p:nvSpPr>
+        <p:spPr>
+          <a:xfrm>
+            <a:off x="4934528" y="2139990"/>
+            <a:ext cx="940191" cy="353513"/>
+          </a:xfrm>
+          <a:prstGeom prst="roundRect">
+            <a:avLst/>
+          </a:prstGeom>
+        </p:spPr>
+        <p:style>
+          <a:lnRef idx="1">
+            <a:schemeClr val="dk1"/>
+          </a:lnRef>
+          <a:fillRef idx="2">
+            <a:schemeClr val="dk1"/>
+          </a:fillRef>
+          <a:effectRef idx="1">
+            <a:schemeClr val="dk1"/>
+          </a:effectRef>
+          <a:fontRef idx="minor">
+            <a:schemeClr val="dk1"/>
+          </a:fontRef>
+        </p:style>
+        <p:txBody>
+          <a:bodyPr rtlCol="0" anchor="ctr"/>
+          <a:lstStyle/>
+          <a:p>
+            <a:pPr algn="ctr"/>
+            <a:r>
+              <a:rPr lang="en-US" sz="1600" dirty="0" err="1" smtClean="0"/>
+              <a:t>urls.py</a:t>
+            </a:r>
+            <a:endParaRPr lang="en-US" sz="1600" dirty="0" smtClean="0"/>
+          </a:p>
+        </p:txBody>
+      </p:sp>
     </p:spTree>
     <p:extLst>
       <p:ext uri="{BB962C8B-B14F-4D97-AF65-F5344CB8AC3E}">

--- a/lectures/bigpicture.pptx
+++ b/lectures/bigpicture.pptx
@@ -199,7 +199,7 @@
           <a:p>
             <a:fld id="{C97B56FC-7D2E-F343-9D09-0D14B00AA564}" type="datetimeFigureOut">
               <a:rPr lang="en-US" smtClean="0"/>
-              <a:t>9/24/21</a:t>
+              <a:t>10/1/21</a:t>
             </a:fld>
             <a:endParaRPr lang="en-US"/>
           </a:p>
@@ -598,7 +598,7 @@
           <a:p>
             <a:fld id="{EEE7C04C-7AF8-1445-A186-502B631B934F}" type="datetimeFigureOut">
               <a:rPr lang="en-US" smtClean="0"/>
-              <a:t>9/24/21</a:t>
+              <a:t>10/1/21</a:t>
             </a:fld>
             <a:endParaRPr lang="en-US"/>
           </a:p>
@@ -763,7 +763,7 @@
           <a:p>
             <a:fld id="{EEE7C04C-7AF8-1445-A186-502B631B934F}" type="datetimeFigureOut">
               <a:rPr lang="en-US" smtClean="0"/>
-              <a:t>9/24/21</a:t>
+              <a:t>10/1/21</a:t>
             </a:fld>
             <a:endParaRPr lang="en-US"/>
           </a:p>
@@ -938,7 +938,7 @@
           <a:p>
             <a:fld id="{EEE7C04C-7AF8-1445-A186-502B631B934F}" type="datetimeFigureOut">
               <a:rPr lang="en-US" smtClean="0"/>
-              <a:t>9/24/21</a:t>
+              <a:t>10/1/21</a:t>
             </a:fld>
             <a:endParaRPr lang="en-US"/>
           </a:p>
@@ -1103,7 +1103,7 @@
           <a:p>
             <a:fld id="{EEE7C04C-7AF8-1445-A186-502B631B934F}" type="datetimeFigureOut">
               <a:rPr lang="en-US" smtClean="0"/>
-              <a:t>9/24/21</a:t>
+              <a:t>10/1/21</a:t>
             </a:fld>
             <a:endParaRPr lang="en-US"/>
           </a:p>
@@ -1344,7 +1344,7 @@
           <a:p>
             <a:fld id="{EEE7C04C-7AF8-1445-A186-502B631B934F}" type="datetimeFigureOut">
               <a:rPr lang="en-US" smtClean="0"/>
-              <a:t>9/24/21</a:t>
+              <a:t>10/1/21</a:t>
             </a:fld>
             <a:endParaRPr lang="en-US"/>
           </a:p>
@@ -1571,7 +1571,7 @@
           <a:p>
             <a:fld id="{EEE7C04C-7AF8-1445-A186-502B631B934F}" type="datetimeFigureOut">
               <a:rPr lang="en-US" smtClean="0"/>
-              <a:t>9/24/21</a:t>
+              <a:t>10/1/21</a:t>
             </a:fld>
             <a:endParaRPr lang="en-US"/>
           </a:p>
@@ -1933,7 +1933,7 @@
           <a:p>
             <a:fld id="{EEE7C04C-7AF8-1445-A186-502B631B934F}" type="datetimeFigureOut">
               <a:rPr lang="en-US" smtClean="0"/>
-              <a:t>9/24/21</a:t>
+              <a:t>10/1/21</a:t>
             </a:fld>
             <a:endParaRPr lang="en-US"/>
           </a:p>
@@ -2046,7 +2046,7 @@
           <a:p>
             <a:fld id="{EEE7C04C-7AF8-1445-A186-502B631B934F}" type="datetimeFigureOut">
               <a:rPr lang="en-US" smtClean="0"/>
-              <a:t>9/24/21</a:t>
+              <a:t>10/1/21</a:t>
             </a:fld>
             <a:endParaRPr lang="en-US"/>
           </a:p>
@@ -2136,7 +2136,7 @@
           <a:p>
             <a:fld id="{EEE7C04C-7AF8-1445-A186-502B631B934F}" type="datetimeFigureOut">
               <a:rPr lang="en-US" smtClean="0"/>
-              <a:t>9/24/21</a:t>
+              <a:t>10/1/21</a:t>
             </a:fld>
             <a:endParaRPr lang="en-US"/>
           </a:p>
@@ -2408,7 +2408,7 @@
           <a:p>
             <a:fld id="{EEE7C04C-7AF8-1445-A186-502B631B934F}" type="datetimeFigureOut">
               <a:rPr lang="en-US" smtClean="0"/>
-              <a:t>9/24/21</a:t>
+              <a:t>10/1/21</a:t>
             </a:fld>
             <a:endParaRPr lang="en-US"/>
           </a:p>
@@ -2660,7 +2660,7 @@
           <a:p>
             <a:fld id="{EEE7C04C-7AF8-1445-A186-502B631B934F}" type="datetimeFigureOut">
               <a:rPr lang="en-US" smtClean="0"/>
-              <a:t>9/24/21</a:t>
+              <a:t>10/1/21</a:t>
             </a:fld>
             <a:endParaRPr lang="en-US"/>
           </a:p>
@@ -2868,7 +2868,7 @@
           <a:p>
             <a:fld id="{EEE7C04C-7AF8-1445-A186-502B631B934F}" type="datetimeFigureOut">
               <a:rPr lang="en-US" smtClean="0"/>
-              <a:t>9/24/21</a:t>
+              <a:t>10/1/21</a:t>
             </a:fld>
             <a:endParaRPr lang="en-US"/>
           </a:p>
@@ -5519,14 +5519,36 @@
           <a:p>
             <a:pPr algn="ctr"/>
             <a:r>
-              <a:rPr lang="en-US" smtClean="0">
+              <a:rPr lang="en-US" dirty="0" smtClean="0">
                 <a:solidFill>
                   <a:schemeClr val="bg1"/>
                 </a:solidFill>
               </a:rPr>
               <a:t>Routing</a:t>
             </a:r>
-            <a:endParaRPr lang="en-US">
+          </a:p>
+          <a:p>
+            <a:pPr algn="ctr"/>
+            <a:r>
+              <a:rPr lang="en-US" dirty="0" smtClean="0">
+                <a:solidFill>
+                  <a:schemeClr val="bg1"/>
+                </a:solidFill>
+              </a:rPr>
+              <a:t>Middle</a:t>
+            </a:r>
+          </a:p>
+          <a:p>
+            <a:pPr algn="ctr"/>
+            <a:r>
+              <a:rPr lang="en-US" dirty="0" smtClean="0">
+                <a:solidFill>
+                  <a:schemeClr val="bg1"/>
+                </a:solidFill>
+              </a:rPr>
+              <a:t>Ware</a:t>
+            </a:r>
+            <a:endParaRPr lang="en-US" dirty="0">
               <a:solidFill>
                 <a:schemeClr val="bg1"/>
               </a:solidFill>
@@ -5804,8 +5826,8 @@
         </p:nvCxnSpPr>
         <p:spPr>
           <a:xfrm flipH="1">
-            <a:off x="4447766" y="2432484"/>
-            <a:ext cx="1891819" cy="688718"/>
+            <a:off x="4447766" y="2471825"/>
+            <a:ext cx="2174870" cy="649377"/>
           </a:xfrm>
           <a:prstGeom prst="straightConnector1">
             <a:avLst/>
@@ -6000,7 +6022,7 @@
         </p:nvSpPr>
         <p:spPr>
           <a:xfrm>
-            <a:off x="6339585" y="2174066"/>
+            <a:off x="6622636" y="2213407"/>
             <a:ext cx="1308844" cy="516836"/>
           </a:xfrm>
           <a:prstGeom prst="roundRect">
@@ -6900,8 +6922,8 @@
         </p:nvCxnSpPr>
         <p:spPr>
           <a:xfrm flipH="1">
-            <a:off x="4447766" y="2316747"/>
-            <a:ext cx="486762" cy="804455"/>
+            <a:off x="4447766" y="2184259"/>
+            <a:ext cx="1047807" cy="936943"/>
           </a:xfrm>
           <a:prstGeom prst="straightConnector1">
             <a:avLst/>
@@ -6936,7 +6958,7 @@
         </p:nvSpPr>
         <p:spPr>
           <a:xfrm>
-            <a:off x="4934528" y="2139990"/>
+            <a:off x="5495573" y="2007502"/>
             <a:ext cx="940191" cy="353513"/>
           </a:xfrm>
           <a:prstGeom prst="roundRect">

--- a/lectures/bigpicture.pptx
+++ b/lectures/bigpicture.pptx
@@ -199,7 +199,7 @@
           <a:p>
             <a:fld id="{C97B56FC-7D2E-F343-9D09-0D14B00AA564}" type="datetimeFigureOut">
               <a:rPr lang="en-US" smtClean="0"/>
-              <a:t>10/1/21</a:t>
+              <a:t>10/8/21</a:t>
             </a:fld>
             <a:endParaRPr lang="en-US"/>
           </a:p>
@@ -598,7 +598,7 @@
           <a:p>
             <a:fld id="{EEE7C04C-7AF8-1445-A186-502B631B934F}" type="datetimeFigureOut">
               <a:rPr lang="en-US" smtClean="0"/>
-              <a:t>10/1/21</a:t>
+              <a:t>10/8/21</a:t>
             </a:fld>
             <a:endParaRPr lang="en-US"/>
           </a:p>
@@ -763,7 +763,7 @@
           <a:p>
             <a:fld id="{EEE7C04C-7AF8-1445-A186-502B631B934F}" type="datetimeFigureOut">
               <a:rPr lang="en-US" smtClean="0"/>
-              <a:t>10/1/21</a:t>
+              <a:t>10/8/21</a:t>
             </a:fld>
             <a:endParaRPr lang="en-US"/>
           </a:p>
@@ -938,7 +938,7 @@
           <a:p>
             <a:fld id="{EEE7C04C-7AF8-1445-A186-502B631B934F}" type="datetimeFigureOut">
               <a:rPr lang="en-US" smtClean="0"/>
-              <a:t>10/1/21</a:t>
+              <a:t>10/8/21</a:t>
             </a:fld>
             <a:endParaRPr lang="en-US"/>
           </a:p>
@@ -1103,7 +1103,7 @@
           <a:p>
             <a:fld id="{EEE7C04C-7AF8-1445-A186-502B631B934F}" type="datetimeFigureOut">
               <a:rPr lang="en-US" smtClean="0"/>
-              <a:t>10/1/21</a:t>
+              <a:t>10/8/21</a:t>
             </a:fld>
             <a:endParaRPr lang="en-US"/>
           </a:p>
@@ -1344,7 +1344,7 @@
           <a:p>
             <a:fld id="{EEE7C04C-7AF8-1445-A186-502B631B934F}" type="datetimeFigureOut">
               <a:rPr lang="en-US" smtClean="0"/>
-              <a:t>10/1/21</a:t>
+              <a:t>10/8/21</a:t>
             </a:fld>
             <a:endParaRPr lang="en-US"/>
           </a:p>
@@ -1571,7 +1571,7 @@
           <a:p>
             <a:fld id="{EEE7C04C-7AF8-1445-A186-502B631B934F}" type="datetimeFigureOut">
               <a:rPr lang="en-US" smtClean="0"/>
-              <a:t>10/1/21</a:t>
+              <a:t>10/8/21</a:t>
             </a:fld>
             <a:endParaRPr lang="en-US"/>
           </a:p>
@@ -1933,7 +1933,7 @@
           <a:p>
             <a:fld id="{EEE7C04C-7AF8-1445-A186-502B631B934F}" type="datetimeFigureOut">
               <a:rPr lang="en-US" smtClean="0"/>
-              <a:t>10/1/21</a:t>
+              <a:t>10/8/21</a:t>
             </a:fld>
             <a:endParaRPr lang="en-US"/>
           </a:p>
@@ -2046,7 +2046,7 @@
           <a:p>
             <a:fld id="{EEE7C04C-7AF8-1445-A186-502B631B934F}" type="datetimeFigureOut">
               <a:rPr lang="en-US" smtClean="0"/>
-              <a:t>10/1/21</a:t>
+              <a:t>10/8/21</a:t>
             </a:fld>
             <a:endParaRPr lang="en-US"/>
           </a:p>
@@ -2136,7 +2136,7 @@
           <a:p>
             <a:fld id="{EEE7C04C-7AF8-1445-A186-502B631B934F}" type="datetimeFigureOut">
               <a:rPr lang="en-US" smtClean="0"/>
-              <a:t>10/1/21</a:t>
+              <a:t>10/8/21</a:t>
             </a:fld>
             <a:endParaRPr lang="en-US"/>
           </a:p>
@@ -2408,7 +2408,7 @@
           <a:p>
             <a:fld id="{EEE7C04C-7AF8-1445-A186-502B631B934F}" type="datetimeFigureOut">
               <a:rPr lang="en-US" smtClean="0"/>
-              <a:t>10/1/21</a:t>
+              <a:t>10/8/21</a:t>
             </a:fld>
             <a:endParaRPr lang="en-US"/>
           </a:p>
@@ -2660,7 +2660,7 @@
           <a:p>
             <a:fld id="{EEE7C04C-7AF8-1445-A186-502B631B934F}" type="datetimeFigureOut">
               <a:rPr lang="en-US" smtClean="0"/>
-              <a:t>10/1/21</a:t>
+              <a:t>10/8/21</a:t>
             </a:fld>
             <a:endParaRPr lang="en-US"/>
           </a:p>
@@ -2868,7 +2868,7 @@
           <a:p>
             <a:fld id="{EEE7C04C-7AF8-1445-A186-502B631B934F}" type="datetimeFigureOut">
               <a:rPr lang="en-US" smtClean="0"/>
-              <a:t>10/1/21</a:t>
+              <a:t>10/8/21</a:t>
             </a:fld>
             <a:endParaRPr lang="en-US"/>
           </a:p>
@@ -5236,6 +5236,44 @@
           </a:fontRef>
         </p:style>
       </p:cxnSp>
+      <p:cxnSp>
+        <p:nvCxnSpPr>
+          <p:cNvPr id="49" name="Straight Arrow Connector 48"/>
+          <p:cNvCxnSpPr>
+            <a:endCxn id="80" idx="2"/>
+          </p:cNvCxnSpPr>
+          <p:nvPr/>
+        </p:nvCxnSpPr>
+        <p:spPr>
+          <a:xfrm flipV="1">
+            <a:off x="8764655" y="3938219"/>
+            <a:ext cx="473108" cy="433623"/>
+          </a:xfrm>
+          <a:prstGeom prst="straightConnector1">
+            <a:avLst/>
+          </a:prstGeom>
+          <a:ln w="38100">
+            <a:solidFill>
+              <a:schemeClr val="tx1"/>
+            </a:solidFill>
+            <a:tailEnd type="triangle"/>
+          </a:ln>
+        </p:spPr>
+        <p:style>
+          <a:lnRef idx="1">
+            <a:schemeClr val="accent1"/>
+          </a:lnRef>
+          <a:fillRef idx="0">
+            <a:schemeClr val="accent1"/>
+          </a:fillRef>
+          <a:effectRef idx="0">
+            <a:schemeClr val="accent1"/>
+          </a:effectRef>
+          <a:fontRef idx="minor">
+            <a:schemeClr val="tx1"/>
+          </a:fontRef>
+        </p:style>
+      </p:cxnSp>
     </p:spTree>
     <p:extLst>
       <p:ext uri="{BB962C8B-B14F-4D97-AF65-F5344CB8AC3E}">
@@ -6007,7 +6045,7 @@
           <a:p>
             <a:pPr algn="ctr"/>
             <a:r>
-              <a:rPr lang="en-US" dirty="0" err="1" smtClean="0"/>
+              <a:rPr lang="en-US" dirty="0" smtClean="0"/>
               <a:t>urls.py</a:t>
             </a:r>
             <a:endParaRPr lang="en-US" dirty="0"/>
@@ -6985,13 +7023,50 @@
           <a:p>
             <a:pPr algn="ctr"/>
             <a:r>
-              <a:rPr lang="en-US" sz="1600" dirty="0" err="1" smtClean="0"/>
+              <a:rPr lang="en-US" sz="1600" dirty="0" smtClean="0"/>
               <a:t>urls.py</a:t>
             </a:r>
-            <a:endParaRPr lang="en-US" sz="1600" dirty="0" smtClean="0"/>
-          </a:p>
-        </p:txBody>
-      </p:sp>
+          </a:p>
+        </p:txBody>
+      </p:sp>
+      <p:cxnSp>
+        <p:nvCxnSpPr>
+          <p:cNvPr id="45" name="Straight Arrow Connector 44"/>
+          <p:cNvCxnSpPr>
+            <a:endCxn id="14" idx="2"/>
+          </p:cNvCxnSpPr>
+          <p:nvPr/>
+        </p:nvCxnSpPr>
+        <p:spPr>
+          <a:xfrm flipV="1">
+            <a:off x="5678547" y="3895355"/>
+            <a:ext cx="473108" cy="433623"/>
+          </a:xfrm>
+          <a:prstGeom prst="straightConnector1">
+            <a:avLst/>
+          </a:prstGeom>
+          <a:ln w="38100">
+            <a:solidFill>
+              <a:schemeClr val="tx1"/>
+            </a:solidFill>
+            <a:tailEnd type="triangle"/>
+          </a:ln>
+        </p:spPr>
+        <p:style>
+          <a:lnRef idx="1">
+            <a:schemeClr val="accent1"/>
+          </a:lnRef>
+          <a:fillRef idx="0">
+            <a:schemeClr val="accent1"/>
+          </a:fillRef>
+          <a:effectRef idx="0">
+            <a:schemeClr val="accent1"/>
+          </a:effectRef>
+          <a:fontRef idx="minor">
+            <a:schemeClr val="tx1"/>
+          </a:fontRef>
+        </p:style>
+      </p:cxnSp>
     </p:spTree>
     <p:extLst>
       <p:ext uri="{BB962C8B-B14F-4D97-AF65-F5344CB8AC3E}">

--- a/lectures/bigpicture.pptx
+++ b/lectures/bigpicture.pptx
@@ -199,7 +199,7 @@
           <a:p>
             <a:fld id="{C97B56FC-7D2E-F343-9D09-0D14B00AA564}" type="datetimeFigureOut">
               <a:rPr lang="en-US" smtClean="0"/>
-              <a:t>10/8/21</a:t>
+              <a:t>10/11/21</a:t>
             </a:fld>
             <a:endParaRPr lang="en-US"/>
           </a:p>
@@ -598,7 +598,7 @@
           <a:p>
             <a:fld id="{EEE7C04C-7AF8-1445-A186-502B631B934F}" type="datetimeFigureOut">
               <a:rPr lang="en-US" smtClean="0"/>
-              <a:t>10/8/21</a:t>
+              <a:t>10/11/21</a:t>
             </a:fld>
             <a:endParaRPr lang="en-US"/>
           </a:p>
@@ -763,7 +763,7 @@
           <a:p>
             <a:fld id="{EEE7C04C-7AF8-1445-A186-502B631B934F}" type="datetimeFigureOut">
               <a:rPr lang="en-US" smtClean="0"/>
-              <a:t>10/8/21</a:t>
+              <a:t>10/11/21</a:t>
             </a:fld>
             <a:endParaRPr lang="en-US"/>
           </a:p>
@@ -938,7 +938,7 @@
           <a:p>
             <a:fld id="{EEE7C04C-7AF8-1445-A186-502B631B934F}" type="datetimeFigureOut">
               <a:rPr lang="en-US" smtClean="0"/>
-              <a:t>10/8/21</a:t>
+              <a:t>10/11/21</a:t>
             </a:fld>
             <a:endParaRPr lang="en-US"/>
           </a:p>
@@ -1103,7 +1103,7 @@
           <a:p>
             <a:fld id="{EEE7C04C-7AF8-1445-A186-502B631B934F}" type="datetimeFigureOut">
               <a:rPr lang="en-US" smtClean="0"/>
-              <a:t>10/8/21</a:t>
+              <a:t>10/11/21</a:t>
             </a:fld>
             <a:endParaRPr lang="en-US"/>
           </a:p>
@@ -1344,7 +1344,7 @@
           <a:p>
             <a:fld id="{EEE7C04C-7AF8-1445-A186-502B631B934F}" type="datetimeFigureOut">
               <a:rPr lang="en-US" smtClean="0"/>
-              <a:t>10/8/21</a:t>
+              <a:t>10/11/21</a:t>
             </a:fld>
             <a:endParaRPr lang="en-US"/>
           </a:p>
@@ -1571,7 +1571,7 @@
           <a:p>
             <a:fld id="{EEE7C04C-7AF8-1445-A186-502B631B934F}" type="datetimeFigureOut">
               <a:rPr lang="en-US" smtClean="0"/>
-              <a:t>10/8/21</a:t>
+              <a:t>10/11/21</a:t>
             </a:fld>
             <a:endParaRPr lang="en-US"/>
           </a:p>
@@ -1933,7 +1933,7 @@
           <a:p>
             <a:fld id="{EEE7C04C-7AF8-1445-A186-502B631B934F}" type="datetimeFigureOut">
               <a:rPr lang="en-US" smtClean="0"/>
-              <a:t>10/8/21</a:t>
+              <a:t>10/11/21</a:t>
             </a:fld>
             <a:endParaRPr lang="en-US"/>
           </a:p>
@@ -2046,7 +2046,7 @@
           <a:p>
             <a:fld id="{EEE7C04C-7AF8-1445-A186-502B631B934F}" type="datetimeFigureOut">
               <a:rPr lang="en-US" smtClean="0"/>
-              <a:t>10/8/21</a:t>
+              <a:t>10/11/21</a:t>
             </a:fld>
             <a:endParaRPr lang="en-US"/>
           </a:p>
@@ -2136,7 +2136,7 @@
           <a:p>
             <a:fld id="{EEE7C04C-7AF8-1445-A186-502B631B934F}" type="datetimeFigureOut">
               <a:rPr lang="en-US" smtClean="0"/>
-              <a:t>10/8/21</a:t>
+              <a:t>10/11/21</a:t>
             </a:fld>
             <a:endParaRPr lang="en-US"/>
           </a:p>
@@ -2408,7 +2408,7 @@
           <a:p>
             <a:fld id="{EEE7C04C-7AF8-1445-A186-502B631B934F}" type="datetimeFigureOut">
               <a:rPr lang="en-US" smtClean="0"/>
-              <a:t>10/8/21</a:t>
+              <a:t>10/11/21</a:t>
             </a:fld>
             <a:endParaRPr lang="en-US"/>
           </a:p>
@@ -2660,7 +2660,7 @@
           <a:p>
             <a:fld id="{EEE7C04C-7AF8-1445-A186-502B631B934F}" type="datetimeFigureOut">
               <a:rPr lang="en-US" smtClean="0"/>
-              <a:t>10/8/21</a:t>
+              <a:t>10/11/21</a:t>
             </a:fld>
             <a:endParaRPr lang="en-US"/>
           </a:p>
@@ -2868,7 +2868,7 @@
           <a:p>
             <a:fld id="{EEE7C04C-7AF8-1445-A186-502B631B934F}" type="datetimeFigureOut">
               <a:rPr lang="en-US" smtClean="0"/>
-              <a:t>10/8/21</a:t>
+              <a:t>10/11/21</a:t>
             </a:fld>
             <a:endParaRPr lang="en-US"/>
           </a:p>
@@ -3917,14 +3917,25 @@
           <a:p>
             <a:pPr algn="ctr"/>
             <a:r>
-              <a:rPr lang="en-US" smtClean="0">
+              <a:rPr lang="en-US" dirty="0" smtClean="0">
                 <a:solidFill>
                   <a:schemeClr val="bg1"/>
                 </a:solidFill>
               </a:rPr>
               <a:t>Routing</a:t>
             </a:r>
-            <a:endParaRPr lang="en-US">
+          </a:p>
+          <a:p>
+            <a:pPr algn="ctr"/>
+            <a:r>
+              <a:rPr lang="en-US" dirty="0" err="1" smtClean="0">
+                <a:solidFill>
+                  <a:schemeClr val="bg1"/>
+                </a:solidFill>
+              </a:rPr>
+              <a:t>MiddleWare</a:t>
+            </a:r>
+            <a:endParaRPr lang="en-US" dirty="0">
               <a:solidFill>
                 <a:schemeClr val="bg1"/>
               </a:solidFill>
@@ -5564,6 +5575,11 @@
               </a:rPr>
               <a:t>Routing</a:t>
             </a:r>
+            <a:endParaRPr lang="en-US" dirty="0" smtClean="0">
+              <a:solidFill>
+                <a:schemeClr val="bg1"/>
+              </a:solidFill>
+            </a:endParaRPr>
           </a:p>
           <a:p>
             <a:pPr algn="ctr"/>
@@ -5573,8 +5589,13 @@
                   <a:schemeClr val="bg1"/>
                 </a:solidFill>
               </a:rPr>
-              <a:t>Middle</a:t>
-            </a:r>
+              <a:t>+Middle</a:t>
+            </a:r>
+            <a:endParaRPr lang="en-US" dirty="0" smtClean="0">
+              <a:solidFill>
+                <a:schemeClr val="bg1"/>
+              </a:solidFill>
+            </a:endParaRPr>
           </a:p>
           <a:p>
             <a:pPr algn="ctr"/>

--- a/lectures/bigpicture.pptx
+++ b/lectures/bigpicture.pptx
@@ -199,7 +199,7 @@
           <a:p>
             <a:fld id="{C97B56FC-7D2E-F343-9D09-0D14B00AA564}" type="datetimeFigureOut">
               <a:rPr lang="en-US" smtClean="0"/>
-              <a:t>10/11/21</a:t>
+              <a:t>2/10/23</a:t>
             </a:fld>
             <a:endParaRPr lang="en-US"/>
           </a:p>
@@ -263,38 +263,37 @@
           <a:p>
             <a:pPr lvl="0"/>
             <a:r>
-              <a:rPr lang="en-US" smtClean="0"/>
+              <a:rPr lang="en-US"/>
               <a:t>Click to edit Master text styles</a:t>
             </a:r>
           </a:p>
           <a:p>
             <a:pPr lvl="1"/>
             <a:r>
-              <a:rPr lang="en-US" smtClean="0"/>
+              <a:rPr lang="en-US"/>
               <a:t>Second level</a:t>
             </a:r>
           </a:p>
           <a:p>
             <a:pPr lvl="2"/>
             <a:r>
-              <a:rPr lang="en-US" smtClean="0"/>
+              <a:rPr lang="en-US"/>
               <a:t>Third level</a:t>
             </a:r>
           </a:p>
           <a:p>
             <a:pPr lvl="3"/>
             <a:r>
-              <a:rPr lang="en-US" smtClean="0"/>
+              <a:rPr lang="en-US"/>
               <a:t>Fourth level</a:t>
             </a:r>
           </a:p>
           <a:p>
             <a:pPr lvl="4"/>
             <a:r>
-              <a:rPr lang="en-US" smtClean="0"/>
+              <a:rPr lang="en-US"/>
               <a:t>Fifth level</a:t>
             </a:r>
-            <a:endParaRPr lang="en-US"/>
           </a:p>
         </p:txBody>
       </p:sp>
@@ -509,10 +508,9 @@
           </a:lstStyle>
           <a:p>
             <a:r>
-              <a:rPr lang="en-US" dirty="0" smtClean="0"/>
+              <a:rPr lang="en-US" dirty="0"/>
               <a:t>Click to edit Master title style</a:t>
             </a:r>
-            <a:endParaRPr lang="en-US" dirty="0"/>
           </a:p>
         </p:txBody>
       </p:sp>
@@ -574,7 +572,7 @@
           </a:lstStyle>
           <a:p>
             <a:r>
-              <a:rPr lang="en-US" smtClean="0"/>
+              <a:rPr lang="en-US"/>
               <a:t>Click to edit Master subtitle style</a:t>
             </a:r>
             <a:endParaRPr lang="en-US" dirty="0"/>
@@ -598,7 +596,7 @@
           <a:p>
             <a:fld id="{EEE7C04C-7AF8-1445-A186-502B631B934F}" type="datetimeFigureOut">
               <a:rPr lang="en-US" smtClean="0"/>
-              <a:t>10/11/21</a:t>
+              <a:t>2/10/23</a:t>
             </a:fld>
             <a:endParaRPr lang="en-US"/>
           </a:p>
@@ -687,7 +685,7 @@
           <a:lstStyle/>
           <a:p>
             <a:r>
-              <a:rPr lang="en-US" smtClean="0"/>
+              <a:rPr lang="en-US"/>
               <a:t>Click to edit Master title style</a:t>
             </a:r>
             <a:endParaRPr lang="en-US" dirty="0"/>
@@ -711,35 +709,35 @@
           <a:p>
             <a:pPr lvl="0"/>
             <a:r>
-              <a:rPr lang="en-US" smtClean="0"/>
+              <a:rPr lang="en-US"/>
               <a:t>Click to edit Master text styles</a:t>
             </a:r>
           </a:p>
           <a:p>
             <a:pPr lvl="1"/>
             <a:r>
-              <a:rPr lang="en-US" smtClean="0"/>
+              <a:rPr lang="en-US"/>
               <a:t>Second level</a:t>
             </a:r>
           </a:p>
           <a:p>
             <a:pPr lvl="2"/>
             <a:r>
-              <a:rPr lang="en-US" smtClean="0"/>
+              <a:rPr lang="en-US"/>
               <a:t>Third level</a:t>
             </a:r>
           </a:p>
           <a:p>
             <a:pPr lvl="3"/>
             <a:r>
-              <a:rPr lang="en-US" smtClean="0"/>
+              <a:rPr lang="en-US"/>
               <a:t>Fourth level</a:t>
             </a:r>
           </a:p>
           <a:p>
             <a:pPr lvl="4"/>
             <a:r>
-              <a:rPr lang="en-US" smtClean="0"/>
+              <a:rPr lang="en-US"/>
               <a:t>Fifth level</a:t>
             </a:r>
             <a:endParaRPr lang="en-US" dirty="0"/>
@@ -763,7 +761,7 @@
           <a:p>
             <a:fld id="{EEE7C04C-7AF8-1445-A186-502B631B934F}" type="datetimeFigureOut">
               <a:rPr lang="en-US" smtClean="0"/>
-              <a:t>10/11/21</a:t>
+              <a:t>2/10/23</a:t>
             </a:fld>
             <a:endParaRPr lang="en-US"/>
           </a:p>
@@ -857,7 +855,7 @@
           <a:lstStyle/>
           <a:p>
             <a:r>
-              <a:rPr lang="en-US" smtClean="0"/>
+              <a:rPr lang="en-US"/>
               <a:t>Click to edit Master title style</a:t>
             </a:r>
             <a:endParaRPr lang="en-US" dirty="0"/>
@@ -886,35 +884,35 @@
           <a:p>
             <a:pPr lvl="0"/>
             <a:r>
-              <a:rPr lang="en-US" smtClean="0"/>
+              <a:rPr lang="en-US"/>
               <a:t>Click to edit Master text styles</a:t>
             </a:r>
           </a:p>
           <a:p>
             <a:pPr lvl="1"/>
             <a:r>
-              <a:rPr lang="en-US" smtClean="0"/>
+              <a:rPr lang="en-US"/>
               <a:t>Second level</a:t>
             </a:r>
           </a:p>
           <a:p>
             <a:pPr lvl="2"/>
             <a:r>
-              <a:rPr lang="en-US" smtClean="0"/>
+              <a:rPr lang="en-US"/>
               <a:t>Third level</a:t>
             </a:r>
           </a:p>
           <a:p>
             <a:pPr lvl="3"/>
             <a:r>
-              <a:rPr lang="en-US" smtClean="0"/>
+              <a:rPr lang="en-US"/>
               <a:t>Fourth level</a:t>
             </a:r>
           </a:p>
           <a:p>
             <a:pPr lvl="4"/>
             <a:r>
-              <a:rPr lang="en-US" smtClean="0"/>
+              <a:rPr lang="en-US"/>
               <a:t>Fifth level</a:t>
             </a:r>
             <a:endParaRPr lang="en-US" dirty="0"/>
@@ -938,7 +936,7 @@
           <a:p>
             <a:fld id="{EEE7C04C-7AF8-1445-A186-502B631B934F}" type="datetimeFigureOut">
               <a:rPr lang="en-US" smtClean="0"/>
-              <a:t>10/11/21</a:t>
+              <a:t>2/10/23</a:t>
             </a:fld>
             <a:endParaRPr lang="en-US"/>
           </a:p>
@@ -1027,7 +1025,7 @@
           <a:lstStyle/>
           <a:p>
             <a:r>
-              <a:rPr lang="en-US" smtClean="0"/>
+              <a:rPr lang="en-US"/>
               <a:t>Click to edit Master title style</a:t>
             </a:r>
             <a:endParaRPr lang="en-US" dirty="0"/>
@@ -1051,35 +1049,35 @@
           <a:p>
             <a:pPr lvl="0"/>
             <a:r>
-              <a:rPr lang="en-US" smtClean="0"/>
+              <a:rPr lang="en-US"/>
               <a:t>Click to edit Master text styles</a:t>
             </a:r>
           </a:p>
           <a:p>
             <a:pPr lvl="1"/>
             <a:r>
-              <a:rPr lang="en-US" smtClean="0"/>
+              <a:rPr lang="en-US"/>
               <a:t>Second level</a:t>
             </a:r>
           </a:p>
           <a:p>
             <a:pPr lvl="2"/>
             <a:r>
-              <a:rPr lang="en-US" smtClean="0"/>
+              <a:rPr lang="en-US"/>
               <a:t>Third level</a:t>
             </a:r>
           </a:p>
           <a:p>
             <a:pPr lvl="3"/>
             <a:r>
-              <a:rPr lang="en-US" smtClean="0"/>
+              <a:rPr lang="en-US"/>
               <a:t>Fourth level</a:t>
             </a:r>
           </a:p>
           <a:p>
             <a:pPr lvl="4"/>
             <a:r>
-              <a:rPr lang="en-US" smtClean="0"/>
+              <a:rPr lang="en-US"/>
               <a:t>Fifth level</a:t>
             </a:r>
             <a:endParaRPr lang="en-US" dirty="0"/>
@@ -1103,7 +1101,7 @@
           <a:p>
             <a:fld id="{EEE7C04C-7AF8-1445-A186-502B631B934F}" type="datetimeFigureOut">
               <a:rPr lang="en-US" smtClean="0"/>
-              <a:t>10/11/21</a:t>
+              <a:t>2/10/23</a:t>
             </a:fld>
             <a:endParaRPr lang="en-US"/>
           </a:p>
@@ -1201,7 +1199,7 @@
           </a:lstStyle>
           <a:p>
             <a:r>
-              <a:rPr lang="en-US" smtClean="0"/>
+              <a:rPr lang="en-US"/>
               <a:t>Click to edit Master title style</a:t>
             </a:r>
             <a:endParaRPr lang="en-US" dirty="0"/>
@@ -1321,7 +1319,7 @@
           <a:p>
             <a:pPr lvl="0"/>
             <a:r>
-              <a:rPr lang="en-US" smtClean="0"/>
+              <a:rPr lang="en-US"/>
               <a:t>Click to edit Master text styles</a:t>
             </a:r>
           </a:p>
@@ -1344,7 +1342,7 @@
           <a:p>
             <a:fld id="{EEE7C04C-7AF8-1445-A186-502B631B934F}" type="datetimeFigureOut">
               <a:rPr lang="en-US" smtClean="0"/>
-              <a:t>10/11/21</a:t>
+              <a:t>2/10/23</a:t>
             </a:fld>
             <a:endParaRPr lang="en-US"/>
           </a:p>
@@ -1433,7 +1431,7 @@
           <a:lstStyle/>
           <a:p>
             <a:r>
-              <a:rPr lang="en-US" smtClean="0"/>
+              <a:rPr lang="en-US"/>
               <a:t>Click to edit Master title style</a:t>
             </a:r>
             <a:endParaRPr lang="en-US" dirty="0"/>
@@ -1462,35 +1460,35 @@
           <a:p>
             <a:pPr lvl="0"/>
             <a:r>
-              <a:rPr lang="en-US" smtClean="0"/>
+              <a:rPr lang="en-US"/>
               <a:t>Click to edit Master text styles</a:t>
             </a:r>
           </a:p>
           <a:p>
             <a:pPr lvl="1"/>
             <a:r>
-              <a:rPr lang="en-US" smtClean="0"/>
+              <a:rPr lang="en-US"/>
               <a:t>Second level</a:t>
             </a:r>
           </a:p>
           <a:p>
             <a:pPr lvl="2"/>
             <a:r>
-              <a:rPr lang="en-US" smtClean="0"/>
+              <a:rPr lang="en-US"/>
               <a:t>Third level</a:t>
             </a:r>
           </a:p>
           <a:p>
             <a:pPr lvl="3"/>
             <a:r>
-              <a:rPr lang="en-US" smtClean="0"/>
+              <a:rPr lang="en-US"/>
               <a:t>Fourth level</a:t>
             </a:r>
           </a:p>
           <a:p>
             <a:pPr lvl="4"/>
             <a:r>
-              <a:rPr lang="en-US" smtClean="0"/>
+              <a:rPr lang="en-US"/>
               <a:t>Fifth level</a:t>
             </a:r>
             <a:endParaRPr lang="en-US" dirty="0"/>
@@ -1519,35 +1517,35 @@
           <a:p>
             <a:pPr lvl="0"/>
             <a:r>
-              <a:rPr lang="en-US" smtClean="0"/>
+              <a:rPr lang="en-US"/>
               <a:t>Click to edit Master text styles</a:t>
             </a:r>
           </a:p>
           <a:p>
             <a:pPr lvl="1"/>
             <a:r>
-              <a:rPr lang="en-US" smtClean="0"/>
+              <a:rPr lang="en-US"/>
               <a:t>Second level</a:t>
             </a:r>
           </a:p>
           <a:p>
             <a:pPr lvl="2"/>
             <a:r>
-              <a:rPr lang="en-US" smtClean="0"/>
+              <a:rPr lang="en-US"/>
               <a:t>Third level</a:t>
             </a:r>
           </a:p>
           <a:p>
             <a:pPr lvl="3"/>
             <a:r>
-              <a:rPr lang="en-US" smtClean="0"/>
+              <a:rPr lang="en-US"/>
               <a:t>Fourth level</a:t>
             </a:r>
           </a:p>
           <a:p>
             <a:pPr lvl="4"/>
             <a:r>
-              <a:rPr lang="en-US" smtClean="0"/>
+              <a:rPr lang="en-US"/>
               <a:t>Fifth level</a:t>
             </a:r>
             <a:endParaRPr lang="en-US" dirty="0"/>
@@ -1571,7 +1569,7 @@
           <a:p>
             <a:fld id="{EEE7C04C-7AF8-1445-A186-502B631B934F}" type="datetimeFigureOut">
               <a:rPr lang="en-US" smtClean="0"/>
-              <a:t>10/11/21</a:t>
+              <a:t>2/10/23</a:t>
             </a:fld>
             <a:endParaRPr lang="en-US"/>
           </a:p>
@@ -1665,7 +1663,7 @@
           <a:lstStyle/>
           <a:p>
             <a:r>
-              <a:rPr lang="en-US" smtClean="0"/>
+              <a:rPr lang="en-US"/>
               <a:t>Click to edit Master title style</a:t>
             </a:r>
             <a:endParaRPr lang="en-US" dirty="0"/>
@@ -1731,7 +1729,7 @@
           <a:p>
             <a:pPr lvl="0"/>
             <a:r>
-              <a:rPr lang="en-US" smtClean="0"/>
+              <a:rPr lang="en-US"/>
               <a:t>Click to edit Master text styles</a:t>
             </a:r>
           </a:p>
@@ -1759,35 +1757,35 @@
           <a:p>
             <a:pPr lvl="0"/>
             <a:r>
-              <a:rPr lang="en-US" smtClean="0"/>
+              <a:rPr lang="en-US"/>
               <a:t>Click to edit Master text styles</a:t>
             </a:r>
           </a:p>
           <a:p>
             <a:pPr lvl="1"/>
             <a:r>
-              <a:rPr lang="en-US" smtClean="0"/>
+              <a:rPr lang="en-US"/>
               <a:t>Second level</a:t>
             </a:r>
           </a:p>
           <a:p>
             <a:pPr lvl="2"/>
             <a:r>
-              <a:rPr lang="en-US" smtClean="0"/>
+              <a:rPr lang="en-US"/>
               <a:t>Third level</a:t>
             </a:r>
           </a:p>
           <a:p>
             <a:pPr lvl="3"/>
             <a:r>
-              <a:rPr lang="en-US" smtClean="0"/>
+              <a:rPr lang="en-US"/>
               <a:t>Fourth level</a:t>
             </a:r>
           </a:p>
           <a:p>
             <a:pPr lvl="4"/>
             <a:r>
-              <a:rPr lang="en-US" smtClean="0"/>
+              <a:rPr lang="en-US"/>
               <a:t>Fifth level</a:t>
             </a:r>
             <a:endParaRPr lang="en-US" dirty="0"/>
@@ -1853,7 +1851,7 @@
           <a:p>
             <a:pPr lvl="0"/>
             <a:r>
-              <a:rPr lang="en-US" smtClean="0"/>
+              <a:rPr lang="en-US"/>
               <a:t>Click to edit Master text styles</a:t>
             </a:r>
           </a:p>
@@ -1881,35 +1879,35 @@
           <a:p>
             <a:pPr lvl="0"/>
             <a:r>
-              <a:rPr lang="en-US" smtClean="0"/>
+              <a:rPr lang="en-US"/>
               <a:t>Click to edit Master text styles</a:t>
             </a:r>
           </a:p>
           <a:p>
             <a:pPr lvl="1"/>
             <a:r>
-              <a:rPr lang="en-US" smtClean="0"/>
+              <a:rPr lang="en-US"/>
               <a:t>Second level</a:t>
             </a:r>
           </a:p>
           <a:p>
             <a:pPr lvl="2"/>
             <a:r>
-              <a:rPr lang="en-US" smtClean="0"/>
+              <a:rPr lang="en-US"/>
               <a:t>Third level</a:t>
             </a:r>
           </a:p>
           <a:p>
             <a:pPr lvl="3"/>
             <a:r>
-              <a:rPr lang="en-US" smtClean="0"/>
+              <a:rPr lang="en-US"/>
               <a:t>Fourth level</a:t>
             </a:r>
           </a:p>
           <a:p>
             <a:pPr lvl="4"/>
             <a:r>
-              <a:rPr lang="en-US" smtClean="0"/>
+              <a:rPr lang="en-US"/>
               <a:t>Fifth level</a:t>
             </a:r>
             <a:endParaRPr lang="en-US" dirty="0"/>
@@ -1933,7 +1931,7 @@
           <a:p>
             <a:fld id="{EEE7C04C-7AF8-1445-A186-502B631B934F}" type="datetimeFigureOut">
               <a:rPr lang="en-US" smtClean="0"/>
-              <a:t>10/11/21</a:t>
+              <a:t>2/10/23</a:t>
             </a:fld>
             <a:endParaRPr lang="en-US"/>
           </a:p>
@@ -2022,7 +2020,7 @@
           <a:lstStyle/>
           <a:p>
             <a:r>
-              <a:rPr lang="en-US" smtClean="0"/>
+              <a:rPr lang="en-US"/>
               <a:t>Click to edit Master title style</a:t>
             </a:r>
             <a:endParaRPr lang="en-US" dirty="0"/>
@@ -2046,7 +2044,7 @@
           <a:p>
             <a:fld id="{EEE7C04C-7AF8-1445-A186-502B631B934F}" type="datetimeFigureOut">
               <a:rPr lang="en-US" smtClean="0"/>
-              <a:t>10/11/21</a:t>
+              <a:t>2/10/23</a:t>
             </a:fld>
             <a:endParaRPr lang="en-US"/>
           </a:p>
@@ -2136,7 +2134,7 @@
           <a:p>
             <a:fld id="{EEE7C04C-7AF8-1445-A186-502B631B934F}" type="datetimeFigureOut">
               <a:rPr lang="en-US" smtClean="0"/>
-              <a:t>10/11/21</a:t>
+              <a:t>2/10/23</a:t>
             </a:fld>
             <a:endParaRPr lang="en-US"/>
           </a:p>
@@ -2234,7 +2232,7 @@
           </a:lstStyle>
           <a:p>
             <a:r>
-              <a:rPr lang="en-US" smtClean="0"/>
+              <a:rPr lang="en-US"/>
               <a:t>Click to edit Master title style</a:t>
             </a:r>
             <a:endParaRPr lang="en-US" dirty="0"/>
@@ -2291,35 +2289,35 @@
           <a:p>
             <a:pPr lvl="0"/>
             <a:r>
-              <a:rPr lang="en-US" smtClean="0"/>
+              <a:rPr lang="en-US"/>
               <a:t>Click to edit Master text styles</a:t>
             </a:r>
           </a:p>
           <a:p>
             <a:pPr lvl="1"/>
             <a:r>
-              <a:rPr lang="en-US" smtClean="0"/>
+              <a:rPr lang="en-US"/>
               <a:t>Second level</a:t>
             </a:r>
           </a:p>
           <a:p>
             <a:pPr lvl="2"/>
             <a:r>
-              <a:rPr lang="en-US" smtClean="0"/>
+              <a:rPr lang="en-US"/>
               <a:t>Third level</a:t>
             </a:r>
           </a:p>
           <a:p>
             <a:pPr lvl="3"/>
             <a:r>
-              <a:rPr lang="en-US" smtClean="0"/>
+              <a:rPr lang="en-US"/>
               <a:t>Fourth level</a:t>
             </a:r>
           </a:p>
           <a:p>
             <a:pPr lvl="4"/>
             <a:r>
-              <a:rPr lang="en-US" smtClean="0"/>
+              <a:rPr lang="en-US"/>
               <a:t>Fifth level</a:t>
             </a:r>
             <a:endParaRPr lang="en-US" dirty="0"/>
@@ -2385,7 +2383,7 @@
           <a:p>
             <a:pPr lvl="0"/>
             <a:r>
-              <a:rPr lang="en-US" smtClean="0"/>
+              <a:rPr lang="en-US"/>
               <a:t>Click to edit Master text styles</a:t>
             </a:r>
           </a:p>
@@ -2408,7 +2406,7 @@
           <a:p>
             <a:fld id="{EEE7C04C-7AF8-1445-A186-502B631B934F}" type="datetimeFigureOut">
               <a:rPr lang="en-US" smtClean="0"/>
-              <a:t>10/11/21</a:t>
+              <a:t>2/10/23</a:t>
             </a:fld>
             <a:endParaRPr lang="en-US"/>
           </a:p>
@@ -2506,7 +2504,7 @@
           </a:lstStyle>
           <a:p>
             <a:r>
-              <a:rPr lang="en-US" smtClean="0"/>
+              <a:rPr lang="en-US"/>
               <a:t>Click to edit Master title style</a:t>
             </a:r>
             <a:endParaRPr lang="en-US" dirty="0"/>
@@ -2571,7 +2569,7 @@
           </a:lstStyle>
           <a:p>
             <a:r>
-              <a:rPr lang="en-US" smtClean="0"/>
+              <a:rPr lang="en-US"/>
               <a:t>Drag picture to placeholder or click icon to add</a:t>
             </a:r>
             <a:endParaRPr lang="en-US" dirty="0"/>
@@ -2637,7 +2635,7 @@
           <a:p>
             <a:pPr lvl="0"/>
             <a:r>
-              <a:rPr lang="en-US" smtClean="0"/>
+              <a:rPr lang="en-US"/>
               <a:t>Click to edit Master text styles</a:t>
             </a:r>
           </a:p>
@@ -2660,7 +2658,7 @@
           <a:p>
             <a:fld id="{EEE7C04C-7AF8-1445-A186-502B631B934F}" type="datetimeFigureOut">
               <a:rPr lang="en-US" smtClean="0"/>
-              <a:t>10/11/21</a:t>
+              <a:t>2/10/23</a:t>
             </a:fld>
             <a:endParaRPr lang="en-US"/>
           </a:p>
@@ -2764,10 +2762,9 @@
           <a:lstStyle/>
           <a:p>
             <a:r>
-              <a:rPr lang="en-US" dirty="0" smtClean="0"/>
+              <a:rPr lang="en-US" dirty="0"/>
               <a:t>Click to edit Master title style</a:t>
             </a:r>
-            <a:endParaRPr lang="en-US" dirty="0"/>
           </a:p>
         </p:txBody>
       </p:sp>
@@ -2798,35 +2795,35 @@
           <a:p>
             <a:pPr lvl="0"/>
             <a:r>
-              <a:rPr lang="en-US" smtClean="0"/>
+              <a:rPr lang="en-US"/>
               <a:t>Click to edit Master text styles</a:t>
             </a:r>
           </a:p>
           <a:p>
             <a:pPr lvl="1"/>
             <a:r>
-              <a:rPr lang="en-US" smtClean="0"/>
+              <a:rPr lang="en-US"/>
               <a:t>Second level</a:t>
             </a:r>
           </a:p>
           <a:p>
             <a:pPr lvl="2"/>
             <a:r>
-              <a:rPr lang="en-US" smtClean="0"/>
+              <a:rPr lang="en-US"/>
               <a:t>Third level</a:t>
             </a:r>
           </a:p>
           <a:p>
             <a:pPr lvl="3"/>
             <a:r>
-              <a:rPr lang="en-US" smtClean="0"/>
+              <a:rPr lang="en-US"/>
               <a:t>Fourth level</a:t>
             </a:r>
           </a:p>
           <a:p>
             <a:pPr lvl="4"/>
             <a:r>
-              <a:rPr lang="en-US" smtClean="0"/>
+              <a:rPr lang="en-US"/>
               <a:t>Fifth level</a:t>
             </a:r>
             <a:endParaRPr lang="en-US" dirty="0"/>
@@ -2868,7 +2865,7 @@
           <a:p>
             <a:fld id="{EEE7C04C-7AF8-1445-A186-502B631B934F}" type="datetimeFigureOut">
               <a:rPr lang="en-US" smtClean="0"/>
-              <a:t>10/11/21</a:t>
+              <a:t>2/10/23</a:t>
             </a:fld>
             <a:endParaRPr lang="en-US"/>
           </a:p>
@@ -3315,10 +3312,9 @@
           <a:p>
             <a:pPr algn="r"/>
             <a:r>
-              <a:rPr lang="en-US" dirty="0" smtClean="0"/>
+              <a:rPr lang="en-US" dirty="0"/>
               <a:t>Browser</a:t>
             </a:r>
-            <a:endParaRPr lang="en-US" dirty="0"/>
           </a:p>
         </p:txBody>
       </p:sp>
@@ -3419,24 +3415,23 @@
           <a:p>
             <a:pPr algn="ctr"/>
             <a:r>
-              <a:rPr lang="en-US" dirty="0" smtClean="0"/>
+              <a:rPr lang="en-US" dirty="0"/>
               <a:t>D</a:t>
             </a:r>
           </a:p>
           <a:p>
             <a:pPr algn="ctr"/>
             <a:r>
-              <a:rPr lang="en-US" dirty="0" smtClean="0"/>
+              <a:rPr lang="en-US" dirty="0"/>
               <a:t>O</a:t>
             </a:r>
           </a:p>
           <a:p>
             <a:pPr algn="ctr"/>
             <a:r>
-              <a:rPr lang="en-US" dirty="0" smtClean="0"/>
+              <a:rPr lang="en-US" dirty="0"/>
               <a:t>M</a:t>
             </a:r>
-            <a:endParaRPr lang="en-US" dirty="0"/>
           </a:p>
         </p:txBody>
       </p:sp>
@@ -3481,7 +3476,7 @@
           <a:p>
             <a:pPr algn="ctr"/>
             <a:r>
-              <a:rPr lang="en-US" dirty="0" smtClean="0">
+              <a:rPr lang="en-US" dirty="0">
                 <a:solidFill>
                   <a:schemeClr val="tx1"/>
                 </a:solidFill>
@@ -3492,18 +3487,13 @@
           <a:p>
             <a:pPr algn="ctr"/>
             <a:r>
-              <a:rPr lang="en-US" dirty="0" smtClean="0">
+              <a:rPr lang="en-US" dirty="0">
                 <a:solidFill>
                   <a:schemeClr val="tx1"/>
                 </a:solidFill>
               </a:rPr>
               <a:t>Response</a:t>
             </a:r>
-            <a:endParaRPr lang="en-US" dirty="0">
-              <a:solidFill>
-                <a:schemeClr val="tx1"/>
-              </a:solidFill>
-            </a:endParaRPr>
           </a:p>
         </p:txBody>
       </p:sp>
@@ -3553,7 +3543,7 @@
           <a:lstStyle/>
           <a:p>
             <a:r>
-              <a:rPr lang="en-US" dirty="0" err="1" smtClean="0"/>
+              <a:rPr lang="en-US" dirty="0" err="1"/>
               <a:t>Javascript</a:t>
             </a:r>
             <a:endParaRPr lang="en-US" dirty="0"/>
@@ -3740,7 +3730,7 @@
           <a:p>
             <a:pPr algn="ctr"/>
             <a:r>
-              <a:rPr lang="en-US" dirty="0" smtClean="0"/>
+              <a:rPr lang="en-US" dirty="0"/>
               <a:t>Click</a:t>
             </a:r>
           </a:p>
@@ -3788,10 +3778,9 @@
           <a:p>
             <a:pPr algn="r"/>
             <a:r>
-              <a:rPr lang="en-US" dirty="0" smtClean="0"/>
+              <a:rPr lang="en-US" dirty="0"/>
               <a:t>Linux</a:t>
             </a:r>
-            <a:endParaRPr lang="en-US" dirty="0"/>
           </a:p>
         </p:txBody>
       </p:sp>
@@ -3840,10 +3829,9 @@
           <a:p>
             <a:pPr algn="r"/>
             <a:r>
-              <a:rPr lang="en-US" dirty="0" smtClean="0"/>
+              <a:rPr lang="en-US" dirty="0"/>
               <a:t>Django</a:t>
             </a:r>
-            <a:endParaRPr lang="en-US" dirty="0"/>
           </a:p>
         </p:txBody>
       </p:sp>
@@ -3872,7 +3860,7 @@
           <a:lstStyle/>
           <a:p>
             <a:r>
-              <a:rPr lang="en-US" dirty="0" err="1" smtClean="0"/>
+              <a:rPr lang="en-US" dirty="0" err="1"/>
               <a:t>WGSIConfig</a:t>
             </a:r>
             <a:endParaRPr lang="en-US" dirty="0"/>
@@ -3917,7 +3905,7 @@
           <a:p>
             <a:pPr algn="ctr"/>
             <a:r>
-              <a:rPr lang="en-US" dirty="0" smtClean="0">
+              <a:rPr lang="en-US" dirty="0">
                 <a:solidFill>
                   <a:schemeClr val="bg1"/>
                 </a:solidFill>
@@ -3928,7 +3916,7 @@
           <a:p>
             <a:pPr algn="ctr"/>
             <a:r>
-              <a:rPr lang="en-US" dirty="0" err="1" smtClean="0">
+              <a:rPr lang="en-US" dirty="0" err="1">
                 <a:solidFill>
                   <a:schemeClr val="bg1"/>
                 </a:solidFill>
@@ -3981,18 +3969,13 @@
           <a:p>
             <a:pPr algn="ctr"/>
             <a:r>
-              <a:rPr lang="en-US" dirty="0" smtClean="0">
+              <a:rPr lang="en-US" dirty="0">
                 <a:solidFill>
                   <a:schemeClr val="bg1"/>
                 </a:solidFill>
               </a:rPr>
               <a:t>Views</a:t>
             </a:r>
-            <a:endParaRPr lang="en-US" dirty="0">
-              <a:solidFill>
-                <a:schemeClr val="bg1"/>
-              </a:solidFill>
-            </a:endParaRPr>
           </a:p>
         </p:txBody>
       </p:sp>
@@ -4036,10 +4019,9 @@
           <a:p>
             <a:pPr algn="ctr"/>
             <a:r>
-              <a:rPr lang="en-US" dirty="0" smtClean="0"/>
+              <a:rPr lang="en-US" dirty="0"/>
               <a:t>Database</a:t>
             </a:r>
-            <a:endParaRPr lang="en-US" dirty="0"/>
           </a:p>
         </p:txBody>
       </p:sp>
@@ -4078,10 +4060,10 @@
           <a:p>
             <a:pPr algn="ctr"/>
             <a:r>
-              <a:rPr lang="en-US" smtClean="0"/>
+              <a:rPr lang="en-US"/>
               <a:t>Templates</a:t>
             </a:r>
-            <a:endParaRPr lang="en-US" dirty="0" smtClean="0"/>
+            <a:endParaRPr lang="en-US" dirty="0"/>
           </a:p>
         </p:txBody>
       </p:sp>
@@ -4120,7 +4102,7 @@
           <a:p>
             <a:pPr algn="ctr"/>
             <a:r>
-              <a:rPr lang="en-US" smtClean="0"/>
+              <a:rPr lang="en-US"/>
               <a:t>settings.py</a:t>
             </a:r>
             <a:endParaRPr lang="en-US" dirty="0"/>
@@ -4393,7 +4375,7 @@
           <a:p>
             <a:pPr algn="ctr"/>
             <a:r>
-              <a:rPr lang="en-US" dirty="0" err="1" smtClean="0"/>
+              <a:rPr lang="en-US" dirty="0" err="1"/>
               <a:t>urls.py</a:t>
             </a:r>
             <a:endParaRPr lang="en-US" dirty="0"/>
@@ -4435,10 +4417,10 @@
           <a:p>
             <a:pPr algn="ctr"/>
             <a:r>
-              <a:rPr lang="en-US" dirty="0" err="1" smtClean="0"/>
+              <a:rPr lang="en-US" dirty="0" err="1"/>
               <a:t>views.py</a:t>
             </a:r>
-            <a:endParaRPr lang="en-US" dirty="0" smtClean="0"/>
+            <a:endParaRPr lang="en-US" dirty="0"/>
           </a:p>
         </p:txBody>
       </p:sp>
@@ -4477,7 +4459,7 @@
           <a:p>
             <a:pPr algn="ctr"/>
             <a:r>
-              <a:rPr lang="en-US" dirty="0" err="1" smtClean="0"/>
+              <a:rPr lang="en-US" dirty="0" err="1"/>
               <a:t>forms.py</a:t>
             </a:r>
             <a:endParaRPr lang="en-US" dirty="0"/>
@@ -4522,18 +4504,13 @@
           <a:p>
             <a:pPr algn="ctr"/>
             <a:r>
-              <a:rPr lang="en-US" dirty="0" smtClean="0">
+              <a:rPr lang="en-US" dirty="0">
                 <a:solidFill>
                   <a:schemeClr val="bg1"/>
                 </a:solidFill>
               </a:rPr>
               <a:t>Models</a:t>
             </a:r>
-            <a:endParaRPr lang="en-US" dirty="0">
-              <a:solidFill>
-                <a:schemeClr val="bg1"/>
-              </a:solidFill>
-            </a:endParaRPr>
           </a:p>
         </p:txBody>
       </p:sp>
@@ -4685,7 +4662,7 @@
           <a:p>
             <a:pPr algn="ctr"/>
             <a:r>
-              <a:rPr lang="en-US" dirty="0" err="1" smtClean="0"/>
+              <a:rPr lang="en-US" dirty="0" err="1"/>
               <a:t>models.py</a:t>
             </a:r>
             <a:endParaRPr lang="en-US" dirty="0"/>
@@ -4727,7 +4704,7 @@
           <a:p>
             <a:pPr algn="ctr"/>
             <a:r>
-              <a:rPr lang="en-US" dirty="0" err="1" smtClean="0"/>
+              <a:rPr lang="en-US" dirty="0" err="1"/>
               <a:t>admin.py</a:t>
             </a:r>
             <a:endParaRPr lang="en-US" dirty="0"/>
@@ -4772,7 +4749,7 @@
           <a:p>
             <a:pPr algn="ctr"/>
             <a:r>
-              <a:rPr lang="en-US" dirty="0" smtClean="0">
+              <a:rPr lang="en-US" dirty="0">
                 <a:solidFill>
                   <a:schemeClr val="bg1"/>
                 </a:solidFill>
@@ -4820,7 +4797,7 @@
           <a:p>
             <a:pPr algn="ctr"/>
             <a:r>
-              <a:rPr lang="en-US" dirty="0" smtClean="0">
+              <a:rPr lang="en-US" dirty="0">
                 <a:solidFill>
                   <a:schemeClr val="bg1"/>
                 </a:solidFill>
@@ -5010,7 +4987,7 @@
           <a:p>
             <a:pPr algn="ctr"/>
             <a:r>
-              <a:rPr lang="en-US" sz="1600" dirty="0" smtClean="0"/>
+              <a:rPr lang="en-US" sz="1600" dirty="0"/>
               <a:t>Migrations</a:t>
             </a:r>
           </a:p>
@@ -5163,10 +5140,10 @@
           <a:p>
             <a:pPr algn="ctr"/>
             <a:r>
-              <a:rPr lang="en-US" sz="1600" dirty="0" err="1" smtClean="0"/>
+              <a:rPr lang="en-US" sz="1600" dirty="0" err="1"/>
               <a:t>urls.py</a:t>
             </a:r>
-            <a:endParaRPr lang="en-US" sz="1600" dirty="0" smtClean="0"/>
+            <a:endParaRPr lang="en-US" sz="1600" dirty="0"/>
           </a:p>
         </p:txBody>
       </p:sp>
@@ -5259,6 +5236,97 @@
           <a:xfrm flipV="1">
             <a:off x="8764655" y="3938219"/>
             <a:ext cx="473108" cy="433623"/>
+          </a:xfrm>
+          <a:prstGeom prst="straightConnector1">
+            <a:avLst/>
+          </a:prstGeom>
+          <a:ln w="38100">
+            <a:solidFill>
+              <a:schemeClr val="tx1"/>
+            </a:solidFill>
+            <a:tailEnd type="triangle"/>
+          </a:ln>
+        </p:spPr>
+        <p:style>
+          <a:lnRef idx="1">
+            <a:schemeClr val="accent1"/>
+          </a:lnRef>
+          <a:fillRef idx="0">
+            <a:schemeClr val="accent1"/>
+          </a:fillRef>
+          <a:effectRef idx="0">
+            <a:schemeClr val="accent1"/>
+          </a:effectRef>
+          <a:fontRef idx="minor">
+            <a:schemeClr val="tx1"/>
+          </a:fontRef>
+        </p:style>
+      </p:cxnSp>
+      <p:cxnSp>
+        <p:nvCxnSpPr>
+          <p:cNvPr id="2" name="Straight Arrow Connector 1">
+            <a:extLst>
+              <a:ext uri="{FF2B5EF4-FFF2-40B4-BE49-F238E27FC236}">
+                <a16:creationId xmlns:a16="http://schemas.microsoft.com/office/drawing/2014/main" id="{9FA7D3AE-9F2C-DC60-72F8-1A495082D0BA}"/>
+              </a:ext>
+            </a:extLst>
+          </p:cNvPr>
+          <p:cNvCxnSpPr>
+            <a:cxnSpLocks/>
+            <a:endCxn id="65" idx="2"/>
+          </p:cNvCxnSpPr>
+          <p:nvPr/>
+        </p:nvCxnSpPr>
+        <p:spPr>
+          <a:xfrm flipV="1">
+            <a:off x="9915673" y="3392455"/>
+            <a:ext cx="957940" cy="259065"/>
+          </a:xfrm>
+          <a:prstGeom prst="straightConnector1">
+            <a:avLst/>
+          </a:prstGeom>
+          <a:ln w="38100">
+            <a:solidFill>
+              <a:schemeClr val="tx1"/>
+            </a:solidFill>
+            <a:tailEnd type="triangle"/>
+          </a:ln>
+        </p:spPr>
+        <p:style>
+          <a:lnRef idx="1">
+            <a:schemeClr val="accent1"/>
+          </a:lnRef>
+          <a:fillRef idx="0">
+            <a:schemeClr val="accent1"/>
+          </a:fillRef>
+          <a:effectRef idx="0">
+            <a:schemeClr val="accent1"/>
+          </a:effectRef>
+          <a:fontRef idx="minor">
+            <a:schemeClr val="tx1"/>
+          </a:fontRef>
+        </p:style>
+      </p:cxnSp>
+      <p:cxnSp>
+        <p:nvCxnSpPr>
+          <p:cNvPr id="6" name="Straight Arrow Connector 5">
+            <a:extLst>
+              <a:ext uri="{FF2B5EF4-FFF2-40B4-BE49-F238E27FC236}">
+                <a16:creationId xmlns:a16="http://schemas.microsoft.com/office/drawing/2014/main" id="{229ACA3A-B436-96FF-F06B-64736B654A16}"/>
+              </a:ext>
+            </a:extLst>
+          </p:cNvPr>
+          <p:cNvCxnSpPr>
+            <a:cxnSpLocks/>
+            <a:stCxn id="80" idx="0"/>
+            <a:endCxn id="75" idx="2"/>
+          </p:cNvCxnSpPr>
+          <p:nvPr/>
+        </p:nvCxnSpPr>
+        <p:spPr>
+          <a:xfrm flipV="1">
+            <a:off x="9237763" y="2733766"/>
+            <a:ext cx="842352" cy="702767"/>
           </a:xfrm>
           <a:prstGeom prst="straightConnector1">
             <a:avLst/>
@@ -5295,13 +5363,6 @@
   <p:clrMapOvr>
     <a:masterClrMapping/>
   </p:clrMapOvr>
-  <p:timing>
-    <p:tnLst>
-      <p:par>
-        <p:cTn id="1" dur="indefinite" restart="never" nodeType="tmRoot"/>
-      </p:par>
-    </p:tnLst>
-  </p:timing>
 </p:sld>
 </file>
 
@@ -5370,13 +5431,6 @@
   <p:clrMapOvr>
     <a:masterClrMapping/>
   </p:clrMapOvr>
-  <p:timing>
-    <p:tnLst>
-      <p:par>
-        <p:cTn id="1" dur="indefinite" restart="never" nodeType="tmRoot"/>
-      </p:par>
-    </p:tnLst>
-  </p:timing>
 </p:sld>
 </file>
 
@@ -5439,10 +5493,9 @@
           <a:p>
             <a:pPr algn="r"/>
             <a:r>
-              <a:rPr lang="en-US" dirty="0" smtClean="0"/>
+              <a:rPr lang="en-US" dirty="0"/>
               <a:t>Linux</a:t>
             </a:r>
-            <a:endParaRPr lang="en-US" dirty="0"/>
           </a:p>
         </p:txBody>
       </p:sp>
@@ -5491,10 +5544,9 @@
           <a:p>
             <a:pPr algn="r"/>
             <a:r>
-              <a:rPr lang="en-US" dirty="0" smtClean="0"/>
+              <a:rPr lang="en-US" dirty="0"/>
               <a:t>Django</a:t>
             </a:r>
-            <a:endParaRPr lang="en-US" dirty="0"/>
           </a:p>
         </p:txBody>
       </p:sp>
@@ -5523,7 +5575,7 @@
           <a:lstStyle/>
           <a:p>
             <a:r>
-              <a:rPr lang="en-US" dirty="0" err="1" smtClean="0"/>
+              <a:rPr lang="en-US" dirty="0" err="1"/>
               <a:t>WGSIConfig</a:t>
             </a:r>
             <a:endParaRPr lang="en-US" dirty="0"/>
@@ -5568,50 +5620,35 @@
           <a:p>
             <a:pPr algn="ctr"/>
             <a:r>
-              <a:rPr lang="en-US" dirty="0" smtClean="0">
+              <a:rPr lang="en-US" dirty="0">
                 <a:solidFill>
                   <a:schemeClr val="bg1"/>
                 </a:solidFill>
               </a:rPr>
               <a:t>Routing</a:t>
             </a:r>
-            <a:endParaRPr lang="en-US" dirty="0" smtClean="0">
-              <a:solidFill>
-                <a:schemeClr val="bg1"/>
-              </a:solidFill>
-            </a:endParaRPr>
           </a:p>
           <a:p>
             <a:pPr algn="ctr"/>
             <a:r>
-              <a:rPr lang="en-US" dirty="0" smtClean="0">
+              <a:rPr lang="en-US" dirty="0">
                 <a:solidFill>
                   <a:schemeClr val="bg1"/>
                 </a:solidFill>
               </a:rPr>
               <a:t>+Middle</a:t>
             </a:r>
-            <a:endParaRPr lang="en-US" dirty="0" smtClean="0">
-              <a:solidFill>
-                <a:schemeClr val="bg1"/>
-              </a:solidFill>
-            </a:endParaRPr>
           </a:p>
           <a:p>
             <a:pPr algn="ctr"/>
             <a:r>
-              <a:rPr lang="en-US" dirty="0" smtClean="0">
+              <a:rPr lang="en-US" dirty="0">
                 <a:solidFill>
                   <a:schemeClr val="bg1"/>
                 </a:solidFill>
               </a:rPr>
               <a:t>Ware</a:t>
             </a:r>
-            <a:endParaRPr lang="en-US" dirty="0">
-              <a:solidFill>
-                <a:schemeClr val="bg1"/>
-              </a:solidFill>
-            </a:endParaRPr>
           </a:p>
         </p:txBody>
       </p:sp>
@@ -5653,18 +5690,13 @@
           <a:p>
             <a:pPr algn="ctr"/>
             <a:r>
-              <a:rPr lang="en-US" dirty="0" smtClean="0">
+              <a:rPr lang="en-US" dirty="0">
                 <a:solidFill>
                   <a:schemeClr val="bg1"/>
                 </a:solidFill>
               </a:rPr>
               <a:t>App</a:t>
             </a:r>
-            <a:endParaRPr lang="en-US" dirty="0">
-              <a:solidFill>
-                <a:schemeClr val="bg1"/>
-              </a:solidFill>
-            </a:endParaRPr>
           </a:p>
         </p:txBody>
       </p:sp>
@@ -5708,10 +5740,9 @@
           <a:p>
             <a:pPr algn="ctr"/>
             <a:r>
-              <a:rPr lang="en-US" dirty="0" smtClean="0"/>
+              <a:rPr lang="en-US" dirty="0"/>
               <a:t>Database</a:t>
             </a:r>
-            <a:endParaRPr lang="en-US" dirty="0"/>
           </a:p>
         </p:txBody>
       </p:sp>
@@ -5750,10 +5781,10 @@
           <a:p>
             <a:pPr algn="ctr"/>
             <a:r>
-              <a:rPr lang="en-US" smtClean="0"/>
+              <a:rPr lang="en-US"/>
               <a:t>Templates</a:t>
             </a:r>
-            <a:endParaRPr lang="en-US" dirty="0" smtClean="0"/>
+            <a:endParaRPr lang="en-US" dirty="0"/>
           </a:p>
         </p:txBody>
       </p:sp>
@@ -5792,7 +5823,7 @@
           <a:p>
             <a:pPr algn="ctr"/>
             <a:r>
-              <a:rPr lang="en-US" smtClean="0"/>
+              <a:rPr lang="en-US"/>
               <a:t>settings.py</a:t>
             </a:r>
             <a:endParaRPr lang="en-US" dirty="0"/>
@@ -6066,10 +6097,9 @@
           <a:p>
             <a:pPr algn="ctr"/>
             <a:r>
-              <a:rPr lang="en-US" dirty="0" smtClean="0"/>
+              <a:rPr lang="en-US" dirty="0"/>
               <a:t>urls.py</a:t>
             </a:r>
-            <a:endParaRPr lang="en-US" dirty="0"/>
           </a:p>
         </p:txBody>
       </p:sp>
@@ -6108,10 +6138,10 @@
           <a:p>
             <a:pPr algn="ctr"/>
             <a:r>
-              <a:rPr lang="en-US" dirty="0" err="1" smtClean="0"/>
+              <a:rPr lang="en-US" dirty="0" err="1"/>
               <a:t>views.py</a:t>
             </a:r>
-            <a:endParaRPr lang="en-US" dirty="0" smtClean="0"/>
+            <a:endParaRPr lang="en-US" dirty="0"/>
           </a:p>
         </p:txBody>
       </p:sp>
@@ -6150,7 +6180,7 @@
           <a:p>
             <a:pPr algn="ctr"/>
             <a:r>
-              <a:rPr lang="en-US" dirty="0" err="1" smtClean="0"/>
+              <a:rPr lang="en-US" dirty="0" err="1"/>
               <a:t>forms.py</a:t>
             </a:r>
             <a:endParaRPr lang="en-US" dirty="0"/>
@@ -6195,18 +6225,13 @@
           <a:p>
             <a:pPr algn="ctr"/>
             <a:r>
-              <a:rPr lang="en-US" dirty="0" smtClean="0">
+              <a:rPr lang="en-US" dirty="0">
                 <a:solidFill>
                   <a:schemeClr val="bg1"/>
                 </a:solidFill>
               </a:rPr>
               <a:t>Models</a:t>
             </a:r>
-            <a:endParaRPr lang="en-US" dirty="0">
-              <a:solidFill>
-                <a:schemeClr val="bg1"/>
-              </a:solidFill>
-            </a:endParaRPr>
           </a:p>
         </p:txBody>
       </p:sp>
@@ -6362,7 +6387,7 @@
           <a:p>
             <a:pPr algn="ctr"/>
             <a:r>
-              <a:rPr lang="en-US" dirty="0" err="1" smtClean="0"/>
+              <a:rPr lang="en-US" dirty="0" err="1"/>
               <a:t>models.py</a:t>
             </a:r>
             <a:endParaRPr lang="en-US" dirty="0"/>
@@ -6404,7 +6429,7 @@
           <a:p>
             <a:pPr algn="ctr"/>
             <a:r>
-              <a:rPr lang="en-US" dirty="0" err="1" smtClean="0"/>
+              <a:rPr lang="en-US" dirty="0" err="1"/>
               <a:t>admin.py</a:t>
             </a:r>
             <a:endParaRPr lang="en-US" dirty="0"/>
@@ -6449,7 +6474,7 @@
           <a:p>
             <a:pPr algn="ctr"/>
             <a:r>
-              <a:rPr lang="en-US" dirty="0" smtClean="0">
+              <a:rPr lang="en-US" dirty="0">
                 <a:solidFill>
                   <a:schemeClr val="bg1"/>
                 </a:solidFill>
@@ -6497,7 +6522,7 @@
           <a:p>
             <a:pPr algn="ctr"/>
             <a:r>
-              <a:rPr lang="en-US" dirty="0" smtClean="0">
+              <a:rPr lang="en-US" dirty="0">
                 <a:solidFill>
                   <a:schemeClr val="bg1"/>
                 </a:solidFill>
@@ -6887,7 +6912,7 @@
           <a:p>
             <a:pPr algn="ctr"/>
             <a:r>
-              <a:rPr lang="en-US" sz="1600" dirty="0" smtClean="0"/>
+              <a:rPr lang="en-US" sz="1600" dirty="0"/>
               <a:t>Migrations</a:t>
             </a:r>
           </a:p>
@@ -7044,7 +7069,7 @@
           <a:p>
             <a:pPr algn="ctr"/>
             <a:r>
-              <a:rPr lang="en-US" sz="1600" dirty="0" smtClean="0"/>
+              <a:rPr lang="en-US" sz="1600" dirty="0"/>
               <a:t>urls.py</a:t>
             </a:r>
           </a:p>
@@ -7098,13 +7123,6 @@
   <p:clrMapOvr>
     <a:masterClrMapping/>
   </p:clrMapOvr>
-  <p:timing>
-    <p:tnLst>
-      <p:par>
-        <p:cTn id="1" dur="indefinite" restart="never" nodeType="tmRoot"/>
-      </p:par>
-    </p:tnLst>
-  </p:timing>
 </p:sld>
 </file>
 

--- a/lectures/bigpicture.pptx
+++ b/lectures/bigpicture.pptx
@@ -199,7 +199,7 @@
           <a:p>
             <a:fld id="{C97B56FC-7D2E-F343-9D09-0D14B00AA564}" type="datetimeFigureOut">
               <a:rPr lang="en-US" smtClean="0"/>
-              <a:t>2/10/23</a:t>
+              <a:t>9/8/23</a:t>
             </a:fld>
             <a:endParaRPr lang="en-US"/>
           </a:p>
@@ -596,7 +596,7 @@
           <a:p>
             <a:fld id="{EEE7C04C-7AF8-1445-A186-502B631B934F}" type="datetimeFigureOut">
               <a:rPr lang="en-US" smtClean="0"/>
-              <a:t>2/10/23</a:t>
+              <a:t>9/8/23</a:t>
             </a:fld>
             <a:endParaRPr lang="en-US"/>
           </a:p>
@@ -761,7 +761,7 @@
           <a:p>
             <a:fld id="{EEE7C04C-7AF8-1445-A186-502B631B934F}" type="datetimeFigureOut">
               <a:rPr lang="en-US" smtClean="0"/>
-              <a:t>2/10/23</a:t>
+              <a:t>9/8/23</a:t>
             </a:fld>
             <a:endParaRPr lang="en-US"/>
           </a:p>
@@ -936,7 +936,7 @@
           <a:p>
             <a:fld id="{EEE7C04C-7AF8-1445-A186-502B631B934F}" type="datetimeFigureOut">
               <a:rPr lang="en-US" smtClean="0"/>
-              <a:t>2/10/23</a:t>
+              <a:t>9/8/23</a:t>
             </a:fld>
             <a:endParaRPr lang="en-US"/>
           </a:p>
@@ -1101,7 +1101,7 @@
           <a:p>
             <a:fld id="{EEE7C04C-7AF8-1445-A186-502B631B934F}" type="datetimeFigureOut">
               <a:rPr lang="en-US" smtClean="0"/>
-              <a:t>2/10/23</a:t>
+              <a:t>9/8/23</a:t>
             </a:fld>
             <a:endParaRPr lang="en-US"/>
           </a:p>
@@ -1342,7 +1342,7 @@
           <a:p>
             <a:fld id="{EEE7C04C-7AF8-1445-A186-502B631B934F}" type="datetimeFigureOut">
               <a:rPr lang="en-US" smtClean="0"/>
-              <a:t>2/10/23</a:t>
+              <a:t>9/8/23</a:t>
             </a:fld>
             <a:endParaRPr lang="en-US"/>
           </a:p>
@@ -1569,7 +1569,7 @@
           <a:p>
             <a:fld id="{EEE7C04C-7AF8-1445-A186-502B631B934F}" type="datetimeFigureOut">
               <a:rPr lang="en-US" smtClean="0"/>
-              <a:t>2/10/23</a:t>
+              <a:t>9/8/23</a:t>
             </a:fld>
             <a:endParaRPr lang="en-US"/>
           </a:p>
@@ -1931,7 +1931,7 @@
           <a:p>
             <a:fld id="{EEE7C04C-7AF8-1445-A186-502B631B934F}" type="datetimeFigureOut">
               <a:rPr lang="en-US" smtClean="0"/>
-              <a:t>2/10/23</a:t>
+              <a:t>9/8/23</a:t>
             </a:fld>
             <a:endParaRPr lang="en-US"/>
           </a:p>
@@ -2044,7 +2044,7 @@
           <a:p>
             <a:fld id="{EEE7C04C-7AF8-1445-A186-502B631B934F}" type="datetimeFigureOut">
               <a:rPr lang="en-US" smtClean="0"/>
-              <a:t>2/10/23</a:t>
+              <a:t>9/8/23</a:t>
             </a:fld>
             <a:endParaRPr lang="en-US"/>
           </a:p>
@@ -2134,7 +2134,7 @@
           <a:p>
             <a:fld id="{EEE7C04C-7AF8-1445-A186-502B631B934F}" type="datetimeFigureOut">
               <a:rPr lang="en-US" smtClean="0"/>
-              <a:t>2/10/23</a:t>
+              <a:t>9/8/23</a:t>
             </a:fld>
             <a:endParaRPr lang="en-US"/>
           </a:p>
@@ -2406,7 +2406,7 @@
           <a:p>
             <a:fld id="{EEE7C04C-7AF8-1445-A186-502B631B934F}" type="datetimeFigureOut">
               <a:rPr lang="en-US" smtClean="0"/>
-              <a:t>2/10/23</a:t>
+              <a:t>9/8/23</a:t>
             </a:fld>
             <a:endParaRPr lang="en-US"/>
           </a:p>
@@ -2658,7 +2658,7 @@
           <a:p>
             <a:fld id="{EEE7C04C-7AF8-1445-A186-502B631B934F}" type="datetimeFigureOut">
               <a:rPr lang="en-US" smtClean="0"/>
-              <a:t>2/10/23</a:t>
+              <a:t>9/8/23</a:t>
             </a:fld>
             <a:endParaRPr lang="en-US"/>
           </a:p>
@@ -2865,7 +2865,7 @@
           <a:p>
             <a:fld id="{EEE7C04C-7AF8-1445-A186-502B631B934F}" type="datetimeFigureOut">
               <a:rPr lang="en-US" smtClean="0"/>
-              <a:t>2/10/23</a:t>
+              <a:t>9/8/23</a:t>
             </a:fld>
             <a:endParaRPr lang="en-US"/>
           </a:p>
@@ -3543,10 +3543,9 @@
           <a:lstStyle/>
           <a:p>
             <a:r>
-              <a:rPr lang="en-US" dirty="0" err="1"/>
-              <a:t>Javascript</a:t>
-            </a:r>
-            <a:endParaRPr lang="en-US" dirty="0"/>
+              <a:rPr lang="en-US" dirty="0"/>
+              <a:t>JavaScript</a:t>
+            </a:r>
           </a:p>
         </p:txBody>
       </p:sp>

--- a/lectures/bigpicture.pptx
+++ b/lectures/bigpicture.pptx
@@ -199,7 +199,7 @@
           <a:p>
             <a:fld id="{C97B56FC-7D2E-F343-9D09-0D14B00AA564}" type="datetimeFigureOut">
               <a:rPr lang="en-US" smtClean="0"/>
-              <a:t>9/8/23</a:t>
+              <a:t>9/14/23</a:t>
             </a:fld>
             <a:endParaRPr lang="en-US"/>
           </a:p>
@@ -596,7 +596,7 @@
           <a:p>
             <a:fld id="{EEE7C04C-7AF8-1445-A186-502B631B934F}" type="datetimeFigureOut">
               <a:rPr lang="en-US" smtClean="0"/>
-              <a:t>9/8/23</a:t>
+              <a:t>9/14/23</a:t>
             </a:fld>
             <a:endParaRPr lang="en-US"/>
           </a:p>
@@ -761,7 +761,7 @@
           <a:p>
             <a:fld id="{EEE7C04C-7AF8-1445-A186-502B631B934F}" type="datetimeFigureOut">
               <a:rPr lang="en-US" smtClean="0"/>
-              <a:t>9/8/23</a:t>
+              <a:t>9/14/23</a:t>
             </a:fld>
             <a:endParaRPr lang="en-US"/>
           </a:p>
@@ -936,7 +936,7 @@
           <a:p>
             <a:fld id="{EEE7C04C-7AF8-1445-A186-502B631B934F}" type="datetimeFigureOut">
               <a:rPr lang="en-US" smtClean="0"/>
-              <a:t>9/8/23</a:t>
+              <a:t>9/14/23</a:t>
             </a:fld>
             <a:endParaRPr lang="en-US"/>
           </a:p>
@@ -1101,7 +1101,7 @@
           <a:p>
             <a:fld id="{EEE7C04C-7AF8-1445-A186-502B631B934F}" type="datetimeFigureOut">
               <a:rPr lang="en-US" smtClean="0"/>
-              <a:t>9/8/23</a:t>
+              <a:t>9/14/23</a:t>
             </a:fld>
             <a:endParaRPr lang="en-US"/>
           </a:p>
@@ -1342,7 +1342,7 @@
           <a:p>
             <a:fld id="{EEE7C04C-7AF8-1445-A186-502B631B934F}" type="datetimeFigureOut">
               <a:rPr lang="en-US" smtClean="0"/>
-              <a:t>9/8/23</a:t>
+              <a:t>9/14/23</a:t>
             </a:fld>
             <a:endParaRPr lang="en-US"/>
           </a:p>
@@ -1569,7 +1569,7 @@
           <a:p>
             <a:fld id="{EEE7C04C-7AF8-1445-A186-502B631B934F}" type="datetimeFigureOut">
               <a:rPr lang="en-US" smtClean="0"/>
-              <a:t>9/8/23</a:t>
+              <a:t>9/14/23</a:t>
             </a:fld>
             <a:endParaRPr lang="en-US"/>
           </a:p>
@@ -1931,7 +1931,7 @@
           <a:p>
             <a:fld id="{EEE7C04C-7AF8-1445-A186-502B631B934F}" type="datetimeFigureOut">
               <a:rPr lang="en-US" smtClean="0"/>
-              <a:t>9/8/23</a:t>
+              <a:t>9/14/23</a:t>
             </a:fld>
             <a:endParaRPr lang="en-US"/>
           </a:p>
@@ -2044,7 +2044,7 @@
           <a:p>
             <a:fld id="{EEE7C04C-7AF8-1445-A186-502B631B934F}" type="datetimeFigureOut">
               <a:rPr lang="en-US" smtClean="0"/>
-              <a:t>9/8/23</a:t>
+              <a:t>9/14/23</a:t>
             </a:fld>
             <a:endParaRPr lang="en-US"/>
           </a:p>
@@ -2134,7 +2134,7 @@
           <a:p>
             <a:fld id="{EEE7C04C-7AF8-1445-A186-502B631B934F}" type="datetimeFigureOut">
               <a:rPr lang="en-US" smtClean="0"/>
-              <a:t>9/8/23</a:t>
+              <a:t>9/14/23</a:t>
             </a:fld>
             <a:endParaRPr lang="en-US"/>
           </a:p>
@@ -2406,7 +2406,7 @@
           <a:p>
             <a:fld id="{EEE7C04C-7AF8-1445-A186-502B631B934F}" type="datetimeFigureOut">
               <a:rPr lang="en-US" smtClean="0"/>
-              <a:t>9/8/23</a:t>
+              <a:t>9/14/23</a:t>
             </a:fld>
             <a:endParaRPr lang="en-US"/>
           </a:p>
@@ -2658,7 +2658,7 @@
           <a:p>
             <a:fld id="{EEE7C04C-7AF8-1445-A186-502B631B934F}" type="datetimeFigureOut">
               <a:rPr lang="en-US" smtClean="0"/>
-              <a:t>9/8/23</a:t>
+              <a:t>9/14/23</a:t>
             </a:fld>
             <a:endParaRPr lang="en-US"/>
           </a:p>
@@ -2865,7 +2865,7 @@
           <a:p>
             <a:fld id="{EEE7C04C-7AF8-1445-A186-502B631B934F}" type="datetimeFigureOut">
               <a:rPr lang="en-US" smtClean="0"/>
-              <a:t>9/8/23</a:t>
+              <a:t>9/14/23</a:t>
             </a:fld>
             <a:endParaRPr lang="en-US"/>
           </a:p>
@@ -4032,7 +4032,7 @@
         </p:nvSpPr>
         <p:spPr>
           <a:xfrm>
-            <a:off x="10190056" y="2875619"/>
+            <a:off x="10179401" y="2375747"/>
             <a:ext cx="1367113" cy="516836"/>
           </a:xfrm>
           <a:prstGeom prst="roundRect">
@@ -4187,15 +4187,16 @@
         <p:nvCxnSpPr>
           <p:cNvPr id="69" name="Straight Arrow Connector 68"/>
           <p:cNvCxnSpPr>
-            <a:stCxn id="88" idx="1"/>
+            <a:cxnSpLocks/>
+            <a:stCxn id="75" idx="1"/>
             <a:endCxn id="67" idx="3"/>
           </p:cNvCxnSpPr>
           <p:nvPr/>
         </p:nvCxnSpPr>
         <p:spPr>
           <a:xfrm flipH="1">
-            <a:off x="7533874" y="2475348"/>
-            <a:ext cx="1891819" cy="688718"/>
+            <a:off x="7533874" y="2858500"/>
+            <a:ext cx="702433" cy="305566"/>
           </a:xfrm>
           <a:prstGeom prst="straightConnector1">
             <a:avLst/>
@@ -4224,56 +4225,17 @@
       </p:cxnSp>
       <p:cxnSp>
         <p:nvCxnSpPr>
-          <p:cNvPr id="70" name="Straight Arrow Connector 69"/>
-          <p:cNvCxnSpPr>
-            <a:stCxn id="70" idx="1"/>
-            <a:endCxn id="67" idx="3"/>
-          </p:cNvCxnSpPr>
-          <p:nvPr/>
-        </p:nvCxnSpPr>
-        <p:spPr>
-          <a:xfrm flipH="1">
-            <a:off x="7533874" y="3134037"/>
-            <a:ext cx="2656182" cy="30029"/>
-          </a:xfrm>
-          <a:prstGeom prst="straightConnector1">
-            <a:avLst/>
-          </a:prstGeom>
-          <a:ln w="38100">
-            <a:solidFill>
-              <a:schemeClr val="tx1"/>
-            </a:solidFill>
-            <a:tailEnd type="triangle"/>
-          </a:ln>
-        </p:spPr>
-        <p:style>
-          <a:lnRef idx="1">
-            <a:schemeClr val="accent1"/>
-          </a:lnRef>
-          <a:fillRef idx="0">
-            <a:schemeClr val="accent1"/>
-          </a:fillRef>
-          <a:effectRef idx="0">
-            <a:schemeClr val="accent1"/>
-          </a:effectRef>
-          <a:fontRef idx="minor">
-            <a:schemeClr val="tx1"/>
-          </a:fontRef>
-        </p:style>
-      </p:cxnSp>
-      <p:cxnSp>
-        <p:nvCxnSpPr>
           <p:cNvPr id="71" name="Straight Arrow Connector 70"/>
           <p:cNvCxnSpPr>
-            <a:stCxn id="71" idx="1"/>
-            <a:endCxn id="67" idx="3"/>
+            <a:cxnSpLocks/>
+            <a:stCxn id="65" idx="1"/>
           </p:cNvCxnSpPr>
           <p:nvPr/>
         </p:nvCxnSpPr>
         <p:spPr>
-          <a:xfrm flipH="1" flipV="1">
-            <a:off x="7533874" y="3164066"/>
-            <a:ext cx="1025979" cy="523310"/>
+          <a:xfrm flipH="1">
+            <a:off x="9545151" y="2634165"/>
+            <a:ext cx="634250" cy="354027"/>
           </a:xfrm>
           <a:prstGeom prst="straightConnector1">
             <a:avLst/>
@@ -4389,7 +4351,7 @@
         </p:nvSpPr>
         <p:spPr>
           <a:xfrm>
-            <a:off x="9425693" y="2216930"/>
+            <a:off x="8236307" y="2600082"/>
             <a:ext cx="1308844" cy="516836"/>
           </a:xfrm>
           <a:prstGeom prst="roundRect">
@@ -4431,7 +4393,7 @@
         </p:nvSpPr>
         <p:spPr>
           <a:xfrm>
-            <a:off x="8559853" y="3436533"/>
+            <a:off x="9022917" y="3335761"/>
             <a:ext cx="1355820" cy="501686"/>
           </a:xfrm>
           <a:prstGeom prst="roundRect">
@@ -5112,7 +5074,7 @@
         </p:nvSpPr>
         <p:spPr>
           <a:xfrm>
-            <a:off x="8020636" y="2182854"/>
+            <a:off x="8020636" y="2082838"/>
             <a:ext cx="940191" cy="353513"/>
           </a:xfrm>
           <a:prstGeom prst="roundRect">
@@ -5227,14 +5189,16 @@
         <p:nvCxnSpPr>
           <p:cNvPr id="49" name="Straight Arrow Connector 48"/>
           <p:cNvCxnSpPr>
+            <a:cxnSpLocks/>
+            <a:stCxn id="82" idx="0"/>
             <a:endCxn id="80" idx="2"/>
           </p:cNvCxnSpPr>
           <p:nvPr/>
         </p:nvCxnSpPr>
         <p:spPr>
           <a:xfrm flipV="1">
-            <a:off x="8764655" y="3938219"/>
-            <a:ext cx="473108" cy="433623"/>
+            <a:off x="8764655" y="3837447"/>
+            <a:ext cx="936172" cy="549113"/>
           </a:xfrm>
           <a:prstGeom prst="straightConnector1">
             <a:avLst/>
@@ -5272,14 +5236,15 @@
           </p:cNvPr>
           <p:cNvCxnSpPr>
             <a:cxnSpLocks/>
+            <a:stCxn id="80" idx="3"/>
             <a:endCxn id="65" idx="2"/>
           </p:cNvCxnSpPr>
           <p:nvPr/>
         </p:nvCxnSpPr>
         <p:spPr>
           <a:xfrm flipV="1">
-            <a:off x="9915673" y="3392455"/>
-            <a:ext cx="957940" cy="259065"/>
+            <a:off x="10378737" y="2892583"/>
+            <a:ext cx="484221" cy="694021"/>
           </a:xfrm>
           <a:prstGeom prst="straightConnector1">
             <a:avLst/>
@@ -5323,9 +5288,55 @@
           <p:nvPr/>
         </p:nvCxnSpPr>
         <p:spPr>
+          <a:xfrm flipH="1" flipV="1">
+            <a:off x="8890729" y="3116918"/>
+            <a:ext cx="810098" cy="218843"/>
+          </a:xfrm>
+          <a:prstGeom prst="straightConnector1">
+            <a:avLst/>
+          </a:prstGeom>
+          <a:ln w="38100">
+            <a:solidFill>
+              <a:schemeClr val="tx1"/>
+            </a:solidFill>
+            <a:tailEnd type="triangle"/>
+          </a:ln>
+        </p:spPr>
+        <p:style>
+          <a:lnRef idx="1">
+            <a:schemeClr val="accent1"/>
+          </a:lnRef>
+          <a:fillRef idx="0">
+            <a:schemeClr val="accent1"/>
+          </a:fillRef>
+          <a:effectRef idx="0">
+            <a:schemeClr val="accent1"/>
+          </a:effectRef>
+          <a:fontRef idx="minor">
+            <a:schemeClr val="tx1"/>
+          </a:fontRef>
+        </p:style>
+      </p:cxnSp>
+      <p:cxnSp>
+        <p:nvCxnSpPr>
+          <p:cNvPr id="156" name="Straight Arrow Connector 155">
+            <a:extLst>
+              <a:ext uri="{FF2B5EF4-FFF2-40B4-BE49-F238E27FC236}">
+                <a16:creationId xmlns:a16="http://schemas.microsoft.com/office/drawing/2014/main" id="{2217F851-5B97-DB57-1DB7-8E835CC8572E}"/>
+              </a:ext>
+            </a:extLst>
+          </p:cNvPr>
+          <p:cNvCxnSpPr>
+            <a:cxnSpLocks/>
+            <a:stCxn id="82" idx="0"/>
+            <a:endCxn id="75" idx="2"/>
+          </p:cNvCxnSpPr>
+          <p:nvPr/>
+        </p:nvCxnSpPr>
+        <p:spPr>
           <a:xfrm flipV="1">
-            <a:off x="9237763" y="2733766"/>
-            <a:ext cx="842352" cy="702767"/>
+            <a:off x="8764655" y="3116918"/>
+            <a:ext cx="126074" cy="1269642"/>
           </a:xfrm>
           <a:prstGeom prst="straightConnector1">
             <a:avLst/>
@@ -5753,7 +5764,7 @@
         </p:nvSpPr>
         <p:spPr>
           <a:xfrm>
-            <a:off x="7103948" y="2832755"/>
+            <a:off x="7064379" y="2377302"/>
             <a:ext cx="1367113" cy="516836"/>
           </a:xfrm>
           <a:prstGeom prst="roundRect">
@@ -5915,8 +5926,8 @@
         </p:nvCxnSpPr>
         <p:spPr>
           <a:xfrm flipH="1">
-            <a:off x="4447766" y="2471825"/>
-            <a:ext cx="2174870" cy="649377"/>
+            <a:off x="4447766" y="2845270"/>
+            <a:ext cx="816324" cy="275932"/>
           </a:xfrm>
           <a:prstGeom prst="straightConnector1">
             <a:avLst/>
@@ -5947,54 +5958,16 @@
         <p:nvCxnSpPr>
           <p:cNvPr id="34" name="Straight Arrow Connector 33"/>
           <p:cNvCxnSpPr>
+            <a:cxnSpLocks/>
             <a:stCxn id="13" idx="1"/>
-            <a:endCxn id="10" idx="3"/>
+            <a:endCxn id="24" idx="3"/>
           </p:cNvCxnSpPr>
           <p:nvPr/>
         </p:nvCxnSpPr>
         <p:spPr>
           <a:xfrm flipH="1">
-            <a:off x="4447766" y="3091173"/>
-            <a:ext cx="2656182" cy="30029"/>
-          </a:xfrm>
-          <a:prstGeom prst="straightConnector1">
-            <a:avLst/>
-          </a:prstGeom>
-          <a:ln w="38100">
-            <a:solidFill>
-              <a:schemeClr val="tx1"/>
-            </a:solidFill>
-            <a:tailEnd type="triangle"/>
-          </a:ln>
-        </p:spPr>
-        <p:style>
-          <a:lnRef idx="1">
-            <a:schemeClr val="accent1"/>
-          </a:lnRef>
-          <a:fillRef idx="0">
-            <a:schemeClr val="accent1"/>
-          </a:fillRef>
-          <a:effectRef idx="0">
-            <a:schemeClr val="accent1"/>
-          </a:effectRef>
-          <a:fontRef idx="minor">
-            <a:schemeClr val="tx1"/>
-          </a:fontRef>
-        </p:style>
-      </p:cxnSp>
-      <p:cxnSp>
-        <p:nvCxnSpPr>
-          <p:cNvPr id="37" name="Straight Arrow Connector 36"/>
-          <p:cNvCxnSpPr>
-            <a:stCxn id="14" idx="1"/>
-            <a:endCxn id="10" idx="3"/>
-          </p:cNvCxnSpPr>
-          <p:nvPr/>
-        </p:nvCxnSpPr>
-        <p:spPr>
-          <a:xfrm flipH="1" flipV="1">
-            <a:off x="4447766" y="3121202"/>
-            <a:ext cx="1025979" cy="523310"/>
+            <a:off x="6572934" y="2635720"/>
+            <a:ext cx="491445" cy="209550"/>
           </a:xfrm>
           <a:prstGeom prst="straightConnector1">
             <a:avLst/>
@@ -6110,7 +6083,7 @@
         </p:nvSpPr>
         <p:spPr>
           <a:xfrm>
-            <a:off x="6622636" y="2213407"/>
+            <a:off x="5264090" y="2586852"/>
             <a:ext cx="1308844" cy="516836"/>
           </a:xfrm>
           <a:prstGeom prst="roundRect">
@@ -6139,48 +6112,6 @@
             <a:r>
               <a:rPr lang="en-US" dirty="0" err="1"/>
               <a:t>views.py</a:t>
-            </a:r>
-            <a:endParaRPr lang="en-US" dirty="0"/>
-          </a:p>
-        </p:txBody>
-      </p:sp>
-      <p:sp>
-        <p:nvSpPr>
-          <p:cNvPr id="14" name="Rounded Rectangle 13"/>
-          <p:cNvSpPr/>
-          <p:nvPr/>
-        </p:nvSpPr>
-        <p:spPr>
-          <a:xfrm>
-            <a:off x="5473745" y="3393669"/>
-            <a:ext cx="1355820" cy="501686"/>
-          </a:xfrm>
-          <a:prstGeom prst="roundRect">
-            <a:avLst/>
-          </a:prstGeom>
-        </p:spPr>
-        <p:style>
-          <a:lnRef idx="1">
-            <a:schemeClr val="dk1"/>
-          </a:lnRef>
-          <a:fillRef idx="2">
-            <a:schemeClr val="dk1"/>
-          </a:fillRef>
-          <a:effectRef idx="1">
-            <a:schemeClr val="dk1"/>
-          </a:effectRef>
-          <a:fontRef idx="minor">
-            <a:schemeClr val="dk1"/>
-          </a:fontRef>
-        </p:style>
-        <p:txBody>
-          <a:bodyPr rtlCol="0" anchor="ctr"/>
-          <a:lstStyle/>
-          <a:p>
-            <a:pPr algn="ctr"/>
-            <a:r>
-              <a:rPr lang="en-US" dirty="0" err="1"/>
-              <a:t>forms.py</a:t>
             </a:r>
             <a:endParaRPr lang="en-US" dirty="0"/>
           </a:p>
@@ -7078,14 +7009,196 @@
         <p:nvCxnSpPr>
           <p:cNvPr id="45" name="Straight Arrow Connector 44"/>
           <p:cNvCxnSpPr>
+            <a:cxnSpLocks/>
+            <a:stCxn id="49" idx="0"/>
             <a:endCxn id="14" idx="2"/>
           </p:cNvCxnSpPr>
           <p:nvPr/>
         </p:nvCxnSpPr>
         <p:spPr>
           <a:xfrm flipV="1">
-            <a:off x="5678547" y="3895355"/>
-            <a:ext cx="473108" cy="433623"/>
+            <a:off x="5678547" y="3753045"/>
+            <a:ext cx="1145176" cy="590651"/>
+          </a:xfrm>
+          <a:prstGeom prst="straightConnector1">
+            <a:avLst/>
+          </a:prstGeom>
+          <a:ln w="38100">
+            <a:solidFill>
+              <a:schemeClr val="tx1"/>
+            </a:solidFill>
+            <a:tailEnd type="triangle"/>
+          </a:ln>
+        </p:spPr>
+        <p:style>
+          <a:lnRef idx="1">
+            <a:schemeClr val="accent1"/>
+          </a:lnRef>
+          <a:fillRef idx="0">
+            <a:schemeClr val="accent1"/>
+          </a:fillRef>
+          <a:effectRef idx="0">
+            <a:schemeClr val="accent1"/>
+          </a:effectRef>
+          <a:fontRef idx="minor">
+            <a:schemeClr val="tx1"/>
+          </a:fontRef>
+        </p:style>
+      </p:cxnSp>
+      <p:cxnSp>
+        <p:nvCxnSpPr>
+          <p:cNvPr id="4" name="Straight Arrow Connector 3">
+            <a:extLst>
+              <a:ext uri="{FF2B5EF4-FFF2-40B4-BE49-F238E27FC236}">
+                <a16:creationId xmlns:a16="http://schemas.microsoft.com/office/drawing/2014/main" id="{D0BFA325-B641-158C-03B7-A07C742056F7}"/>
+              </a:ext>
+            </a:extLst>
+          </p:cNvPr>
+          <p:cNvCxnSpPr>
+            <a:cxnSpLocks/>
+            <a:stCxn id="49" idx="0"/>
+            <a:endCxn id="24" idx="2"/>
+          </p:cNvCxnSpPr>
+          <p:nvPr/>
+        </p:nvCxnSpPr>
+        <p:spPr>
+          <a:xfrm flipV="1">
+            <a:off x="5678547" y="3103688"/>
+            <a:ext cx="239965" cy="1240008"/>
+          </a:xfrm>
+          <a:prstGeom prst="straightConnector1">
+            <a:avLst/>
+          </a:prstGeom>
+          <a:ln w="38100">
+            <a:solidFill>
+              <a:schemeClr val="tx1"/>
+            </a:solidFill>
+            <a:tailEnd type="triangle"/>
+          </a:ln>
+        </p:spPr>
+        <p:style>
+          <a:lnRef idx="1">
+            <a:schemeClr val="accent1"/>
+          </a:lnRef>
+          <a:fillRef idx="0">
+            <a:schemeClr val="accent1"/>
+          </a:fillRef>
+          <a:effectRef idx="0">
+            <a:schemeClr val="accent1"/>
+          </a:effectRef>
+          <a:fontRef idx="minor">
+            <a:schemeClr val="tx1"/>
+          </a:fontRef>
+        </p:style>
+      </p:cxnSp>
+      <p:cxnSp>
+        <p:nvCxnSpPr>
+          <p:cNvPr id="17" name="Straight Arrow Connector 16">
+            <a:extLst>
+              <a:ext uri="{FF2B5EF4-FFF2-40B4-BE49-F238E27FC236}">
+                <a16:creationId xmlns:a16="http://schemas.microsoft.com/office/drawing/2014/main" id="{E1A3EF5B-2920-E921-763C-783FEFCA1ECF}"/>
+              </a:ext>
+            </a:extLst>
+          </p:cNvPr>
+          <p:cNvCxnSpPr>
+            <a:cxnSpLocks/>
+            <a:stCxn id="14" idx="0"/>
+            <a:endCxn id="13" idx="2"/>
+          </p:cNvCxnSpPr>
+          <p:nvPr/>
+        </p:nvCxnSpPr>
+        <p:spPr>
+          <a:xfrm flipV="1">
+            <a:off x="6823723" y="2894138"/>
+            <a:ext cx="924213" cy="357221"/>
+          </a:xfrm>
+          <a:prstGeom prst="straightConnector1">
+            <a:avLst/>
+          </a:prstGeom>
+          <a:ln w="38100">
+            <a:solidFill>
+              <a:schemeClr val="tx1"/>
+            </a:solidFill>
+            <a:tailEnd type="triangle"/>
+          </a:ln>
+        </p:spPr>
+        <p:style>
+          <a:lnRef idx="1">
+            <a:schemeClr val="accent1"/>
+          </a:lnRef>
+          <a:fillRef idx="0">
+            <a:schemeClr val="accent1"/>
+          </a:fillRef>
+          <a:effectRef idx="0">
+            <a:schemeClr val="accent1"/>
+          </a:effectRef>
+          <a:fontRef idx="minor">
+            <a:schemeClr val="tx1"/>
+          </a:fontRef>
+        </p:style>
+      </p:cxnSp>
+      <p:sp>
+        <p:nvSpPr>
+          <p:cNvPr id="14" name="Rounded Rectangle 13"/>
+          <p:cNvSpPr/>
+          <p:nvPr/>
+        </p:nvSpPr>
+        <p:spPr>
+          <a:xfrm>
+            <a:off x="6145813" y="3251359"/>
+            <a:ext cx="1355820" cy="501686"/>
+          </a:xfrm>
+          <a:prstGeom prst="roundRect">
+            <a:avLst/>
+          </a:prstGeom>
+        </p:spPr>
+        <p:style>
+          <a:lnRef idx="1">
+            <a:schemeClr val="dk1"/>
+          </a:lnRef>
+          <a:fillRef idx="2">
+            <a:schemeClr val="dk1"/>
+          </a:fillRef>
+          <a:effectRef idx="1">
+            <a:schemeClr val="dk1"/>
+          </a:effectRef>
+          <a:fontRef idx="minor">
+            <a:schemeClr val="dk1"/>
+          </a:fontRef>
+        </p:style>
+        <p:txBody>
+          <a:bodyPr rtlCol="0" anchor="ctr"/>
+          <a:lstStyle/>
+          <a:p>
+            <a:pPr algn="ctr"/>
+            <a:r>
+              <a:rPr lang="en-US" dirty="0" err="1"/>
+              <a:t>forms.py</a:t>
+            </a:r>
+            <a:endParaRPr lang="en-US" dirty="0"/>
+          </a:p>
+        </p:txBody>
+      </p:sp>
+      <p:cxnSp>
+        <p:nvCxnSpPr>
+          <p:cNvPr id="61" name="Straight Arrow Connector 60">
+            <a:extLst>
+              <a:ext uri="{FF2B5EF4-FFF2-40B4-BE49-F238E27FC236}">
+                <a16:creationId xmlns:a16="http://schemas.microsoft.com/office/drawing/2014/main" id="{3520E356-3BCF-1548-5CDB-920561AD5F8C}"/>
+              </a:ext>
+            </a:extLst>
+          </p:cNvPr>
+          <p:cNvCxnSpPr>
+            <a:cxnSpLocks/>
+            <a:stCxn id="14" idx="1"/>
+            <a:endCxn id="24" idx="2"/>
+          </p:cNvCxnSpPr>
+          <p:nvPr/>
+        </p:nvCxnSpPr>
+        <p:spPr>
+          <a:xfrm flipH="1" flipV="1">
+            <a:off x="5918512" y="3103688"/>
+            <a:ext cx="227301" cy="398514"/>
           </a:xfrm>
           <a:prstGeom prst="straightConnector1">
             <a:avLst/>

--- a/lectures/bigpicture.pptx
+++ b/lectures/bigpicture.pptx
@@ -199,7 +199,7 @@
           <a:p>
             <a:fld id="{C97B56FC-7D2E-F343-9D09-0D14B00AA564}" type="datetimeFigureOut">
               <a:rPr lang="en-US" smtClean="0"/>
-              <a:t>9/14/23</a:t>
+              <a:t>9/29/23</a:t>
             </a:fld>
             <a:endParaRPr lang="en-US"/>
           </a:p>
@@ -596,7 +596,7 @@
           <a:p>
             <a:fld id="{EEE7C04C-7AF8-1445-A186-502B631B934F}" type="datetimeFigureOut">
               <a:rPr lang="en-US" smtClean="0"/>
-              <a:t>9/14/23</a:t>
+              <a:t>9/29/23</a:t>
             </a:fld>
             <a:endParaRPr lang="en-US"/>
           </a:p>
@@ -761,7 +761,7 @@
           <a:p>
             <a:fld id="{EEE7C04C-7AF8-1445-A186-502B631B934F}" type="datetimeFigureOut">
               <a:rPr lang="en-US" smtClean="0"/>
-              <a:t>9/14/23</a:t>
+              <a:t>9/29/23</a:t>
             </a:fld>
             <a:endParaRPr lang="en-US"/>
           </a:p>
@@ -936,7 +936,7 @@
           <a:p>
             <a:fld id="{EEE7C04C-7AF8-1445-A186-502B631B934F}" type="datetimeFigureOut">
               <a:rPr lang="en-US" smtClean="0"/>
-              <a:t>9/14/23</a:t>
+              <a:t>9/29/23</a:t>
             </a:fld>
             <a:endParaRPr lang="en-US"/>
           </a:p>
@@ -1101,7 +1101,7 @@
           <a:p>
             <a:fld id="{EEE7C04C-7AF8-1445-A186-502B631B934F}" type="datetimeFigureOut">
               <a:rPr lang="en-US" smtClean="0"/>
-              <a:t>9/14/23</a:t>
+              <a:t>9/29/23</a:t>
             </a:fld>
             <a:endParaRPr lang="en-US"/>
           </a:p>
@@ -1342,7 +1342,7 @@
           <a:p>
             <a:fld id="{EEE7C04C-7AF8-1445-A186-502B631B934F}" type="datetimeFigureOut">
               <a:rPr lang="en-US" smtClean="0"/>
-              <a:t>9/14/23</a:t>
+              <a:t>9/29/23</a:t>
             </a:fld>
             <a:endParaRPr lang="en-US"/>
           </a:p>
@@ -1569,7 +1569,7 @@
           <a:p>
             <a:fld id="{EEE7C04C-7AF8-1445-A186-502B631B934F}" type="datetimeFigureOut">
               <a:rPr lang="en-US" smtClean="0"/>
-              <a:t>9/14/23</a:t>
+              <a:t>9/29/23</a:t>
             </a:fld>
             <a:endParaRPr lang="en-US"/>
           </a:p>
@@ -1931,7 +1931,7 @@
           <a:p>
             <a:fld id="{EEE7C04C-7AF8-1445-A186-502B631B934F}" type="datetimeFigureOut">
               <a:rPr lang="en-US" smtClean="0"/>
-              <a:t>9/14/23</a:t>
+              <a:t>9/29/23</a:t>
             </a:fld>
             <a:endParaRPr lang="en-US"/>
           </a:p>
@@ -2044,7 +2044,7 @@
           <a:p>
             <a:fld id="{EEE7C04C-7AF8-1445-A186-502B631B934F}" type="datetimeFigureOut">
               <a:rPr lang="en-US" smtClean="0"/>
-              <a:t>9/14/23</a:t>
+              <a:t>9/29/23</a:t>
             </a:fld>
             <a:endParaRPr lang="en-US"/>
           </a:p>
@@ -2134,7 +2134,7 @@
           <a:p>
             <a:fld id="{EEE7C04C-7AF8-1445-A186-502B631B934F}" type="datetimeFigureOut">
               <a:rPr lang="en-US" smtClean="0"/>
-              <a:t>9/14/23</a:t>
+              <a:t>9/29/23</a:t>
             </a:fld>
             <a:endParaRPr lang="en-US"/>
           </a:p>
@@ -2406,7 +2406,7 @@
           <a:p>
             <a:fld id="{EEE7C04C-7AF8-1445-A186-502B631B934F}" type="datetimeFigureOut">
               <a:rPr lang="en-US" smtClean="0"/>
-              <a:t>9/14/23</a:t>
+              <a:t>9/29/23</a:t>
             </a:fld>
             <a:endParaRPr lang="en-US"/>
           </a:p>
@@ -2658,7 +2658,7 @@
           <a:p>
             <a:fld id="{EEE7C04C-7AF8-1445-A186-502B631B934F}" type="datetimeFigureOut">
               <a:rPr lang="en-US" smtClean="0"/>
-              <a:t>9/14/23</a:t>
+              <a:t>9/29/23</a:t>
             </a:fld>
             <a:endParaRPr lang="en-US"/>
           </a:p>
@@ -2865,7 +2865,7 @@
           <a:p>
             <a:fld id="{EEE7C04C-7AF8-1445-A186-502B631B934F}" type="datetimeFigureOut">
               <a:rPr lang="en-US" smtClean="0"/>
-              <a:t>9/14/23</a:t>
+              <a:t>9/29/23</a:t>
             </a:fld>
             <a:endParaRPr lang="en-US"/>
           </a:p>

--- a/lectures/bigpicture.pptx
+++ b/lectures/bigpicture.pptx
@@ -3843,7 +3843,7 @@
         <p:spPr>
           <a:xfrm>
             <a:off x="6087245" y="376284"/>
-            <a:ext cx="1295291" cy="369332"/>
+            <a:ext cx="1296252" cy="369332"/>
           </a:xfrm>
           <a:prstGeom prst="rect">
             <a:avLst/>
@@ -3860,7 +3860,7 @@
           <a:p>
             <a:r>
               <a:rPr lang="en-US" dirty="0" err="1"/>
-              <a:t>WGSIConfig</a:t>
+              <a:t>WSGIConfig</a:t>
             </a:r>
             <a:endParaRPr lang="en-US" dirty="0"/>
           </a:p>
@@ -5569,7 +5569,7 @@
         <p:spPr>
           <a:xfrm>
             <a:off x="3001137" y="333420"/>
-            <a:ext cx="1295291" cy="369332"/>
+            <a:ext cx="1296252" cy="369332"/>
           </a:xfrm>
           <a:prstGeom prst="rect">
             <a:avLst/>
@@ -5586,7 +5586,7 @@
           <a:p>
             <a:r>
               <a:rPr lang="en-US" dirty="0" err="1"/>
-              <a:t>WGSIConfig</a:t>
+              <a:t>WSGIConfig</a:t>
             </a:r>
             <a:endParaRPr lang="en-US" dirty="0"/>
           </a:p>

--- a/lectures/bigpicture.pptx
+++ b/lectures/bigpicture.pptx
@@ -199,7 +199,7 @@
           <a:p>
             <a:fld id="{C97B56FC-7D2E-F343-9D09-0D14B00AA564}" type="datetimeFigureOut">
               <a:rPr lang="en-US" smtClean="0"/>
-              <a:t>9/29/23</a:t>
+              <a:t>9/11/24</a:t>
             </a:fld>
             <a:endParaRPr lang="en-US"/>
           </a:p>
@@ -596,7 +596,7 @@
           <a:p>
             <a:fld id="{EEE7C04C-7AF8-1445-A186-502B631B934F}" type="datetimeFigureOut">
               <a:rPr lang="en-US" smtClean="0"/>
-              <a:t>9/29/23</a:t>
+              <a:t>9/11/24</a:t>
             </a:fld>
             <a:endParaRPr lang="en-US"/>
           </a:p>
@@ -761,7 +761,7 @@
           <a:p>
             <a:fld id="{EEE7C04C-7AF8-1445-A186-502B631B934F}" type="datetimeFigureOut">
               <a:rPr lang="en-US" smtClean="0"/>
-              <a:t>9/29/23</a:t>
+              <a:t>9/11/24</a:t>
             </a:fld>
             <a:endParaRPr lang="en-US"/>
           </a:p>
@@ -936,7 +936,7 @@
           <a:p>
             <a:fld id="{EEE7C04C-7AF8-1445-A186-502B631B934F}" type="datetimeFigureOut">
               <a:rPr lang="en-US" smtClean="0"/>
-              <a:t>9/29/23</a:t>
+              <a:t>9/11/24</a:t>
             </a:fld>
             <a:endParaRPr lang="en-US"/>
           </a:p>
@@ -1101,7 +1101,7 @@
           <a:p>
             <a:fld id="{EEE7C04C-7AF8-1445-A186-502B631B934F}" type="datetimeFigureOut">
               <a:rPr lang="en-US" smtClean="0"/>
-              <a:t>9/29/23</a:t>
+              <a:t>9/11/24</a:t>
             </a:fld>
             <a:endParaRPr lang="en-US"/>
           </a:p>
@@ -1342,7 +1342,7 @@
           <a:p>
             <a:fld id="{EEE7C04C-7AF8-1445-A186-502B631B934F}" type="datetimeFigureOut">
               <a:rPr lang="en-US" smtClean="0"/>
-              <a:t>9/29/23</a:t>
+              <a:t>9/11/24</a:t>
             </a:fld>
             <a:endParaRPr lang="en-US"/>
           </a:p>
@@ -1569,7 +1569,7 @@
           <a:p>
             <a:fld id="{EEE7C04C-7AF8-1445-A186-502B631B934F}" type="datetimeFigureOut">
               <a:rPr lang="en-US" smtClean="0"/>
-              <a:t>9/29/23</a:t>
+              <a:t>9/11/24</a:t>
             </a:fld>
             <a:endParaRPr lang="en-US"/>
           </a:p>
@@ -1931,7 +1931,7 @@
           <a:p>
             <a:fld id="{EEE7C04C-7AF8-1445-A186-502B631B934F}" type="datetimeFigureOut">
               <a:rPr lang="en-US" smtClean="0"/>
-              <a:t>9/29/23</a:t>
+              <a:t>9/11/24</a:t>
             </a:fld>
             <a:endParaRPr lang="en-US"/>
           </a:p>
@@ -2044,7 +2044,7 @@
           <a:p>
             <a:fld id="{EEE7C04C-7AF8-1445-A186-502B631B934F}" type="datetimeFigureOut">
               <a:rPr lang="en-US" smtClean="0"/>
-              <a:t>9/29/23</a:t>
+              <a:t>9/11/24</a:t>
             </a:fld>
             <a:endParaRPr lang="en-US"/>
           </a:p>
@@ -2134,7 +2134,7 @@
           <a:p>
             <a:fld id="{EEE7C04C-7AF8-1445-A186-502B631B934F}" type="datetimeFigureOut">
               <a:rPr lang="en-US" smtClean="0"/>
-              <a:t>9/29/23</a:t>
+              <a:t>9/11/24</a:t>
             </a:fld>
             <a:endParaRPr lang="en-US"/>
           </a:p>
@@ -2406,7 +2406,7 @@
           <a:p>
             <a:fld id="{EEE7C04C-7AF8-1445-A186-502B631B934F}" type="datetimeFigureOut">
               <a:rPr lang="en-US" smtClean="0"/>
-              <a:t>9/29/23</a:t>
+              <a:t>9/11/24</a:t>
             </a:fld>
             <a:endParaRPr lang="en-US"/>
           </a:p>
@@ -2658,7 +2658,7 @@
           <a:p>
             <a:fld id="{EEE7C04C-7AF8-1445-A186-502B631B934F}" type="datetimeFigureOut">
               <a:rPr lang="en-US" smtClean="0"/>
-              <a:t>9/29/23</a:t>
+              <a:t>9/11/24</a:t>
             </a:fld>
             <a:endParaRPr lang="en-US"/>
           </a:p>
@@ -2865,7 +2865,7 @@
           <a:p>
             <a:fld id="{EEE7C04C-7AF8-1445-A186-502B631B934F}" type="datetimeFigureOut">
               <a:rPr lang="en-US" smtClean="0"/>
-              <a:t>9/29/23</a:t>
+              <a:t>9/11/24</a:t>
             </a:fld>
             <a:endParaRPr lang="en-US"/>
           </a:p>
@@ -3316,6 +3316,10 @@
               <a:t>Browser</a:t>
             </a:r>
           </a:p>
+          <a:p>
+            <a:pPr algn="r"/>
+            <a:endParaRPr lang="en-US" dirty="0"/>
+          </a:p>
         </p:txBody>
       </p:sp>
       <p:sp>
@@ -3505,8 +3509,8 @@
         </p:nvSpPr>
         <p:spPr>
           <a:xfrm>
-            <a:off x="1908003" y="4073744"/>
-            <a:ext cx="1419280" cy="2345410"/>
+            <a:off x="1809475" y="4073744"/>
+            <a:ext cx="1337820" cy="2345410"/>
           </a:xfrm>
           <a:prstGeom prst="rect">
             <a:avLst/>
@@ -5363,6 +5367,70 @@
           </a:fontRef>
         </p:style>
       </p:cxnSp>
+      <p:sp>
+        <p:nvSpPr>
+          <p:cNvPr id="3" name="Rectangle 2">
+            <a:extLst>
+              <a:ext uri="{FF2B5EF4-FFF2-40B4-BE49-F238E27FC236}">
+                <a16:creationId xmlns:a16="http://schemas.microsoft.com/office/drawing/2014/main" id="{E4A1BA6C-C878-1A14-6E63-29A21B881612}"/>
+              </a:ext>
+            </a:extLst>
+          </p:cNvPr>
+          <p:cNvSpPr/>
+          <p:nvPr/>
+        </p:nvSpPr>
+        <p:spPr>
+          <a:xfrm>
+            <a:off x="1728015" y="1875740"/>
+            <a:ext cx="1419280" cy="660689"/>
+          </a:xfrm>
+          <a:prstGeom prst="rect">
+            <a:avLst/>
+          </a:prstGeom>
+          <a:solidFill>
+            <a:schemeClr val="tx1">
+              <a:lumMod val="50000"/>
+            </a:schemeClr>
+          </a:solidFill>
+          <a:ln w="28575">
+            <a:solidFill>
+              <a:schemeClr val="tx1"/>
+            </a:solidFill>
+          </a:ln>
+        </p:spPr>
+        <p:style>
+          <a:lnRef idx="2">
+            <a:schemeClr val="accent1">
+              <a:shade val="50000"/>
+            </a:schemeClr>
+          </a:lnRef>
+          <a:fillRef idx="1">
+            <a:schemeClr val="accent1"/>
+          </a:fillRef>
+          <a:effectRef idx="0">
+            <a:schemeClr val="accent1"/>
+          </a:effectRef>
+          <a:fontRef idx="minor">
+            <a:schemeClr val="lt1"/>
+          </a:fontRef>
+        </p:style>
+        <p:txBody>
+          <a:bodyPr rtlCol="0" anchor="b"/>
+          <a:lstStyle/>
+          <a:p>
+            <a:r>
+              <a:rPr lang="en-US" dirty="0"/>
+              <a:t>HTML</a:t>
+            </a:r>
+          </a:p>
+          <a:p>
+            <a:r>
+              <a:rPr lang="en-US" dirty="0"/>
+              <a:t>CSS</a:t>
+            </a:r>
+          </a:p>
+        </p:txBody>
+      </p:sp>
     </p:spTree>
     <p:extLst>
       <p:ext uri="{BB962C8B-B14F-4D97-AF65-F5344CB8AC3E}">

--- a/lectures/bigpicture.pptx
+++ b/lectures/bigpicture.pptx
@@ -199,7 +199,7 @@
           <a:p>
             <a:fld id="{C97B56FC-7D2E-F343-9D09-0D14B00AA564}" type="datetimeFigureOut">
               <a:rPr lang="en-US" smtClean="0"/>
-              <a:t>9/11/24</a:t>
+              <a:t>10/22/24</a:t>
             </a:fld>
             <a:endParaRPr lang="en-US"/>
           </a:p>
@@ -596,7 +596,7 @@
           <a:p>
             <a:fld id="{EEE7C04C-7AF8-1445-A186-502B631B934F}" type="datetimeFigureOut">
               <a:rPr lang="en-US" smtClean="0"/>
-              <a:t>9/11/24</a:t>
+              <a:t>10/22/24</a:t>
             </a:fld>
             <a:endParaRPr lang="en-US"/>
           </a:p>
@@ -761,7 +761,7 @@
           <a:p>
             <a:fld id="{EEE7C04C-7AF8-1445-A186-502B631B934F}" type="datetimeFigureOut">
               <a:rPr lang="en-US" smtClean="0"/>
-              <a:t>9/11/24</a:t>
+              <a:t>10/22/24</a:t>
             </a:fld>
             <a:endParaRPr lang="en-US"/>
           </a:p>
@@ -936,7 +936,7 @@
           <a:p>
             <a:fld id="{EEE7C04C-7AF8-1445-A186-502B631B934F}" type="datetimeFigureOut">
               <a:rPr lang="en-US" smtClean="0"/>
-              <a:t>9/11/24</a:t>
+              <a:t>10/22/24</a:t>
             </a:fld>
             <a:endParaRPr lang="en-US"/>
           </a:p>
@@ -1101,7 +1101,7 @@
           <a:p>
             <a:fld id="{EEE7C04C-7AF8-1445-A186-502B631B934F}" type="datetimeFigureOut">
               <a:rPr lang="en-US" smtClean="0"/>
-              <a:t>9/11/24</a:t>
+              <a:t>10/22/24</a:t>
             </a:fld>
             <a:endParaRPr lang="en-US"/>
           </a:p>
@@ -1342,7 +1342,7 @@
           <a:p>
             <a:fld id="{EEE7C04C-7AF8-1445-A186-502B631B934F}" type="datetimeFigureOut">
               <a:rPr lang="en-US" smtClean="0"/>
-              <a:t>9/11/24</a:t>
+              <a:t>10/22/24</a:t>
             </a:fld>
             <a:endParaRPr lang="en-US"/>
           </a:p>
@@ -1569,7 +1569,7 @@
           <a:p>
             <a:fld id="{EEE7C04C-7AF8-1445-A186-502B631B934F}" type="datetimeFigureOut">
               <a:rPr lang="en-US" smtClean="0"/>
-              <a:t>9/11/24</a:t>
+              <a:t>10/22/24</a:t>
             </a:fld>
             <a:endParaRPr lang="en-US"/>
           </a:p>
@@ -1931,7 +1931,7 @@
           <a:p>
             <a:fld id="{EEE7C04C-7AF8-1445-A186-502B631B934F}" type="datetimeFigureOut">
               <a:rPr lang="en-US" smtClean="0"/>
-              <a:t>9/11/24</a:t>
+              <a:t>10/22/24</a:t>
             </a:fld>
             <a:endParaRPr lang="en-US"/>
           </a:p>
@@ -2044,7 +2044,7 @@
           <a:p>
             <a:fld id="{EEE7C04C-7AF8-1445-A186-502B631B934F}" type="datetimeFigureOut">
               <a:rPr lang="en-US" smtClean="0"/>
-              <a:t>9/11/24</a:t>
+              <a:t>10/22/24</a:t>
             </a:fld>
             <a:endParaRPr lang="en-US"/>
           </a:p>
@@ -2134,7 +2134,7 @@
           <a:p>
             <a:fld id="{EEE7C04C-7AF8-1445-A186-502B631B934F}" type="datetimeFigureOut">
               <a:rPr lang="en-US" smtClean="0"/>
-              <a:t>9/11/24</a:t>
+              <a:t>10/22/24</a:t>
             </a:fld>
             <a:endParaRPr lang="en-US"/>
           </a:p>
@@ -2406,7 +2406,7 @@
           <a:p>
             <a:fld id="{EEE7C04C-7AF8-1445-A186-502B631B934F}" type="datetimeFigureOut">
               <a:rPr lang="en-US" smtClean="0"/>
-              <a:t>9/11/24</a:t>
+              <a:t>10/22/24</a:t>
             </a:fld>
             <a:endParaRPr lang="en-US"/>
           </a:p>
@@ -2658,7 +2658,7 @@
           <a:p>
             <a:fld id="{EEE7C04C-7AF8-1445-A186-502B631B934F}" type="datetimeFigureOut">
               <a:rPr lang="en-US" smtClean="0"/>
-              <a:t>9/11/24</a:t>
+              <a:t>10/22/24</a:t>
             </a:fld>
             <a:endParaRPr lang="en-US"/>
           </a:p>
@@ -2865,7 +2865,7 @@
           <a:p>
             <a:fld id="{EEE7C04C-7AF8-1445-A186-502B631B934F}" type="datetimeFigureOut">
               <a:rPr lang="en-US" smtClean="0"/>
-              <a:t>9/11/24</a:t>
+              <a:t>10/22/24</a:t>
             </a:fld>
             <a:endParaRPr lang="en-US"/>
           </a:p>
@@ -5469,30 +5469,163 @@
           <a:chExt cx="0" cy="0"/>
         </a:xfrm>
       </p:grpSpPr>
+      <p:sp>
+        <p:nvSpPr>
+          <p:cNvPr id="8" name="Rectangle 7">
+            <a:extLst>
+              <a:ext uri="{FF2B5EF4-FFF2-40B4-BE49-F238E27FC236}">
+                <a16:creationId xmlns:a16="http://schemas.microsoft.com/office/drawing/2014/main" id="{01D0AF59-99C3-4251-AB9A-C966C6AD4400}"/>
+              </a:ext>
+              <a:ext uri="{C183D7F6-B498-43B3-948B-1728B52AA6E4}">
+                <adec:decorative xmlns:adec="http://schemas.microsoft.com/office/drawing/2017/decorative" val="1"/>
+              </a:ext>
+            </a:extLst>
+          </p:cNvPr>
+          <p:cNvSpPr>
+            <a:spLocks noGrp="1" noRot="1" noChangeAspect="1" noMove="1" noResize="1" noEditPoints="1" noAdjustHandles="1" noChangeArrowheads="1" noChangeShapeType="1" noTextEdit="1"/>
+          </p:cNvSpPr>
+          <p:nvPr>
+            <p:extLst>
+              <p:ext uri="{386F3935-93C4-4BCD-93E2-E3B085C9AB24}">
+                <p16:designElem xmlns:p16="http://schemas.microsoft.com/office/powerpoint/2015/main" val="1"/>
+              </p:ext>
+            </p:extLst>
+          </p:nvPr>
+        </p:nvSpPr>
+        <p:spPr>
+          <a:xfrm>
+            <a:off x="0" y="0"/>
+            <a:ext cx="12192000" cy="6858000"/>
+          </a:xfrm>
+          <a:prstGeom prst="rect">
+            <a:avLst/>
+          </a:prstGeom>
+          <a:solidFill>
+            <a:schemeClr val="bg2"/>
+          </a:solidFill>
+          <a:ln>
+            <a:noFill/>
+          </a:ln>
+        </p:spPr>
+        <p:style>
+          <a:lnRef idx="2">
+            <a:schemeClr val="accent1">
+              <a:shade val="50000"/>
+            </a:schemeClr>
+          </a:lnRef>
+          <a:fillRef idx="1">
+            <a:schemeClr val="accent1"/>
+          </a:fillRef>
+          <a:effectRef idx="0">
+            <a:schemeClr val="accent1"/>
+          </a:effectRef>
+          <a:fontRef idx="minor">
+            <a:schemeClr val="lt1"/>
+          </a:fontRef>
+        </p:style>
+        <p:txBody>
+          <a:bodyPr rtlCol="0" anchor="ctr"/>
+          <a:lstStyle/>
+          <a:p>
+            <a:pPr algn="ctr"/>
+            <a:endParaRPr lang="en-US"/>
+          </a:p>
+        </p:txBody>
+      </p:sp>
+      <p:sp>
+        <p:nvSpPr>
+          <p:cNvPr id="10" name="Rectangle 9">
+            <a:extLst>
+              <a:ext uri="{FF2B5EF4-FFF2-40B4-BE49-F238E27FC236}">
+                <a16:creationId xmlns:a16="http://schemas.microsoft.com/office/drawing/2014/main" id="{1855405F-37A2-4869-9154-F8BE3BECE6C3}"/>
+              </a:ext>
+              <a:ext uri="{C183D7F6-B498-43B3-948B-1728B52AA6E4}">
+                <adec:decorative xmlns:adec="http://schemas.microsoft.com/office/drawing/2017/decorative" val="1"/>
+              </a:ext>
+            </a:extLst>
+          </p:cNvPr>
+          <p:cNvSpPr>
+            <a:spLocks noGrp="1" noRot="1" noChangeAspect="1" noMove="1" noResize="1" noEditPoints="1" noAdjustHandles="1" noChangeArrowheads="1" noChangeShapeType="1" noTextEdit="1"/>
+          </p:cNvSpPr>
+          <p:nvPr>
+            <p:extLst>
+              <p:ext uri="{386F3935-93C4-4BCD-93E2-E3B085C9AB24}">
+                <p16:designElem xmlns:p16="http://schemas.microsoft.com/office/powerpoint/2015/main" val="1"/>
+              </p:ext>
+            </p:extLst>
+          </p:nvPr>
+        </p:nvSpPr>
+        <p:spPr>
+          <a:xfrm>
+            <a:off x="477012" y="480060"/>
+            <a:ext cx="11237976" cy="5897880"/>
+          </a:xfrm>
+          <a:prstGeom prst="rect">
+            <a:avLst/>
+          </a:prstGeom>
+          <a:solidFill>
+            <a:srgbClr val="FFFFFF"/>
+          </a:solidFill>
+          <a:ln w="9525">
+            <a:noFill/>
+          </a:ln>
+          <a:effectLst>
+            <a:outerShdw blurRad="63500" dist="17780" dir="5400000" algn="t" rotWithShape="0">
+              <a:prstClr val="black">
+                <a:alpha val="43000"/>
+              </a:prstClr>
+            </a:outerShdw>
+          </a:effectLst>
+        </p:spPr>
+        <p:style>
+          <a:lnRef idx="2">
+            <a:schemeClr val="accent1">
+              <a:shade val="50000"/>
+            </a:schemeClr>
+          </a:lnRef>
+          <a:fillRef idx="1">
+            <a:schemeClr val="accent1"/>
+          </a:fillRef>
+          <a:effectRef idx="0">
+            <a:schemeClr val="accent1"/>
+          </a:effectRef>
+          <a:fontRef idx="minor">
+            <a:schemeClr val="lt1"/>
+          </a:fontRef>
+        </p:style>
+        <p:txBody>
+          <a:bodyPr rtlCol="0" anchor="ctr"/>
+          <a:lstStyle/>
+          <a:p>
+            <a:pPr algn="ctr"/>
+            <a:endParaRPr lang="en-US"/>
+          </a:p>
+        </p:txBody>
+      </p:sp>
       <p:pic>
         <p:nvPicPr>
-          <p:cNvPr id="4" name="Picture 3"/>
+          <p:cNvPr id="3" name="Picture 2" descr="A screenshot of a computer&#10;&#10;Description automatically generated">
+            <a:extLst>
+              <a:ext uri="{FF2B5EF4-FFF2-40B4-BE49-F238E27FC236}">
+                <a16:creationId xmlns:a16="http://schemas.microsoft.com/office/drawing/2014/main" id="{735112A3-42B8-F19B-940E-C5BB916193F4}"/>
+              </a:ext>
+            </a:extLst>
+          </p:cNvPr>
           <p:cNvPicPr>
             <a:picLocks noChangeAspect="1"/>
           </p:cNvPicPr>
           <p:nvPr/>
         </p:nvPicPr>
         <p:blipFill>
-          <a:blip r:embed="rId2">
-            <a:extLst>
-              <a:ext uri="{28A0092B-C50C-407E-A947-70E740481C1C}">
-                <a14:useLocalDpi xmlns:a14="http://schemas.microsoft.com/office/drawing/2010/main" val="0"/>
-              </a:ext>
-            </a:extLst>
-          </a:blip>
+          <a:blip r:embed="rId2"/>
           <a:stretch>
             <a:fillRect/>
           </a:stretch>
         </p:blipFill>
         <p:spPr>
           <a:xfrm>
-            <a:off x="643467" y="893571"/>
-            <a:ext cx="10905066" cy="5070856"/>
+            <a:off x="643467" y="1561507"/>
+            <a:ext cx="10905066" cy="3734985"/>
           </a:xfrm>
           <a:prstGeom prst="rect">
             <a:avLst/>
